--- a/Casino Murmeln Präsentation Dienstag.pptx
+++ b/Casino Murmeln Präsentation Dienstag.pptx
@@ -2,22 +2,23 @@
 <file path=ppt/presentation.xml><?xml version="1.0" encoding="utf-8"?>
 <p:presentation xmlns:a="http://schemas.openxmlformats.org/drawingml/2006/main" xmlns:r="http://schemas.openxmlformats.org/officeDocument/2006/relationships" xmlns:p="http://schemas.openxmlformats.org/presentationml/2006/main" saveSubsetFonts="1">
   <p:sldMasterIdLst>
-    <p:sldMasterId id="2147483648" r:id="rId1"/>
+    <p:sldMasterId id="2147483660" r:id="rId1"/>
   </p:sldMasterIdLst>
   <p:sldIdLst>
     <p:sldId id="256" r:id="rId2"/>
     <p:sldId id="257" r:id="rId3"/>
     <p:sldId id="258" r:id="rId4"/>
-    <p:sldId id="259" r:id="rId5"/>
-    <p:sldId id="260" r:id="rId6"/>
+    <p:sldId id="261" r:id="rId5"/>
+    <p:sldId id="259" r:id="rId6"/>
+    <p:sldId id="260" r:id="rId7"/>
   </p:sldIdLst>
   <p:sldSz cx="12192000" cy="6858000"/>
   <p:notesSz cx="6858000" cy="9144000"/>
   <p:defaultTextStyle>
     <a:defPPr>
-      <a:defRPr lang="de-DE"/>
+      <a:defRPr lang="en-US"/>
     </a:defPPr>
-    <a:lvl1pPr marL="0" algn="l" defTabSz="914400" rtl="0" eaLnBrk="1" latinLnBrk="0" hangingPunct="1">
+    <a:lvl1pPr marL="0" algn="l" defTabSz="457200" rtl="0" eaLnBrk="1" latinLnBrk="0" hangingPunct="1">
       <a:defRPr sz="1800" kern="1200">
         <a:solidFill>
           <a:schemeClr val="tx1"/>
@@ -27,7 +28,7 @@
         <a:cs typeface="+mn-cs"/>
       </a:defRPr>
     </a:lvl1pPr>
-    <a:lvl2pPr marL="457200" algn="l" defTabSz="914400" rtl="0" eaLnBrk="1" latinLnBrk="0" hangingPunct="1">
+    <a:lvl2pPr marL="457200" algn="l" defTabSz="457200" rtl="0" eaLnBrk="1" latinLnBrk="0" hangingPunct="1">
       <a:defRPr sz="1800" kern="1200">
         <a:solidFill>
           <a:schemeClr val="tx1"/>
@@ -37,7 +38,7 @@
         <a:cs typeface="+mn-cs"/>
       </a:defRPr>
     </a:lvl2pPr>
-    <a:lvl3pPr marL="914400" algn="l" defTabSz="914400" rtl="0" eaLnBrk="1" latinLnBrk="0" hangingPunct="1">
+    <a:lvl3pPr marL="914400" algn="l" defTabSz="457200" rtl="0" eaLnBrk="1" latinLnBrk="0" hangingPunct="1">
       <a:defRPr sz="1800" kern="1200">
         <a:solidFill>
           <a:schemeClr val="tx1"/>
@@ -47,7 +48,7 @@
         <a:cs typeface="+mn-cs"/>
       </a:defRPr>
     </a:lvl3pPr>
-    <a:lvl4pPr marL="1371600" algn="l" defTabSz="914400" rtl="0" eaLnBrk="1" latinLnBrk="0" hangingPunct="1">
+    <a:lvl4pPr marL="1371600" algn="l" defTabSz="457200" rtl="0" eaLnBrk="1" latinLnBrk="0" hangingPunct="1">
       <a:defRPr sz="1800" kern="1200">
         <a:solidFill>
           <a:schemeClr val="tx1"/>
@@ -57,7 +58,7 @@
         <a:cs typeface="+mn-cs"/>
       </a:defRPr>
     </a:lvl4pPr>
-    <a:lvl5pPr marL="1828800" algn="l" defTabSz="914400" rtl="0" eaLnBrk="1" latinLnBrk="0" hangingPunct="1">
+    <a:lvl5pPr marL="1828800" algn="l" defTabSz="457200" rtl="0" eaLnBrk="1" latinLnBrk="0" hangingPunct="1">
       <a:defRPr sz="1800" kern="1200">
         <a:solidFill>
           <a:schemeClr val="tx1"/>
@@ -67,7 +68,7 @@
         <a:cs typeface="+mn-cs"/>
       </a:defRPr>
     </a:lvl5pPr>
-    <a:lvl6pPr marL="2286000" algn="l" defTabSz="914400" rtl="0" eaLnBrk="1" latinLnBrk="0" hangingPunct="1">
+    <a:lvl6pPr marL="2286000" algn="l" defTabSz="457200" rtl="0" eaLnBrk="1" latinLnBrk="0" hangingPunct="1">
       <a:defRPr sz="1800" kern="1200">
         <a:solidFill>
           <a:schemeClr val="tx1"/>
@@ -77,7 +78,7 @@
         <a:cs typeface="+mn-cs"/>
       </a:defRPr>
     </a:lvl6pPr>
-    <a:lvl7pPr marL="2743200" algn="l" defTabSz="914400" rtl="0" eaLnBrk="1" latinLnBrk="0" hangingPunct="1">
+    <a:lvl7pPr marL="2743200" algn="l" defTabSz="457200" rtl="0" eaLnBrk="1" latinLnBrk="0" hangingPunct="1">
       <a:defRPr sz="1800" kern="1200">
         <a:solidFill>
           <a:schemeClr val="tx1"/>
@@ -87,7 +88,7 @@
         <a:cs typeface="+mn-cs"/>
       </a:defRPr>
     </a:lvl7pPr>
-    <a:lvl8pPr marL="3200400" algn="l" defTabSz="914400" rtl="0" eaLnBrk="1" latinLnBrk="0" hangingPunct="1">
+    <a:lvl8pPr marL="3200400" algn="l" defTabSz="457200" rtl="0" eaLnBrk="1" latinLnBrk="0" hangingPunct="1">
       <a:defRPr sz="1800" kern="1200">
         <a:solidFill>
           <a:schemeClr val="tx1"/>
@@ -97,7 +98,7 @@
         <a:cs typeface="+mn-cs"/>
       </a:defRPr>
     </a:lvl8pPr>
-    <a:lvl9pPr marL="3657600" algn="l" defTabSz="914400" rtl="0" eaLnBrk="1" latinLnBrk="0" hangingPunct="1">
+    <a:lvl9pPr marL="3657600" algn="l" defTabSz="457200" rtl="0" eaLnBrk="1" latinLnBrk="0" hangingPunct="1">
       <a:defRPr sz="1800" kern="1200">
         <a:solidFill>
           <a:schemeClr val="tx1"/>
@@ -108,6 +109,11 @@
       </a:defRPr>
     </a:lvl9pPr>
   </p:defaultTextStyle>
+  <p:extLst>
+    <p:ext uri="{EFAFB233-063F-42B5-8137-9DF3F51BA10A}">
+      <p15:sldGuideLst xmlns:p15="http://schemas.microsoft.com/office/powerpoint/2012/main"/>
+    </p:ext>
+  </p:extLst>
 </p:presentation>
 </file>
 
@@ -130,13 +136,7 @@
       </p:grpSpPr>
       <p:sp>
         <p:nvSpPr>
-          <p:cNvPr id="2" name="Titel 1">
-            <a:extLst>
-              <a:ext uri="{FF2B5EF4-FFF2-40B4-BE49-F238E27FC236}">
-                <a16:creationId xmlns:a16="http://schemas.microsoft.com/office/drawing/2014/main" id="{47E0CED7-42DE-AF44-60CD-40E274320509}"/>
-              </a:ext>
-            </a:extLst>
-          </p:cNvPr>
+          <p:cNvPr id="2" name="Title 1"/>
           <p:cNvSpPr>
             <a:spLocks noGrp="1"/>
           </p:cNvSpPr>
@@ -146,15 +146,15 @@
         </p:nvSpPr>
         <p:spPr>
           <a:xfrm>
-            <a:off x="1524000" y="1122363"/>
-            <a:ext cx="9144000" cy="2387600"/>
+            <a:off x="1154955" y="1447800"/>
+            <a:ext cx="8825658" cy="3329581"/>
           </a:xfrm>
         </p:spPr>
         <p:txBody>
           <a:bodyPr anchor="b"/>
           <a:lstStyle>
-            <a:lvl1pPr algn="ctr">
-              <a:defRPr sz="6000"/>
+            <a:lvl1pPr>
+              <a:defRPr sz="7200"/>
             </a:lvl1pPr>
           </a:lstStyle>
           <a:p>
@@ -162,18 +162,13 @@
               <a:rPr lang="de-DE"/>
               <a:t>Mastertitelformat bearbeiten</a:t>
             </a:r>
-          </a:p>
-        </p:txBody>
-      </p:sp>
-      <p:sp>
-        <p:nvSpPr>
-          <p:cNvPr id="3" name="Untertitel 2">
-            <a:extLst>
-              <a:ext uri="{FF2B5EF4-FFF2-40B4-BE49-F238E27FC236}">
-                <a16:creationId xmlns:a16="http://schemas.microsoft.com/office/drawing/2014/main" id="{741D6D2D-B30E-538A-9296-B836AFB3AA3D}"/>
-              </a:ext>
-            </a:extLst>
-          </p:cNvPr>
+            <a:endParaRPr lang="en-US" dirty="0"/>
+          </a:p>
+        </p:txBody>
+      </p:sp>
+      <p:sp>
+        <p:nvSpPr>
+          <p:cNvPr id="3" name="Subtitle 2"/>
           <p:cNvSpPr>
             <a:spLocks noGrp="1"/>
           </p:cNvSpPr>
@@ -183,48 +178,103 @@
         </p:nvSpPr>
         <p:spPr>
           <a:xfrm>
-            <a:off x="1524000" y="3602038"/>
-            <a:ext cx="9144000" cy="1655762"/>
+            <a:off x="1154955" y="4777380"/>
+            <a:ext cx="8825658" cy="861420"/>
           </a:xfrm>
         </p:spPr>
         <p:txBody>
-          <a:bodyPr/>
+          <a:bodyPr anchor="t"/>
           <a:lstStyle>
-            <a:lvl1pPr marL="0" indent="0" algn="ctr">
-              <a:buNone/>
-              <a:defRPr sz="2400"/>
+            <a:lvl1pPr marL="0" indent="0" algn="l">
+              <a:buNone/>
+              <a:defRPr cap="all">
+                <a:solidFill>
+                  <a:schemeClr val="bg2">
+                    <a:lumMod val="40000"/>
+                    <a:lumOff val="60000"/>
+                  </a:schemeClr>
+                </a:solidFill>
+              </a:defRPr>
             </a:lvl1pPr>
             <a:lvl2pPr marL="457200" indent="0" algn="ctr">
               <a:buNone/>
-              <a:defRPr sz="2000"/>
+              <a:defRPr>
+                <a:solidFill>
+                  <a:schemeClr val="tx1">
+                    <a:tint val="75000"/>
+                  </a:schemeClr>
+                </a:solidFill>
+              </a:defRPr>
             </a:lvl2pPr>
             <a:lvl3pPr marL="914400" indent="0" algn="ctr">
               <a:buNone/>
-              <a:defRPr sz="1800"/>
+              <a:defRPr>
+                <a:solidFill>
+                  <a:schemeClr val="tx1">
+                    <a:tint val="75000"/>
+                  </a:schemeClr>
+                </a:solidFill>
+              </a:defRPr>
             </a:lvl3pPr>
             <a:lvl4pPr marL="1371600" indent="0" algn="ctr">
               <a:buNone/>
-              <a:defRPr sz="1600"/>
+              <a:defRPr>
+                <a:solidFill>
+                  <a:schemeClr val="tx1">
+                    <a:tint val="75000"/>
+                  </a:schemeClr>
+                </a:solidFill>
+              </a:defRPr>
             </a:lvl4pPr>
             <a:lvl5pPr marL="1828800" indent="0" algn="ctr">
               <a:buNone/>
-              <a:defRPr sz="1600"/>
+              <a:defRPr>
+                <a:solidFill>
+                  <a:schemeClr val="tx1">
+                    <a:tint val="75000"/>
+                  </a:schemeClr>
+                </a:solidFill>
+              </a:defRPr>
             </a:lvl5pPr>
             <a:lvl6pPr marL="2286000" indent="0" algn="ctr">
               <a:buNone/>
-              <a:defRPr sz="1600"/>
+              <a:defRPr>
+                <a:solidFill>
+                  <a:schemeClr val="tx1">
+                    <a:tint val="75000"/>
+                  </a:schemeClr>
+                </a:solidFill>
+              </a:defRPr>
             </a:lvl6pPr>
             <a:lvl7pPr marL="2743200" indent="0" algn="ctr">
               <a:buNone/>
-              <a:defRPr sz="1600"/>
+              <a:defRPr>
+                <a:solidFill>
+                  <a:schemeClr val="tx1">
+                    <a:tint val="75000"/>
+                  </a:schemeClr>
+                </a:solidFill>
+              </a:defRPr>
             </a:lvl7pPr>
             <a:lvl8pPr marL="3200400" indent="0" algn="ctr">
               <a:buNone/>
-              <a:defRPr sz="1600"/>
+              <a:defRPr>
+                <a:solidFill>
+                  <a:schemeClr val="tx1">
+                    <a:tint val="75000"/>
+                  </a:schemeClr>
+                </a:solidFill>
+              </a:defRPr>
             </a:lvl8pPr>
             <a:lvl9pPr marL="3657600" indent="0" algn="ctr">
               <a:buNone/>
-              <a:defRPr sz="1600"/>
+              <a:defRPr>
+                <a:solidFill>
+                  <a:schemeClr val="tx1">
+                    <a:tint val="75000"/>
+                  </a:schemeClr>
+                </a:solidFill>
+              </a:defRPr>
             </a:lvl9pPr>
           </a:lstStyle>
           <a:p>
@@ -232,18 +282,13 @@
               <a:rPr lang="de-DE"/>
               <a:t>Master-Untertitelformat bearbeiten</a:t>
             </a:r>
-          </a:p>
-        </p:txBody>
-      </p:sp>
-      <p:sp>
-        <p:nvSpPr>
-          <p:cNvPr id="4" name="Datumsplatzhalter 3">
-            <a:extLst>
-              <a:ext uri="{FF2B5EF4-FFF2-40B4-BE49-F238E27FC236}">
-                <a16:creationId xmlns:a16="http://schemas.microsoft.com/office/drawing/2014/main" id="{BC9991E3-F85B-95CE-D115-24BBE3CA7383}"/>
-              </a:ext>
-            </a:extLst>
-          </p:cNvPr>
+            <a:endParaRPr lang="en-US" dirty="0"/>
+          </a:p>
+        </p:txBody>
+      </p:sp>
+      <p:sp>
+        <p:nvSpPr>
+          <p:cNvPr id="4" name="Date Placeholder 3"/>
           <p:cNvSpPr>
             <a:spLocks noGrp="1"/>
           </p:cNvSpPr>
@@ -258,7 +303,7 @@
           <a:p>
             <a:fld id="{D689E641-CA97-4319-9345-929272670F97}" type="datetimeFigureOut">
               <a:rPr lang="de-DE" smtClean="0"/>
-              <a:t>15.01.2023</a:t>
+              <a:t>16.01.2023</a:t>
             </a:fld>
             <a:endParaRPr lang="de-DE"/>
           </a:p>
@@ -266,13 +311,7 @@
       </p:sp>
       <p:sp>
         <p:nvSpPr>
-          <p:cNvPr id="5" name="Fußzeilenplatzhalter 4">
-            <a:extLst>
-              <a:ext uri="{FF2B5EF4-FFF2-40B4-BE49-F238E27FC236}">
-                <a16:creationId xmlns:a16="http://schemas.microsoft.com/office/drawing/2014/main" id="{85AFEA5D-2F32-5D6A-967B-62F0E7920C83}"/>
-              </a:ext>
-            </a:extLst>
-          </p:cNvPr>
+          <p:cNvPr id="5" name="Footer Placeholder 4"/>
           <p:cNvSpPr>
             <a:spLocks noGrp="1"/>
           </p:cNvSpPr>
@@ -291,13 +330,7 @@
       </p:sp>
       <p:sp>
         <p:nvSpPr>
-          <p:cNvPr id="6" name="Foliennummernplatzhalter 5">
-            <a:extLst>
-              <a:ext uri="{FF2B5EF4-FFF2-40B4-BE49-F238E27FC236}">
-                <a16:creationId xmlns:a16="http://schemas.microsoft.com/office/drawing/2014/main" id="{C8F3E1AA-7662-430F-AF38-67B71F0AED92}"/>
-              </a:ext>
-            </a:extLst>
-          </p:cNvPr>
+          <p:cNvPr id="6" name="Slide Number Placeholder 5"/>
           <p:cNvSpPr>
             <a:spLocks noGrp="1"/>
           </p:cNvSpPr>
@@ -321,7 +354,7 @@
     </p:spTree>
     <p:extLst>
       <p:ext uri="{BB962C8B-B14F-4D97-AF65-F5344CB8AC3E}">
-        <p14:creationId xmlns:p14="http://schemas.microsoft.com/office/powerpoint/2010/main" val="3464025704"/>
+        <p14:creationId xmlns:p14="http://schemas.microsoft.com/office/powerpoint/2010/main" val="2124434202"/>
       </p:ext>
     </p:extLst>
   </p:cSld>
@@ -332,6 +365,2572 @@
 </file>
 
 <file path=ppt/slideLayouts/slideLayout10.xml><?xml version="1.0" encoding="utf-8"?>
+<p:sldLayout xmlns:a="http://schemas.openxmlformats.org/drawingml/2006/main" xmlns:r="http://schemas.openxmlformats.org/officeDocument/2006/relationships" xmlns:p="http://schemas.openxmlformats.org/presentationml/2006/main" preserve="1">
+  <p:cSld name="Panoramabild mit Beschriftung">
+    <p:spTree>
+      <p:nvGrpSpPr>
+        <p:cNvPr id="1" name=""/>
+        <p:cNvGrpSpPr/>
+        <p:nvPr/>
+      </p:nvGrpSpPr>
+      <p:grpSpPr>
+        <a:xfrm>
+          <a:off x="0" y="0"/>
+          <a:ext cx="0" cy="0"/>
+          <a:chOff x="0" y="0"/>
+          <a:chExt cx="0" cy="0"/>
+        </a:xfrm>
+      </p:grpSpPr>
+      <p:sp>
+        <p:nvSpPr>
+          <p:cNvPr id="2" name="Title 1"/>
+          <p:cNvSpPr>
+            <a:spLocks noGrp="1"/>
+          </p:cNvSpPr>
+          <p:nvPr>
+            <p:ph type="title"/>
+          </p:nvPr>
+        </p:nvSpPr>
+        <p:spPr>
+          <a:xfrm>
+            <a:off x="1154956" y="4800587"/>
+            <a:ext cx="8825657" cy="566738"/>
+          </a:xfrm>
+        </p:spPr>
+        <p:txBody>
+          <a:bodyPr anchor="b">
+            <a:normAutofit/>
+          </a:bodyPr>
+          <a:lstStyle>
+            <a:lvl1pPr algn="l">
+              <a:defRPr sz="2400" b="0"/>
+            </a:lvl1pPr>
+          </a:lstStyle>
+          <a:p>
+            <a:r>
+              <a:rPr lang="de-DE"/>
+              <a:t>Mastertitelformat bearbeiten</a:t>
+            </a:r>
+            <a:endParaRPr lang="en-US" dirty="0"/>
+          </a:p>
+        </p:txBody>
+      </p:sp>
+      <p:sp>
+        <p:nvSpPr>
+          <p:cNvPr id="3" name="Picture Placeholder 2"/>
+          <p:cNvSpPr>
+            <a:spLocks noGrp="1" noChangeAspect="1"/>
+          </p:cNvSpPr>
+          <p:nvPr>
+            <p:ph type="pic" idx="1"/>
+          </p:nvPr>
+        </p:nvSpPr>
+        <p:spPr>
+          <a:xfrm>
+            <a:off x="1154955" y="685800"/>
+            <a:ext cx="8825658" cy="3640666"/>
+          </a:xfrm>
+          <a:prstGeom prst="roundRect">
+            <a:avLst>
+              <a:gd name="adj" fmla="val 1858"/>
+            </a:avLst>
+          </a:prstGeom>
+          <a:effectLst>
+            <a:outerShdw blurRad="50800" dist="50800" dir="5400000" algn="tl" rotWithShape="0">
+              <a:srgbClr val="000000">
+                <a:alpha val="43000"/>
+              </a:srgbClr>
+            </a:outerShdw>
+          </a:effectLst>
+        </p:spPr>
+        <p:txBody>
+          <a:bodyPr anchor="t">
+            <a:normAutofit/>
+          </a:bodyPr>
+          <a:lstStyle>
+            <a:lvl1pPr marL="0" indent="0" algn="ctr">
+              <a:buNone/>
+              <a:defRPr sz="1600"/>
+            </a:lvl1pPr>
+            <a:lvl2pPr marL="457200" indent="0">
+              <a:buNone/>
+              <a:defRPr sz="1600"/>
+            </a:lvl2pPr>
+            <a:lvl3pPr marL="914400" indent="0">
+              <a:buNone/>
+              <a:defRPr sz="1600"/>
+            </a:lvl3pPr>
+            <a:lvl4pPr marL="1371600" indent="0">
+              <a:buNone/>
+              <a:defRPr sz="1600"/>
+            </a:lvl4pPr>
+            <a:lvl5pPr marL="1828800" indent="0">
+              <a:buNone/>
+              <a:defRPr sz="1600"/>
+            </a:lvl5pPr>
+            <a:lvl6pPr marL="2286000" indent="0">
+              <a:buNone/>
+              <a:defRPr sz="1600"/>
+            </a:lvl6pPr>
+            <a:lvl7pPr marL="2743200" indent="0">
+              <a:buNone/>
+              <a:defRPr sz="1600"/>
+            </a:lvl7pPr>
+            <a:lvl8pPr marL="3200400" indent="0">
+              <a:buNone/>
+              <a:defRPr sz="1600"/>
+            </a:lvl8pPr>
+            <a:lvl9pPr marL="3657600" indent="0">
+              <a:buNone/>
+              <a:defRPr sz="1600"/>
+            </a:lvl9pPr>
+          </a:lstStyle>
+          <a:p>
+            <a:r>
+              <a:rPr lang="de-DE"/>
+              <a:t>Bild durch Klicken auf Symbol hinzufügen</a:t>
+            </a:r>
+            <a:endParaRPr lang="en-US" dirty="0"/>
+          </a:p>
+        </p:txBody>
+      </p:sp>
+      <p:sp>
+        <p:nvSpPr>
+          <p:cNvPr id="4" name="Text Placeholder 3"/>
+          <p:cNvSpPr>
+            <a:spLocks noGrp="1"/>
+          </p:cNvSpPr>
+          <p:nvPr>
+            <p:ph type="body" sz="half" idx="2"/>
+          </p:nvPr>
+        </p:nvSpPr>
+        <p:spPr>
+          <a:xfrm>
+            <a:off x="1154956" y="5367325"/>
+            <a:ext cx="8825656" cy="493712"/>
+          </a:xfrm>
+        </p:spPr>
+        <p:txBody>
+          <a:bodyPr>
+            <a:normAutofit/>
+          </a:bodyPr>
+          <a:lstStyle>
+            <a:lvl1pPr marL="0" indent="0">
+              <a:buNone/>
+              <a:defRPr sz="1200"/>
+            </a:lvl1pPr>
+            <a:lvl2pPr marL="457200" indent="0">
+              <a:buNone/>
+              <a:defRPr sz="1200"/>
+            </a:lvl2pPr>
+            <a:lvl3pPr marL="914400" indent="0">
+              <a:buNone/>
+              <a:defRPr sz="1000"/>
+            </a:lvl3pPr>
+            <a:lvl4pPr marL="1371600" indent="0">
+              <a:buNone/>
+              <a:defRPr sz="900"/>
+            </a:lvl4pPr>
+            <a:lvl5pPr marL="1828800" indent="0">
+              <a:buNone/>
+              <a:defRPr sz="900"/>
+            </a:lvl5pPr>
+            <a:lvl6pPr marL="2286000" indent="0">
+              <a:buNone/>
+              <a:defRPr sz="900"/>
+            </a:lvl6pPr>
+            <a:lvl7pPr marL="2743200" indent="0">
+              <a:buNone/>
+              <a:defRPr sz="900"/>
+            </a:lvl7pPr>
+            <a:lvl8pPr marL="3200400" indent="0">
+              <a:buNone/>
+              <a:defRPr sz="900"/>
+            </a:lvl8pPr>
+            <a:lvl9pPr marL="3657600" indent="0">
+              <a:buNone/>
+              <a:defRPr sz="900"/>
+            </a:lvl9pPr>
+          </a:lstStyle>
+          <a:p>
+            <a:pPr lvl="0"/>
+            <a:r>
+              <a:rPr lang="de-DE"/>
+              <a:t>Mastertextformat bearbeiten</a:t>
+            </a:r>
+          </a:p>
+        </p:txBody>
+      </p:sp>
+      <p:sp>
+        <p:nvSpPr>
+          <p:cNvPr id="5" name="Date Placeholder 4"/>
+          <p:cNvSpPr>
+            <a:spLocks noGrp="1"/>
+          </p:cNvSpPr>
+          <p:nvPr>
+            <p:ph type="dt" sz="half" idx="10"/>
+          </p:nvPr>
+        </p:nvSpPr>
+        <p:spPr/>
+        <p:txBody>
+          <a:bodyPr/>
+          <a:lstStyle/>
+          <a:p>
+            <a:fld id="{D689E641-CA97-4319-9345-929272670F97}" type="datetimeFigureOut">
+              <a:rPr lang="de-DE" smtClean="0"/>
+              <a:t>16.01.2023</a:t>
+            </a:fld>
+            <a:endParaRPr lang="de-DE"/>
+          </a:p>
+        </p:txBody>
+      </p:sp>
+      <p:sp>
+        <p:nvSpPr>
+          <p:cNvPr id="6" name="Footer Placeholder 5"/>
+          <p:cNvSpPr>
+            <a:spLocks noGrp="1"/>
+          </p:cNvSpPr>
+          <p:nvPr>
+            <p:ph type="ftr" sz="quarter" idx="11"/>
+          </p:nvPr>
+        </p:nvSpPr>
+        <p:spPr/>
+        <p:txBody>
+          <a:bodyPr/>
+          <a:lstStyle/>
+          <a:p>
+            <a:endParaRPr lang="de-DE"/>
+          </a:p>
+        </p:txBody>
+      </p:sp>
+      <p:sp>
+        <p:nvSpPr>
+          <p:cNvPr id="7" name="Slide Number Placeholder 6"/>
+          <p:cNvSpPr>
+            <a:spLocks noGrp="1"/>
+          </p:cNvSpPr>
+          <p:nvPr>
+            <p:ph type="sldNum" sz="quarter" idx="12"/>
+          </p:nvPr>
+        </p:nvSpPr>
+        <p:spPr/>
+        <p:txBody>
+          <a:bodyPr/>
+          <a:lstStyle/>
+          <a:p>
+            <a:fld id="{C708D073-B40A-4D23-B338-33968C9DECD1}" type="slidenum">
+              <a:rPr lang="de-DE" smtClean="0"/>
+              <a:t>‹Nr.›</a:t>
+            </a:fld>
+            <a:endParaRPr lang="de-DE"/>
+          </a:p>
+        </p:txBody>
+      </p:sp>
+    </p:spTree>
+    <p:extLst>
+      <p:ext uri="{BB962C8B-B14F-4D97-AF65-F5344CB8AC3E}">
+        <p14:creationId xmlns:p14="http://schemas.microsoft.com/office/powerpoint/2010/main" val="1807280583"/>
+      </p:ext>
+    </p:extLst>
+  </p:cSld>
+  <p:clrMapOvr>
+    <a:masterClrMapping/>
+  </p:clrMapOvr>
+</p:sldLayout>
+</file>
+
+<file path=ppt/slideLayouts/slideLayout11.xml><?xml version="1.0" encoding="utf-8"?>
+<p:sldLayout xmlns:a="http://schemas.openxmlformats.org/drawingml/2006/main" xmlns:r="http://schemas.openxmlformats.org/officeDocument/2006/relationships" xmlns:p="http://schemas.openxmlformats.org/presentationml/2006/main" preserve="1">
+  <p:cSld name="Titel und Beschriftung">
+    <p:spTree>
+      <p:nvGrpSpPr>
+        <p:cNvPr id="1" name=""/>
+        <p:cNvGrpSpPr/>
+        <p:nvPr/>
+      </p:nvGrpSpPr>
+      <p:grpSpPr>
+        <a:xfrm>
+          <a:off x="0" y="0"/>
+          <a:ext cx="0" cy="0"/>
+          <a:chOff x="0" y="0"/>
+          <a:chExt cx="0" cy="0"/>
+        </a:xfrm>
+      </p:grpSpPr>
+      <p:sp>
+        <p:nvSpPr>
+          <p:cNvPr id="2" name="Title 1"/>
+          <p:cNvSpPr>
+            <a:spLocks noGrp="1"/>
+          </p:cNvSpPr>
+          <p:nvPr>
+            <p:ph type="title"/>
+          </p:nvPr>
+        </p:nvSpPr>
+        <p:spPr>
+          <a:xfrm>
+            <a:off x="1154954" y="1447800"/>
+            <a:ext cx="8825659" cy="1981200"/>
+          </a:xfrm>
+        </p:spPr>
+        <p:txBody>
+          <a:bodyPr/>
+          <a:lstStyle>
+            <a:lvl1pPr>
+              <a:defRPr sz="4800"/>
+            </a:lvl1pPr>
+          </a:lstStyle>
+          <a:p>
+            <a:r>
+              <a:rPr lang="de-DE"/>
+              <a:t>Mastertitelformat bearbeiten</a:t>
+            </a:r>
+            <a:endParaRPr lang="en-US" dirty="0"/>
+          </a:p>
+        </p:txBody>
+      </p:sp>
+      <p:sp>
+        <p:nvSpPr>
+          <p:cNvPr id="8" name="Text Placeholder 3"/>
+          <p:cNvSpPr>
+            <a:spLocks noGrp="1"/>
+          </p:cNvSpPr>
+          <p:nvPr>
+            <p:ph type="body" sz="half" idx="2"/>
+          </p:nvPr>
+        </p:nvSpPr>
+        <p:spPr>
+          <a:xfrm>
+            <a:off x="1154954" y="3657600"/>
+            <a:ext cx="8825659" cy="2362200"/>
+          </a:xfrm>
+        </p:spPr>
+        <p:txBody>
+          <a:bodyPr anchor="ctr">
+            <a:normAutofit/>
+          </a:bodyPr>
+          <a:lstStyle>
+            <a:lvl1pPr marL="0" indent="0">
+              <a:buNone/>
+              <a:defRPr sz="1800"/>
+            </a:lvl1pPr>
+            <a:lvl2pPr marL="457200" indent="0">
+              <a:buNone/>
+              <a:defRPr sz="1200"/>
+            </a:lvl2pPr>
+            <a:lvl3pPr marL="914400" indent="0">
+              <a:buNone/>
+              <a:defRPr sz="1000"/>
+            </a:lvl3pPr>
+            <a:lvl4pPr marL="1371600" indent="0">
+              <a:buNone/>
+              <a:defRPr sz="900"/>
+            </a:lvl4pPr>
+            <a:lvl5pPr marL="1828800" indent="0">
+              <a:buNone/>
+              <a:defRPr sz="900"/>
+            </a:lvl5pPr>
+            <a:lvl6pPr marL="2286000" indent="0">
+              <a:buNone/>
+              <a:defRPr sz="900"/>
+            </a:lvl6pPr>
+            <a:lvl7pPr marL="2743200" indent="0">
+              <a:buNone/>
+              <a:defRPr sz="900"/>
+            </a:lvl7pPr>
+            <a:lvl8pPr marL="3200400" indent="0">
+              <a:buNone/>
+              <a:defRPr sz="900"/>
+            </a:lvl8pPr>
+            <a:lvl9pPr marL="3657600" indent="0">
+              <a:buNone/>
+              <a:defRPr sz="900"/>
+            </a:lvl9pPr>
+          </a:lstStyle>
+          <a:p>
+            <a:pPr lvl="0"/>
+            <a:r>
+              <a:rPr lang="de-DE"/>
+              <a:t>Mastertextformat bearbeiten</a:t>
+            </a:r>
+          </a:p>
+        </p:txBody>
+      </p:sp>
+      <p:sp>
+        <p:nvSpPr>
+          <p:cNvPr id="4" name="Date Placeholder 3"/>
+          <p:cNvSpPr>
+            <a:spLocks noGrp="1"/>
+          </p:cNvSpPr>
+          <p:nvPr>
+            <p:ph type="dt" sz="half" idx="10"/>
+          </p:nvPr>
+        </p:nvSpPr>
+        <p:spPr/>
+        <p:txBody>
+          <a:bodyPr/>
+          <a:lstStyle/>
+          <a:p>
+            <a:fld id="{D689E641-CA97-4319-9345-929272670F97}" type="datetimeFigureOut">
+              <a:rPr lang="de-DE" smtClean="0"/>
+              <a:t>16.01.2023</a:t>
+            </a:fld>
+            <a:endParaRPr lang="de-DE"/>
+          </a:p>
+        </p:txBody>
+      </p:sp>
+      <p:sp>
+        <p:nvSpPr>
+          <p:cNvPr id="5" name="Footer Placeholder 4"/>
+          <p:cNvSpPr>
+            <a:spLocks noGrp="1"/>
+          </p:cNvSpPr>
+          <p:nvPr>
+            <p:ph type="ftr" sz="quarter" idx="11"/>
+          </p:nvPr>
+        </p:nvSpPr>
+        <p:spPr/>
+        <p:txBody>
+          <a:bodyPr/>
+          <a:lstStyle/>
+          <a:p>
+            <a:endParaRPr lang="de-DE"/>
+          </a:p>
+        </p:txBody>
+      </p:sp>
+      <p:sp>
+        <p:nvSpPr>
+          <p:cNvPr id="6" name="Slide Number Placeholder 5"/>
+          <p:cNvSpPr>
+            <a:spLocks noGrp="1"/>
+          </p:cNvSpPr>
+          <p:nvPr>
+            <p:ph type="sldNum" sz="quarter" idx="12"/>
+          </p:nvPr>
+        </p:nvSpPr>
+        <p:spPr/>
+        <p:txBody>
+          <a:bodyPr/>
+          <a:lstStyle/>
+          <a:p>
+            <a:fld id="{C708D073-B40A-4D23-B338-33968C9DECD1}" type="slidenum">
+              <a:rPr lang="de-DE" smtClean="0"/>
+              <a:t>‹Nr.›</a:t>
+            </a:fld>
+            <a:endParaRPr lang="de-DE"/>
+          </a:p>
+        </p:txBody>
+      </p:sp>
+    </p:spTree>
+    <p:extLst>
+      <p:ext uri="{BB962C8B-B14F-4D97-AF65-F5344CB8AC3E}">
+        <p14:creationId xmlns:p14="http://schemas.microsoft.com/office/powerpoint/2010/main" val="3378578328"/>
+      </p:ext>
+    </p:extLst>
+  </p:cSld>
+  <p:clrMapOvr>
+    <a:masterClrMapping/>
+  </p:clrMapOvr>
+</p:sldLayout>
+</file>
+
+<file path=ppt/slideLayouts/slideLayout12.xml><?xml version="1.0" encoding="utf-8"?>
+<p:sldLayout xmlns:a="http://schemas.openxmlformats.org/drawingml/2006/main" xmlns:r="http://schemas.openxmlformats.org/officeDocument/2006/relationships" xmlns:p="http://schemas.openxmlformats.org/presentationml/2006/main" preserve="1">
+  <p:cSld name="Zitat mit Beschriftung">
+    <p:spTree>
+      <p:nvGrpSpPr>
+        <p:cNvPr id="1" name=""/>
+        <p:cNvGrpSpPr/>
+        <p:nvPr/>
+      </p:nvGrpSpPr>
+      <p:grpSpPr>
+        <a:xfrm>
+          <a:off x="0" y="0"/>
+          <a:ext cx="0" cy="0"/>
+          <a:chOff x="0" y="0"/>
+          <a:chExt cx="0" cy="0"/>
+        </a:xfrm>
+      </p:grpSpPr>
+      <p:sp>
+        <p:nvSpPr>
+          <p:cNvPr id="2" name="Title 1"/>
+          <p:cNvSpPr>
+            <a:spLocks noGrp="1"/>
+          </p:cNvSpPr>
+          <p:nvPr>
+            <p:ph type="title"/>
+          </p:nvPr>
+        </p:nvSpPr>
+        <p:spPr>
+          <a:xfrm>
+            <a:off x="1574801" y="1447800"/>
+            <a:ext cx="7999315" cy="2323374"/>
+          </a:xfrm>
+        </p:spPr>
+        <p:txBody>
+          <a:bodyPr/>
+          <a:lstStyle>
+            <a:lvl1pPr>
+              <a:defRPr sz="4800"/>
+            </a:lvl1pPr>
+          </a:lstStyle>
+          <a:p>
+            <a:r>
+              <a:rPr lang="de-DE"/>
+              <a:t>Mastertitelformat bearbeiten</a:t>
+            </a:r>
+            <a:endParaRPr lang="en-US" dirty="0"/>
+          </a:p>
+        </p:txBody>
+      </p:sp>
+      <p:sp>
+        <p:nvSpPr>
+          <p:cNvPr id="11" name="Text Placeholder 3"/>
+          <p:cNvSpPr>
+            <a:spLocks noGrp="1"/>
+          </p:cNvSpPr>
+          <p:nvPr>
+            <p:ph type="body" sz="half" idx="14"/>
+          </p:nvPr>
+        </p:nvSpPr>
+        <p:spPr>
+          <a:xfrm>
+            <a:off x="1930400" y="3771174"/>
+            <a:ext cx="7279649" cy="342174"/>
+          </a:xfrm>
+        </p:spPr>
+        <p:txBody>
+          <a:bodyPr vert="horz" lIns="91440" tIns="45720" rIns="91440" bIns="45720" rtlCol="0" anchor="t">
+            <a:normAutofit/>
+          </a:bodyPr>
+          <a:lstStyle>
+            <a:lvl1pPr marL="0" indent="0">
+              <a:buNone/>
+              <a:defRPr lang="en-US" sz="1400" b="0" i="0" kern="1200" cap="small" dirty="0">
+                <a:solidFill>
+                  <a:schemeClr val="bg2">
+                    <a:lumMod val="40000"/>
+                    <a:lumOff val="60000"/>
+                  </a:schemeClr>
+                </a:solidFill>
+                <a:latin typeface="+mj-lt"/>
+                <a:ea typeface="+mj-ea"/>
+                <a:cs typeface="+mj-cs"/>
+              </a:defRPr>
+            </a:lvl1pPr>
+            <a:lvl2pPr marL="457200" indent="0">
+              <a:buNone/>
+              <a:defRPr sz="1200"/>
+            </a:lvl2pPr>
+            <a:lvl3pPr marL="914400" indent="0">
+              <a:buNone/>
+              <a:defRPr sz="1000"/>
+            </a:lvl3pPr>
+            <a:lvl4pPr marL="1371600" indent="0">
+              <a:buNone/>
+              <a:defRPr sz="900"/>
+            </a:lvl4pPr>
+            <a:lvl5pPr marL="1828800" indent="0">
+              <a:buNone/>
+              <a:defRPr sz="900"/>
+            </a:lvl5pPr>
+            <a:lvl6pPr marL="2286000" indent="0">
+              <a:buNone/>
+              <a:defRPr sz="900"/>
+            </a:lvl6pPr>
+            <a:lvl7pPr marL="2743200" indent="0">
+              <a:buNone/>
+              <a:defRPr sz="900"/>
+            </a:lvl7pPr>
+            <a:lvl8pPr marL="3200400" indent="0">
+              <a:buNone/>
+              <a:defRPr sz="900"/>
+            </a:lvl8pPr>
+            <a:lvl9pPr marL="3657600" indent="0">
+              <a:buNone/>
+              <a:defRPr sz="900"/>
+            </a:lvl9pPr>
+          </a:lstStyle>
+          <a:p>
+            <a:pPr marL="0" lvl="0" indent="0">
+              <a:buNone/>
+            </a:pPr>
+            <a:r>
+              <a:rPr lang="de-DE"/>
+              <a:t>Mastertextformat bearbeiten</a:t>
+            </a:r>
+          </a:p>
+        </p:txBody>
+      </p:sp>
+      <p:sp>
+        <p:nvSpPr>
+          <p:cNvPr id="10" name="Text Placeholder 3"/>
+          <p:cNvSpPr>
+            <a:spLocks noGrp="1"/>
+          </p:cNvSpPr>
+          <p:nvPr>
+            <p:ph type="body" sz="half" idx="2"/>
+          </p:nvPr>
+        </p:nvSpPr>
+        <p:spPr>
+          <a:xfrm>
+            <a:off x="1154954" y="4350657"/>
+            <a:ext cx="8825659" cy="1676400"/>
+          </a:xfrm>
+        </p:spPr>
+        <p:txBody>
+          <a:bodyPr anchor="ctr">
+            <a:normAutofit/>
+          </a:bodyPr>
+          <a:lstStyle>
+            <a:lvl1pPr marL="0" indent="0">
+              <a:buNone/>
+              <a:defRPr sz="1800"/>
+            </a:lvl1pPr>
+            <a:lvl2pPr marL="457200" indent="0">
+              <a:buNone/>
+              <a:defRPr sz="1200"/>
+            </a:lvl2pPr>
+            <a:lvl3pPr marL="914400" indent="0">
+              <a:buNone/>
+              <a:defRPr sz="1000"/>
+            </a:lvl3pPr>
+            <a:lvl4pPr marL="1371600" indent="0">
+              <a:buNone/>
+              <a:defRPr sz="900"/>
+            </a:lvl4pPr>
+            <a:lvl5pPr marL="1828800" indent="0">
+              <a:buNone/>
+              <a:defRPr sz="900"/>
+            </a:lvl5pPr>
+            <a:lvl6pPr marL="2286000" indent="0">
+              <a:buNone/>
+              <a:defRPr sz="900"/>
+            </a:lvl6pPr>
+            <a:lvl7pPr marL="2743200" indent="0">
+              <a:buNone/>
+              <a:defRPr sz="900"/>
+            </a:lvl7pPr>
+            <a:lvl8pPr marL="3200400" indent="0">
+              <a:buNone/>
+              <a:defRPr sz="900"/>
+            </a:lvl8pPr>
+            <a:lvl9pPr marL="3657600" indent="0">
+              <a:buNone/>
+              <a:defRPr sz="900"/>
+            </a:lvl9pPr>
+          </a:lstStyle>
+          <a:p>
+            <a:pPr lvl="0"/>
+            <a:r>
+              <a:rPr lang="de-DE"/>
+              <a:t>Mastertextformat bearbeiten</a:t>
+            </a:r>
+          </a:p>
+        </p:txBody>
+      </p:sp>
+      <p:sp>
+        <p:nvSpPr>
+          <p:cNvPr id="4" name="Date Placeholder 3"/>
+          <p:cNvSpPr>
+            <a:spLocks noGrp="1"/>
+          </p:cNvSpPr>
+          <p:nvPr>
+            <p:ph type="dt" sz="half" idx="10"/>
+          </p:nvPr>
+        </p:nvSpPr>
+        <p:spPr/>
+        <p:txBody>
+          <a:bodyPr/>
+          <a:lstStyle/>
+          <a:p>
+            <a:fld id="{D689E641-CA97-4319-9345-929272670F97}" type="datetimeFigureOut">
+              <a:rPr lang="de-DE" smtClean="0"/>
+              <a:t>16.01.2023</a:t>
+            </a:fld>
+            <a:endParaRPr lang="de-DE"/>
+          </a:p>
+        </p:txBody>
+      </p:sp>
+      <p:sp>
+        <p:nvSpPr>
+          <p:cNvPr id="5" name="Footer Placeholder 4"/>
+          <p:cNvSpPr>
+            <a:spLocks noGrp="1"/>
+          </p:cNvSpPr>
+          <p:nvPr>
+            <p:ph type="ftr" sz="quarter" idx="11"/>
+          </p:nvPr>
+        </p:nvSpPr>
+        <p:spPr/>
+        <p:txBody>
+          <a:bodyPr/>
+          <a:lstStyle/>
+          <a:p>
+            <a:endParaRPr lang="de-DE"/>
+          </a:p>
+        </p:txBody>
+      </p:sp>
+      <p:sp>
+        <p:nvSpPr>
+          <p:cNvPr id="6" name="Slide Number Placeholder 5"/>
+          <p:cNvSpPr>
+            <a:spLocks noGrp="1"/>
+          </p:cNvSpPr>
+          <p:nvPr>
+            <p:ph type="sldNum" sz="quarter" idx="12"/>
+          </p:nvPr>
+        </p:nvSpPr>
+        <p:spPr/>
+        <p:txBody>
+          <a:bodyPr/>
+          <a:lstStyle/>
+          <a:p>
+            <a:fld id="{C708D073-B40A-4D23-B338-33968C9DECD1}" type="slidenum">
+              <a:rPr lang="de-DE" smtClean="0"/>
+              <a:t>‹Nr.›</a:t>
+            </a:fld>
+            <a:endParaRPr lang="de-DE"/>
+          </a:p>
+        </p:txBody>
+      </p:sp>
+      <p:sp>
+        <p:nvSpPr>
+          <p:cNvPr id="12" name="TextBox 11"/>
+          <p:cNvSpPr txBox="1"/>
+          <p:nvPr/>
+        </p:nvSpPr>
+        <p:spPr>
+          <a:xfrm>
+            <a:off x="898295" y="971253"/>
+            <a:ext cx="801912" cy="1969770"/>
+          </a:xfrm>
+          <a:prstGeom prst="rect">
+            <a:avLst/>
+          </a:prstGeom>
+          <a:noFill/>
+        </p:spPr>
+        <p:txBody>
+          <a:bodyPr wrap="square" rtlCol="0">
+            <a:spAutoFit/>
+          </a:bodyPr>
+          <a:lstStyle>
+            <a:defPPr>
+              <a:defRPr lang="en-US"/>
+            </a:defPPr>
+            <a:lvl1pPr algn="r">
+              <a:defRPr sz="12200" b="0" i="0">
+                <a:solidFill>
+                  <a:schemeClr val="bg2">
+                    <a:lumMod val="40000"/>
+                    <a:lumOff val="60000"/>
+                  </a:schemeClr>
+                </a:solidFill>
+                <a:latin typeface="Arial"/>
+                <a:ea typeface="+mj-ea"/>
+                <a:cs typeface="+mj-cs"/>
+              </a:defRPr>
+            </a:lvl1pPr>
+          </a:lstStyle>
+          <a:p>
+            <a:pPr lvl="0"/>
+            <a:r>
+              <a:rPr lang="en-US" dirty="0"/>
+              <a:t>“</a:t>
+            </a:r>
+          </a:p>
+        </p:txBody>
+      </p:sp>
+      <p:sp>
+        <p:nvSpPr>
+          <p:cNvPr id="15" name="TextBox 14"/>
+          <p:cNvSpPr txBox="1"/>
+          <p:nvPr/>
+        </p:nvSpPr>
+        <p:spPr>
+          <a:xfrm>
+            <a:off x="9330490" y="2613787"/>
+            <a:ext cx="801912" cy="1969770"/>
+          </a:xfrm>
+          <a:prstGeom prst="rect">
+            <a:avLst/>
+          </a:prstGeom>
+          <a:noFill/>
+        </p:spPr>
+        <p:txBody>
+          <a:bodyPr wrap="square" rtlCol="0">
+            <a:spAutoFit/>
+          </a:bodyPr>
+          <a:lstStyle>
+            <a:defPPr>
+              <a:defRPr lang="en-US"/>
+            </a:defPPr>
+            <a:lvl1pPr algn="r">
+              <a:defRPr sz="12200" b="0" i="0">
+                <a:solidFill>
+                  <a:schemeClr val="bg2">
+                    <a:lumMod val="40000"/>
+                    <a:lumOff val="60000"/>
+                  </a:schemeClr>
+                </a:solidFill>
+                <a:latin typeface="Arial"/>
+                <a:ea typeface="+mj-ea"/>
+                <a:cs typeface="+mj-cs"/>
+              </a:defRPr>
+            </a:lvl1pPr>
+          </a:lstStyle>
+          <a:p>
+            <a:pPr lvl="0"/>
+            <a:r>
+              <a:rPr lang="en-US" dirty="0"/>
+              <a:t>”</a:t>
+            </a:r>
+          </a:p>
+        </p:txBody>
+      </p:sp>
+    </p:spTree>
+    <p:extLst>
+      <p:ext uri="{BB962C8B-B14F-4D97-AF65-F5344CB8AC3E}">
+        <p14:creationId xmlns:p14="http://schemas.microsoft.com/office/powerpoint/2010/main" val="1489029052"/>
+      </p:ext>
+    </p:extLst>
+  </p:cSld>
+  <p:clrMapOvr>
+    <a:masterClrMapping/>
+  </p:clrMapOvr>
+</p:sldLayout>
+</file>
+
+<file path=ppt/slideLayouts/slideLayout13.xml><?xml version="1.0" encoding="utf-8"?>
+<p:sldLayout xmlns:a="http://schemas.openxmlformats.org/drawingml/2006/main" xmlns:r="http://schemas.openxmlformats.org/officeDocument/2006/relationships" xmlns:p="http://schemas.openxmlformats.org/presentationml/2006/main" preserve="1">
+  <p:cSld name="Namenskarte">
+    <p:spTree>
+      <p:nvGrpSpPr>
+        <p:cNvPr id="1" name=""/>
+        <p:cNvGrpSpPr/>
+        <p:nvPr/>
+      </p:nvGrpSpPr>
+      <p:grpSpPr>
+        <a:xfrm>
+          <a:off x="0" y="0"/>
+          <a:ext cx="0" cy="0"/>
+          <a:chOff x="0" y="0"/>
+          <a:chExt cx="0" cy="0"/>
+        </a:xfrm>
+      </p:grpSpPr>
+      <p:sp>
+        <p:nvSpPr>
+          <p:cNvPr id="2" name="Title 1"/>
+          <p:cNvSpPr>
+            <a:spLocks noGrp="1"/>
+          </p:cNvSpPr>
+          <p:nvPr>
+            <p:ph type="title"/>
+          </p:nvPr>
+        </p:nvSpPr>
+        <p:spPr>
+          <a:xfrm>
+            <a:off x="1154954" y="3124201"/>
+            <a:ext cx="8825660" cy="1653180"/>
+          </a:xfrm>
+        </p:spPr>
+        <p:txBody>
+          <a:bodyPr anchor="b"/>
+          <a:lstStyle>
+            <a:lvl1pPr algn="l">
+              <a:defRPr sz="4000" b="0" cap="none"/>
+            </a:lvl1pPr>
+          </a:lstStyle>
+          <a:p>
+            <a:r>
+              <a:rPr lang="de-DE"/>
+              <a:t>Mastertitelformat bearbeiten</a:t>
+            </a:r>
+            <a:endParaRPr lang="en-US" dirty="0"/>
+          </a:p>
+        </p:txBody>
+      </p:sp>
+      <p:sp>
+        <p:nvSpPr>
+          <p:cNvPr id="3" name="Text Placeholder 2"/>
+          <p:cNvSpPr>
+            <a:spLocks noGrp="1"/>
+          </p:cNvSpPr>
+          <p:nvPr>
+            <p:ph type="body" idx="1"/>
+          </p:nvPr>
+        </p:nvSpPr>
+        <p:spPr>
+          <a:xfrm>
+            <a:off x="1154954" y="4777381"/>
+            <a:ext cx="8825659" cy="860400"/>
+          </a:xfrm>
+        </p:spPr>
+        <p:txBody>
+          <a:bodyPr anchor="t"/>
+          <a:lstStyle>
+            <a:lvl1pPr marL="0" indent="0" algn="l">
+              <a:buNone/>
+              <a:defRPr sz="2000" cap="none">
+                <a:solidFill>
+                  <a:schemeClr val="bg2">
+                    <a:lumMod val="40000"/>
+                    <a:lumOff val="60000"/>
+                  </a:schemeClr>
+                </a:solidFill>
+              </a:defRPr>
+            </a:lvl1pPr>
+            <a:lvl2pPr marL="457200" indent="0">
+              <a:buNone/>
+              <a:defRPr sz="1800">
+                <a:solidFill>
+                  <a:schemeClr val="tx1">
+                    <a:tint val="75000"/>
+                  </a:schemeClr>
+                </a:solidFill>
+              </a:defRPr>
+            </a:lvl2pPr>
+            <a:lvl3pPr marL="914400" indent="0">
+              <a:buNone/>
+              <a:defRPr sz="1600">
+                <a:solidFill>
+                  <a:schemeClr val="tx1">
+                    <a:tint val="75000"/>
+                  </a:schemeClr>
+                </a:solidFill>
+              </a:defRPr>
+            </a:lvl3pPr>
+            <a:lvl4pPr marL="1371600" indent="0">
+              <a:buNone/>
+              <a:defRPr sz="1400">
+                <a:solidFill>
+                  <a:schemeClr val="tx1">
+                    <a:tint val="75000"/>
+                  </a:schemeClr>
+                </a:solidFill>
+              </a:defRPr>
+            </a:lvl4pPr>
+            <a:lvl5pPr marL="1828800" indent="0">
+              <a:buNone/>
+              <a:defRPr sz="1400">
+                <a:solidFill>
+                  <a:schemeClr val="tx1">
+                    <a:tint val="75000"/>
+                  </a:schemeClr>
+                </a:solidFill>
+              </a:defRPr>
+            </a:lvl5pPr>
+            <a:lvl6pPr marL="2286000" indent="0">
+              <a:buNone/>
+              <a:defRPr sz="1400">
+                <a:solidFill>
+                  <a:schemeClr val="tx1">
+                    <a:tint val="75000"/>
+                  </a:schemeClr>
+                </a:solidFill>
+              </a:defRPr>
+            </a:lvl6pPr>
+            <a:lvl7pPr marL="2743200" indent="0">
+              <a:buNone/>
+              <a:defRPr sz="1400">
+                <a:solidFill>
+                  <a:schemeClr val="tx1">
+                    <a:tint val="75000"/>
+                  </a:schemeClr>
+                </a:solidFill>
+              </a:defRPr>
+            </a:lvl7pPr>
+            <a:lvl8pPr marL="3200400" indent="0">
+              <a:buNone/>
+              <a:defRPr sz="1400">
+                <a:solidFill>
+                  <a:schemeClr val="tx1">
+                    <a:tint val="75000"/>
+                  </a:schemeClr>
+                </a:solidFill>
+              </a:defRPr>
+            </a:lvl8pPr>
+            <a:lvl9pPr marL="3657600" indent="0">
+              <a:buNone/>
+              <a:defRPr sz="1400">
+                <a:solidFill>
+                  <a:schemeClr val="tx1">
+                    <a:tint val="75000"/>
+                  </a:schemeClr>
+                </a:solidFill>
+              </a:defRPr>
+            </a:lvl9pPr>
+          </a:lstStyle>
+          <a:p>
+            <a:pPr lvl="0"/>
+            <a:r>
+              <a:rPr lang="de-DE"/>
+              <a:t>Mastertextformat bearbeiten</a:t>
+            </a:r>
+          </a:p>
+        </p:txBody>
+      </p:sp>
+      <p:sp>
+        <p:nvSpPr>
+          <p:cNvPr id="4" name="Date Placeholder 3"/>
+          <p:cNvSpPr>
+            <a:spLocks noGrp="1"/>
+          </p:cNvSpPr>
+          <p:nvPr>
+            <p:ph type="dt" sz="half" idx="10"/>
+          </p:nvPr>
+        </p:nvSpPr>
+        <p:spPr/>
+        <p:txBody>
+          <a:bodyPr/>
+          <a:lstStyle/>
+          <a:p>
+            <a:fld id="{D689E641-CA97-4319-9345-929272670F97}" type="datetimeFigureOut">
+              <a:rPr lang="de-DE" smtClean="0"/>
+              <a:t>16.01.2023</a:t>
+            </a:fld>
+            <a:endParaRPr lang="de-DE"/>
+          </a:p>
+        </p:txBody>
+      </p:sp>
+      <p:sp>
+        <p:nvSpPr>
+          <p:cNvPr id="5" name="Footer Placeholder 4"/>
+          <p:cNvSpPr>
+            <a:spLocks noGrp="1"/>
+          </p:cNvSpPr>
+          <p:nvPr>
+            <p:ph type="ftr" sz="quarter" idx="11"/>
+          </p:nvPr>
+        </p:nvSpPr>
+        <p:spPr/>
+        <p:txBody>
+          <a:bodyPr/>
+          <a:lstStyle/>
+          <a:p>
+            <a:endParaRPr lang="de-DE"/>
+          </a:p>
+        </p:txBody>
+      </p:sp>
+      <p:sp>
+        <p:nvSpPr>
+          <p:cNvPr id="6" name="Slide Number Placeholder 5"/>
+          <p:cNvSpPr>
+            <a:spLocks noGrp="1"/>
+          </p:cNvSpPr>
+          <p:nvPr>
+            <p:ph type="sldNum" sz="quarter" idx="12"/>
+          </p:nvPr>
+        </p:nvSpPr>
+        <p:spPr/>
+        <p:txBody>
+          <a:bodyPr/>
+          <a:lstStyle/>
+          <a:p>
+            <a:fld id="{C708D073-B40A-4D23-B338-33968C9DECD1}" type="slidenum">
+              <a:rPr lang="de-DE" smtClean="0"/>
+              <a:t>‹Nr.›</a:t>
+            </a:fld>
+            <a:endParaRPr lang="de-DE"/>
+          </a:p>
+        </p:txBody>
+      </p:sp>
+    </p:spTree>
+    <p:extLst>
+      <p:ext uri="{BB962C8B-B14F-4D97-AF65-F5344CB8AC3E}">
+        <p14:creationId xmlns:p14="http://schemas.microsoft.com/office/powerpoint/2010/main" val="1593520365"/>
+      </p:ext>
+    </p:extLst>
+  </p:cSld>
+  <p:clrMapOvr>
+    <a:masterClrMapping/>
+  </p:clrMapOvr>
+</p:sldLayout>
+</file>
+
+<file path=ppt/slideLayouts/slideLayout14.xml><?xml version="1.0" encoding="utf-8"?>
+<p:sldLayout xmlns:a="http://schemas.openxmlformats.org/drawingml/2006/main" xmlns:r="http://schemas.openxmlformats.org/officeDocument/2006/relationships" xmlns:p="http://schemas.openxmlformats.org/presentationml/2006/main" preserve="1">
+  <p:cSld name="3 Spalte">
+    <p:spTree>
+      <p:nvGrpSpPr>
+        <p:cNvPr id="1" name=""/>
+        <p:cNvGrpSpPr/>
+        <p:nvPr/>
+      </p:nvGrpSpPr>
+      <p:grpSpPr>
+        <a:xfrm>
+          <a:off x="0" y="0"/>
+          <a:ext cx="0" cy="0"/>
+          <a:chOff x="0" y="0"/>
+          <a:chExt cx="0" cy="0"/>
+        </a:xfrm>
+      </p:grpSpPr>
+      <p:sp>
+        <p:nvSpPr>
+          <p:cNvPr id="2" name="Title 1"/>
+          <p:cNvSpPr>
+            <a:spLocks noGrp="1"/>
+          </p:cNvSpPr>
+          <p:nvPr>
+            <p:ph type="title"/>
+          </p:nvPr>
+        </p:nvSpPr>
+        <p:spPr/>
+        <p:txBody>
+          <a:bodyPr/>
+          <a:lstStyle>
+            <a:lvl1pPr>
+              <a:defRPr sz="4200"/>
+            </a:lvl1pPr>
+          </a:lstStyle>
+          <a:p>
+            <a:r>
+              <a:rPr lang="de-DE"/>
+              <a:t>Mastertitelformat bearbeiten</a:t>
+            </a:r>
+            <a:endParaRPr lang="en-US" dirty="0"/>
+          </a:p>
+        </p:txBody>
+      </p:sp>
+      <p:sp>
+        <p:nvSpPr>
+          <p:cNvPr id="3" name="Text Placeholder 2"/>
+          <p:cNvSpPr>
+            <a:spLocks noGrp="1"/>
+          </p:cNvSpPr>
+          <p:nvPr>
+            <p:ph type="body" idx="1"/>
+          </p:nvPr>
+        </p:nvSpPr>
+        <p:spPr>
+          <a:xfrm>
+            <a:off x="632947" y="1981200"/>
+            <a:ext cx="2946866" cy="576262"/>
+          </a:xfrm>
+        </p:spPr>
+        <p:txBody>
+          <a:bodyPr anchor="b">
+            <a:noAutofit/>
+          </a:bodyPr>
+          <a:lstStyle>
+            <a:lvl1pPr marL="0" indent="0">
+              <a:buNone/>
+              <a:defRPr sz="2400" b="0">
+                <a:solidFill>
+                  <a:schemeClr val="bg2">
+                    <a:lumMod val="40000"/>
+                    <a:lumOff val="60000"/>
+                  </a:schemeClr>
+                </a:solidFill>
+              </a:defRPr>
+            </a:lvl1pPr>
+            <a:lvl2pPr marL="457200" indent="0">
+              <a:buNone/>
+              <a:defRPr sz="2000" b="1"/>
+            </a:lvl2pPr>
+            <a:lvl3pPr marL="914400" indent="0">
+              <a:buNone/>
+              <a:defRPr sz="1800" b="1"/>
+            </a:lvl3pPr>
+            <a:lvl4pPr marL="1371600" indent="0">
+              <a:buNone/>
+              <a:defRPr sz="1600" b="1"/>
+            </a:lvl4pPr>
+            <a:lvl5pPr marL="1828800" indent="0">
+              <a:buNone/>
+              <a:defRPr sz="1600" b="1"/>
+            </a:lvl5pPr>
+            <a:lvl6pPr marL="2286000" indent="0">
+              <a:buNone/>
+              <a:defRPr sz="1600" b="1"/>
+            </a:lvl6pPr>
+            <a:lvl7pPr marL="2743200" indent="0">
+              <a:buNone/>
+              <a:defRPr sz="1600" b="1"/>
+            </a:lvl7pPr>
+            <a:lvl8pPr marL="3200400" indent="0">
+              <a:buNone/>
+              <a:defRPr sz="1600" b="1"/>
+            </a:lvl8pPr>
+            <a:lvl9pPr marL="3657600" indent="0">
+              <a:buNone/>
+              <a:defRPr sz="1600" b="1"/>
+            </a:lvl9pPr>
+          </a:lstStyle>
+          <a:p>
+            <a:pPr lvl="0"/>
+            <a:r>
+              <a:rPr lang="de-DE"/>
+              <a:t>Mastertextformat bearbeiten</a:t>
+            </a:r>
+          </a:p>
+        </p:txBody>
+      </p:sp>
+      <p:sp>
+        <p:nvSpPr>
+          <p:cNvPr id="16" name="Text Placeholder 3"/>
+          <p:cNvSpPr>
+            <a:spLocks noGrp="1"/>
+          </p:cNvSpPr>
+          <p:nvPr>
+            <p:ph type="body" sz="half" idx="15"/>
+          </p:nvPr>
+        </p:nvSpPr>
+        <p:spPr>
+          <a:xfrm>
+            <a:off x="652463" y="2667000"/>
+            <a:ext cx="2927350" cy="3589338"/>
+          </a:xfrm>
+        </p:spPr>
+        <p:txBody>
+          <a:bodyPr anchor="t">
+            <a:normAutofit/>
+          </a:bodyPr>
+          <a:lstStyle>
+            <a:lvl1pPr marL="0" indent="0">
+              <a:buNone/>
+              <a:defRPr sz="1400"/>
+            </a:lvl1pPr>
+            <a:lvl2pPr marL="457200" indent="0">
+              <a:buNone/>
+              <a:defRPr sz="1200"/>
+            </a:lvl2pPr>
+            <a:lvl3pPr marL="914400" indent="0">
+              <a:buNone/>
+              <a:defRPr sz="1000"/>
+            </a:lvl3pPr>
+            <a:lvl4pPr marL="1371600" indent="0">
+              <a:buNone/>
+              <a:defRPr sz="900"/>
+            </a:lvl4pPr>
+            <a:lvl5pPr marL="1828800" indent="0">
+              <a:buNone/>
+              <a:defRPr sz="900"/>
+            </a:lvl5pPr>
+            <a:lvl6pPr marL="2286000" indent="0">
+              <a:buNone/>
+              <a:defRPr sz="900"/>
+            </a:lvl6pPr>
+            <a:lvl7pPr marL="2743200" indent="0">
+              <a:buNone/>
+              <a:defRPr sz="900"/>
+            </a:lvl7pPr>
+            <a:lvl8pPr marL="3200400" indent="0">
+              <a:buNone/>
+              <a:defRPr sz="900"/>
+            </a:lvl8pPr>
+            <a:lvl9pPr marL="3657600" indent="0">
+              <a:buNone/>
+              <a:defRPr sz="900"/>
+            </a:lvl9pPr>
+          </a:lstStyle>
+          <a:p>
+            <a:pPr lvl="0"/>
+            <a:r>
+              <a:rPr lang="de-DE"/>
+              <a:t>Mastertextformat bearbeiten</a:t>
+            </a:r>
+          </a:p>
+        </p:txBody>
+      </p:sp>
+      <p:sp>
+        <p:nvSpPr>
+          <p:cNvPr id="5" name="Text Placeholder 4"/>
+          <p:cNvSpPr>
+            <a:spLocks noGrp="1"/>
+          </p:cNvSpPr>
+          <p:nvPr>
+            <p:ph type="body" sz="quarter" idx="3"/>
+          </p:nvPr>
+        </p:nvSpPr>
+        <p:spPr>
+          <a:xfrm>
+            <a:off x="3883659" y="1981200"/>
+            <a:ext cx="2936241" cy="576262"/>
+          </a:xfrm>
+        </p:spPr>
+        <p:txBody>
+          <a:bodyPr anchor="b">
+            <a:noAutofit/>
+          </a:bodyPr>
+          <a:lstStyle>
+            <a:lvl1pPr marL="0" indent="0">
+              <a:buNone/>
+              <a:defRPr sz="2400" b="0">
+                <a:solidFill>
+                  <a:schemeClr val="bg2">
+                    <a:lumMod val="40000"/>
+                    <a:lumOff val="60000"/>
+                  </a:schemeClr>
+                </a:solidFill>
+              </a:defRPr>
+            </a:lvl1pPr>
+            <a:lvl2pPr marL="457200" indent="0">
+              <a:buNone/>
+              <a:defRPr sz="2000" b="1"/>
+            </a:lvl2pPr>
+            <a:lvl3pPr marL="914400" indent="0">
+              <a:buNone/>
+              <a:defRPr sz="1800" b="1"/>
+            </a:lvl3pPr>
+            <a:lvl4pPr marL="1371600" indent="0">
+              <a:buNone/>
+              <a:defRPr sz="1600" b="1"/>
+            </a:lvl4pPr>
+            <a:lvl5pPr marL="1828800" indent="0">
+              <a:buNone/>
+              <a:defRPr sz="1600" b="1"/>
+            </a:lvl5pPr>
+            <a:lvl6pPr marL="2286000" indent="0">
+              <a:buNone/>
+              <a:defRPr sz="1600" b="1"/>
+            </a:lvl6pPr>
+            <a:lvl7pPr marL="2743200" indent="0">
+              <a:buNone/>
+              <a:defRPr sz="1600" b="1"/>
+            </a:lvl7pPr>
+            <a:lvl8pPr marL="3200400" indent="0">
+              <a:buNone/>
+              <a:defRPr sz="1600" b="1"/>
+            </a:lvl8pPr>
+            <a:lvl9pPr marL="3657600" indent="0">
+              <a:buNone/>
+              <a:defRPr sz="1600" b="1"/>
+            </a:lvl9pPr>
+          </a:lstStyle>
+          <a:p>
+            <a:pPr lvl="0"/>
+            <a:r>
+              <a:rPr lang="de-DE"/>
+              <a:t>Mastertextformat bearbeiten</a:t>
+            </a:r>
+          </a:p>
+        </p:txBody>
+      </p:sp>
+      <p:sp>
+        <p:nvSpPr>
+          <p:cNvPr id="19" name="Text Placeholder 3"/>
+          <p:cNvSpPr>
+            <a:spLocks noGrp="1"/>
+          </p:cNvSpPr>
+          <p:nvPr>
+            <p:ph type="body" sz="half" idx="16"/>
+          </p:nvPr>
+        </p:nvSpPr>
+        <p:spPr>
+          <a:xfrm>
+            <a:off x="3873106" y="2667000"/>
+            <a:ext cx="2946794" cy="3589338"/>
+          </a:xfrm>
+        </p:spPr>
+        <p:txBody>
+          <a:bodyPr anchor="t">
+            <a:normAutofit/>
+          </a:bodyPr>
+          <a:lstStyle>
+            <a:lvl1pPr marL="0" indent="0">
+              <a:buNone/>
+              <a:defRPr sz="1400"/>
+            </a:lvl1pPr>
+            <a:lvl2pPr marL="457200" indent="0">
+              <a:buNone/>
+              <a:defRPr sz="1200"/>
+            </a:lvl2pPr>
+            <a:lvl3pPr marL="914400" indent="0">
+              <a:buNone/>
+              <a:defRPr sz="1000"/>
+            </a:lvl3pPr>
+            <a:lvl4pPr marL="1371600" indent="0">
+              <a:buNone/>
+              <a:defRPr sz="900"/>
+            </a:lvl4pPr>
+            <a:lvl5pPr marL="1828800" indent="0">
+              <a:buNone/>
+              <a:defRPr sz="900"/>
+            </a:lvl5pPr>
+            <a:lvl6pPr marL="2286000" indent="0">
+              <a:buNone/>
+              <a:defRPr sz="900"/>
+            </a:lvl6pPr>
+            <a:lvl7pPr marL="2743200" indent="0">
+              <a:buNone/>
+              <a:defRPr sz="900"/>
+            </a:lvl7pPr>
+            <a:lvl8pPr marL="3200400" indent="0">
+              <a:buNone/>
+              <a:defRPr sz="900"/>
+            </a:lvl8pPr>
+            <a:lvl9pPr marL="3657600" indent="0">
+              <a:buNone/>
+              <a:defRPr sz="900"/>
+            </a:lvl9pPr>
+          </a:lstStyle>
+          <a:p>
+            <a:pPr lvl="0"/>
+            <a:r>
+              <a:rPr lang="de-DE"/>
+              <a:t>Mastertextformat bearbeiten</a:t>
+            </a:r>
+          </a:p>
+        </p:txBody>
+      </p:sp>
+      <p:sp>
+        <p:nvSpPr>
+          <p:cNvPr id="14" name="Text Placeholder 4"/>
+          <p:cNvSpPr>
+            <a:spLocks noGrp="1"/>
+          </p:cNvSpPr>
+          <p:nvPr>
+            <p:ph type="body" sz="quarter" idx="13"/>
+          </p:nvPr>
+        </p:nvSpPr>
+        <p:spPr>
+          <a:xfrm>
+            <a:off x="7124700" y="1981200"/>
+            <a:ext cx="2932113" cy="576262"/>
+          </a:xfrm>
+        </p:spPr>
+        <p:txBody>
+          <a:bodyPr anchor="b">
+            <a:noAutofit/>
+          </a:bodyPr>
+          <a:lstStyle>
+            <a:lvl1pPr marL="0" indent="0">
+              <a:buNone/>
+              <a:defRPr sz="2400" b="0">
+                <a:solidFill>
+                  <a:schemeClr val="bg2">
+                    <a:lumMod val="40000"/>
+                    <a:lumOff val="60000"/>
+                  </a:schemeClr>
+                </a:solidFill>
+              </a:defRPr>
+            </a:lvl1pPr>
+            <a:lvl2pPr marL="457200" indent="0">
+              <a:buNone/>
+              <a:defRPr sz="2000" b="1"/>
+            </a:lvl2pPr>
+            <a:lvl3pPr marL="914400" indent="0">
+              <a:buNone/>
+              <a:defRPr sz="1800" b="1"/>
+            </a:lvl3pPr>
+            <a:lvl4pPr marL="1371600" indent="0">
+              <a:buNone/>
+              <a:defRPr sz="1600" b="1"/>
+            </a:lvl4pPr>
+            <a:lvl5pPr marL="1828800" indent="0">
+              <a:buNone/>
+              <a:defRPr sz="1600" b="1"/>
+            </a:lvl5pPr>
+            <a:lvl6pPr marL="2286000" indent="0">
+              <a:buNone/>
+              <a:defRPr sz="1600" b="1"/>
+            </a:lvl6pPr>
+            <a:lvl7pPr marL="2743200" indent="0">
+              <a:buNone/>
+              <a:defRPr sz="1600" b="1"/>
+            </a:lvl7pPr>
+            <a:lvl8pPr marL="3200400" indent="0">
+              <a:buNone/>
+              <a:defRPr sz="1600" b="1"/>
+            </a:lvl8pPr>
+            <a:lvl9pPr marL="3657600" indent="0">
+              <a:buNone/>
+              <a:defRPr sz="1600" b="1"/>
+            </a:lvl9pPr>
+          </a:lstStyle>
+          <a:p>
+            <a:pPr lvl="0"/>
+            <a:r>
+              <a:rPr lang="de-DE"/>
+              <a:t>Mastertextformat bearbeiten</a:t>
+            </a:r>
+          </a:p>
+        </p:txBody>
+      </p:sp>
+      <p:sp>
+        <p:nvSpPr>
+          <p:cNvPr id="20" name="Text Placeholder 3"/>
+          <p:cNvSpPr>
+            <a:spLocks noGrp="1"/>
+          </p:cNvSpPr>
+          <p:nvPr>
+            <p:ph type="body" sz="half" idx="17"/>
+          </p:nvPr>
+        </p:nvSpPr>
+        <p:spPr>
+          <a:xfrm>
+            <a:off x="7124700" y="2667000"/>
+            <a:ext cx="2932113" cy="3589338"/>
+          </a:xfrm>
+        </p:spPr>
+        <p:txBody>
+          <a:bodyPr anchor="t">
+            <a:normAutofit/>
+          </a:bodyPr>
+          <a:lstStyle>
+            <a:lvl1pPr marL="0" indent="0">
+              <a:buNone/>
+              <a:defRPr sz="1400"/>
+            </a:lvl1pPr>
+            <a:lvl2pPr marL="457200" indent="0">
+              <a:buNone/>
+              <a:defRPr sz="1200"/>
+            </a:lvl2pPr>
+            <a:lvl3pPr marL="914400" indent="0">
+              <a:buNone/>
+              <a:defRPr sz="1000"/>
+            </a:lvl3pPr>
+            <a:lvl4pPr marL="1371600" indent="0">
+              <a:buNone/>
+              <a:defRPr sz="900"/>
+            </a:lvl4pPr>
+            <a:lvl5pPr marL="1828800" indent="0">
+              <a:buNone/>
+              <a:defRPr sz="900"/>
+            </a:lvl5pPr>
+            <a:lvl6pPr marL="2286000" indent="0">
+              <a:buNone/>
+              <a:defRPr sz="900"/>
+            </a:lvl6pPr>
+            <a:lvl7pPr marL="2743200" indent="0">
+              <a:buNone/>
+              <a:defRPr sz="900"/>
+            </a:lvl7pPr>
+            <a:lvl8pPr marL="3200400" indent="0">
+              <a:buNone/>
+              <a:defRPr sz="900"/>
+            </a:lvl8pPr>
+            <a:lvl9pPr marL="3657600" indent="0">
+              <a:buNone/>
+              <a:defRPr sz="900"/>
+            </a:lvl9pPr>
+          </a:lstStyle>
+          <a:p>
+            <a:pPr lvl="0"/>
+            <a:r>
+              <a:rPr lang="de-DE"/>
+              <a:t>Mastertextformat bearbeiten</a:t>
+            </a:r>
+          </a:p>
+        </p:txBody>
+      </p:sp>
+      <p:cxnSp>
+        <p:nvCxnSpPr>
+          <p:cNvPr id="17" name="Straight Connector 16"/>
+          <p:cNvCxnSpPr/>
+          <p:nvPr/>
+        </p:nvCxnSpPr>
+        <p:spPr>
+          <a:xfrm>
+            <a:off x="3726142" y="2133600"/>
+            <a:ext cx="0" cy="3962400"/>
+          </a:xfrm>
+          <a:prstGeom prst="line">
+            <a:avLst/>
+          </a:prstGeom>
+          <a:ln w="12700" cmpd="sng">
+            <a:solidFill>
+              <a:schemeClr val="bg2">
+                <a:lumMod val="40000"/>
+                <a:lumOff val="60000"/>
+                <a:alpha val="40000"/>
+              </a:schemeClr>
+            </a:solidFill>
+          </a:ln>
+        </p:spPr>
+        <p:style>
+          <a:lnRef idx="2">
+            <a:schemeClr val="accent1"/>
+          </a:lnRef>
+          <a:fillRef idx="0">
+            <a:schemeClr val="accent1"/>
+          </a:fillRef>
+          <a:effectRef idx="1">
+            <a:schemeClr val="accent1"/>
+          </a:effectRef>
+          <a:fontRef idx="minor">
+            <a:schemeClr val="tx1"/>
+          </a:fontRef>
+        </p:style>
+      </p:cxnSp>
+      <p:cxnSp>
+        <p:nvCxnSpPr>
+          <p:cNvPr id="18" name="Straight Connector 17"/>
+          <p:cNvCxnSpPr/>
+          <p:nvPr/>
+        </p:nvCxnSpPr>
+        <p:spPr>
+          <a:xfrm>
+            <a:off x="6962227" y="2133600"/>
+            <a:ext cx="0" cy="3966882"/>
+          </a:xfrm>
+          <a:prstGeom prst="line">
+            <a:avLst/>
+          </a:prstGeom>
+          <a:ln w="12700" cmpd="sng">
+            <a:solidFill>
+              <a:schemeClr val="bg2">
+                <a:lumMod val="40000"/>
+                <a:lumOff val="60000"/>
+                <a:alpha val="40000"/>
+              </a:schemeClr>
+            </a:solidFill>
+          </a:ln>
+        </p:spPr>
+        <p:style>
+          <a:lnRef idx="2">
+            <a:schemeClr val="accent1"/>
+          </a:lnRef>
+          <a:fillRef idx="0">
+            <a:schemeClr val="accent1"/>
+          </a:fillRef>
+          <a:effectRef idx="1">
+            <a:schemeClr val="accent1"/>
+          </a:effectRef>
+          <a:fontRef idx="minor">
+            <a:schemeClr val="tx1"/>
+          </a:fontRef>
+        </p:style>
+      </p:cxnSp>
+      <p:sp>
+        <p:nvSpPr>
+          <p:cNvPr id="7" name="Date Placeholder 3"/>
+          <p:cNvSpPr>
+            <a:spLocks noGrp="1"/>
+          </p:cNvSpPr>
+          <p:nvPr>
+            <p:ph type="dt" sz="half" idx="10"/>
+          </p:nvPr>
+        </p:nvSpPr>
+        <p:spPr/>
+        <p:txBody>
+          <a:bodyPr/>
+          <a:lstStyle/>
+          <a:p>
+            <a:fld id="{D689E641-CA97-4319-9345-929272670F97}" type="datetimeFigureOut">
+              <a:rPr lang="de-DE" smtClean="0"/>
+              <a:t>16.01.2023</a:t>
+            </a:fld>
+            <a:endParaRPr lang="de-DE"/>
+          </a:p>
+        </p:txBody>
+      </p:sp>
+      <p:sp>
+        <p:nvSpPr>
+          <p:cNvPr id="4" name="Footer Placeholder 4"/>
+          <p:cNvSpPr>
+            <a:spLocks noGrp="1"/>
+          </p:cNvSpPr>
+          <p:nvPr>
+            <p:ph type="ftr" sz="quarter" idx="11"/>
+          </p:nvPr>
+        </p:nvSpPr>
+        <p:spPr/>
+        <p:txBody>
+          <a:bodyPr/>
+          <a:lstStyle/>
+          <a:p>
+            <a:endParaRPr lang="de-DE"/>
+          </a:p>
+        </p:txBody>
+      </p:sp>
+      <p:sp>
+        <p:nvSpPr>
+          <p:cNvPr id="6" name="Slide Number Placeholder 5"/>
+          <p:cNvSpPr>
+            <a:spLocks noGrp="1"/>
+          </p:cNvSpPr>
+          <p:nvPr>
+            <p:ph type="sldNum" sz="quarter" idx="12"/>
+          </p:nvPr>
+        </p:nvSpPr>
+        <p:spPr/>
+        <p:txBody>
+          <a:bodyPr/>
+          <a:lstStyle/>
+          <a:p>
+            <a:fld id="{C708D073-B40A-4D23-B338-33968C9DECD1}" type="slidenum">
+              <a:rPr lang="de-DE" smtClean="0"/>
+              <a:t>‹Nr.›</a:t>
+            </a:fld>
+            <a:endParaRPr lang="de-DE"/>
+          </a:p>
+        </p:txBody>
+      </p:sp>
+    </p:spTree>
+    <p:extLst>
+      <p:ext uri="{BB962C8B-B14F-4D97-AF65-F5344CB8AC3E}">
+        <p14:creationId xmlns:p14="http://schemas.microsoft.com/office/powerpoint/2010/main" val="2574850686"/>
+      </p:ext>
+    </p:extLst>
+  </p:cSld>
+  <p:clrMapOvr>
+    <a:masterClrMapping/>
+  </p:clrMapOvr>
+</p:sldLayout>
+</file>
+
+<file path=ppt/slideLayouts/slideLayout15.xml><?xml version="1.0" encoding="utf-8"?>
+<p:sldLayout xmlns:a="http://schemas.openxmlformats.org/drawingml/2006/main" xmlns:r="http://schemas.openxmlformats.org/officeDocument/2006/relationships" xmlns:p="http://schemas.openxmlformats.org/presentationml/2006/main" preserve="1">
+  <p:cSld name="3 Bildspalte">
+    <p:spTree>
+      <p:nvGrpSpPr>
+        <p:cNvPr id="1" name=""/>
+        <p:cNvGrpSpPr/>
+        <p:nvPr/>
+      </p:nvGrpSpPr>
+      <p:grpSpPr>
+        <a:xfrm>
+          <a:off x="0" y="0"/>
+          <a:ext cx="0" cy="0"/>
+          <a:chOff x="0" y="0"/>
+          <a:chExt cx="0" cy="0"/>
+        </a:xfrm>
+      </p:grpSpPr>
+      <p:sp>
+        <p:nvSpPr>
+          <p:cNvPr id="2" name="Title 1"/>
+          <p:cNvSpPr>
+            <a:spLocks noGrp="1"/>
+          </p:cNvSpPr>
+          <p:nvPr>
+            <p:ph type="title"/>
+          </p:nvPr>
+        </p:nvSpPr>
+        <p:spPr/>
+        <p:txBody>
+          <a:bodyPr/>
+          <a:lstStyle>
+            <a:lvl1pPr>
+              <a:defRPr sz="4200"/>
+            </a:lvl1pPr>
+          </a:lstStyle>
+          <a:p>
+            <a:r>
+              <a:rPr lang="de-DE"/>
+              <a:t>Mastertitelformat bearbeiten</a:t>
+            </a:r>
+            <a:endParaRPr lang="en-US" dirty="0"/>
+          </a:p>
+        </p:txBody>
+      </p:sp>
+      <p:sp>
+        <p:nvSpPr>
+          <p:cNvPr id="3" name="Text Placeholder 2"/>
+          <p:cNvSpPr>
+            <a:spLocks noGrp="1"/>
+          </p:cNvSpPr>
+          <p:nvPr>
+            <p:ph type="body" idx="1"/>
+          </p:nvPr>
+        </p:nvSpPr>
+        <p:spPr>
+          <a:xfrm>
+            <a:off x="652463" y="4250949"/>
+            <a:ext cx="2940050" cy="576262"/>
+          </a:xfrm>
+        </p:spPr>
+        <p:txBody>
+          <a:bodyPr anchor="b">
+            <a:noAutofit/>
+          </a:bodyPr>
+          <a:lstStyle>
+            <a:lvl1pPr marL="0" indent="0">
+              <a:buNone/>
+              <a:defRPr sz="2400" b="0">
+                <a:solidFill>
+                  <a:schemeClr val="bg2">
+                    <a:lumMod val="40000"/>
+                    <a:lumOff val="60000"/>
+                  </a:schemeClr>
+                </a:solidFill>
+              </a:defRPr>
+            </a:lvl1pPr>
+            <a:lvl2pPr marL="457200" indent="0">
+              <a:buNone/>
+              <a:defRPr sz="2000" b="1"/>
+            </a:lvl2pPr>
+            <a:lvl3pPr marL="914400" indent="0">
+              <a:buNone/>
+              <a:defRPr sz="1800" b="1"/>
+            </a:lvl3pPr>
+            <a:lvl4pPr marL="1371600" indent="0">
+              <a:buNone/>
+              <a:defRPr sz="1600" b="1"/>
+            </a:lvl4pPr>
+            <a:lvl5pPr marL="1828800" indent="0">
+              <a:buNone/>
+              <a:defRPr sz="1600" b="1"/>
+            </a:lvl5pPr>
+            <a:lvl6pPr marL="2286000" indent="0">
+              <a:buNone/>
+              <a:defRPr sz="1600" b="1"/>
+            </a:lvl6pPr>
+            <a:lvl7pPr marL="2743200" indent="0">
+              <a:buNone/>
+              <a:defRPr sz="1600" b="1"/>
+            </a:lvl7pPr>
+            <a:lvl8pPr marL="3200400" indent="0">
+              <a:buNone/>
+              <a:defRPr sz="1600" b="1"/>
+            </a:lvl8pPr>
+            <a:lvl9pPr marL="3657600" indent="0">
+              <a:buNone/>
+              <a:defRPr sz="1600" b="1"/>
+            </a:lvl9pPr>
+          </a:lstStyle>
+          <a:p>
+            <a:pPr lvl="0"/>
+            <a:r>
+              <a:rPr lang="de-DE"/>
+              <a:t>Mastertextformat bearbeiten</a:t>
+            </a:r>
+          </a:p>
+        </p:txBody>
+      </p:sp>
+      <p:sp>
+        <p:nvSpPr>
+          <p:cNvPr id="29" name="Picture Placeholder 2"/>
+          <p:cNvSpPr>
+            <a:spLocks noGrp="1" noChangeAspect="1"/>
+          </p:cNvSpPr>
+          <p:nvPr>
+            <p:ph type="pic" idx="15"/>
+          </p:nvPr>
+        </p:nvSpPr>
+        <p:spPr>
+          <a:xfrm>
+            <a:off x="652463" y="2209800"/>
+            <a:ext cx="2940050" cy="1524000"/>
+          </a:xfrm>
+          <a:prstGeom prst="roundRect">
+            <a:avLst>
+              <a:gd name="adj" fmla="val 1858"/>
+            </a:avLst>
+          </a:prstGeom>
+          <a:effectLst>
+            <a:outerShdw blurRad="50800" dist="50800" dir="5400000" algn="tl" rotWithShape="0">
+              <a:srgbClr val="000000">
+                <a:alpha val="43000"/>
+              </a:srgbClr>
+            </a:outerShdw>
+          </a:effectLst>
+        </p:spPr>
+        <p:txBody>
+          <a:bodyPr anchor="t">
+            <a:normAutofit/>
+          </a:bodyPr>
+          <a:lstStyle>
+            <a:lvl1pPr marL="0" indent="0" algn="ctr">
+              <a:buNone/>
+              <a:defRPr sz="1600"/>
+            </a:lvl1pPr>
+            <a:lvl2pPr marL="457200" indent="0">
+              <a:buNone/>
+              <a:defRPr sz="1600"/>
+            </a:lvl2pPr>
+            <a:lvl3pPr marL="914400" indent="0">
+              <a:buNone/>
+              <a:defRPr sz="1600"/>
+            </a:lvl3pPr>
+            <a:lvl4pPr marL="1371600" indent="0">
+              <a:buNone/>
+              <a:defRPr sz="1600"/>
+            </a:lvl4pPr>
+            <a:lvl5pPr marL="1828800" indent="0">
+              <a:buNone/>
+              <a:defRPr sz="1600"/>
+            </a:lvl5pPr>
+            <a:lvl6pPr marL="2286000" indent="0">
+              <a:buNone/>
+              <a:defRPr sz="1600"/>
+            </a:lvl6pPr>
+            <a:lvl7pPr marL="2743200" indent="0">
+              <a:buNone/>
+              <a:defRPr sz="1600"/>
+            </a:lvl7pPr>
+            <a:lvl8pPr marL="3200400" indent="0">
+              <a:buNone/>
+              <a:defRPr sz="1600"/>
+            </a:lvl8pPr>
+            <a:lvl9pPr marL="3657600" indent="0">
+              <a:buNone/>
+              <a:defRPr sz="1600"/>
+            </a:lvl9pPr>
+          </a:lstStyle>
+          <a:p>
+            <a:r>
+              <a:rPr lang="de-DE"/>
+              <a:t>Bild durch Klicken auf Symbol hinzufügen</a:t>
+            </a:r>
+            <a:endParaRPr lang="en-US" dirty="0"/>
+          </a:p>
+        </p:txBody>
+      </p:sp>
+      <p:sp>
+        <p:nvSpPr>
+          <p:cNvPr id="22" name="Text Placeholder 3"/>
+          <p:cNvSpPr>
+            <a:spLocks noGrp="1"/>
+          </p:cNvSpPr>
+          <p:nvPr>
+            <p:ph type="body" sz="half" idx="18"/>
+          </p:nvPr>
+        </p:nvSpPr>
+        <p:spPr>
+          <a:xfrm>
+            <a:off x="652463" y="4827211"/>
+            <a:ext cx="2940050" cy="659189"/>
+          </a:xfrm>
+        </p:spPr>
+        <p:txBody>
+          <a:bodyPr anchor="t">
+            <a:normAutofit/>
+          </a:bodyPr>
+          <a:lstStyle>
+            <a:lvl1pPr marL="0" indent="0">
+              <a:buNone/>
+              <a:defRPr sz="1400"/>
+            </a:lvl1pPr>
+            <a:lvl2pPr marL="457200" indent="0">
+              <a:buNone/>
+              <a:defRPr sz="1200"/>
+            </a:lvl2pPr>
+            <a:lvl3pPr marL="914400" indent="0">
+              <a:buNone/>
+              <a:defRPr sz="1000"/>
+            </a:lvl3pPr>
+            <a:lvl4pPr marL="1371600" indent="0">
+              <a:buNone/>
+              <a:defRPr sz="900"/>
+            </a:lvl4pPr>
+            <a:lvl5pPr marL="1828800" indent="0">
+              <a:buNone/>
+              <a:defRPr sz="900"/>
+            </a:lvl5pPr>
+            <a:lvl6pPr marL="2286000" indent="0">
+              <a:buNone/>
+              <a:defRPr sz="900"/>
+            </a:lvl6pPr>
+            <a:lvl7pPr marL="2743200" indent="0">
+              <a:buNone/>
+              <a:defRPr sz="900"/>
+            </a:lvl7pPr>
+            <a:lvl8pPr marL="3200400" indent="0">
+              <a:buNone/>
+              <a:defRPr sz="900"/>
+            </a:lvl8pPr>
+            <a:lvl9pPr marL="3657600" indent="0">
+              <a:buNone/>
+              <a:defRPr sz="900"/>
+            </a:lvl9pPr>
+          </a:lstStyle>
+          <a:p>
+            <a:pPr lvl="0"/>
+            <a:r>
+              <a:rPr lang="de-DE"/>
+              <a:t>Mastertextformat bearbeiten</a:t>
+            </a:r>
+          </a:p>
+        </p:txBody>
+      </p:sp>
+      <p:sp>
+        <p:nvSpPr>
+          <p:cNvPr id="5" name="Text Placeholder 4"/>
+          <p:cNvSpPr>
+            <a:spLocks noGrp="1"/>
+          </p:cNvSpPr>
+          <p:nvPr>
+            <p:ph type="body" sz="quarter" idx="3"/>
+          </p:nvPr>
+        </p:nvSpPr>
+        <p:spPr>
+          <a:xfrm>
+            <a:off x="3889375" y="4250949"/>
+            <a:ext cx="2930525" cy="576262"/>
+          </a:xfrm>
+        </p:spPr>
+        <p:txBody>
+          <a:bodyPr anchor="b">
+            <a:noAutofit/>
+          </a:bodyPr>
+          <a:lstStyle>
+            <a:lvl1pPr marL="0" indent="0">
+              <a:buNone/>
+              <a:defRPr sz="2400" b="0">
+                <a:solidFill>
+                  <a:schemeClr val="bg2">
+                    <a:lumMod val="40000"/>
+                    <a:lumOff val="60000"/>
+                  </a:schemeClr>
+                </a:solidFill>
+              </a:defRPr>
+            </a:lvl1pPr>
+            <a:lvl2pPr marL="457200" indent="0">
+              <a:buNone/>
+              <a:defRPr sz="2000" b="1"/>
+            </a:lvl2pPr>
+            <a:lvl3pPr marL="914400" indent="0">
+              <a:buNone/>
+              <a:defRPr sz="1800" b="1"/>
+            </a:lvl3pPr>
+            <a:lvl4pPr marL="1371600" indent="0">
+              <a:buNone/>
+              <a:defRPr sz="1600" b="1"/>
+            </a:lvl4pPr>
+            <a:lvl5pPr marL="1828800" indent="0">
+              <a:buNone/>
+              <a:defRPr sz="1600" b="1"/>
+            </a:lvl5pPr>
+            <a:lvl6pPr marL="2286000" indent="0">
+              <a:buNone/>
+              <a:defRPr sz="1600" b="1"/>
+            </a:lvl6pPr>
+            <a:lvl7pPr marL="2743200" indent="0">
+              <a:buNone/>
+              <a:defRPr sz="1600" b="1"/>
+            </a:lvl7pPr>
+            <a:lvl8pPr marL="3200400" indent="0">
+              <a:buNone/>
+              <a:defRPr sz="1600" b="1"/>
+            </a:lvl8pPr>
+            <a:lvl9pPr marL="3657600" indent="0">
+              <a:buNone/>
+              <a:defRPr sz="1600" b="1"/>
+            </a:lvl9pPr>
+          </a:lstStyle>
+          <a:p>
+            <a:pPr lvl="0"/>
+            <a:r>
+              <a:rPr lang="de-DE"/>
+              <a:t>Mastertextformat bearbeiten</a:t>
+            </a:r>
+          </a:p>
+        </p:txBody>
+      </p:sp>
+      <p:sp>
+        <p:nvSpPr>
+          <p:cNvPr id="30" name="Picture Placeholder 2"/>
+          <p:cNvSpPr>
+            <a:spLocks noGrp="1" noChangeAspect="1"/>
+          </p:cNvSpPr>
+          <p:nvPr>
+            <p:ph type="pic" idx="21"/>
+          </p:nvPr>
+        </p:nvSpPr>
+        <p:spPr>
+          <a:xfrm>
+            <a:off x="3889374" y="2209800"/>
+            <a:ext cx="2930525" cy="1524000"/>
+          </a:xfrm>
+          <a:prstGeom prst="roundRect">
+            <a:avLst>
+              <a:gd name="adj" fmla="val 1858"/>
+            </a:avLst>
+          </a:prstGeom>
+          <a:effectLst>
+            <a:outerShdw blurRad="50800" dist="50800" dir="5400000" algn="tl" rotWithShape="0">
+              <a:srgbClr val="000000">
+                <a:alpha val="43000"/>
+              </a:srgbClr>
+            </a:outerShdw>
+          </a:effectLst>
+        </p:spPr>
+        <p:txBody>
+          <a:bodyPr anchor="t">
+            <a:normAutofit/>
+          </a:bodyPr>
+          <a:lstStyle>
+            <a:lvl1pPr marL="0" indent="0" algn="ctr">
+              <a:buNone/>
+              <a:defRPr sz="1600"/>
+            </a:lvl1pPr>
+            <a:lvl2pPr marL="457200" indent="0">
+              <a:buNone/>
+              <a:defRPr sz="1600"/>
+            </a:lvl2pPr>
+            <a:lvl3pPr marL="914400" indent="0">
+              <a:buNone/>
+              <a:defRPr sz="1600"/>
+            </a:lvl3pPr>
+            <a:lvl4pPr marL="1371600" indent="0">
+              <a:buNone/>
+              <a:defRPr sz="1600"/>
+            </a:lvl4pPr>
+            <a:lvl5pPr marL="1828800" indent="0">
+              <a:buNone/>
+              <a:defRPr sz="1600"/>
+            </a:lvl5pPr>
+            <a:lvl6pPr marL="2286000" indent="0">
+              <a:buNone/>
+              <a:defRPr sz="1600"/>
+            </a:lvl6pPr>
+            <a:lvl7pPr marL="2743200" indent="0">
+              <a:buNone/>
+              <a:defRPr sz="1600"/>
+            </a:lvl7pPr>
+            <a:lvl8pPr marL="3200400" indent="0">
+              <a:buNone/>
+              <a:defRPr sz="1600"/>
+            </a:lvl8pPr>
+            <a:lvl9pPr marL="3657600" indent="0">
+              <a:buNone/>
+              <a:defRPr sz="1600"/>
+            </a:lvl9pPr>
+          </a:lstStyle>
+          <a:p>
+            <a:r>
+              <a:rPr lang="de-DE"/>
+              <a:t>Bild durch Klicken auf Symbol hinzufügen</a:t>
+            </a:r>
+            <a:endParaRPr lang="en-US" dirty="0"/>
+          </a:p>
+        </p:txBody>
+      </p:sp>
+      <p:sp>
+        <p:nvSpPr>
+          <p:cNvPr id="23" name="Text Placeholder 3"/>
+          <p:cNvSpPr>
+            <a:spLocks noGrp="1"/>
+          </p:cNvSpPr>
+          <p:nvPr>
+            <p:ph type="body" sz="half" idx="19"/>
+          </p:nvPr>
+        </p:nvSpPr>
+        <p:spPr>
+          <a:xfrm>
+            <a:off x="3888022" y="4827210"/>
+            <a:ext cx="2934406" cy="659189"/>
+          </a:xfrm>
+        </p:spPr>
+        <p:txBody>
+          <a:bodyPr anchor="t">
+            <a:normAutofit/>
+          </a:bodyPr>
+          <a:lstStyle>
+            <a:lvl1pPr marL="0" indent="0">
+              <a:buNone/>
+              <a:defRPr sz="1400"/>
+            </a:lvl1pPr>
+            <a:lvl2pPr marL="457200" indent="0">
+              <a:buNone/>
+              <a:defRPr sz="1200"/>
+            </a:lvl2pPr>
+            <a:lvl3pPr marL="914400" indent="0">
+              <a:buNone/>
+              <a:defRPr sz="1000"/>
+            </a:lvl3pPr>
+            <a:lvl4pPr marL="1371600" indent="0">
+              <a:buNone/>
+              <a:defRPr sz="900"/>
+            </a:lvl4pPr>
+            <a:lvl5pPr marL="1828800" indent="0">
+              <a:buNone/>
+              <a:defRPr sz="900"/>
+            </a:lvl5pPr>
+            <a:lvl6pPr marL="2286000" indent="0">
+              <a:buNone/>
+              <a:defRPr sz="900"/>
+            </a:lvl6pPr>
+            <a:lvl7pPr marL="2743200" indent="0">
+              <a:buNone/>
+              <a:defRPr sz="900"/>
+            </a:lvl7pPr>
+            <a:lvl8pPr marL="3200400" indent="0">
+              <a:buNone/>
+              <a:defRPr sz="900"/>
+            </a:lvl8pPr>
+            <a:lvl9pPr marL="3657600" indent="0">
+              <a:buNone/>
+              <a:defRPr sz="900"/>
+            </a:lvl9pPr>
+          </a:lstStyle>
+          <a:p>
+            <a:pPr lvl="0"/>
+            <a:r>
+              <a:rPr lang="de-DE"/>
+              <a:t>Mastertextformat bearbeiten</a:t>
+            </a:r>
+          </a:p>
+        </p:txBody>
+      </p:sp>
+      <p:sp>
+        <p:nvSpPr>
+          <p:cNvPr id="14" name="Text Placeholder 4"/>
+          <p:cNvSpPr>
+            <a:spLocks noGrp="1"/>
+          </p:cNvSpPr>
+          <p:nvPr>
+            <p:ph type="body" sz="quarter" idx="13"/>
+          </p:nvPr>
+        </p:nvSpPr>
+        <p:spPr>
+          <a:xfrm>
+            <a:off x="7124700" y="4250949"/>
+            <a:ext cx="2932113" cy="576262"/>
+          </a:xfrm>
+        </p:spPr>
+        <p:txBody>
+          <a:bodyPr anchor="b">
+            <a:noAutofit/>
+          </a:bodyPr>
+          <a:lstStyle>
+            <a:lvl1pPr marL="0" indent="0">
+              <a:buNone/>
+              <a:defRPr sz="2400" b="0">
+                <a:solidFill>
+                  <a:schemeClr val="bg2">
+                    <a:lumMod val="40000"/>
+                    <a:lumOff val="60000"/>
+                  </a:schemeClr>
+                </a:solidFill>
+              </a:defRPr>
+            </a:lvl1pPr>
+            <a:lvl2pPr marL="457200" indent="0">
+              <a:buNone/>
+              <a:defRPr sz="2000" b="1"/>
+            </a:lvl2pPr>
+            <a:lvl3pPr marL="914400" indent="0">
+              <a:buNone/>
+              <a:defRPr sz="1800" b="1"/>
+            </a:lvl3pPr>
+            <a:lvl4pPr marL="1371600" indent="0">
+              <a:buNone/>
+              <a:defRPr sz="1600" b="1"/>
+            </a:lvl4pPr>
+            <a:lvl5pPr marL="1828800" indent="0">
+              <a:buNone/>
+              <a:defRPr sz="1600" b="1"/>
+            </a:lvl5pPr>
+            <a:lvl6pPr marL="2286000" indent="0">
+              <a:buNone/>
+              <a:defRPr sz="1600" b="1"/>
+            </a:lvl6pPr>
+            <a:lvl7pPr marL="2743200" indent="0">
+              <a:buNone/>
+              <a:defRPr sz="1600" b="1"/>
+            </a:lvl7pPr>
+            <a:lvl8pPr marL="3200400" indent="0">
+              <a:buNone/>
+              <a:defRPr sz="1600" b="1"/>
+            </a:lvl8pPr>
+            <a:lvl9pPr marL="3657600" indent="0">
+              <a:buNone/>
+              <a:defRPr sz="1600" b="1"/>
+            </a:lvl9pPr>
+          </a:lstStyle>
+          <a:p>
+            <a:pPr lvl="0"/>
+            <a:r>
+              <a:rPr lang="de-DE"/>
+              <a:t>Mastertextformat bearbeiten</a:t>
+            </a:r>
+          </a:p>
+        </p:txBody>
+      </p:sp>
+      <p:sp>
+        <p:nvSpPr>
+          <p:cNvPr id="31" name="Picture Placeholder 2"/>
+          <p:cNvSpPr>
+            <a:spLocks noGrp="1" noChangeAspect="1"/>
+          </p:cNvSpPr>
+          <p:nvPr>
+            <p:ph type="pic" idx="22"/>
+          </p:nvPr>
+        </p:nvSpPr>
+        <p:spPr>
+          <a:xfrm>
+            <a:off x="7124699" y="2209800"/>
+            <a:ext cx="2932113" cy="1524000"/>
+          </a:xfrm>
+          <a:prstGeom prst="roundRect">
+            <a:avLst>
+              <a:gd name="adj" fmla="val 1858"/>
+            </a:avLst>
+          </a:prstGeom>
+          <a:effectLst>
+            <a:outerShdw blurRad="50800" dist="50800" dir="5400000" algn="tl" rotWithShape="0">
+              <a:srgbClr val="000000">
+                <a:alpha val="43000"/>
+              </a:srgbClr>
+            </a:outerShdw>
+          </a:effectLst>
+        </p:spPr>
+        <p:txBody>
+          <a:bodyPr anchor="t">
+            <a:normAutofit/>
+          </a:bodyPr>
+          <a:lstStyle>
+            <a:lvl1pPr marL="0" indent="0" algn="ctr">
+              <a:buNone/>
+              <a:defRPr sz="1600"/>
+            </a:lvl1pPr>
+            <a:lvl2pPr marL="457200" indent="0">
+              <a:buNone/>
+              <a:defRPr sz="1600"/>
+            </a:lvl2pPr>
+            <a:lvl3pPr marL="914400" indent="0">
+              <a:buNone/>
+              <a:defRPr sz="1600"/>
+            </a:lvl3pPr>
+            <a:lvl4pPr marL="1371600" indent="0">
+              <a:buNone/>
+              <a:defRPr sz="1600"/>
+            </a:lvl4pPr>
+            <a:lvl5pPr marL="1828800" indent="0">
+              <a:buNone/>
+              <a:defRPr sz="1600"/>
+            </a:lvl5pPr>
+            <a:lvl6pPr marL="2286000" indent="0">
+              <a:buNone/>
+              <a:defRPr sz="1600"/>
+            </a:lvl6pPr>
+            <a:lvl7pPr marL="2743200" indent="0">
+              <a:buNone/>
+              <a:defRPr sz="1600"/>
+            </a:lvl7pPr>
+            <a:lvl8pPr marL="3200400" indent="0">
+              <a:buNone/>
+              <a:defRPr sz="1600"/>
+            </a:lvl8pPr>
+            <a:lvl9pPr marL="3657600" indent="0">
+              <a:buNone/>
+              <a:defRPr sz="1600"/>
+            </a:lvl9pPr>
+          </a:lstStyle>
+          <a:p>
+            <a:r>
+              <a:rPr lang="de-DE"/>
+              <a:t>Bild durch Klicken auf Symbol hinzufügen</a:t>
+            </a:r>
+            <a:endParaRPr lang="en-US" dirty="0"/>
+          </a:p>
+        </p:txBody>
+      </p:sp>
+      <p:sp>
+        <p:nvSpPr>
+          <p:cNvPr id="24" name="Text Placeholder 3"/>
+          <p:cNvSpPr>
+            <a:spLocks noGrp="1"/>
+          </p:cNvSpPr>
+          <p:nvPr>
+            <p:ph type="body" sz="half" idx="20"/>
+          </p:nvPr>
+        </p:nvSpPr>
+        <p:spPr>
+          <a:xfrm>
+            <a:off x="7124575" y="4827208"/>
+            <a:ext cx="2935997" cy="659189"/>
+          </a:xfrm>
+        </p:spPr>
+        <p:txBody>
+          <a:bodyPr anchor="t">
+            <a:normAutofit/>
+          </a:bodyPr>
+          <a:lstStyle>
+            <a:lvl1pPr marL="0" indent="0">
+              <a:buNone/>
+              <a:defRPr sz="1400"/>
+            </a:lvl1pPr>
+            <a:lvl2pPr marL="457200" indent="0">
+              <a:buNone/>
+              <a:defRPr sz="1200"/>
+            </a:lvl2pPr>
+            <a:lvl3pPr marL="914400" indent="0">
+              <a:buNone/>
+              <a:defRPr sz="1000"/>
+            </a:lvl3pPr>
+            <a:lvl4pPr marL="1371600" indent="0">
+              <a:buNone/>
+              <a:defRPr sz="900"/>
+            </a:lvl4pPr>
+            <a:lvl5pPr marL="1828800" indent="0">
+              <a:buNone/>
+              <a:defRPr sz="900"/>
+            </a:lvl5pPr>
+            <a:lvl6pPr marL="2286000" indent="0">
+              <a:buNone/>
+              <a:defRPr sz="900"/>
+            </a:lvl6pPr>
+            <a:lvl7pPr marL="2743200" indent="0">
+              <a:buNone/>
+              <a:defRPr sz="900"/>
+            </a:lvl7pPr>
+            <a:lvl8pPr marL="3200400" indent="0">
+              <a:buNone/>
+              <a:defRPr sz="900"/>
+            </a:lvl8pPr>
+            <a:lvl9pPr marL="3657600" indent="0">
+              <a:buNone/>
+              <a:defRPr sz="900"/>
+            </a:lvl9pPr>
+          </a:lstStyle>
+          <a:p>
+            <a:pPr lvl="0"/>
+            <a:r>
+              <a:rPr lang="de-DE"/>
+              <a:t>Mastertextformat bearbeiten</a:t>
+            </a:r>
+          </a:p>
+        </p:txBody>
+      </p:sp>
+      <p:cxnSp>
+        <p:nvCxnSpPr>
+          <p:cNvPr id="19" name="Straight Connector 18"/>
+          <p:cNvCxnSpPr/>
+          <p:nvPr/>
+        </p:nvCxnSpPr>
+        <p:spPr>
+          <a:xfrm>
+            <a:off x="3726142" y="2133600"/>
+            <a:ext cx="0" cy="3962400"/>
+          </a:xfrm>
+          <a:prstGeom prst="line">
+            <a:avLst/>
+          </a:prstGeom>
+          <a:ln w="12700" cmpd="sng">
+            <a:solidFill>
+              <a:schemeClr val="bg2">
+                <a:lumMod val="40000"/>
+                <a:lumOff val="60000"/>
+                <a:alpha val="40000"/>
+              </a:schemeClr>
+            </a:solidFill>
+          </a:ln>
+        </p:spPr>
+        <p:style>
+          <a:lnRef idx="2">
+            <a:schemeClr val="accent1"/>
+          </a:lnRef>
+          <a:fillRef idx="0">
+            <a:schemeClr val="accent1"/>
+          </a:fillRef>
+          <a:effectRef idx="1">
+            <a:schemeClr val="accent1"/>
+          </a:effectRef>
+          <a:fontRef idx="minor">
+            <a:schemeClr val="tx1"/>
+          </a:fontRef>
+        </p:style>
+      </p:cxnSp>
+      <p:cxnSp>
+        <p:nvCxnSpPr>
+          <p:cNvPr id="20" name="Straight Connector 19"/>
+          <p:cNvCxnSpPr/>
+          <p:nvPr/>
+        </p:nvCxnSpPr>
+        <p:spPr>
+          <a:xfrm>
+            <a:off x="6962227" y="2133600"/>
+            <a:ext cx="0" cy="3966882"/>
+          </a:xfrm>
+          <a:prstGeom prst="line">
+            <a:avLst/>
+          </a:prstGeom>
+          <a:ln w="12700" cmpd="sng">
+            <a:solidFill>
+              <a:schemeClr val="bg2">
+                <a:lumMod val="40000"/>
+                <a:lumOff val="60000"/>
+                <a:alpha val="40000"/>
+              </a:schemeClr>
+            </a:solidFill>
+          </a:ln>
+        </p:spPr>
+        <p:style>
+          <a:lnRef idx="2">
+            <a:schemeClr val="accent1"/>
+          </a:lnRef>
+          <a:fillRef idx="0">
+            <a:schemeClr val="accent1"/>
+          </a:fillRef>
+          <a:effectRef idx="1">
+            <a:schemeClr val="accent1"/>
+          </a:effectRef>
+          <a:fontRef idx="minor">
+            <a:schemeClr val="tx1"/>
+          </a:fontRef>
+        </p:style>
+      </p:cxnSp>
+      <p:sp>
+        <p:nvSpPr>
+          <p:cNvPr id="7" name="Date Placeholder 3"/>
+          <p:cNvSpPr>
+            <a:spLocks noGrp="1"/>
+          </p:cNvSpPr>
+          <p:nvPr>
+            <p:ph type="dt" sz="half" idx="10"/>
+          </p:nvPr>
+        </p:nvSpPr>
+        <p:spPr/>
+        <p:txBody>
+          <a:bodyPr/>
+          <a:lstStyle/>
+          <a:p>
+            <a:fld id="{D689E641-CA97-4319-9345-929272670F97}" type="datetimeFigureOut">
+              <a:rPr lang="de-DE" smtClean="0"/>
+              <a:t>16.01.2023</a:t>
+            </a:fld>
+            <a:endParaRPr lang="de-DE"/>
+          </a:p>
+        </p:txBody>
+      </p:sp>
+      <p:sp>
+        <p:nvSpPr>
+          <p:cNvPr id="4" name="Footer Placeholder 4"/>
+          <p:cNvSpPr>
+            <a:spLocks noGrp="1"/>
+          </p:cNvSpPr>
+          <p:nvPr>
+            <p:ph type="ftr" sz="quarter" idx="11"/>
+          </p:nvPr>
+        </p:nvSpPr>
+        <p:spPr/>
+        <p:txBody>
+          <a:bodyPr/>
+          <a:lstStyle/>
+          <a:p>
+            <a:endParaRPr lang="de-DE"/>
+          </a:p>
+        </p:txBody>
+      </p:sp>
+      <p:sp>
+        <p:nvSpPr>
+          <p:cNvPr id="6" name="Slide Number Placeholder 5"/>
+          <p:cNvSpPr>
+            <a:spLocks noGrp="1"/>
+          </p:cNvSpPr>
+          <p:nvPr>
+            <p:ph type="sldNum" sz="quarter" idx="12"/>
+          </p:nvPr>
+        </p:nvSpPr>
+        <p:spPr/>
+        <p:txBody>
+          <a:bodyPr/>
+          <a:lstStyle/>
+          <a:p>
+            <a:fld id="{C708D073-B40A-4D23-B338-33968C9DECD1}" type="slidenum">
+              <a:rPr lang="de-DE" smtClean="0"/>
+              <a:t>‹Nr.›</a:t>
+            </a:fld>
+            <a:endParaRPr lang="de-DE"/>
+          </a:p>
+        </p:txBody>
+      </p:sp>
+    </p:spTree>
+    <p:extLst>
+      <p:ext uri="{BB962C8B-B14F-4D97-AF65-F5344CB8AC3E}">
+        <p14:creationId xmlns:p14="http://schemas.microsoft.com/office/powerpoint/2010/main" val="2064535749"/>
+      </p:ext>
+    </p:extLst>
+  </p:cSld>
+  <p:clrMapOvr>
+    <a:masterClrMapping/>
+  </p:clrMapOvr>
+</p:sldLayout>
+</file>
+
+<file path=ppt/slideLayouts/slideLayout16.xml><?xml version="1.0" encoding="utf-8"?>
 <p:sldLayout xmlns:a="http://schemas.openxmlformats.org/drawingml/2006/main" xmlns:r="http://schemas.openxmlformats.org/officeDocument/2006/relationships" xmlns:p="http://schemas.openxmlformats.org/presentationml/2006/main" type="vertTx" preserve="1">
   <p:cSld name="Titel und vertikaler Text">
     <p:spTree>
@@ -350,13 +2949,7 @@
       </p:grpSpPr>
       <p:sp>
         <p:nvSpPr>
-          <p:cNvPr id="2" name="Titel 1">
-            <a:extLst>
-              <a:ext uri="{FF2B5EF4-FFF2-40B4-BE49-F238E27FC236}">
-                <a16:creationId xmlns:a16="http://schemas.microsoft.com/office/drawing/2014/main" id="{34D4EF5D-8515-7C86-B59F-055E1FB3BD14}"/>
-              </a:ext>
-            </a:extLst>
-          </p:cNvPr>
+          <p:cNvPr id="2" name="Title 1"/>
           <p:cNvSpPr>
             <a:spLocks noGrp="1"/>
           </p:cNvSpPr>
@@ -373,18 +2966,13 @@
               <a:rPr lang="de-DE"/>
               <a:t>Mastertitelformat bearbeiten</a:t>
             </a:r>
-          </a:p>
-        </p:txBody>
-      </p:sp>
-      <p:sp>
-        <p:nvSpPr>
-          <p:cNvPr id="3" name="Vertikaler Textplatzhalter 2">
-            <a:extLst>
-              <a:ext uri="{FF2B5EF4-FFF2-40B4-BE49-F238E27FC236}">
-                <a16:creationId xmlns:a16="http://schemas.microsoft.com/office/drawing/2014/main" id="{AADFB641-0261-89D0-9EA3-5BB347A776EC}"/>
-              </a:ext>
-            </a:extLst>
-          </p:cNvPr>
+            <a:endParaRPr lang="en-US" dirty="0"/>
+          </a:p>
+        </p:txBody>
+      </p:sp>
+      <p:sp>
+        <p:nvSpPr>
+          <p:cNvPr id="3" name="Vertical Text Placeholder 2"/>
           <p:cNvSpPr>
             <a:spLocks noGrp="1"/>
           </p:cNvSpPr>
@@ -394,7 +2982,7 @@
         </p:nvSpPr>
         <p:spPr/>
         <p:txBody>
-          <a:bodyPr vert="eaVert"/>
+          <a:bodyPr vert="eaVert" anchor="t" anchorCtr="0"/>
           <a:lstStyle/>
           <a:p>
             <a:pPr lvl="0"/>
@@ -430,18 +3018,13 @@
               <a:rPr lang="de-DE"/>
               <a:t>Fünfte Ebene</a:t>
             </a:r>
-          </a:p>
-        </p:txBody>
-      </p:sp>
-      <p:sp>
-        <p:nvSpPr>
-          <p:cNvPr id="4" name="Datumsplatzhalter 3">
-            <a:extLst>
-              <a:ext uri="{FF2B5EF4-FFF2-40B4-BE49-F238E27FC236}">
-                <a16:creationId xmlns:a16="http://schemas.microsoft.com/office/drawing/2014/main" id="{3AD719F2-F584-4C5C-CDD5-6151C3674215}"/>
-              </a:ext>
-            </a:extLst>
-          </p:cNvPr>
+            <a:endParaRPr lang="en-US" dirty="0"/>
+          </a:p>
+        </p:txBody>
+      </p:sp>
+      <p:sp>
+        <p:nvSpPr>
+          <p:cNvPr id="4" name="Date Placeholder 3"/>
           <p:cNvSpPr>
             <a:spLocks noGrp="1"/>
           </p:cNvSpPr>
@@ -456,7 +3039,7 @@
           <a:p>
             <a:fld id="{D689E641-CA97-4319-9345-929272670F97}" type="datetimeFigureOut">
               <a:rPr lang="de-DE" smtClean="0"/>
-              <a:t>15.01.2023</a:t>
+              <a:t>16.01.2023</a:t>
             </a:fld>
             <a:endParaRPr lang="de-DE"/>
           </a:p>
@@ -464,13 +3047,7 @@
       </p:sp>
       <p:sp>
         <p:nvSpPr>
-          <p:cNvPr id="5" name="Fußzeilenplatzhalter 4">
-            <a:extLst>
-              <a:ext uri="{FF2B5EF4-FFF2-40B4-BE49-F238E27FC236}">
-                <a16:creationId xmlns:a16="http://schemas.microsoft.com/office/drawing/2014/main" id="{9E5762BB-1265-6455-9C4B-BBCAD9EBC04F}"/>
-              </a:ext>
-            </a:extLst>
-          </p:cNvPr>
+          <p:cNvPr id="5" name="Footer Placeholder 4"/>
           <p:cNvSpPr>
             <a:spLocks noGrp="1"/>
           </p:cNvSpPr>
@@ -489,13 +3066,7 @@
       </p:sp>
       <p:sp>
         <p:nvSpPr>
-          <p:cNvPr id="6" name="Foliennummernplatzhalter 5">
-            <a:extLst>
-              <a:ext uri="{FF2B5EF4-FFF2-40B4-BE49-F238E27FC236}">
-                <a16:creationId xmlns:a16="http://schemas.microsoft.com/office/drawing/2014/main" id="{F2CCA7B9-4C9C-EA6B-0184-D38BDA9E9B05}"/>
-              </a:ext>
-            </a:extLst>
-          </p:cNvPr>
+          <p:cNvPr id="6" name="Slide Number Placeholder 5"/>
           <p:cNvSpPr>
             <a:spLocks noGrp="1"/>
           </p:cNvSpPr>
@@ -519,7 +3090,7 @@
     </p:spTree>
     <p:extLst>
       <p:ext uri="{BB962C8B-B14F-4D97-AF65-F5344CB8AC3E}">
-        <p14:creationId xmlns:p14="http://schemas.microsoft.com/office/powerpoint/2010/main" val="2894331515"/>
+        <p14:creationId xmlns:p14="http://schemas.microsoft.com/office/powerpoint/2010/main" val="1295513646"/>
       </p:ext>
     </p:extLst>
   </p:cSld>
@@ -529,7 +3100,7 @@
 </p:sldLayout>
 </file>
 
-<file path=ppt/slideLayouts/slideLayout11.xml><?xml version="1.0" encoding="utf-8"?>
+<file path=ppt/slideLayouts/slideLayout17.xml><?xml version="1.0" encoding="utf-8"?>
 <p:sldLayout xmlns:a="http://schemas.openxmlformats.org/drawingml/2006/main" xmlns:r="http://schemas.openxmlformats.org/officeDocument/2006/relationships" xmlns:p="http://schemas.openxmlformats.org/presentationml/2006/main" type="vertTitleAndTx" preserve="1">
   <p:cSld name="Vertikaler Titel und Text">
     <p:spTree>
@@ -548,13 +3119,7 @@
       </p:grpSpPr>
       <p:sp>
         <p:nvSpPr>
-          <p:cNvPr id="2" name="Vertikaler Titel 1">
-            <a:extLst>
-              <a:ext uri="{FF2B5EF4-FFF2-40B4-BE49-F238E27FC236}">
-                <a16:creationId xmlns:a16="http://schemas.microsoft.com/office/drawing/2014/main" id="{0DA303A1-A612-0136-9988-8750B5DD74DC}"/>
-              </a:ext>
-            </a:extLst>
-          </p:cNvPr>
+          <p:cNvPr id="2" name="Vertical Title 1"/>
           <p:cNvSpPr>
             <a:spLocks noGrp="1"/>
           </p:cNvSpPr>
@@ -564,47 +3129,42 @@
         </p:nvSpPr>
         <p:spPr>
           <a:xfrm>
-            <a:off x="8724900" y="365125"/>
-            <a:ext cx="2628900" cy="5811838"/>
+            <a:off x="8304212" y="430213"/>
+            <a:ext cx="1752601" cy="5826125"/>
           </a:xfrm>
         </p:spPr>
         <p:txBody>
+          <a:bodyPr vert="eaVert" anchor="b" anchorCtr="0"/>
+          <a:lstStyle/>
+          <a:p>
+            <a:r>
+              <a:rPr lang="de-DE"/>
+              <a:t>Mastertitelformat bearbeiten</a:t>
+            </a:r>
+            <a:endParaRPr lang="en-US" dirty="0"/>
+          </a:p>
+        </p:txBody>
+      </p:sp>
+      <p:sp>
+        <p:nvSpPr>
+          <p:cNvPr id="3" name="Vertical Text Placeholder 2"/>
+          <p:cNvSpPr>
+            <a:spLocks noGrp="1"/>
+          </p:cNvSpPr>
+          <p:nvPr>
+            <p:ph type="body" orient="vert" idx="1"/>
+          </p:nvPr>
+        </p:nvSpPr>
+        <p:spPr>
+          <a:xfrm>
+            <a:off x="652463" y="887414"/>
+            <a:ext cx="7423149" cy="5368924"/>
+          </a:xfrm>
+        </p:spPr>
+        <p:txBody>
           <a:bodyPr vert="eaVert"/>
           <a:lstStyle/>
           <a:p>
-            <a:r>
-              <a:rPr lang="de-DE"/>
-              <a:t>Mastertitelformat bearbeiten</a:t>
-            </a:r>
-          </a:p>
-        </p:txBody>
-      </p:sp>
-      <p:sp>
-        <p:nvSpPr>
-          <p:cNvPr id="3" name="Vertikaler Textplatzhalter 2">
-            <a:extLst>
-              <a:ext uri="{FF2B5EF4-FFF2-40B4-BE49-F238E27FC236}">
-                <a16:creationId xmlns:a16="http://schemas.microsoft.com/office/drawing/2014/main" id="{C5F33C93-3B14-C5C3-030C-3F09C6BB9CEB}"/>
-              </a:ext>
-            </a:extLst>
-          </p:cNvPr>
-          <p:cNvSpPr>
-            <a:spLocks noGrp="1"/>
-          </p:cNvSpPr>
-          <p:nvPr>
-            <p:ph type="body" orient="vert" idx="1"/>
-          </p:nvPr>
-        </p:nvSpPr>
-        <p:spPr>
-          <a:xfrm>
-            <a:off x="838200" y="365125"/>
-            <a:ext cx="7734300" cy="5811838"/>
-          </a:xfrm>
-        </p:spPr>
-        <p:txBody>
-          <a:bodyPr vert="eaVert"/>
-          <a:lstStyle/>
-          <a:p>
             <a:pPr lvl="0"/>
             <a:r>
               <a:rPr lang="de-DE"/>
@@ -638,18 +3198,13 @@
               <a:rPr lang="de-DE"/>
               <a:t>Fünfte Ebene</a:t>
             </a:r>
-          </a:p>
-        </p:txBody>
-      </p:sp>
-      <p:sp>
-        <p:nvSpPr>
-          <p:cNvPr id="4" name="Datumsplatzhalter 3">
-            <a:extLst>
-              <a:ext uri="{FF2B5EF4-FFF2-40B4-BE49-F238E27FC236}">
-                <a16:creationId xmlns:a16="http://schemas.microsoft.com/office/drawing/2014/main" id="{2FD2C95A-1775-964C-506A-1FEF85D269EB}"/>
-              </a:ext>
-            </a:extLst>
-          </p:cNvPr>
+            <a:endParaRPr lang="en-US" dirty="0"/>
+          </a:p>
+        </p:txBody>
+      </p:sp>
+      <p:sp>
+        <p:nvSpPr>
+          <p:cNvPr id="4" name="Date Placeholder 3"/>
           <p:cNvSpPr>
             <a:spLocks noGrp="1"/>
           </p:cNvSpPr>
@@ -664,7 +3219,7 @@
           <a:p>
             <a:fld id="{D689E641-CA97-4319-9345-929272670F97}" type="datetimeFigureOut">
               <a:rPr lang="de-DE" smtClean="0"/>
-              <a:t>15.01.2023</a:t>
+              <a:t>16.01.2023</a:t>
             </a:fld>
             <a:endParaRPr lang="de-DE"/>
           </a:p>
@@ -672,13 +3227,7 @@
       </p:sp>
       <p:sp>
         <p:nvSpPr>
-          <p:cNvPr id="5" name="Fußzeilenplatzhalter 4">
-            <a:extLst>
-              <a:ext uri="{FF2B5EF4-FFF2-40B4-BE49-F238E27FC236}">
-                <a16:creationId xmlns:a16="http://schemas.microsoft.com/office/drawing/2014/main" id="{539DFE41-05AB-25BF-FFE5-9BF6E8642B60}"/>
-              </a:ext>
-            </a:extLst>
-          </p:cNvPr>
+          <p:cNvPr id="5" name="Footer Placeholder 4"/>
           <p:cNvSpPr>
             <a:spLocks noGrp="1"/>
           </p:cNvSpPr>
@@ -697,13 +3246,7 @@
       </p:sp>
       <p:sp>
         <p:nvSpPr>
-          <p:cNvPr id="6" name="Foliennummernplatzhalter 5">
-            <a:extLst>
-              <a:ext uri="{FF2B5EF4-FFF2-40B4-BE49-F238E27FC236}">
-                <a16:creationId xmlns:a16="http://schemas.microsoft.com/office/drawing/2014/main" id="{EAD3E1BE-9A53-81BC-0F56-7903F060E6F6}"/>
-              </a:ext>
-            </a:extLst>
-          </p:cNvPr>
+          <p:cNvPr id="6" name="Slide Number Placeholder 5"/>
           <p:cNvSpPr>
             <a:spLocks noGrp="1"/>
           </p:cNvSpPr>
@@ -727,7 +3270,7 @@
     </p:spTree>
     <p:extLst>
       <p:ext uri="{BB962C8B-B14F-4D97-AF65-F5344CB8AC3E}">
-        <p14:creationId xmlns:p14="http://schemas.microsoft.com/office/powerpoint/2010/main" val="2561000173"/>
+        <p14:creationId xmlns:p14="http://schemas.microsoft.com/office/powerpoint/2010/main" val="1139176842"/>
       </p:ext>
     </p:extLst>
   </p:cSld>
@@ -756,13 +3299,7 @@
       </p:grpSpPr>
       <p:sp>
         <p:nvSpPr>
-          <p:cNvPr id="2" name="Titel 1">
-            <a:extLst>
-              <a:ext uri="{FF2B5EF4-FFF2-40B4-BE49-F238E27FC236}">
-                <a16:creationId xmlns:a16="http://schemas.microsoft.com/office/drawing/2014/main" id="{FF466CBD-D476-6E5A-4F88-E502C8B4C222}"/>
-              </a:ext>
-            </a:extLst>
-          </p:cNvPr>
+          <p:cNvPr id="2" name="Title 1"/>
           <p:cNvSpPr>
             <a:spLocks noGrp="1"/>
           </p:cNvSpPr>
@@ -779,18 +3316,13 @@
               <a:rPr lang="de-DE"/>
               <a:t>Mastertitelformat bearbeiten</a:t>
             </a:r>
-          </a:p>
-        </p:txBody>
-      </p:sp>
-      <p:sp>
-        <p:nvSpPr>
-          <p:cNvPr id="3" name="Inhaltsplatzhalter 2">
-            <a:extLst>
-              <a:ext uri="{FF2B5EF4-FFF2-40B4-BE49-F238E27FC236}">
-                <a16:creationId xmlns:a16="http://schemas.microsoft.com/office/drawing/2014/main" id="{CEB39BEE-2889-1D40-D67A-94F7C5F0C831}"/>
-              </a:ext>
-            </a:extLst>
-          </p:cNvPr>
+            <a:endParaRPr lang="en-US" dirty="0"/>
+          </a:p>
+        </p:txBody>
+      </p:sp>
+      <p:sp>
+        <p:nvSpPr>
+          <p:cNvPr id="3" name="Content Placeholder 2"/>
           <p:cNvSpPr>
             <a:spLocks noGrp="1"/>
           </p:cNvSpPr>
@@ -836,18 +3368,13 @@
               <a:rPr lang="de-DE"/>
               <a:t>Fünfte Ebene</a:t>
             </a:r>
-          </a:p>
-        </p:txBody>
-      </p:sp>
-      <p:sp>
-        <p:nvSpPr>
-          <p:cNvPr id="4" name="Datumsplatzhalter 3">
-            <a:extLst>
-              <a:ext uri="{FF2B5EF4-FFF2-40B4-BE49-F238E27FC236}">
-                <a16:creationId xmlns:a16="http://schemas.microsoft.com/office/drawing/2014/main" id="{DAE6407D-1680-2880-B713-25F0864A2F42}"/>
-              </a:ext>
-            </a:extLst>
-          </p:cNvPr>
+            <a:endParaRPr lang="en-US" dirty="0"/>
+          </a:p>
+        </p:txBody>
+      </p:sp>
+      <p:sp>
+        <p:nvSpPr>
+          <p:cNvPr id="7" name="Date Placeholder 3"/>
           <p:cNvSpPr>
             <a:spLocks noGrp="1"/>
           </p:cNvSpPr>
@@ -862,7 +3389,7 @@
           <a:p>
             <a:fld id="{D689E641-CA97-4319-9345-929272670F97}" type="datetimeFigureOut">
               <a:rPr lang="de-DE" smtClean="0"/>
-              <a:t>15.01.2023</a:t>
+              <a:t>16.01.2023</a:t>
             </a:fld>
             <a:endParaRPr lang="de-DE"/>
           </a:p>
@@ -870,13 +3397,7 @@
       </p:sp>
       <p:sp>
         <p:nvSpPr>
-          <p:cNvPr id="5" name="Fußzeilenplatzhalter 4">
-            <a:extLst>
-              <a:ext uri="{FF2B5EF4-FFF2-40B4-BE49-F238E27FC236}">
-                <a16:creationId xmlns:a16="http://schemas.microsoft.com/office/drawing/2014/main" id="{E216D48A-2E26-36DE-FF48-85498C6DD27F}"/>
-              </a:ext>
-            </a:extLst>
-          </p:cNvPr>
+          <p:cNvPr id="5" name="Footer Placeholder 4"/>
           <p:cNvSpPr>
             <a:spLocks noGrp="1"/>
           </p:cNvSpPr>
@@ -895,13 +3416,7 @@
       </p:sp>
       <p:sp>
         <p:nvSpPr>
-          <p:cNvPr id="6" name="Foliennummernplatzhalter 5">
-            <a:extLst>
-              <a:ext uri="{FF2B5EF4-FFF2-40B4-BE49-F238E27FC236}">
-                <a16:creationId xmlns:a16="http://schemas.microsoft.com/office/drawing/2014/main" id="{518CB5C0-BD32-D7EE-E967-E99A1144E761}"/>
-              </a:ext>
-            </a:extLst>
-          </p:cNvPr>
+          <p:cNvPr id="6" name="Slide Number Placeholder 5"/>
           <p:cNvSpPr>
             <a:spLocks noGrp="1"/>
           </p:cNvSpPr>
@@ -925,7 +3440,7 @@
     </p:spTree>
     <p:extLst>
       <p:ext uri="{BB962C8B-B14F-4D97-AF65-F5344CB8AC3E}">
-        <p14:creationId xmlns:p14="http://schemas.microsoft.com/office/powerpoint/2010/main" val="3332836914"/>
+        <p14:creationId xmlns:p14="http://schemas.microsoft.com/office/powerpoint/2010/main" val="3109351100"/>
       </p:ext>
     </p:extLst>
   </p:cSld>
@@ -954,13 +3469,7 @@
       </p:grpSpPr>
       <p:sp>
         <p:nvSpPr>
-          <p:cNvPr id="2" name="Titel 1">
-            <a:extLst>
-              <a:ext uri="{FF2B5EF4-FFF2-40B4-BE49-F238E27FC236}">
-                <a16:creationId xmlns:a16="http://schemas.microsoft.com/office/drawing/2014/main" id="{770A745B-AC30-6017-432E-9BDF85218CB2}"/>
-              </a:ext>
-            </a:extLst>
-          </p:cNvPr>
+          <p:cNvPr id="2" name="Title 1"/>
           <p:cNvSpPr>
             <a:spLocks noGrp="1"/>
           </p:cNvSpPr>
@@ -970,15 +3479,15 @@
         </p:nvSpPr>
         <p:spPr>
           <a:xfrm>
-            <a:off x="831850" y="1709738"/>
-            <a:ext cx="10515600" cy="2852737"/>
+            <a:off x="1154956" y="2861733"/>
+            <a:ext cx="8825657" cy="1915647"/>
           </a:xfrm>
         </p:spPr>
         <p:txBody>
           <a:bodyPr anchor="b"/>
           <a:lstStyle>
-            <a:lvl1pPr>
-              <a:defRPr sz="6000"/>
+            <a:lvl1pPr algn="l">
+              <a:defRPr sz="4000" b="0" cap="none"/>
             </a:lvl1pPr>
           </a:lstStyle>
           <a:p>
@@ -986,18 +3495,13 @@
               <a:rPr lang="de-DE"/>
               <a:t>Mastertitelformat bearbeiten</a:t>
             </a:r>
-          </a:p>
-        </p:txBody>
-      </p:sp>
-      <p:sp>
-        <p:nvSpPr>
-          <p:cNvPr id="3" name="Textplatzhalter 2">
-            <a:extLst>
-              <a:ext uri="{FF2B5EF4-FFF2-40B4-BE49-F238E27FC236}">
-                <a16:creationId xmlns:a16="http://schemas.microsoft.com/office/drawing/2014/main" id="{1780D193-5A81-8A47-E5D3-450F4FAC6C18}"/>
-              </a:ext>
-            </a:extLst>
-          </p:cNvPr>
+            <a:endParaRPr lang="en-US" dirty="0"/>
+          </a:p>
+        </p:txBody>
+      </p:sp>
+      <p:sp>
+        <p:nvSpPr>
+          <p:cNvPr id="3" name="Text Placeholder 2"/>
           <p:cNvSpPr>
             <a:spLocks noGrp="1"/>
           </p:cNvSpPr>
@@ -1007,26 +3511,27 @@
         </p:nvSpPr>
         <p:spPr>
           <a:xfrm>
-            <a:off x="831850" y="4589463"/>
-            <a:ext cx="10515600" cy="1500187"/>
+            <a:off x="1154955" y="4777381"/>
+            <a:ext cx="8825658" cy="860400"/>
           </a:xfrm>
         </p:spPr>
         <p:txBody>
-          <a:bodyPr/>
+          <a:bodyPr anchor="t"/>
           <a:lstStyle>
-            <a:lvl1pPr marL="0" indent="0">
-              <a:buNone/>
-              <a:defRPr sz="2400">
+            <a:lvl1pPr marL="0" indent="0" algn="l">
+              <a:buNone/>
+              <a:defRPr sz="2000" cap="all">
                 <a:solidFill>
-                  <a:schemeClr val="tx1">
-                    <a:tint val="75000"/>
+                  <a:schemeClr val="bg2">
+                    <a:lumMod val="40000"/>
+                    <a:lumOff val="60000"/>
                   </a:schemeClr>
                 </a:solidFill>
               </a:defRPr>
             </a:lvl1pPr>
             <a:lvl2pPr marL="457200" indent="0">
               <a:buNone/>
-              <a:defRPr sz="2000">
+              <a:defRPr sz="1800">
                 <a:solidFill>
                   <a:schemeClr val="tx1">
                     <a:tint val="75000"/>
@@ -1036,7 +3541,7 @@
             </a:lvl2pPr>
             <a:lvl3pPr marL="914400" indent="0">
               <a:buNone/>
-              <a:defRPr sz="1800">
+              <a:defRPr sz="1600">
                 <a:solidFill>
                   <a:schemeClr val="tx1">
                     <a:tint val="75000"/>
@@ -1046,7 +3551,7 @@
             </a:lvl3pPr>
             <a:lvl4pPr marL="1371600" indent="0">
               <a:buNone/>
-              <a:defRPr sz="1600">
+              <a:defRPr sz="1400">
                 <a:solidFill>
                   <a:schemeClr val="tx1">
                     <a:tint val="75000"/>
@@ -1056,7 +3561,7 @@
             </a:lvl4pPr>
             <a:lvl5pPr marL="1828800" indent="0">
               <a:buNone/>
-              <a:defRPr sz="1600">
+              <a:defRPr sz="1400">
                 <a:solidFill>
                   <a:schemeClr val="tx1">
                     <a:tint val="75000"/>
@@ -1066,7 +3571,7 @@
             </a:lvl5pPr>
             <a:lvl6pPr marL="2286000" indent="0">
               <a:buNone/>
-              <a:defRPr sz="1600">
+              <a:defRPr sz="1400">
                 <a:solidFill>
                   <a:schemeClr val="tx1">
                     <a:tint val="75000"/>
@@ -1076,7 +3581,7 @@
             </a:lvl6pPr>
             <a:lvl7pPr marL="2743200" indent="0">
               <a:buNone/>
-              <a:defRPr sz="1600">
+              <a:defRPr sz="1400">
                 <a:solidFill>
                   <a:schemeClr val="tx1">
                     <a:tint val="75000"/>
@@ -1086,7 +3591,7 @@
             </a:lvl7pPr>
             <a:lvl8pPr marL="3200400" indent="0">
               <a:buNone/>
-              <a:defRPr sz="1600">
+              <a:defRPr sz="1400">
                 <a:solidFill>
                   <a:schemeClr val="tx1">
                     <a:tint val="75000"/>
@@ -1096,7 +3601,7 @@
             </a:lvl8pPr>
             <a:lvl9pPr marL="3657600" indent="0">
               <a:buNone/>
-              <a:defRPr sz="1600">
+              <a:defRPr sz="1400">
                 <a:solidFill>
                   <a:schemeClr val="tx1">
                     <a:tint val="75000"/>
@@ -1116,13 +3621,7 @@
       </p:sp>
       <p:sp>
         <p:nvSpPr>
-          <p:cNvPr id="4" name="Datumsplatzhalter 3">
-            <a:extLst>
-              <a:ext uri="{FF2B5EF4-FFF2-40B4-BE49-F238E27FC236}">
-                <a16:creationId xmlns:a16="http://schemas.microsoft.com/office/drawing/2014/main" id="{9F49DC75-4C2E-9B28-34F6-FD1129E291A0}"/>
-              </a:ext>
-            </a:extLst>
-          </p:cNvPr>
+          <p:cNvPr id="4" name="Date Placeholder 3"/>
           <p:cNvSpPr>
             <a:spLocks noGrp="1"/>
           </p:cNvSpPr>
@@ -1137,7 +3636,7 @@
           <a:p>
             <a:fld id="{D689E641-CA97-4319-9345-929272670F97}" type="datetimeFigureOut">
               <a:rPr lang="de-DE" smtClean="0"/>
-              <a:t>15.01.2023</a:t>
+              <a:t>16.01.2023</a:t>
             </a:fld>
             <a:endParaRPr lang="de-DE"/>
           </a:p>
@@ -1145,13 +3644,7 @@
       </p:sp>
       <p:sp>
         <p:nvSpPr>
-          <p:cNvPr id="5" name="Fußzeilenplatzhalter 4">
-            <a:extLst>
-              <a:ext uri="{FF2B5EF4-FFF2-40B4-BE49-F238E27FC236}">
-                <a16:creationId xmlns:a16="http://schemas.microsoft.com/office/drawing/2014/main" id="{03265643-3492-B7A6-7261-F20325B4072F}"/>
-              </a:ext>
-            </a:extLst>
-          </p:cNvPr>
+          <p:cNvPr id="5" name="Footer Placeholder 4"/>
           <p:cNvSpPr>
             <a:spLocks noGrp="1"/>
           </p:cNvSpPr>
@@ -1170,13 +3663,7 @@
       </p:sp>
       <p:sp>
         <p:nvSpPr>
-          <p:cNvPr id="6" name="Foliennummernplatzhalter 5">
-            <a:extLst>
-              <a:ext uri="{FF2B5EF4-FFF2-40B4-BE49-F238E27FC236}">
-                <a16:creationId xmlns:a16="http://schemas.microsoft.com/office/drawing/2014/main" id="{E72470E7-FF9C-59FB-A95D-4A70460B7995}"/>
-              </a:ext>
-            </a:extLst>
-          </p:cNvPr>
+          <p:cNvPr id="6" name="Slide Number Placeholder 5"/>
           <p:cNvSpPr>
             <a:spLocks noGrp="1"/>
           </p:cNvSpPr>
@@ -1200,7 +3687,7 @@
     </p:spTree>
     <p:extLst>
       <p:ext uri="{BB962C8B-B14F-4D97-AF65-F5344CB8AC3E}">
-        <p14:creationId xmlns:p14="http://schemas.microsoft.com/office/powerpoint/2010/main" val="4263114805"/>
+        <p14:creationId xmlns:p14="http://schemas.microsoft.com/office/powerpoint/2010/main" val="2127085781"/>
       </p:ext>
     </p:extLst>
   </p:cSld>
@@ -1229,13 +3716,7 @@
       </p:grpSpPr>
       <p:sp>
         <p:nvSpPr>
-          <p:cNvPr id="2" name="Titel 1">
-            <a:extLst>
-              <a:ext uri="{FF2B5EF4-FFF2-40B4-BE49-F238E27FC236}">
-                <a16:creationId xmlns:a16="http://schemas.microsoft.com/office/drawing/2014/main" id="{F9B1B56E-EFC8-B015-25F9-8BBDB8684289}"/>
-              </a:ext>
-            </a:extLst>
-          </p:cNvPr>
+          <p:cNvPr id="2" name="Title 1"/>
           <p:cNvSpPr>
             <a:spLocks noGrp="1"/>
           </p:cNvSpPr>
@@ -1252,18 +3733,13 @@
               <a:rPr lang="de-DE"/>
               <a:t>Mastertitelformat bearbeiten</a:t>
             </a:r>
-          </a:p>
-        </p:txBody>
-      </p:sp>
-      <p:sp>
-        <p:nvSpPr>
-          <p:cNvPr id="3" name="Inhaltsplatzhalter 2">
-            <a:extLst>
-              <a:ext uri="{FF2B5EF4-FFF2-40B4-BE49-F238E27FC236}">
-                <a16:creationId xmlns:a16="http://schemas.microsoft.com/office/drawing/2014/main" id="{9534909E-F49C-2B7A-1542-6CE696F58A85}"/>
-              </a:ext>
-            </a:extLst>
-          </p:cNvPr>
+            <a:endParaRPr lang="en-US" dirty="0"/>
+          </a:p>
+        </p:txBody>
+      </p:sp>
+      <p:sp>
+        <p:nvSpPr>
+          <p:cNvPr id="3" name="Content Placeholder 2"/>
           <p:cNvSpPr>
             <a:spLocks noGrp="1"/>
           </p:cNvSpPr>
@@ -1273,175 +3749,213 @@
         </p:nvSpPr>
         <p:spPr>
           <a:xfrm>
-            <a:off x="838200" y="1825625"/>
-            <a:ext cx="5181600" cy="4351338"/>
+            <a:off x="1103312" y="2060575"/>
+            <a:ext cx="4396339" cy="4195763"/>
           </a:xfrm>
         </p:spPr>
         <p:txBody>
+          <a:bodyPr>
+            <a:normAutofit/>
+          </a:bodyPr>
+          <a:lstStyle>
+            <a:lvl1pPr>
+              <a:defRPr sz="1800"/>
+            </a:lvl1pPr>
+            <a:lvl2pPr>
+              <a:defRPr sz="1600"/>
+            </a:lvl2pPr>
+            <a:lvl3pPr>
+              <a:defRPr sz="1400"/>
+            </a:lvl3pPr>
+            <a:lvl4pPr>
+              <a:defRPr sz="1200"/>
+            </a:lvl4pPr>
+            <a:lvl5pPr>
+              <a:defRPr sz="1200"/>
+            </a:lvl5pPr>
+            <a:lvl6pPr>
+              <a:defRPr sz="1200"/>
+            </a:lvl6pPr>
+            <a:lvl7pPr>
+              <a:defRPr sz="1200"/>
+            </a:lvl7pPr>
+            <a:lvl8pPr>
+              <a:defRPr sz="1200"/>
+            </a:lvl8pPr>
+            <a:lvl9pPr>
+              <a:defRPr sz="1200"/>
+            </a:lvl9pPr>
+          </a:lstStyle>
+          <a:p>
+            <a:pPr lvl="0"/>
+            <a:r>
+              <a:rPr lang="de-DE"/>
+              <a:t>Mastertextformat bearbeiten</a:t>
+            </a:r>
+          </a:p>
+          <a:p>
+            <a:pPr lvl="1"/>
+            <a:r>
+              <a:rPr lang="de-DE"/>
+              <a:t>Zweite Ebene</a:t>
+            </a:r>
+          </a:p>
+          <a:p>
+            <a:pPr lvl="2"/>
+            <a:r>
+              <a:rPr lang="de-DE"/>
+              <a:t>Dritte Ebene</a:t>
+            </a:r>
+          </a:p>
+          <a:p>
+            <a:pPr lvl="3"/>
+            <a:r>
+              <a:rPr lang="de-DE"/>
+              <a:t>Vierte Ebene</a:t>
+            </a:r>
+          </a:p>
+          <a:p>
+            <a:pPr lvl="4"/>
+            <a:r>
+              <a:rPr lang="de-DE"/>
+              <a:t>Fünfte Ebene</a:t>
+            </a:r>
+            <a:endParaRPr lang="en-US" dirty="0"/>
+          </a:p>
+        </p:txBody>
+      </p:sp>
+      <p:sp>
+        <p:nvSpPr>
+          <p:cNvPr id="4" name="Content Placeholder 3"/>
+          <p:cNvSpPr>
+            <a:spLocks noGrp="1"/>
+          </p:cNvSpPr>
+          <p:nvPr>
+            <p:ph sz="half" idx="2"/>
+          </p:nvPr>
+        </p:nvSpPr>
+        <p:spPr>
+          <a:xfrm>
+            <a:off x="5654493" y="2056092"/>
+            <a:ext cx="4396341" cy="4200245"/>
+          </a:xfrm>
+        </p:spPr>
+        <p:txBody>
+          <a:bodyPr>
+            <a:normAutofit/>
+          </a:bodyPr>
+          <a:lstStyle>
+            <a:lvl1pPr>
+              <a:defRPr sz="1800"/>
+            </a:lvl1pPr>
+            <a:lvl2pPr>
+              <a:defRPr sz="1600"/>
+            </a:lvl2pPr>
+            <a:lvl3pPr>
+              <a:defRPr sz="1400"/>
+            </a:lvl3pPr>
+            <a:lvl4pPr>
+              <a:defRPr sz="1200"/>
+            </a:lvl4pPr>
+            <a:lvl5pPr>
+              <a:defRPr sz="1200"/>
+            </a:lvl5pPr>
+            <a:lvl6pPr>
+              <a:defRPr sz="1200"/>
+            </a:lvl6pPr>
+            <a:lvl7pPr>
+              <a:defRPr sz="1200"/>
+            </a:lvl7pPr>
+            <a:lvl8pPr>
+              <a:defRPr sz="1200"/>
+            </a:lvl8pPr>
+            <a:lvl9pPr>
+              <a:defRPr sz="1200"/>
+            </a:lvl9pPr>
+          </a:lstStyle>
+          <a:p>
+            <a:pPr lvl="0"/>
+            <a:r>
+              <a:rPr lang="de-DE"/>
+              <a:t>Mastertextformat bearbeiten</a:t>
+            </a:r>
+          </a:p>
+          <a:p>
+            <a:pPr lvl="1"/>
+            <a:r>
+              <a:rPr lang="de-DE"/>
+              <a:t>Zweite Ebene</a:t>
+            </a:r>
+          </a:p>
+          <a:p>
+            <a:pPr lvl="2"/>
+            <a:r>
+              <a:rPr lang="de-DE"/>
+              <a:t>Dritte Ebene</a:t>
+            </a:r>
+          </a:p>
+          <a:p>
+            <a:pPr lvl="3"/>
+            <a:r>
+              <a:rPr lang="de-DE"/>
+              <a:t>Vierte Ebene</a:t>
+            </a:r>
+          </a:p>
+          <a:p>
+            <a:pPr lvl="4"/>
+            <a:r>
+              <a:rPr lang="de-DE"/>
+              <a:t>Fünfte Ebene</a:t>
+            </a:r>
+            <a:endParaRPr lang="en-US" dirty="0"/>
+          </a:p>
+        </p:txBody>
+      </p:sp>
+      <p:sp>
+        <p:nvSpPr>
+          <p:cNvPr id="5" name="Date Placeholder 4"/>
+          <p:cNvSpPr>
+            <a:spLocks noGrp="1"/>
+          </p:cNvSpPr>
+          <p:nvPr>
+            <p:ph type="dt" sz="half" idx="10"/>
+          </p:nvPr>
+        </p:nvSpPr>
+        <p:spPr/>
+        <p:txBody>
           <a:bodyPr/>
           <a:lstStyle/>
           <a:p>
-            <a:pPr lvl="0"/>
-            <a:r>
-              <a:rPr lang="de-DE"/>
-              <a:t>Mastertextformat bearbeiten</a:t>
-            </a:r>
-          </a:p>
-          <a:p>
-            <a:pPr lvl="1"/>
-            <a:r>
-              <a:rPr lang="de-DE"/>
-              <a:t>Zweite Ebene</a:t>
-            </a:r>
-          </a:p>
-          <a:p>
-            <a:pPr lvl="2"/>
-            <a:r>
-              <a:rPr lang="de-DE"/>
-              <a:t>Dritte Ebene</a:t>
-            </a:r>
-          </a:p>
-          <a:p>
-            <a:pPr lvl="3"/>
-            <a:r>
-              <a:rPr lang="de-DE"/>
-              <a:t>Vierte Ebene</a:t>
-            </a:r>
-          </a:p>
-          <a:p>
-            <a:pPr lvl="4"/>
-            <a:r>
-              <a:rPr lang="de-DE"/>
-              <a:t>Fünfte Ebene</a:t>
-            </a:r>
-          </a:p>
-        </p:txBody>
-      </p:sp>
-      <p:sp>
-        <p:nvSpPr>
-          <p:cNvPr id="4" name="Inhaltsplatzhalter 3">
-            <a:extLst>
-              <a:ext uri="{FF2B5EF4-FFF2-40B4-BE49-F238E27FC236}">
-                <a16:creationId xmlns:a16="http://schemas.microsoft.com/office/drawing/2014/main" id="{790367B9-8D1E-D59C-2E55-6BA60C3995BC}"/>
-              </a:ext>
-            </a:extLst>
-          </p:cNvPr>
-          <p:cNvSpPr>
-            <a:spLocks noGrp="1"/>
-          </p:cNvSpPr>
-          <p:nvPr>
-            <p:ph sz="half" idx="2"/>
-          </p:nvPr>
-        </p:nvSpPr>
-        <p:spPr>
-          <a:xfrm>
-            <a:off x="6172200" y="1825625"/>
-            <a:ext cx="5181600" cy="4351338"/>
-          </a:xfrm>
-        </p:spPr>
+            <a:fld id="{D689E641-CA97-4319-9345-929272670F97}" type="datetimeFigureOut">
+              <a:rPr lang="de-DE" smtClean="0"/>
+              <a:t>16.01.2023</a:t>
+            </a:fld>
+            <a:endParaRPr lang="de-DE"/>
+          </a:p>
+        </p:txBody>
+      </p:sp>
+      <p:sp>
+        <p:nvSpPr>
+          <p:cNvPr id="6" name="Footer Placeholder 5"/>
+          <p:cNvSpPr>
+            <a:spLocks noGrp="1"/>
+          </p:cNvSpPr>
+          <p:nvPr>
+            <p:ph type="ftr" sz="quarter" idx="11"/>
+          </p:nvPr>
+        </p:nvSpPr>
+        <p:spPr/>
         <p:txBody>
           <a:bodyPr/>
           <a:lstStyle/>
           <a:p>
-            <a:pPr lvl="0"/>
-            <a:r>
-              <a:rPr lang="de-DE"/>
-              <a:t>Mastertextformat bearbeiten</a:t>
-            </a:r>
-          </a:p>
-          <a:p>
-            <a:pPr lvl="1"/>
-            <a:r>
-              <a:rPr lang="de-DE"/>
-              <a:t>Zweite Ebene</a:t>
-            </a:r>
-          </a:p>
-          <a:p>
-            <a:pPr lvl="2"/>
-            <a:r>
-              <a:rPr lang="de-DE"/>
-              <a:t>Dritte Ebene</a:t>
-            </a:r>
-          </a:p>
-          <a:p>
-            <a:pPr lvl="3"/>
-            <a:r>
-              <a:rPr lang="de-DE"/>
-              <a:t>Vierte Ebene</a:t>
-            </a:r>
-          </a:p>
-          <a:p>
-            <a:pPr lvl="4"/>
-            <a:r>
-              <a:rPr lang="de-DE"/>
-              <a:t>Fünfte Ebene</a:t>
-            </a:r>
-          </a:p>
-        </p:txBody>
-      </p:sp>
-      <p:sp>
-        <p:nvSpPr>
-          <p:cNvPr id="5" name="Datumsplatzhalter 4">
-            <a:extLst>
-              <a:ext uri="{FF2B5EF4-FFF2-40B4-BE49-F238E27FC236}">
-                <a16:creationId xmlns:a16="http://schemas.microsoft.com/office/drawing/2014/main" id="{85C55439-29A7-507F-0FF2-A5084D14C81A}"/>
-              </a:ext>
-            </a:extLst>
-          </p:cNvPr>
-          <p:cNvSpPr>
-            <a:spLocks noGrp="1"/>
-          </p:cNvSpPr>
-          <p:nvPr>
-            <p:ph type="dt" sz="half" idx="10"/>
-          </p:nvPr>
-        </p:nvSpPr>
-        <p:spPr/>
-        <p:txBody>
-          <a:bodyPr/>
-          <a:lstStyle/>
-          <a:p>
-            <a:fld id="{D689E641-CA97-4319-9345-929272670F97}" type="datetimeFigureOut">
-              <a:rPr lang="de-DE" smtClean="0"/>
-              <a:t>15.01.2023</a:t>
-            </a:fld>
             <a:endParaRPr lang="de-DE"/>
           </a:p>
         </p:txBody>
       </p:sp>
       <p:sp>
         <p:nvSpPr>
-          <p:cNvPr id="6" name="Fußzeilenplatzhalter 5">
-            <a:extLst>
-              <a:ext uri="{FF2B5EF4-FFF2-40B4-BE49-F238E27FC236}">
-                <a16:creationId xmlns:a16="http://schemas.microsoft.com/office/drawing/2014/main" id="{8F991103-C9CC-5891-6E3D-1225B6CEC7F8}"/>
-              </a:ext>
-            </a:extLst>
-          </p:cNvPr>
-          <p:cNvSpPr>
-            <a:spLocks noGrp="1"/>
-          </p:cNvSpPr>
-          <p:nvPr>
-            <p:ph type="ftr" sz="quarter" idx="11"/>
-          </p:nvPr>
-        </p:nvSpPr>
-        <p:spPr/>
-        <p:txBody>
-          <a:bodyPr/>
-          <a:lstStyle/>
-          <a:p>
-            <a:endParaRPr lang="de-DE"/>
-          </a:p>
-        </p:txBody>
-      </p:sp>
-      <p:sp>
-        <p:nvSpPr>
-          <p:cNvPr id="7" name="Foliennummernplatzhalter 6">
-            <a:extLst>
-              <a:ext uri="{FF2B5EF4-FFF2-40B4-BE49-F238E27FC236}">
-                <a16:creationId xmlns:a16="http://schemas.microsoft.com/office/drawing/2014/main" id="{86CDA3E8-5EF2-C2FD-663E-5B84BE0B3CE8}"/>
-              </a:ext>
-            </a:extLst>
-          </p:cNvPr>
+          <p:cNvPr id="7" name="Slide Number Placeholder 6"/>
           <p:cNvSpPr>
             <a:spLocks noGrp="1"/>
           </p:cNvSpPr>
@@ -1465,7 +3979,7 @@
     </p:spTree>
     <p:extLst>
       <p:ext uri="{BB962C8B-B14F-4D97-AF65-F5344CB8AC3E}">
-        <p14:creationId xmlns:p14="http://schemas.microsoft.com/office/powerpoint/2010/main" val="2761967277"/>
+        <p14:creationId xmlns:p14="http://schemas.microsoft.com/office/powerpoint/2010/main" val="55294914"/>
       </p:ext>
     </p:extLst>
   </p:cSld>
@@ -1494,65 +4008,62 @@
       </p:grpSpPr>
       <p:sp>
         <p:nvSpPr>
-          <p:cNvPr id="2" name="Titel 1">
-            <a:extLst>
-              <a:ext uri="{FF2B5EF4-FFF2-40B4-BE49-F238E27FC236}">
-                <a16:creationId xmlns:a16="http://schemas.microsoft.com/office/drawing/2014/main" id="{E9A9023C-D039-B303-9B66-4EAFC6ADE74C}"/>
-              </a:ext>
-            </a:extLst>
-          </p:cNvPr>
+          <p:cNvPr id="2" name="Title 1"/>
           <p:cNvSpPr>
             <a:spLocks noGrp="1"/>
           </p:cNvSpPr>
           <p:nvPr>
             <p:ph type="title"/>
+          </p:nvPr>
+        </p:nvSpPr>
+        <p:spPr/>
+        <p:txBody>
+          <a:bodyPr/>
+          <a:lstStyle>
+            <a:lvl1pPr>
+              <a:defRPr/>
+            </a:lvl1pPr>
+          </a:lstStyle>
+          <a:p>
+            <a:r>
+              <a:rPr lang="de-DE"/>
+              <a:t>Mastertitelformat bearbeiten</a:t>
+            </a:r>
+            <a:endParaRPr lang="en-US" dirty="0"/>
+          </a:p>
+        </p:txBody>
+      </p:sp>
+      <p:sp>
+        <p:nvSpPr>
+          <p:cNvPr id="3" name="Text Placeholder 2"/>
+          <p:cNvSpPr>
+            <a:spLocks noGrp="1"/>
+          </p:cNvSpPr>
+          <p:nvPr>
+            <p:ph type="body" idx="1"/>
           </p:nvPr>
         </p:nvSpPr>
         <p:spPr>
           <a:xfrm>
-            <a:off x="839788" y="365125"/>
-            <a:ext cx="10515600" cy="1325563"/>
+            <a:off x="1103313" y="1905000"/>
+            <a:ext cx="4396338" cy="576262"/>
           </a:xfrm>
         </p:spPr>
         <p:txBody>
-          <a:bodyPr/>
-          <a:lstStyle/>
-          <a:p>
-            <a:r>
-              <a:rPr lang="de-DE"/>
-              <a:t>Mastertitelformat bearbeiten</a:t>
-            </a:r>
-          </a:p>
-        </p:txBody>
-      </p:sp>
-      <p:sp>
-        <p:nvSpPr>
-          <p:cNvPr id="3" name="Textplatzhalter 2">
-            <a:extLst>
-              <a:ext uri="{FF2B5EF4-FFF2-40B4-BE49-F238E27FC236}">
-                <a16:creationId xmlns:a16="http://schemas.microsoft.com/office/drawing/2014/main" id="{710718B9-A444-A8F6-025A-41AD9FD70C84}"/>
-              </a:ext>
-            </a:extLst>
-          </p:cNvPr>
-          <p:cNvSpPr>
-            <a:spLocks noGrp="1"/>
-          </p:cNvSpPr>
-          <p:nvPr>
-            <p:ph type="body" idx="1"/>
-          </p:nvPr>
-        </p:nvSpPr>
-        <p:spPr>
-          <a:xfrm>
-            <a:off x="839788" y="1681163"/>
-            <a:ext cx="5157787" cy="823912"/>
-          </a:xfrm>
-        </p:spPr>
-        <p:txBody>
-          <a:bodyPr anchor="b"/>
+          <a:bodyPr anchor="b">
+            <a:noAutofit/>
+          </a:bodyPr>
           <a:lstStyle>
             <a:lvl1pPr marL="0" indent="0">
               <a:buNone/>
-              <a:defRPr sz="2400" b="1"/>
+              <a:defRPr sz="2400" b="0">
+                <a:solidFill>
+                  <a:schemeClr val="bg2">
+                    <a:lumMod val="40000"/>
+                    <a:lumOff val="60000"/>
+                  </a:schemeClr>
+                </a:solidFill>
+              </a:defRPr>
             </a:lvl1pPr>
             <a:lvl2pPr marL="457200" indent="0">
               <a:buNone/>
@@ -1598,13 +4109,7 @@
       </p:sp>
       <p:sp>
         <p:nvSpPr>
-          <p:cNvPr id="4" name="Inhaltsplatzhalter 3">
-            <a:extLst>
-              <a:ext uri="{FF2B5EF4-FFF2-40B4-BE49-F238E27FC236}">
-                <a16:creationId xmlns:a16="http://schemas.microsoft.com/office/drawing/2014/main" id="{C5DAD2EE-F945-822E-3E73-74AA82622F19}"/>
-              </a:ext>
-            </a:extLst>
-          </p:cNvPr>
+          <p:cNvPr id="4" name="Content Placeholder 3"/>
           <p:cNvSpPr>
             <a:spLocks noGrp="1"/>
           </p:cNvSpPr>
@@ -1614,13 +4119,43 @@
         </p:nvSpPr>
         <p:spPr>
           <a:xfrm>
-            <a:off x="839788" y="2505075"/>
-            <a:ext cx="5157787" cy="3684588"/>
+            <a:off x="1103312" y="2514600"/>
+            <a:ext cx="4396339" cy="3741738"/>
           </a:xfrm>
         </p:spPr>
         <p:txBody>
-          <a:bodyPr/>
-          <a:lstStyle/>
+          <a:bodyPr>
+            <a:normAutofit/>
+          </a:bodyPr>
+          <a:lstStyle>
+            <a:lvl1pPr>
+              <a:defRPr sz="1800"/>
+            </a:lvl1pPr>
+            <a:lvl2pPr>
+              <a:defRPr sz="1600"/>
+            </a:lvl2pPr>
+            <a:lvl3pPr>
+              <a:defRPr sz="1400"/>
+            </a:lvl3pPr>
+            <a:lvl4pPr>
+              <a:defRPr sz="1200"/>
+            </a:lvl4pPr>
+            <a:lvl5pPr>
+              <a:defRPr sz="1200"/>
+            </a:lvl5pPr>
+            <a:lvl6pPr>
+              <a:defRPr sz="1200"/>
+            </a:lvl6pPr>
+            <a:lvl7pPr>
+              <a:defRPr sz="1200"/>
+            </a:lvl7pPr>
+            <a:lvl8pPr>
+              <a:defRPr sz="1200"/>
+            </a:lvl8pPr>
+            <a:lvl9pPr>
+              <a:defRPr sz="1200"/>
+            </a:lvl9pPr>
+          </a:lstStyle>
           <a:p>
             <a:pPr lvl="0"/>
             <a:r>
@@ -1655,18 +4190,13 @@
               <a:rPr lang="de-DE"/>
               <a:t>Fünfte Ebene</a:t>
             </a:r>
-          </a:p>
-        </p:txBody>
-      </p:sp>
-      <p:sp>
-        <p:nvSpPr>
-          <p:cNvPr id="5" name="Textplatzhalter 4">
-            <a:extLst>
-              <a:ext uri="{FF2B5EF4-FFF2-40B4-BE49-F238E27FC236}">
-                <a16:creationId xmlns:a16="http://schemas.microsoft.com/office/drawing/2014/main" id="{CB24E67B-094C-5861-01D9-436EB10C1443}"/>
-              </a:ext>
-            </a:extLst>
-          </p:cNvPr>
+            <a:endParaRPr lang="en-US" dirty="0"/>
+          </a:p>
+        </p:txBody>
+      </p:sp>
+      <p:sp>
+        <p:nvSpPr>
+          <p:cNvPr id="5" name="Text Placeholder 4"/>
           <p:cNvSpPr>
             <a:spLocks noGrp="1"/>
           </p:cNvSpPr>
@@ -1676,16 +4206,25 @@
         </p:nvSpPr>
         <p:spPr>
           <a:xfrm>
-            <a:off x="6172200" y="1681163"/>
-            <a:ext cx="5183188" cy="823912"/>
+            <a:off x="5654495" y="1905000"/>
+            <a:ext cx="4396339" cy="576262"/>
           </a:xfrm>
         </p:spPr>
         <p:txBody>
-          <a:bodyPr anchor="b"/>
+          <a:bodyPr anchor="b">
+            <a:noAutofit/>
+          </a:bodyPr>
           <a:lstStyle>
             <a:lvl1pPr marL="0" indent="0">
               <a:buNone/>
-              <a:defRPr sz="2400" b="1"/>
+              <a:defRPr sz="2400" b="0">
+                <a:solidFill>
+                  <a:schemeClr val="bg2">
+                    <a:lumMod val="40000"/>
+                    <a:lumOff val="60000"/>
+                  </a:schemeClr>
+                </a:solidFill>
+              </a:defRPr>
             </a:lvl1pPr>
             <a:lvl2pPr marL="457200" indent="0">
               <a:buNone/>
@@ -1731,13 +4270,7 @@
       </p:sp>
       <p:sp>
         <p:nvSpPr>
-          <p:cNvPr id="6" name="Inhaltsplatzhalter 5">
-            <a:extLst>
-              <a:ext uri="{FF2B5EF4-FFF2-40B4-BE49-F238E27FC236}">
-                <a16:creationId xmlns:a16="http://schemas.microsoft.com/office/drawing/2014/main" id="{3D07E608-3BB3-C334-0CBC-C8A51419C9C4}"/>
-              </a:ext>
-            </a:extLst>
-          </p:cNvPr>
+          <p:cNvPr id="6" name="Content Placeholder 5"/>
           <p:cNvSpPr>
             <a:spLocks noGrp="1"/>
           </p:cNvSpPr>
@@ -1747,64 +4280,112 @@
         </p:nvSpPr>
         <p:spPr>
           <a:xfrm>
-            <a:off x="6172200" y="2505075"/>
-            <a:ext cx="5183188" cy="3684588"/>
+            <a:off x="5654495" y="2514600"/>
+            <a:ext cx="4396339" cy="3741738"/>
           </a:xfrm>
         </p:spPr>
         <p:txBody>
+          <a:bodyPr>
+            <a:normAutofit/>
+          </a:bodyPr>
+          <a:lstStyle>
+            <a:lvl1pPr>
+              <a:defRPr sz="1800"/>
+            </a:lvl1pPr>
+            <a:lvl2pPr>
+              <a:defRPr sz="1600"/>
+            </a:lvl2pPr>
+            <a:lvl3pPr>
+              <a:defRPr sz="1400"/>
+            </a:lvl3pPr>
+            <a:lvl4pPr>
+              <a:defRPr sz="1200"/>
+            </a:lvl4pPr>
+            <a:lvl5pPr>
+              <a:defRPr sz="1200"/>
+            </a:lvl5pPr>
+            <a:lvl6pPr>
+              <a:defRPr sz="1200"/>
+            </a:lvl6pPr>
+            <a:lvl7pPr>
+              <a:defRPr sz="1200"/>
+            </a:lvl7pPr>
+            <a:lvl8pPr>
+              <a:defRPr sz="1200"/>
+            </a:lvl8pPr>
+            <a:lvl9pPr>
+              <a:defRPr sz="1200"/>
+            </a:lvl9pPr>
+          </a:lstStyle>
+          <a:p>
+            <a:pPr lvl="0"/>
+            <a:r>
+              <a:rPr lang="de-DE"/>
+              <a:t>Mastertextformat bearbeiten</a:t>
+            </a:r>
+          </a:p>
+          <a:p>
+            <a:pPr lvl="1"/>
+            <a:r>
+              <a:rPr lang="de-DE"/>
+              <a:t>Zweite Ebene</a:t>
+            </a:r>
+          </a:p>
+          <a:p>
+            <a:pPr lvl="2"/>
+            <a:r>
+              <a:rPr lang="de-DE"/>
+              <a:t>Dritte Ebene</a:t>
+            </a:r>
+          </a:p>
+          <a:p>
+            <a:pPr lvl="3"/>
+            <a:r>
+              <a:rPr lang="de-DE"/>
+              <a:t>Vierte Ebene</a:t>
+            </a:r>
+          </a:p>
+          <a:p>
+            <a:pPr lvl="4"/>
+            <a:r>
+              <a:rPr lang="de-DE"/>
+              <a:t>Fünfte Ebene</a:t>
+            </a:r>
+            <a:endParaRPr lang="en-US" dirty="0"/>
+          </a:p>
+        </p:txBody>
+      </p:sp>
+      <p:sp>
+        <p:nvSpPr>
+          <p:cNvPr id="7" name="Date Placeholder 6"/>
+          <p:cNvSpPr>
+            <a:spLocks noGrp="1"/>
+          </p:cNvSpPr>
+          <p:nvPr>
+            <p:ph type="dt" sz="half" idx="10"/>
+          </p:nvPr>
+        </p:nvSpPr>
+        <p:spPr/>
+        <p:txBody>
           <a:bodyPr/>
           <a:lstStyle/>
           <a:p>
-            <a:pPr lvl="0"/>
-            <a:r>
-              <a:rPr lang="de-DE"/>
-              <a:t>Mastertextformat bearbeiten</a:t>
-            </a:r>
-          </a:p>
-          <a:p>
-            <a:pPr lvl="1"/>
-            <a:r>
-              <a:rPr lang="de-DE"/>
-              <a:t>Zweite Ebene</a:t>
-            </a:r>
-          </a:p>
-          <a:p>
-            <a:pPr lvl="2"/>
-            <a:r>
-              <a:rPr lang="de-DE"/>
-              <a:t>Dritte Ebene</a:t>
-            </a:r>
-          </a:p>
-          <a:p>
-            <a:pPr lvl="3"/>
-            <a:r>
-              <a:rPr lang="de-DE"/>
-              <a:t>Vierte Ebene</a:t>
-            </a:r>
-          </a:p>
-          <a:p>
-            <a:pPr lvl="4"/>
-            <a:r>
-              <a:rPr lang="de-DE"/>
-              <a:t>Fünfte Ebene</a:t>
-            </a:r>
-          </a:p>
-        </p:txBody>
-      </p:sp>
-      <p:sp>
-        <p:nvSpPr>
-          <p:cNvPr id="7" name="Datumsplatzhalter 6">
-            <a:extLst>
-              <a:ext uri="{FF2B5EF4-FFF2-40B4-BE49-F238E27FC236}">
-                <a16:creationId xmlns:a16="http://schemas.microsoft.com/office/drawing/2014/main" id="{5D4B1585-DFF7-5583-57EC-F9DDCD010214}"/>
-              </a:ext>
-            </a:extLst>
-          </p:cNvPr>
-          <p:cNvSpPr>
-            <a:spLocks noGrp="1"/>
-          </p:cNvSpPr>
-          <p:nvPr>
-            <p:ph type="dt" sz="half" idx="10"/>
+            <a:fld id="{D689E641-CA97-4319-9345-929272670F97}" type="datetimeFigureOut">
+              <a:rPr lang="de-DE" smtClean="0"/>
+              <a:t>16.01.2023</a:t>
+            </a:fld>
+            <a:endParaRPr lang="de-DE"/>
+          </a:p>
+        </p:txBody>
+      </p:sp>
+      <p:sp>
+        <p:nvSpPr>
+          <p:cNvPr id="8" name="Footer Placeholder 7"/>
+          <p:cNvSpPr>
+            <a:spLocks noGrp="1"/>
+          </p:cNvSpPr>
+          <p:nvPr>
+            <p:ph type="ftr" sz="quarter" idx="11"/>
           </p:nvPr>
         </p:nvSpPr>
         <p:spPr/>
@@ -1812,48 +4393,13 @@
           <a:bodyPr/>
           <a:lstStyle/>
           <a:p>
-            <a:fld id="{D689E641-CA97-4319-9345-929272670F97}" type="datetimeFigureOut">
-              <a:rPr lang="de-DE" smtClean="0"/>
-              <a:t>15.01.2023</a:t>
-            </a:fld>
             <a:endParaRPr lang="de-DE"/>
           </a:p>
         </p:txBody>
       </p:sp>
       <p:sp>
         <p:nvSpPr>
-          <p:cNvPr id="8" name="Fußzeilenplatzhalter 7">
-            <a:extLst>
-              <a:ext uri="{FF2B5EF4-FFF2-40B4-BE49-F238E27FC236}">
-                <a16:creationId xmlns:a16="http://schemas.microsoft.com/office/drawing/2014/main" id="{6302BE56-3BFE-AC91-2EF3-2D26FD831BD8}"/>
-              </a:ext>
-            </a:extLst>
-          </p:cNvPr>
-          <p:cNvSpPr>
-            <a:spLocks noGrp="1"/>
-          </p:cNvSpPr>
-          <p:nvPr>
-            <p:ph type="ftr" sz="quarter" idx="11"/>
-          </p:nvPr>
-        </p:nvSpPr>
-        <p:spPr/>
-        <p:txBody>
-          <a:bodyPr/>
-          <a:lstStyle/>
-          <a:p>
-            <a:endParaRPr lang="de-DE"/>
-          </a:p>
-        </p:txBody>
-      </p:sp>
-      <p:sp>
-        <p:nvSpPr>
-          <p:cNvPr id="9" name="Foliennummernplatzhalter 8">
-            <a:extLst>
-              <a:ext uri="{FF2B5EF4-FFF2-40B4-BE49-F238E27FC236}">
-                <a16:creationId xmlns:a16="http://schemas.microsoft.com/office/drawing/2014/main" id="{E2EB3AFE-6F4D-C9A7-0EB1-63EFF62FE545}"/>
-              </a:ext>
-            </a:extLst>
-          </p:cNvPr>
+          <p:cNvPr id="9" name="Slide Number Placeholder 8"/>
           <p:cNvSpPr>
             <a:spLocks noGrp="1"/>
           </p:cNvSpPr>
@@ -1877,7 +4423,7 @@
     </p:spTree>
     <p:extLst>
       <p:ext uri="{BB962C8B-B14F-4D97-AF65-F5344CB8AC3E}">
-        <p14:creationId xmlns:p14="http://schemas.microsoft.com/office/powerpoint/2010/main" val="2555598344"/>
+        <p14:creationId xmlns:p14="http://schemas.microsoft.com/office/powerpoint/2010/main" val="196286034"/>
       </p:ext>
     </p:extLst>
   </p:cSld>
@@ -1906,13 +4452,7 @@
       </p:grpSpPr>
       <p:sp>
         <p:nvSpPr>
-          <p:cNvPr id="2" name="Titel 1">
-            <a:extLst>
-              <a:ext uri="{FF2B5EF4-FFF2-40B4-BE49-F238E27FC236}">
-                <a16:creationId xmlns:a16="http://schemas.microsoft.com/office/drawing/2014/main" id="{393CCF29-42F8-6417-A2F3-0066165F2035}"/>
-              </a:ext>
-            </a:extLst>
-          </p:cNvPr>
+          <p:cNvPr id="2" name="Title 1"/>
           <p:cNvSpPr>
             <a:spLocks noGrp="1"/>
           </p:cNvSpPr>
@@ -1929,18 +4469,13 @@
               <a:rPr lang="de-DE"/>
               <a:t>Mastertitelformat bearbeiten</a:t>
             </a:r>
-          </a:p>
-        </p:txBody>
-      </p:sp>
-      <p:sp>
-        <p:nvSpPr>
-          <p:cNvPr id="3" name="Datumsplatzhalter 2">
-            <a:extLst>
-              <a:ext uri="{FF2B5EF4-FFF2-40B4-BE49-F238E27FC236}">
-                <a16:creationId xmlns:a16="http://schemas.microsoft.com/office/drawing/2014/main" id="{26B22A9A-C2EA-F9A4-F90C-D0F7AD284873}"/>
-              </a:ext>
-            </a:extLst>
-          </p:cNvPr>
+            <a:endParaRPr lang="en-US" dirty="0"/>
+          </a:p>
+        </p:txBody>
+      </p:sp>
+      <p:sp>
+        <p:nvSpPr>
+          <p:cNvPr id="7" name="Date Placeholder 2"/>
           <p:cNvSpPr>
             <a:spLocks noGrp="1"/>
           </p:cNvSpPr>
@@ -1955,7 +4490,7 @@
           <a:p>
             <a:fld id="{D689E641-CA97-4319-9345-929272670F97}" type="datetimeFigureOut">
               <a:rPr lang="de-DE" smtClean="0"/>
-              <a:t>15.01.2023</a:t>
+              <a:t>16.01.2023</a:t>
             </a:fld>
             <a:endParaRPr lang="de-DE"/>
           </a:p>
@@ -1963,13 +4498,7 @@
       </p:sp>
       <p:sp>
         <p:nvSpPr>
-          <p:cNvPr id="4" name="Fußzeilenplatzhalter 3">
-            <a:extLst>
-              <a:ext uri="{FF2B5EF4-FFF2-40B4-BE49-F238E27FC236}">
-                <a16:creationId xmlns:a16="http://schemas.microsoft.com/office/drawing/2014/main" id="{D1226578-5E95-43F0-DF4D-000168582586}"/>
-              </a:ext>
-            </a:extLst>
-          </p:cNvPr>
+          <p:cNvPr id="5" name="Footer Placeholder 3"/>
           <p:cNvSpPr>
             <a:spLocks noGrp="1"/>
           </p:cNvSpPr>
@@ -1988,13 +4517,7 @@
       </p:sp>
       <p:sp>
         <p:nvSpPr>
-          <p:cNvPr id="5" name="Foliennummernplatzhalter 4">
-            <a:extLst>
-              <a:ext uri="{FF2B5EF4-FFF2-40B4-BE49-F238E27FC236}">
-                <a16:creationId xmlns:a16="http://schemas.microsoft.com/office/drawing/2014/main" id="{2620A3D6-1C11-4599-0F24-EEFC1EDA8D75}"/>
-              </a:ext>
-            </a:extLst>
-          </p:cNvPr>
+          <p:cNvPr id="6" name="Slide Number Placeholder 4"/>
           <p:cNvSpPr>
             <a:spLocks noGrp="1"/>
           </p:cNvSpPr>
@@ -2018,7 +4541,7 @@
     </p:spTree>
     <p:extLst>
       <p:ext uri="{BB962C8B-B14F-4D97-AF65-F5344CB8AC3E}">
-        <p14:creationId xmlns:p14="http://schemas.microsoft.com/office/powerpoint/2010/main" val="3795458864"/>
+        <p14:creationId xmlns:p14="http://schemas.microsoft.com/office/powerpoint/2010/main" val="579582796"/>
       </p:ext>
     </p:extLst>
   </p:cSld>
@@ -2047,13 +4570,7 @@
       </p:grpSpPr>
       <p:sp>
         <p:nvSpPr>
-          <p:cNvPr id="2" name="Datumsplatzhalter 1">
-            <a:extLst>
-              <a:ext uri="{FF2B5EF4-FFF2-40B4-BE49-F238E27FC236}">
-                <a16:creationId xmlns:a16="http://schemas.microsoft.com/office/drawing/2014/main" id="{A8BC9051-F32B-E252-2555-7CA3AEB4746F}"/>
-              </a:ext>
-            </a:extLst>
-          </p:cNvPr>
+          <p:cNvPr id="7" name="Date Placeholder 1"/>
           <p:cNvSpPr>
             <a:spLocks noGrp="1"/>
           </p:cNvSpPr>
@@ -2068,7 +4585,7 @@
           <a:p>
             <a:fld id="{D689E641-CA97-4319-9345-929272670F97}" type="datetimeFigureOut">
               <a:rPr lang="de-DE" smtClean="0"/>
-              <a:t>15.01.2023</a:t>
+              <a:t>16.01.2023</a:t>
             </a:fld>
             <a:endParaRPr lang="de-DE"/>
           </a:p>
@@ -2076,13 +4593,7 @@
       </p:sp>
       <p:sp>
         <p:nvSpPr>
-          <p:cNvPr id="3" name="Fußzeilenplatzhalter 2">
-            <a:extLst>
-              <a:ext uri="{FF2B5EF4-FFF2-40B4-BE49-F238E27FC236}">
-                <a16:creationId xmlns:a16="http://schemas.microsoft.com/office/drawing/2014/main" id="{7C18F8A3-7AFF-C5C9-2B37-704A90406BD9}"/>
-              </a:ext>
-            </a:extLst>
-          </p:cNvPr>
+          <p:cNvPr id="5" name="Footer Placeholder 2"/>
           <p:cNvSpPr>
             <a:spLocks noGrp="1"/>
           </p:cNvSpPr>
@@ -2101,13 +4612,7 @@
       </p:sp>
       <p:sp>
         <p:nvSpPr>
-          <p:cNvPr id="4" name="Foliennummernplatzhalter 3">
-            <a:extLst>
-              <a:ext uri="{FF2B5EF4-FFF2-40B4-BE49-F238E27FC236}">
-                <a16:creationId xmlns:a16="http://schemas.microsoft.com/office/drawing/2014/main" id="{704C4223-7176-7CAC-4DD9-D7CC9A589AF7}"/>
-              </a:ext>
-            </a:extLst>
-          </p:cNvPr>
+          <p:cNvPr id="6" name="Slide Number Placeholder 3"/>
           <p:cNvSpPr>
             <a:spLocks noGrp="1"/>
           </p:cNvSpPr>
@@ -2131,7 +4636,7 @@
     </p:spTree>
     <p:extLst>
       <p:ext uri="{BB962C8B-B14F-4D97-AF65-F5344CB8AC3E}">
-        <p14:creationId xmlns:p14="http://schemas.microsoft.com/office/powerpoint/2010/main" val="4279036301"/>
+        <p14:creationId xmlns:p14="http://schemas.microsoft.com/office/powerpoint/2010/main" val="1219490645"/>
       </p:ext>
     </p:extLst>
   </p:cSld>
@@ -2160,13 +4665,7 @@
       </p:grpSpPr>
       <p:sp>
         <p:nvSpPr>
-          <p:cNvPr id="2" name="Titel 1">
-            <a:extLst>
-              <a:ext uri="{FF2B5EF4-FFF2-40B4-BE49-F238E27FC236}">
-                <a16:creationId xmlns:a16="http://schemas.microsoft.com/office/drawing/2014/main" id="{F9560093-0C16-1BC2-DD3D-A6135346987D}"/>
-              </a:ext>
-            </a:extLst>
-          </p:cNvPr>
+          <p:cNvPr id="2" name="Title 1"/>
           <p:cNvSpPr>
             <a:spLocks noGrp="1"/>
           </p:cNvSpPr>
@@ -2176,15 +4675,15 @@
         </p:nvSpPr>
         <p:spPr>
           <a:xfrm>
-            <a:off x="839788" y="457200"/>
-            <a:ext cx="3932237" cy="1600200"/>
+            <a:off x="1154953" y="1447800"/>
+            <a:ext cx="3401064" cy="1447800"/>
           </a:xfrm>
         </p:spPr>
         <p:txBody>
           <a:bodyPr anchor="b"/>
           <a:lstStyle>
-            <a:lvl1pPr>
-              <a:defRPr sz="3200"/>
+            <a:lvl1pPr algn="l">
+              <a:defRPr sz="2400" b="0"/>
             </a:lvl1pPr>
           </a:lstStyle>
           <a:p>
@@ -2192,18 +4691,13 @@
               <a:rPr lang="de-DE"/>
               <a:t>Mastertitelformat bearbeiten</a:t>
             </a:r>
-          </a:p>
-        </p:txBody>
-      </p:sp>
-      <p:sp>
-        <p:nvSpPr>
-          <p:cNvPr id="3" name="Inhaltsplatzhalter 2">
-            <a:extLst>
-              <a:ext uri="{FF2B5EF4-FFF2-40B4-BE49-F238E27FC236}">
-                <a16:creationId xmlns:a16="http://schemas.microsoft.com/office/drawing/2014/main" id="{2EDBE40A-ED3A-AAA6-92BC-AD06D39E96CF}"/>
-              </a:ext>
-            </a:extLst>
-          </p:cNvPr>
+            <a:endParaRPr lang="en-US" dirty="0"/>
+          </a:p>
+        </p:txBody>
+      </p:sp>
+      <p:sp>
+        <p:nvSpPr>
+          <p:cNvPr id="3" name="Content Placeholder 2"/>
           <p:cNvSpPr>
             <a:spLocks noGrp="1"/>
           </p:cNvSpPr>
@@ -2213,39 +4707,41 @@
         </p:nvSpPr>
         <p:spPr>
           <a:xfrm>
-            <a:off x="5183188" y="987425"/>
-            <a:ext cx="6172200" cy="4873625"/>
+            <a:off x="4784616" y="1447800"/>
+            <a:ext cx="5195997" cy="4572000"/>
           </a:xfrm>
         </p:spPr>
         <p:txBody>
-          <a:bodyPr/>
+          <a:bodyPr anchor="ctr">
+            <a:normAutofit/>
+          </a:bodyPr>
           <a:lstStyle>
             <a:lvl1pPr>
-              <a:defRPr sz="3200"/>
+              <a:defRPr sz="2000"/>
             </a:lvl1pPr>
             <a:lvl2pPr>
-              <a:defRPr sz="2800"/>
+              <a:defRPr sz="1800"/>
             </a:lvl2pPr>
             <a:lvl3pPr>
-              <a:defRPr sz="2400"/>
+              <a:defRPr sz="1600"/>
             </a:lvl3pPr>
             <a:lvl4pPr>
-              <a:defRPr sz="2000"/>
+              <a:defRPr sz="1400"/>
             </a:lvl4pPr>
             <a:lvl5pPr>
-              <a:defRPr sz="2000"/>
+              <a:defRPr sz="1400"/>
             </a:lvl5pPr>
             <a:lvl6pPr>
-              <a:defRPr sz="2000"/>
+              <a:defRPr sz="1400"/>
             </a:lvl6pPr>
             <a:lvl7pPr>
-              <a:defRPr sz="2000"/>
+              <a:defRPr sz="1400"/>
             </a:lvl7pPr>
             <a:lvl8pPr>
-              <a:defRPr sz="2000"/>
+              <a:defRPr sz="1400"/>
             </a:lvl8pPr>
             <a:lvl9pPr>
-              <a:defRPr sz="2000"/>
+              <a:defRPr sz="1400"/>
             </a:lvl9pPr>
           </a:lstStyle>
           <a:p>
@@ -2282,18 +4778,13 @@
               <a:rPr lang="de-DE"/>
               <a:t>Fünfte Ebene</a:t>
             </a:r>
-          </a:p>
-        </p:txBody>
-      </p:sp>
-      <p:sp>
-        <p:nvSpPr>
-          <p:cNvPr id="4" name="Textplatzhalter 3">
-            <a:extLst>
-              <a:ext uri="{FF2B5EF4-FFF2-40B4-BE49-F238E27FC236}">
-                <a16:creationId xmlns:a16="http://schemas.microsoft.com/office/drawing/2014/main" id="{C077AEFB-255B-2A36-888C-00BDB440938C}"/>
-              </a:ext>
-            </a:extLst>
-          </p:cNvPr>
+            <a:endParaRPr lang="en-US" dirty="0"/>
+          </a:p>
+        </p:txBody>
+      </p:sp>
+      <p:sp>
+        <p:nvSpPr>
+          <p:cNvPr id="4" name="Text Placeholder 3"/>
           <p:cNvSpPr>
             <a:spLocks noGrp="1"/>
           </p:cNvSpPr>
@@ -2303,8 +4794,8 @@
         </p:nvSpPr>
         <p:spPr>
           <a:xfrm>
-            <a:off x="839788" y="2057400"/>
-            <a:ext cx="3932237" cy="3811588"/>
+            <a:off x="1154953" y="3129280"/>
+            <a:ext cx="3401063" cy="2895599"/>
           </a:xfrm>
         </p:spPr>
         <p:txBody>
@@ -2312,39 +4803,39 @@
           <a:lstStyle>
             <a:lvl1pPr marL="0" indent="0">
               <a:buNone/>
-              <a:defRPr sz="1600"/>
+              <a:defRPr sz="1400"/>
             </a:lvl1pPr>
             <a:lvl2pPr marL="457200" indent="0">
               <a:buNone/>
-              <a:defRPr sz="1400"/>
+              <a:defRPr sz="1200"/>
             </a:lvl2pPr>
             <a:lvl3pPr marL="914400" indent="0">
               <a:buNone/>
-              <a:defRPr sz="1200"/>
+              <a:defRPr sz="1000"/>
             </a:lvl3pPr>
             <a:lvl4pPr marL="1371600" indent="0">
               <a:buNone/>
-              <a:defRPr sz="1000"/>
+              <a:defRPr sz="900"/>
             </a:lvl4pPr>
             <a:lvl5pPr marL="1828800" indent="0">
               <a:buNone/>
-              <a:defRPr sz="1000"/>
+              <a:defRPr sz="900"/>
             </a:lvl5pPr>
             <a:lvl6pPr marL="2286000" indent="0">
               <a:buNone/>
-              <a:defRPr sz="1000"/>
+              <a:defRPr sz="900"/>
             </a:lvl6pPr>
             <a:lvl7pPr marL="2743200" indent="0">
               <a:buNone/>
-              <a:defRPr sz="1000"/>
+              <a:defRPr sz="900"/>
             </a:lvl7pPr>
             <a:lvl8pPr marL="3200400" indent="0">
               <a:buNone/>
-              <a:defRPr sz="1000"/>
+              <a:defRPr sz="900"/>
             </a:lvl8pPr>
             <a:lvl9pPr marL="3657600" indent="0">
               <a:buNone/>
-              <a:defRPr sz="1000"/>
+              <a:defRPr sz="900"/>
             </a:lvl9pPr>
           </a:lstStyle>
           <a:p>
@@ -2358,13 +4849,7 @@
       </p:sp>
       <p:sp>
         <p:nvSpPr>
-          <p:cNvPr id="5" name="Datumsplatzhalter 4">
-            <a:extLst>
-              <a:ext uri="{FF2B5EF4-FFF2-40B4-BE49-F238E27FC236}">
-                <a16:creationId xmlns:a16="http://schemas.microsoft.com/office/drawing/2014/main" id="{8D409788-8F28-2A1F-4594-B5E8178076DC}"/>
-              </a:ext>
-            </a:extLst>
-          </p:cNvPr>
+          <p:cNvPr id="7" name="Date Placeholder 4"/>
           <p:cNvSpPr>
             <a:spLocks noGrp="1"/>
           </p:cNvSpPr>
@@ -2379,7 +4864,7 @@
           <a:p>
             <a:fld id="{D689E641-CA97-4319-9345-929272670F97}" type="datetimeFigureOut">
               <a:rPr lang="de-DE" smtClean="0"/>
-              <a:t>15.01.2023</a:t>
+              <a:t>16.01.2023</a:t>
             </a:fld>
             <a:endParaRPr lang="de-DE"/>
           </a:p>
@@ -2387,13 +4872,7 @@
       </p:sp>
       <p:sp>
         <p:nvSpPr>
-          <p:cNvPr id="6" name="Fußzeilenplatzhalter 5">
-            <a:extLst>
-              <a:ext uri="{FF2B5EF4-FFF2-40B4-BE49-F238E27FC236}">
-                <a16:creationId xmlns:a16="http://schemas.microsoft.com/office/drawing/2014/main" id="{535FD651-A268-D488-6302-D229994A9C7E}"/>
-              </a:ext>
-            </a:extLst>
-          </p:cNvPr>
+          <p:cNvPr id="5" name="Footer Placeholder 5"/>
           <p:cNvSpPr>
             <a:spLocks noGrp="1"/>
           </p:cNvSpPr>
@@ -2412,13 +4891,7 @@
       </p:sp>
       <p:sp>
         <p:nvSpPr>
-          <p:cNvPr id="7" name="Foliennummernplatzhalter 6">
-            <a:extLst>
-              <a:ext uri="{FF2B5EF4-FFF2-40B4-BE49-F238E27FC236}">
-                <a16:creationId xmlns:a16="http://schemas.microsoft.com/office/drawing/2014/main" id="{352C8662-05CF-9EEB-E140-53E7DD82C0AE}"/>
-              </a:ext>
-            </a:extLst>
-          </p:cNvPr>
+          <p:cNvPr id="6" name="Slide Number Placeholder 6"/>
           <p:cNvSpPr>
             <a:spLocks noGrp="1"/>
           </p:cNvSpPr>
@@ -2442,7 +4915,7 @@
     </p:spTree>
     <p:extLst>
       <p:ext uri="{BB962C8B-B14F-4D97-AF65-F5344CB8AC3E}">
-        <p14:creationId xmlns:p14="http://schemas.microsoft.com/office/powerpoint/2010/main" val="254076170"/>
+        <p14:creationId xmlns:p14="http://schemas.microsoft.com/office/powerpoint/2010/main" val="3305095484"/>
       </p:ext>
     </p:extLst>
   </p:cSld>
@@ -2471,13 +4944,7 @@
       </p:grpSpPr>
       <p:sp>
         <p:nvSpPr>
-          <p:cNvPr id="2" name="Titel 1">
-            <a:extLst>
-              <a:ext uri="{FF2B5EF4-FFF2-40B4-BE49-F238E27FC236}">
-                <a16:creationId xmlns:a16="http://schemas.microsoft.com/office/drawing/2014/main" id="{BF615784-DF55-846C-C38A-8AE10EECEF8A}"/>
-              </a:ext>
-            </a:extLst>
-          </p:cNvPr>
+          <p:cNvPr id="2" name="Title 1"/>
           <p:cNvSpPr>
             <a:spLocks noGrp="1"/>
           </p:cNvSpPr>
@@ -2487,15 +4954,17 @@
         </p:nvSpPr>
         <p:spPr>
           <a:xfrm>
-            <a:off x="839788" y="457200"/>
-            <a:ext cx="3932237" cy="1600200"/>
+            <a:off x="1153907" y="1854192"/>
+            <a:ext cx="5092906" cy="1574808"/>
           </a:xfrm>
         </p:spPr>
         <p:txBody>
-          <a:bodyPr anchor="b"/>
+          <a:bodyPr anchor="b">
+            <a:normAutofit/>
+          </a:bodyPr>
           <a:lstStyle>
-            <a:lvl1pPr>
-              <a:defRPr sz="3200"/>
+            <a:lvl1pPr algn="l">
+              <a:defRPr sz="3600" b="0"/>
             </a:lvl1pPr>
           </a:lstStyle>
           <a:p>
@@ -2503,20 +4972,15 @@
               <a:rPr lang="de-DE"/>
               <a:t>Mastertitelformat bearbeiten</a:t>
             </a:r>
-          </a:p>
-        </p:txBody>
-      </p:sp>
-      <p:sp>
-        <p:nvSpPr>
-          <p:cNvPr id="3" name="Bildplatzhalter 2">
-            <a:extLst>
-              <a:ext uri="{FF2B5EF4-FFF2-40B4-BE49-F238E27FC236}">
-                <a16:creationId xmlns:a16="http://schemas.microsoft.com/office/drawing/2014/main" id="{CE6F3895-F036-EC1D-5576-8CBE8F530B0D}"/>
-              </a:ext>
-            </a:extLst>
-          </p:cNvPr>
-          <p:cNvSpPr>
-            <a:spLocks noGrp="1"/>
+            <a:endParaRPr lang="en-US" dirty="0"/>
+          </a:p>
+        </p:txBody>
+      </p:sp>
+      <p:sp>
+        <p:nvSpPr>
+          <p:cNvPr id="3" name="Picture Placeholder 2"/>
+          <p:cNvSpPr>
+            <a:spLocks noGrp="1" noChangeAspect="1"/>
           </p:cNvSpPr>
           <p:nvPr>
             <p:ph type="pic" idx="1"/>
@@ -2524,118 +4988,132 @@
         </p:nvSpPr>
         <p:spPr>
           <a:xfrm>
-            <a:off x="5183188" y="987425"/>
-            <a:ext cx="6172200" cy="4873625"/>
+            <a:off x="6949546" y="1143000"/>
+            <a:ext cx="3200400" cy="4572000"/>
           </a:xfrm>
+          <a:prstGeom prst="roundRect">
+            <a:avLst>
+              <a:gd name="adj" fmla="val 1858"/>
+            </a:avLst>
+          </a:prstGeom>
+          <a:effectLst>
+            <a:outerShdw blurRad="50800" dist="50800" dir="5400000" algn="tl" rotWithShape="0">
+              <a:srgbClr val="000000">
+                <a:alpha val="43000"/>
+              </a:srgbClr>
+            </a:outerShdw>
+          </a:effectLst>
         </p:spPr>
         <p:txBody>
-          <a:bodyPr/>
+          <a:bodyPr anchor="t">
+            <a:normAutofit/>
+          </a:bodyPr>
           <a:lstStyle>
-            <a:lvl1pPr marL="0" indent="0">
-              <a:buNone/>
-              <a:defRPr sz="3200"/>
-            </a:lvl1pPr>
-            <a:lvl2pPr marL="457200" indent="0">
-              <a:buNone/>
-              <a:defRPr sz="2800"/>
-            </a:lvl2pPr>
-            <a:lvl3pPr marL="914400" indent="0">
-              <a:buNone/>
-              <a:defRPr sz="2400"/>
-            </a:lvl3pPr>
-            <a:lvl4pPr marL="1371600" indent="0">
-              <a:buNone/>
-              <a:defRPr sz="2000"/>
-            </a:lvl4pPr>
-            <a:lvl5pPr marL="1828800" indent="0">
-              <a:buNone/>
-              <a:defRPr sz="2000"/>
-            </a:lvl5pPr>
-            <a:lvl6pPr marL="2286000" indent="0">
-              <a:buNone/>
-              <a:defRPr sz="2000"/>
-            </a:lvl6pPr>
-            <a:lvl7pPr marL="2743200" indent="0">
-              <a:buNone/>
-              <a:defRPr sz="2000"/>
-            </a:lvl7pPr>
-            <a:lvl8pPr marL="3200400" indent="0">
-              <a:buNone/>
-              <a:defRPr sz="2000"/>
-            </a:lvl8pPr>
-            <a:lvl9pPr marL="3657600" indent="0">
-              <a:buNone/>
-              <a:defRPr sz="2000"/>
-            </a:lvl9pPr>
-          </a:lstStyle>
-          <a:p>
-            <a:endParaRPr lang="de-DE"/>
-          </a:p>
-        </p:txBody>
-      </p:sp>
-      <p:sp>
-        <p:nvSpPr>
-          <p:cNvPr id="4" name="Textplatzhalter 3">
-            <a:extLst>
-              <a:ext uri="{FF2B5EF4-FFF2-40B4-BE49-F238E27FC236}">
-                <a16:creationId xmlns:a16="http://schemas.microsoft.com/office/drawing/2014/main" id="{B03192CB-D311-E825-A44A-FD65CC2C40A7}"/>
-              </a:ext>
-            </a:extLst>
-          </p:cNvPr>
-          <p:cNvSpPr>
-            <a:spLocks noGrp="1"/>
-          </p:cNvSpPr>
-          <p:nvPr>
-            <p:ph type="body" sz="half" idx="2"/>
-          </p:nvPr>
-        </p:nvSpPr>
-        <p:spPr>
-          <a:xfrm>
-            <a:off x="839788" y="2057400"/>
-            <a:ext cx="3932237" cy="3811588"/>
-          </a:xfrm>
-        </p:spPr>
-        <p:txBody>
-          <a:bodyPr/>
-          <a:lstStyle>
-            <a:lvl1pPr marL="0" indent="0">
+            <a:lvl1pPr marL="0" indent="0" algn="ctr">
               <a:buNone/>
               <a:defRPr sz="1600"/>
             </a:lvl1pPr>
             <a:lvl2pPr marL="457200" indent="0">
               <a:buNone/>
-              <a:defRPr sz="1400"/>
+              <a:defRPr sz="1600"/>
             </a:lvl2pPr>
             <a:lvl3pPr marL="914400" indent="0">
               <a:buNone/>
-              <a:defRPr sz="1200"/>
+              <a:defRPr sz="1600"/>
             </a:lvl3pPr>
             <a:lvl4pPr marL="1371600" indent="0">
               <a:buNone/>
-              <a:defRPr sz="1000"/>
+              <a:defRPr sz="1600"/>
             </a:lvl4pPr>
             <a:lvl5pPr marL="1828800" indent="0">
               <a:buNone/>
-              <a:defRPr sz="1000"/>
+              <a:defRPr sz="1600"/>
             </a:lvl5pPr>
             <a:lvl6pPr marL="2286000" indent="0">
               <a:buNone/>
-              <a:defRPr sz="1000"/>
+              <a:defRPr sz="1600"/>
             </a:lvl6pPr>
             <a:lvl7pPr marL="2743200" indent="0">
               <a:buNone/>
-              <a:defRPr sz="1000"/>
+              <a:defRPr sz="1600"/>
             </a:lvl7pPr>
             <a:lvl8pPr marL="3200400" indent="0">
               <a:buNone/>
-              <a:defRPr sz="1000"/>
+              <a:defRPr sz="1600"/>
             </a:lvl8pPr>
             <a:lvl9pPr marL="3657600" indent="0">
               <a:buNone/>
-              <a:defRPr sz="1000"/>
+              <a:defRPr sz="1600"/>
             </a:lvl9pPr>
           </a:lstStyle>
           <a:p>
+            <a:r>
+              <a:rPr lang="de-DE"/>
+              <a:t>Bild durch Klicken auf Symbol hinzufügen</a:t>
+            </a:r>
+            <a:endParaRPr lang="en-US" dirty="0"/>
+          </a:p>
+        </p:txBody>
+      </p:sp>
+      <p:sp>
+        <p:nvSpPr>
+          <p:cNvPr id="4" name="Text Placeholder 3"/>
+          <p:cNvSpPr>
+            <a:spLocks noGrp="1"/>
+          </p:cNvSpPr>
+          <p:nvPr>
+            <p:ph type="body" sz="half" idx="2"/>
+          </p:nvPr>
+        </p:nvSpPr>
+        <p:spPr>
+          <a:xfrm>
+            <a:off x="1154954" y="3657600"/>
+            <a:ext cx="5084979" cy="1371600"/>
+          </a:xfrm>
+        </p:spPr>
+        <p:txBody>
+          <a:bodyPr>
+            <a:normAutofit/>
+          </a:bodyPr>
+          <a:lstStyle>
+            <a:lvl1pPr marL="0" indent="0">
+              <a:buNone/>
+              <a:defRPr sz="1400"/>
+            </a:lvl1pPr>
+            <a:lvl2pPr marL="457200" indent="0">
+              <a:buNone/>
+              <a:defRPr sz="1200"/>
+            </a:lvl2pPr>
+            <a:lvl3pPr marL="914400" indent="0">
+              <a:buNone/>
+              <a:defRPr sz="1000"/>
+            </a:lvl3pPr>
+            <a:lvl4pPr marL="1371600" indent="0">
+              <a:buNone/>
+              <a:defRPr sz="900"/>
+            </a:lvl4pPr>
+            <a:lvl5pPr marL="1828800" indent="0">
+              <a:buNone/>
+              <a:defRPr sz="900"/>
+            </a:lvl5pPr>
+            <a:lvl6pPr marL="2286000" indent="0">
+              <a:buNone/>
+              <a:defRPr sz="900"/>
+            </a:lvl6pPr>
+            <a:lvl7pPr marL="2743200" indent="0">
+              <a:buNone/>
+              <a:defRPr sz="900"/>
+            </a:lvl7pPr>
+            <a:lvl8pPr marL="3200400" indent="0">
+              <a:buNone/>
+              <a:defRPr sz="900"/>
+            </a:lvl8pPr>
+            <a:lvl9pPr marL="3657600" indent="0">
+              <a:buNone/>
+              <a:defRPr sz="900"/>
+            </a:lvl9pPr>
+          </a:lstStyle>
+          <a:p>
             <a:pPr lvl="0"/>
             <a:r>
               <a:rPr lang="de-DE"/>
@@ -2646,13 +5124,7 @@
       </p:sp>
       <p:sp>
         <p:nvSpPr>
-          <p:cNvPr id="5" name="Datumsplatzhalter 4">
-            <a:extLst>
-              <a:ext uri="{FF2B5EF4-FFF2-40B4-BE49-F238E27FC236}">
-                <a16:creationId xmlns:a16="http://schemas.microsoft.com/office/drawing/2014/main" id="{E1BD5070-DD76-83DB-6F07-25E82343552B}"/>
-              </a:ext>
-            </a:extLst>
-          </p:cNvPr>
+          <p:cNvPr id="5" name="Date Placeholder 4"/>
           <p:cNvSpPr>
             <a:spLocks noGrp="1"/>
           </p:cNvSpPr>
@@ -2667,7 +5139,7 @@
           <a:p>
             <a:fld id="{D689E641-CA97-4319-9345-929272670F97}" type="datetimeFigureOut">
               <a:rPr lang="de-DE" smtClean="0"/>
-              <a:t>15.01.2023</a:t>
+              <a:t>16.01.2023</a:t>
             </a:fld>
             <a:endParaRPr lang="de-DE"/>
           </a:p>
@@ -2675,13 +5147,7 @@
       </p:sp>
       <p:sp>
         <p:nvSpPr>
-          <p:cNvPr id="6" name="Fußzeilenplatzhalter 5">
-            <a:extLst>
-              <a:ext uri="{FF2B5EF4-FFF2-40B4-BE49-F238E27FC236}">
-                <a16:creationId xmlns:a16="http://schemas.microsoft.com/office/drawing/2014/main" id="{CBDA5D25-30D4-EAD0-9B19-3709D055140D}"/>
-              </a:ext>
-            </a:extLst>
-          </p:cNvPr>
+          <p:cNvPr id="6" name="Footer Placeholder 5"/>
           <p:cNvSpPr>
             <a:spLocks noGrp="1"/>
           </p:cNvSpPr>
@@ -2700,13 +5166,7 @@
       </p:sp>
       <p:sp>
         <p:nvSpPr>
-          <p:cNvPr id="7" name="Foliennummernplatzhalter 6">
-            <a:extLst>
-              <a:ext uri="{FF2B5EF4-FFF2-40B4-BE49-F238E27FC236}">
-                <a16:creationId xmlns:a16="http://schemas.microsoft.com/office/drawing/2014/main" id="{835D8BF3-0A64-3A3A-9E6B-B84BEA485086}"/>
-              </a:ext>
-            </a:extLst>
-          </p:cNvPr>
+          <p:cNvPr id="7" name="Slide Number Placeholder 6"/>
           <p:cNvSpPr>
             <a:spLocks noGrp="1"/>
           </p:cNvSpPr>
@@ -2730,7 +5190,7 @@
     </p:spTree>
     <p:extLst>
       <p:ext uri="{BB962C8B-B14F-4D97-AF65-F5344CB8AC3E}">
-        <p14:creationId xmlns:p14="http://schemas.microsoft.com/office/powerpoint/2010/main" val="4221649388"/>
+        <p14:creationId xmlns:p14="http://schemas.microsoft.com/office/powerpoint/2010/main" val="3139766852"/>
       </p:ext>
     </p:extLst>
   </p:cSld>
@@ -2744,8 +5204,8 @@
 <p:sldMaster xmlns:a="http://schemas.openxmlformats.org/drawingml/2006/main" xmlns:r="http://schemas.openxmlformats.org/officeDocument/2006/relationships" xmlns:p="http://schemas.openxmlformats.org/presentationml/2006/main">
   <p:cSld>
     <p:bg>
-      <p:bgRef idx="1001">
-        <a:schemeClr val="bg1"/>
+      <p:bgRef idx="1003">
+        <a:schemeClr val="bg2"/>
       </p:bgRef>
     </p:bg>
     <p:spTree>
@@ -2762,141 +5222,420 @@
           <a:chExt cx="0" cy="0"/>
         </a:xfrm>
       </p:grpSpPr>
-      <p:sp>
-        <p:nvSpPr>
-          <p:cNvPr id="2" name="Titelplatzhalter 1">
+      <p:pic>
+        <p:nvPicPr>
+          <p:cNvPr id="8" name="Picture 7"/>
+          <p:cNvPicPr>
+            <a:picLocks noChangeAspect="1"/>
+          </p:cNvPicPr>
+          <p:nvPr/>
+        </p:nvPicPr>
+        <p:blipFill rotWithShape="1">
+          <a:blip r:embed="rId19">
             <a:extLst>
-              <a:ext uri="{FF2B5EF4-FFF2-40B4-BE49-F238E27FC236}">
-                <a16:creationId xmlns:a16="http://schemas.microsoft.com/office/drawing/2014/main" id="{98119DD0-E333-B50F-8700-BFC3724D17E6}"/>
+              <a:ext uri="{28A0092B-C50C-407E-A947-70E740481C1C}">
+                <a14:useLocalDpi xmlns:a14="http://schemas.microsoft.com/office/drawing/2010/main" val="0"/>
               </a:ext>
             </a:extLst>
-          </p:cNvPr>
-          <p:cNvSpPr>
-            <a:spLocks noGrp="1"/>
-          </p:cNvSpPr>
-          <p:nvPr>
-            <p:ph type="title"/>
-          </p:nvPr>
-        </p:nvSpPr>
+          </a:blip>
+          <a:srcRect l="3613"/>
+          <a:stretch/>
+        </p:blipFill>
         <p:spPr>
           <a:xfrm>
-            <a:off x="838200" y="365125"/>
-            <a:ext cx="10515600" cy="1325563"/>
+            <a:off x="0" y="2669685"/>
+            <a:ext cx="4037012" cy="4188315"/>
           </a:xfrm>
           <a:prstGeom prst="rect">
             <a:avLst/>
           </a:prstGeom>
         </p:spPr>
-        <p:txBody>
-          <a:bodyPr vert="horz" lIns="91440" tIns="45720" rIns="91440" bIns="45720" rtlCol="0" anchor="ctr">
-            <a:normAutofit/>
-          </a:bodyPr>
-          <a:lstStyle/>
-          <a:p>
-            <a:r>
-              <a:rPr lang="de-DE"/>
-              <a:t>Mastertitelformat bearbeiten</a:t>
-            </a:r>
-          </a:p>
-        </p:txBody>
-      </p:sp>
-      <p:sp>
-        <p:nvSpPr>
-          <p:cNvPr id="3" name="Textplatzhalter 2">
+      </p:pic>
+      <p:pic>
+        <p:nvPicPr>
+          <p:cNvPr id="7" name="Picture 6"/>
+          <p:cNvPicPr>
+            <a:picLocks noChangeAspect="1"/>
+          </p:cNvPicPr>
+          <p:nvPr/>
+        </p:nvPicPr>
+        <p:blipFill rotWithShape="1">
+          <a:blip r:embed="rId20">
             <a:extLst>
-              <a:ext uri="{FF2B5EF4-FFF2-40B4-BE49-F238E27FC236}">
-                <a16:creationId xmlns:a16="http://schemas.microsoft.com/office/drawing/2014/main" id="{94C256EE-14D9-C55F-5F16-C2EA3830F46A}"/>
+              <a:ext uri="{28A0092B-C50C-407E-A947-70E740481C1C}">
+                <a14:useLocalDpi xmlns:a14="http://schemas.microsoft.com/office/drawing/2010/main" val="0"/>
               </a:ext>
             </a:extLst>
-          </p:cNvPr>
-          <p:cNvSpPr>
-            <a:spLocks noGrp="1"/>
-          </p:cNvSpPr>
-          <p:nvPr>
-            <p:ph type="body" idx="1"/>
-          </p:nvPr>
-        </p:nvSpPr>
+          </a:blip>
+          <a:srcRect l="35640"/>
+          <a:stretch/>
+        </p:blipFill>
         <p:spPr>
           <a:xfrm>
-            <a:off x="838200" y="1825625"/>
-            <a:ext cx="10515600" cy="4351338"/>
+            <a:off x="0" y="2892347"/>
+            <a:ext cx="1522412" cy="2365453"/>
           </a:xfrm>
           <a:prstGeom prst="rect">
             <a:avLst/>
           </a:prstGeom>
         </p:spPr>
-        <p:txBody>
-          <a:bodyPr vert="horz" lIns="91440" tIns="45720" rIns="91440" bIns="45720" rtlCol="0">
-            <a:normAutofit/>
-          </a:bodyPr>
-          <a:lstStyle/>
-          <a:p>
-            <a:pPr lvl="0"/>
-            <a:r>
-              <a:rPr lang="de-DE"/>
-              <a:t>Mastertextformat bearbeiten</a:t>
-            </a:r>
-          </a:p>
-          <a:p>
-            <a:pPr lvl="1"/>
-            <a:r>
-              <a:rPr lang="de-DE"/>
-              <a:t>Zweite Ebene</a:t>
-            </a:r>
-          </a:p>
-          <a:p>
-            <a:pPr lvl="2"/>
-            <a:r>
-              <a:rPr lang="de-DE"/>
-              <a:t>Dritte Ebene</a:t>
-            </a:r>
-          </a:p>
-          <a:p>
-            <a:pPr lvl="3"/>
-            <a:r>
-              <a:rPr lang="de-DE"/>
-              <a:t>Vierte Ebene</a:t>
-            </a:r>
-          </a:p>
-          <a:p>
-            <a:pPr lvl="4"/>
-            <a:r>
-              <a:rPr lang="de-DE"/>
-              <a:t>Fünfte Ebene</a:t>
-            </a:r>
-          </a:p>
-        </p:txBody>
-      </p:sp>
-      <p:sp>
-        <p:nvSpPr>
-          <p:cNvPr id="4" name="Datumsplatzhalter 3">
+      </p:pic>
+      <p:sp>
+        <p:nvSpPr>
+          <p:cNvPr id="16" name="Oval 15"/>
+          <p:cNvSpPr/>
+          <p:nvPr/>
+        </p:nvSpPr>
+        <p:spPr>
+          <a:xfrm>
+            <a:off x="8609012" y="1676400"/>
+            <a:ext cx="2819400" cy="2819400"/>
+          </a:xfrm>
+          <a:prstGeom prst="ellipse">
+            <a:avLst/>
+          </a:prstGeom>
+          <a:gradFill flip="none" rotWithShape="1">
+            <a:gsLst>
+              <a:gs pos="0">
+                <a:schemeClr val="bg2">
+                  <a:lumMod val="60000"/>
+                  <a:lumOff val="40000"/>
+                  <a:alpha val="7000"/>
+                </a:schemeClr>
+              </a:gs>
+              <a:gs pos="69000">
+                <a:schemeClr val="bg2">
+                  <a:lumMod val="60000"/>
+                  <a:lumOff val="40000"/>
+                  <a:alpha val="0"/>
+                </a:schemeClr>
+              </a:gs>
+              <a:gs pos="36000">
+                <a:schemeClr val="bg2">
+                  <a:lumMod val="60000"/>
+                  <a:lumOff val="40000"/>
+                  <a:alpha val="6000"/>
+                </a:schemeClr>
+              </a:gs>
+            </a:gsLst>
+            <a:path path="circle">
+              <a:fillToRect l="50000" t="50000" r="50000" b="50000"/>
+            </a:path>
+            <a:tileRect/>
+          </a:gradFill>
+          <a:ln>
+            <a:noFill/>
+          </a:ln>
+          <a:effectLst/>
+        </p:spPr>
+        <p:style>
+          <a:lnRef idx="1">
+            <a:schemeClr val="accent1"/>
+          </a:lnRef>
+          <a:fillRef idx="3">
+            <a:schemeClr val="accent1"/>
+          </a:fillRef>
+          <a:effectRef idx="2">
+            <a:schemeClr val="accent1"/>
+          </a:effectRef>
+          <a:fontRef idx="minor">
+            <a:schemeClr val="lt1"/>
+          </a:fontRef>
+        </p:style>
+      </p:sp>
+      <p:pic>
+        <p:nvPicPr>
+          <p:cNvPr id="9" name="Picture 8"/>
+          <p:cNvPicPr>
+            <a:picLocks noChangeAspect="1"/>
+          </p:cNvPicPr>
+          <p:nvPr/>
+        </p:nvPicPr>
+        <p:blipFill rotWithShape="1">
+          <a:blip r:embed="rId21">
             <a:extLst>
-              <a:ext uri="{FF2B5EF4-FFF2-40B4-BE49-F238E27FC236}">
-                <a16:creationId xmlns:a16="http://schemas.microsoft.com/office/drawing/2014/main" id="{E6BDE6C8-B0F1-A0C7-3374-C9A6CB2B3B18}"/>
+              <a:ext uri="{28A0092B-C50C-407E-A947-70E740481C1C}">
+                <a14:useLocalDpi xmlns:a14="http://schemas.microsoft.com/office/drawing/2010/main" val="0"/>
               </a:ext>
             </a:extLst>
-          </p:cNvPr>
-          <p:cNvSpPr>
-            <a:spLocks noGrp="1"/>
-          </p:cNvSpPr>
-          <p:nvPr>
-            <p:ph type="dt" sz="half" idx="2"/>
-          </p:nvPr>
-        </p:nvSpPr>
+          </a:blip>
+          <a:srcRect t="28813"/>
+          <a:stretch/>
+        </p:blipFill>
         <p:spPr>
           <a:xfrm>
-            <a:off x="838200" y="6356350"/>
-            <a:ext cx="2743200" cy="365125"/>
+            <a:off x="7999412" y="0"/>
+            <a:ext cx="1603387" cy="1141407"/>
           </a:xfrm>
           <a:prstGeom prst="rect">
             <a:avLst/>
           </a:prstGeom>
         </p:spPr>
-        <p:txBody>
-          <a:bodyPr vert="horz" lIns="91440" tIns="45720" rIns="91440" bIns="45720" rtlCol="0" anchor="ctr"/>
+      </p:pic>
+      <p:pic>
+        <p:nvPicPr>
+          <p:cNvPr id="10" name="Picture 9"/>
+          <p:cNvPicPr>
+            <a:picLocks noChangeAspect="1"/>
+          </p:cNvPicPr>
+          <p:nvPr/>
+        </p:nvPicPr>
+        <p:blipFill rotWithShape="1">
+          <a:blip r:embed="rId22">
+            <a:extLst>
+              <a:ext uri="{28A0092B-C50C-407E-A947-70E740481C1C}">
+                <a14:useLocalDpi xmlns:a14="http://schemas.microsoft.com/office/drawing/2010/main" val="0"/>
+              </a:ext>
+            </a:extLst>
+          </a:blip>
+          <a:srcRect b="23320"/>
+          <a:stretch/>
+        </p:blipFill>
+        <p:spPr>
+          <a:xfrm>
+            <a:off x="8605878" y="6096000"/>
+            <a:ext cx="993734" cy="762000"/>
+          </a:xfrm>
+          <a:prstGeom prst="rect">
+            <a:avLst/>
+          </a:prstGeom>
+        </p:spPr>
+      </p:pic>
+      <p:sp>
+        <p:nvSpPr>
+          <p:cNvPr id="14" name="Rectangle 13"/>
+          <p:cNvSpPr/>
+          <p:nvPr/>
+        </p:nvSpPr>
+        <p:spPr>
+          <a:xfrm>
+            <a:off x="10437812" y="0"/>
+            <a:ext cx="685800" cy="1143000"/>
+          </a:xfrm>
+          <a:prstGeom prst="rect">
+            <a:avLst/>
+          </a:prstGeom>
+          <a:solidFill>
+            <a:schemeClr val="accent1"/>
+          </a:solidFill>
+          <a:ln>
+            <a:noFill/>
+          </a:ln>
+        </p:spPr>
+        <p:style>
+          <a:lnRef idx="1">
+            <a:schemeClr val="accent1"/>
+          </a:lnRef>
+          <a:fillRef idx="3">
+            <a:schemeClr val="accent1"/>
+          </a:fillRef>
+          <a:effectRef idx="2">
+            <a:schemeClr val="accent1"/>
+          </a:effectRef>
+          <a:fontRef idx="minor">
+            <a:schemeClr val="lt1"/>
+          </a:fontRef>
+        </p:style>
+      </p:sp>
+      <p:sp>
+        <p:nvSpPr>
+          <p:cNvPr id="2" name="Title Placeholder 1"/>
+          <p:cNvSpPr>
+            <a:spLocks noGrp="1"/>
+          </p:cNvSpPr>
+          <p:nvPr>
+            <p:ph type="title"/>
+          </p:nvPr>
+        </p:nvSpPr>
+        <p:spPr>
+          <a:xfrm>
+            <a:off x="646111" y="452718"/>
+            <a:ext cx="9404723" cy="1400530"/>
+          </a:xfrm>
+          <a:prstGeom prst="rect">
+            <a:avLst/>
+          </a:prstGeom>
+        </p:spPr>
+        <p:txBody>
+          <a:bodyPr vert="horz" lIns="91440" tIns="45720" rIns="91440" bIns="45720" rtlCol="0" anchor="t">
+            <a:noAutofit/>
+          </a:bodyPr>
+          <a:lstStyle/>
+          <a:p>
+            <a:r>
+              <a:rPr lang="de-DE"/>
+              <a:t>Mastertitelformat bearbeiten</a:t>
+            </a:r>
+            <a:endParaRPr lang="en-US" dirty="0"/>
+          </a:p>
+        </p:txBody>
+      </p:sp>
+      <p:sp>
+        <p:nvSpPr>
+          <p:cNvPr id="3" name="Text Placeholder 2"/>
+          <p:cNvSpPr>
+            <a:spLocks noGrp="1"/>
+          </p:cNvSpPr>
+          <p:nvPr>
+            <p:ph type="body" idx="1"/>
+          </p:nvPr>
+        </p:nvSpPr>
+        <p:spPr>
+          <a:xfrm>
+            <a:off x="1103312" y="2052918"/>
+            <a:ext cx="8946541" cy="4195481"/>
+          </a:xfrm>
+          <a:prstGeom prst="rect">
+            <a:avLst/>
+          </a:prstGeom>
+        </p:spPr>
+        <p:txBody>
+          <a:bodyPr vert="horz" lIns="91440" tIns="45720" rIns="91440" bIns="45720" rtlCol="0">
+            <a:normAutofit/>
+          </a:bodyPr>
+          <a:lstStyle/>
+          <a:p>
+            <a:pPr lvl="0"/>
+            <a:r>
+              <a:rPr lang="de-DE"/>
+              <a:t>Mastertextformat bearbeiten</a:t>
+            </a:r>
+          </a:p>
+          <a:p>
+            <a:pPr lvl="1"/>
+            <a:r>
+              <a:rPr lang="de-DE"/>
+              <a:t>Zweite Ebene</a:t>
+            </a:r>
+          </a:p>
+          <a:p>
+            <a:pPr lvl="2"/>
+            <a:r>
+              <a:rPr lang="de-DE"/>
+              <a:t>Dritte Ebene</a:t>
+            </a:r>
+          </a:p>
+          <a:p>
+            <a:pPr lvl="3"/>
+            <a:r>
+              <a:rPr lang="de-DE"/>
+              <a:t>Vierte Ebene</a:t>
+            </a:r>
+          </a:p>
+          <a:p>
+            <a:pPr lvl="4"/>
+            <a:r>
+              <a:rPr lang="de-DE"/>
+              <a:t>Fünfte Ebene</a:t>
+            </a:r>
+            <a:endParaRPr lang="en-US" dirty="0"/>
+          </a:p>
+        </p:txBody>
+      </p:sp>
+      <p:sp>
+        <p:nvSpPr>
+          <p:cNvPr id="4" name="Date Placeholder 3"/>
+          <p:cNvSpPr>
+            <a:spLocks noGrp="1"/>
+          </p:cNvSpPr>
+          <p:nvPr>
+            <p:ph type="dt" sz="half" idx="2"/>
+          </p:nvPr>
+        </p:nvSpPr>
+        <p:spPr>
+          <a:xfrm rot="5400000">
+            <a:off x="10155639" y="1790701"/>
+            <a:ext cx="990599" cy="304799"/>
+          </a:xfrm>
+          <a:prstGeom prst="rect">
+            <a:avLst/>
+          </a:prstGeom>
+        </p:spPr>
+        <p:txBody>
+          <a:bodyPr vert="horz" lIns="91440" tIns="45720" rIns="91440" bIns="45720" rtlCol="0" anchor="t"/>
           <a:lstStyle>
             <a:lvl1pPr algn="l">
-              <a:defRPr sz="1200">
+              <a:defRPr sz="1100" b="0" i="0">
+                <a:solidFill>
+                  <a:schemeClr val="tx1">
+                    <a:tint val="75000"/>
+                    <a:alpha val="60000"/>
+                  </a:schemeClr>
+                </a:solidFill>
+              </a:defRPr>
+            </a:lvl1pPr>
+          </a:lstStyle>
+          <a:p>
+            <a:fld id="{D689E641-CA97-4319-9345-929272670F97}" type="datetimeFigureOut">
+              <a:rPr lang="de-DE" smtClean="0"/>
+              <a:t>16.01.2023</a:t>
+            </a:fld>
+            <a:endParaRPr lang="de-DE"/>
+          </a:p>
+        </p:txBody>
+      </p:sp>
+      <p:sp>
+        <p:nvSpPr>
+          <p:cNvPr id="5" name="Footer Placeholder 4"/>
+          <p:cNvSpPr>
+            <a:spLocks noGrp="1"/>
+          </p:cNvSpPr>
+          <p:nvPr>
+            <p:ph type="ftr" sz="quarter" idx="3"/>
+          </p:nvPr>
+        </p:nvSpPr>
+        <p:spPr>
+          <a:xfrm rot="5400000">
+            <a:off x="8951573" y="3225297"/>
+            <a:ext cx="3859795" cy="304801"/>
+          </a:xfrm>
+          <a:prstGeom prst="rect">
+            <a:avLst/>
+          </a:prstGeom>
+        </p:spPr>
+        <p:txBody>
+          <a:bodyPr vert="horz" lIns="91440" tIns="45720" rIns="91440" bIns="45720" rtlCol="0" anchor="b"/>
+          <a:lstStyle>
+            <a:lvl1pPr algn="l">
+              <a:defRPr sz="1100" b="0" i="0">
+                <a:solidFill>
+                  <a:schemeClr val="tx1">
+                    <a:tint val="75000"/>
+                    <a:alpha val="60000"/>
+                  </a:schemeClr>
+                </a:solidFill>
+              </a:defRPr>
+            </a:lvl1pPr>
+          </a:lstStyle>
+          <a:p>
+            <a:endParaRPr lang="de-DE"/>
+          </a:p>
+        </p:txBody>
+      </p:sp>
+      <p:sp>
+        <p:nvSpPr>
+          <p:cNvPr id="6" name="Slide Number Placeholder 5"/>
+          <p:cNvSpPr>
+            <a:spLocks noGrp="1"/>
+          </p:cNvSpPr>
+          <p:nvPr>
+            <p:ph type="sldNum" sz="quarter" idx="4"/>
+          </p:nvPr>
+        </p:nvSpPr>
+        <p:spPr bwMode="gray">
+          <a:xfrm>
+            <a:off x="10352540" y="295729"/>
+            <a:ext cx="838199" cy="767687"/>
+          </a:xfrm>
+          <a:prstGeom prst="rect">
+            <a:avLst/>
+          </a:prstGeom>
+        </p:spPr>
+        <p:txBody>
+          <a:bodyPr vert="horz" lIns="91440" tIns="45720" rIns="91440" bIns="45720" rtlCol="0" anchor="b"/>
+          <a:lstStyle>
+            <a:lvl1pPr algn="ctr">
+              <a:defRPr sz="2800" b="0" i="0">
                 <a:solidFill>
                   <a:schemeClr val="tx1">
                     <a:tint val="75000"/>
@@ -2906,96 +5645,6 @@
             </a:lvl1pPr>
           </a:lstStyle>
           <a:p>
-            <a:fld id="{D689E641-CA97-4319-9345-929272670F97}" type="datetimeFigureOut">
-              <a:rPr lang="de-DE" smtClean="0"/>
-              <a:t>15.01.2023</a:t>
-            </a:fld>
-            <a:endParaRPr lang="de-DE"/>
-          </a:p>
-        </p:txBody>
-      </p:sp>
-      <p:sp>
-        <p:nvSpPr>
-          <p:cNvPr id="5" name="Fußzeilenplatzhalter 4">
-            <a:extLst>
-              <a:ext uri="{FF2B5EF4-FFF2-40B4-BE49-F238E27FC236}">
-                <a16:creationId xmlns:a16="http://schemas.microsoft.com/office/drawing/2014/main" id="{09FAF191-9232-A181-62FC-20F9598B3A6C}"/>
-              </a:ext>
-            </a:extLst>
-          </p:cNvPr>
-          <p:cNvSpPr>
-            <a:spLocks noGrp="1"/>
-          </p:cNvSpPr>
-          <p:nvPr>
-            <p:ph type="ftr" sz="quarter" idx="3"/>
-          </p:nvPr>
-        </p:nvSpPr>
-        <p:spPr>
-          <a:xfrm>
-            <a:off x="4038600" y="6356350"/>
-            <a:ext cx="4114800" cy="365125"/>
-          </a:xfrm>
-          <a:prstGeom prst="rect">
-            <a:avLst/>
-          </a:prstGeom>
-        </p:spPr>
-        <p:txBody>
-          <a:bodyPr vert="horz" lIns="91440" tIns="45720" rIns="91440" bIns="45720" rtlCol="0" anchor="ctr"/>
-          <a:lstStyle>
-            <a:lvl1pPr algn="ctr">
-              <a:defRPr sz="1200">
-                <a:solidFill>
-                  <a:schemeClr val="tx1">
-                    <a:tint val="75000"/>
-                  </a:schemeClr>
-                </a:solidFill>
-              </a:defRPr>
-            </a:lvl1pPr>
-          </a:lstStyle>
-          <a:p>
-            <a:endParaRPr lang="de-DE"/>
-          </a:p>
-        </p:txBody>
-      </p:sp>
-      <p:sp>
-        <p:nvSpPr>
-          <p:cNvPr id="6" name="Foliennummernplatzhalter 5">
-            <a:extLst>
-              <a:ext uri="{FF2B5EF4-FFF2-40B4-BE49-F238E27FC236}">
-                <a16:creationId xmlns:a16="http://schemas.microsoft.com/office/drawing/2014/main" id="{2879B4FE-F5CF-886B-A39D-8D0B2FFB0B07}"/>
-              </a:ext>
-            </a:extLst>
-          </p:cNvPr>
-          <p:cNvSpPr>
-            <a:spLocks noGrp="1"/>
-          </p:cNvSpPr>
-          <p:nvPr>
-            <p:ph type="sldNum" sz="quarter" idx="4"/>
-          </p:nvPr>
-        </p:nvSpPr>
-        <p:spPr>
-          <a:xfrm>
-            <a:off x="8610600" y="6356350"/>
-            <a:ext cx="2743200" cy="365125"/>
-          </a:xfrm>
-          <a:prstGeom prst="rect">
-            <a:avLst/>
-          </a:prstGeom>
-        </p:spPr>
-        <p:txBody>
-          <a:bodyPr vert="horz" lIns="91440" tIns="45720" rIns="91440" bIns="45720" rtlCol="0" anchor="ctr"/>
-          <a:lstStyle>
-            <a:lvl1pPr algn="r">
-              <a:defRPr sz="1200">
-                <a:solidFill>
-                  <a:schemeClr val="tx1">
-                    <a:tint val="75000"/>
-                  </a:schemeClr>
-                </a:solidFill>
-              </a:defRPr>
-            </a:lvl1pPr>
-          </a:lstStyle>
-          <a:p>
             <a:fld id="{C708D073-B40A-4D23-B338-33968C9DECD1}" type="slidenum">
               <a:rPr lang="de-DE" smtClean="0"/>
               <a:t>‹Nr.›</a:t>
@@ -3007,35 +5656,121 @@
     </p:spTree>
     <p:extLst>
       <p:ext uri="{BB962C8B-B14F-4D97-AF65-F5344CB8AC3E}">
-        <p14:creationId xmlns:p14="http://schemas.microsoft.com/office/powerpoint/2010/main" val="1750231505"/>
+        <p14:creationId xmlns:p14="http://schemas.microsoft.com/office/powerpoint/2010/main" val="1267102685"/>
       </p:ext>
     </p:extLst>
   </p:cSld>
-  <p:clrMap bg1="lt1" tx1="dk1" bg2="lt2" tx2="dk2" accent1="accent1" accent2="accent2" accent3="accent3" accent4="accent4" accent5="accent5" accent6="accent6" hlink="hlink" folHlink="folHlink"/>
+  <p:clrMap bg1="dk1" tx1="lt1" bg2="dk2" tx2="lt2" accent1="accent1" accent2="accent2" accent3="accent3" accent4="accent4" accent5="accent5" accent6="accent6" hlink="hlink" folHlink="folHlink"/>
   <p:sldLayoutIdLst>
-    <p:sldLayoutId id="2147483649" r:id="rId1"/>
-    <p:sldLayoutId id="2147483650" r:id="rId2"/>
-    <p:sldLayoutId id="2147483651" r:id="rId3"/>
-    <p:sldLayoutId id="2147483652" r:id="rId4"/>
-    <p:sldLayoutId id="2147483653" r:id="rId5"/>
-    <p:sldLayoutId id="2147483654" r:id="rId6"/>
-    <p:sldLayoutId id="2147483655" r:id="rId7"/>
-    <p:sldLayoutId id="2147483656" r:id="rId8"/>
-    <p:sldLayoutId id="2147483657" r:id="rId9"/>
-    <p:sldLayoutId id="2147483658" r:id="rId10"/>
-    <p:sldLayoutId id="2147483659" r:id="rId11"/>
+    <p:sldLayoutId id="2147483661" r:id="rId1"/>
+    <p:sldLayoutId id="2147483662" r:id="rId2"/>
+    <p:sldLayoutId id="2147483663" r:id="rId3"/>
+    <p:sldLayoutId id="2147483664" r:id="rId4"/>
+    <p:sldLayoutId id="2147483665" r:id="rId5"/>
+    <p:sldLayoutId id="2147483666" r:id="rId6"/>
+    <p:sldLayoutId id="2147483667" r:id="rId7"/>
+    <p:sldLayoutId id="2147483668" r:id="rId8"/>
+    <p:sldLayoutId id="2147483669" r:id="rId9"/>
+    <p:sldLayoutId id="2147483670" r:id="rId10"/>
+    <p:sldLayoutId id="2147483671" r:id="rId11"/>
+    <p:sldLayoutId id="2147483672" r:id="rId12"/>
+    <p:sldLayoutId id="2147483673" r:id="rId13"/>
+    <p:sldLayoutId id="2147483674" r:id="rId14"/>
+    <p:sldLayoutId id="2147483675" r:id="rId15"/>
+    <p:sldLayoutId id="2147483676" r:id="rId16"/>
+    <p:sldLayoutId id="2147483677" r:id="rId17"/>
   </p:sldLayoutIdLst>
   <p:txStyles>
     <p:titleStyle>
-      <a:lvl1pPr algn="l" defTabSz="914400" rtl="0" eaLnBrk="1" latinLnBrk="0" hangingPunct="1">
-        <a:lnSpc>
-          <a:spcPct val="90000"/>
-        </a:lnSpc>
+      <a:lvl1pPr algn="l" defTabSz="457200" rtl="0" eaLnBrk="1" latinLnBrk="0" hangingPunct="1">
         <a:spcBef>
           <a:spcPct val="0"/>
         </a:spcBef>
         <a:buNone/>
-        <a:defRPr sz="4400" kern="1200">
+        <a:defRPr sz="4200" b="0" i="0" kern="1200">
+          <a:solidFill>
+            <a:schemeClr val="tx2"/>
+          </a:solidFill>
+          <a:latin typeface="+mj-lt"/>
+          <a:ea typeface="+mj-ea"/>
+          <a:cs typeface="+mj-cs"/>
+        </a:defRPr>
+      </a:lvl1pPr>
+      <a:lvl2pPr eaLnBrk="1" hangingPunct="1">
+        <a:defRPr>
+          <a:solidFill>
+            <a:schemeClr val="tx2"/>
+          </a:solidFill>
+        </a:defRPr>
+      </a:lvl2pPr>
+      <a:lvl3pPr eaLnBrk="1" hangingPunct="1">
+        <a:defRPr>
+          <a:solidFill>
+            <a:schemeClr val="tx2"/>
+          </a:solidFill>
+        </a:defRPr>
+      </a:lvl3pPr>
+      <a:lvl4pPr eaLnBrk="1" hangingPunct="1">
+        <a:defRPr>
+          <a:solidFill>
+            <a:schemeClr val="tx2"/>
+          </a:solidFill>
+        </a:defRPr>
+      </a:lvl4pPr>
+      <a:lvl5pPr eaLnBrk="1" hangingPunct="1">
+        <a:defRPr>
+          <a:solidFill>
+            <a:schemeClr val="tx2"/>
+          </a:solidFill>
+        </a:defRPr>
+      </a:lvl5pPr>
+      <a:lvl6pPr eaLnBrk="1" hangingPunct="1">
+        <a:defRPr>
+          <a:solidFill>
+            <a:schemeClr val="tx2"/>
+          </a:solidFill>
+        </a:defRPr>
+      </a:lvl6pPr>
+      <a:lvl7pPr eaLnBrk="1" hangingPunct="1">
+        <a:defRPr>
+          <a:solidFill>
+            <a:schemeClr val="tx2"/>
+          </a:solidFill>
+        </a:defRPr>
+      </a:lvl7pPr>
+      <a:lvl8pPr eaLnBrk="1" hangingPunct="1">
+        <a:defRPr>
+          <a:solidFill>
+            <a:schemeClr val="tx2"/>
+          </a:solidFill>
+        </a:defRPr>
+      </a:lvl8pPr>
+      <a:lvl9pPr eaLnBrk="1" hangingPunct="1">
+        <a:defRPr>
+          <a:solidFill>
+            <a:schemeClr val="tx2"/>
+          </a:solidFill>
+        </a:defRPr>
+      </a:lvl9pPr>
+    </p:titleStyle>
+    <p:bodyStyle>
+      <a:lvl1pPr marL="342900" indent="-342900" algn="l" defTabSz="457200" rtl="0" eaLnBrk="1" latinLnBrk="0" hangingPunct="1">
+        <a:spcBef>
+          <a:spcPts val="1000"/>
+        </a:spcBef>
+        <a:spcAft>
+          <a:spcPts val="0"/>
+        </a:spcAft>
+        <a:buClr>
+          <a:schemeClr val="bg2">
+            <a:lumMod val="40000"/>
+            <a:lumOff val="60000"/>
+          </a:schemeClr>
+        </a:buClr>
+        <a:buSzPct val="80000"/>
+        <a:buFont typeface="Wingdings 3" charset="2"/>
+        <a:buChar char=""/>
+        <a:defRPr sz="2000" b="0" i="0" kern="1200">
           <a:solidFill>
             <a:schemeClr val="tx1"/>
           </a:solidFill>
@@ -3044,18 +5779,213 @@
           <a:cs typeface="+mj-cs"/>
         </a:defRPr>
       </a:lvl1pPr>
-    </p:titleStyle>
-    <p:bodyStyle>
-      <a:lvl1pPr marL="228600" indent="-228600" algn="l" defTabSz="914400" rtl="0" eaLnBrk="1" latinLnBrk="0" hangingPunct="1">
-        <a:lnSpc>
-          <a:spcPct val="90000"/>
-        </a:lnSpc>
+      <a:lvl2pPr marL="742950" indent="-285750" algn="l" defTabSz="457200" rtl="0" eaLnBrk="1" latinLnBrk="0" hangingPunct="1">
         <a:spcBef>
           <a:spcPts val="1000"/>
         </a:spcBef>
-        <a:buFont typeface="Arial" panose="020B0604020202020204" pitchFamily="34" charset="0"/>
-        <a:buChar char="•"/>
-        <a:defRPr sz="2800" kern="1200">
+        <a:spcAft>
+          <a:spcPts val="0"/>
+        </a:spcAft>
+        <a:buClr>
+          <a:schemeClr val="bg2">
+            <a:lumMod val="40000"/>
+            <a:lumOff val="60000"/>
+          </a:schemeClr>
+        </a:buClr>
+        <a:buSzPct val="80000"/>
+        <a:buFont typeface="Wingdings 3" charset="2"/>
+        <a:buChar char=""/>
+        <a:defRPr sz="1800" b="0" i="0" kern="1200">
+          <a:solidFill>
+            <a:schemeClr val="tx1"/>
+          </a:solidFill>
+          <a:latin typeface="+mj-lt"/>
+          <a:ea typeface="+mj-ea"/>
+          <a:cs typeface="+mj-cs"/>
+        </a:defRPr>
+      </a:lvl2pPr>
+      <a:lvl3pPr marL="1143000" indent="-228600" algn="l" defTabSz="457200" rtl="0" eaLnBrk="1" latinLnBrk="0" hangingPunct="1">
+        <a:spcBef>
+          <a:spcPts val="1000"/>
+        </a:spcBef>
+        <a:spcAft>
+          <a:spcPts val="0"/>
+        </a:spcAft>
+        <a:buClr>
+          <a:schemeClr val="bg2">
+            <a:lumMod val="40000"/>
+            <a:lumOff val="60000"/>
+          </a:schemeClr>
+        </a:buClr>
+        <a:buSzPct val="80000"/>
+        <a:buFont typeface="Wingdings 3" charset="2"/>
+        <a:buChar char=""/>
+        <a:defRPr sz="1600" b="0" i="0" kern="1200">
+          <a:solidFill>
+            <a:schemeClr val="tx1"/>
+          </a:solidFill>
+          <a:latin typeface="+mj-lt"/>
+          <a:ea typeface="+mj-ea"/>
+          <a:cs typeface="+mj-cs"/>
+        </a:defRPr>
+      </a:lvl3pPr>
+      <a:lvl4pPr marL="1600200" indent="-228600" algn="l" defTabSz="457200" rtl="0" eaLnBrk="1" latinLnBrk="0" hangingPunct="1">
+        <a:spcBef>
+          <a:spcPts val="1000"/>
+        </a:spcBef>
+        <a:spcAft>
+          <a:spcPts val="0"/>
+        </a:spcAft>
+        <a:buClr>
+          <a:schemeClr val="bg2">
+            <a:lumMod val="40000"/>
+            <a:lumOff val="60000"/>
+          </a:schemeClr>
+        </a:buClr>
+        <a:buSzPct val="80000"/>
+        <a:buFont typeface="Wingdings 3" charset="2"/>
+        <a:buChar char=""/>
+        <a:defRPr sz="1400" b="0" i="0" kern="1200">
+          <a:solidFill>
+            <a:schemeClr val="tx1"/>
+          </a:solidFill>
+          <a:latin typeface="+mj-lt"/>
+          <a:ea typeface="+mj-ea"/>
+          <a:cs typeface="+mj-cs"/>
+        </a:defRPr>
+      </a:lvl4pPr>
+      <a:lvl5pPr marL="2057400" indent="-228600" algn="l" defTabSz="457200" rtl="0" eaLnBrk="1" latinLnBrk="0" hangingPunct="1">
+        <a:spcBef>
+          <a:spcPts val="1000"/>
+        </a:spcBef>
+        <a:spcAft>
+          <a:spcPts val="0"/>
+        </a:spcAft>
+        <a:buClr>
+          <a:schemeClr val="bg2">
+            <a:lumMod val="40000"/>
+            <a:lumOff val="60000"/>
+          </a:schemeClr>
+        </a:buClr>
+        <a:buSzPct val="80000"/>
+        <a:buFont typeface="Wingdings 3" charset="2"/>
+        <a:buChar char=""/>
+        <a:defRPr sz="1400" b="0" i="0" kern="1200">
+          <a:solidFill>
+            <a:schemeClr val="tx1"/>
+          </a:solidFill>
+          <a:latin typeface="+mj-lt"/>
+          <a:ea typeface="+mj-ea"/>
+          <a:cs typeface="+mj-cs"/>
+        </a:defRPr>
+      </a:lvl5pPr>
+      <a:lvl6pPr marL="2506000" indent="-228600" algn="l" defTabSz="457200" rtl="0" eaLnBrk="1" latinLnBrk="0" hangingPunct="1">
+        <a:spcBef>
+          <a:spcPts val="1000"/>
+        </a:spcBef>
+        <a:spcAft>
+          <a:spcPts val="0"/>
+        </a:spcAft>
+        <a:buClr>
+          <a:schemeClr val="bg2">
+            <a:lumMod val="40000"/>
+            <a:lumOff val="60000"/>
+          </a:schemeClr>
+        </a:buClr>
+        <a:buSzPct val="80000"/>
+        <a:buFont typeface="Wingdings 3" charset="2"/>
+        <a:buChar char=""/>
+        <a:defRPr sz="1400" b="0" i="0" kern="1200">
+          <a:solidFill>
+            <a:schemeClr val="tx1"/>
+          </a:solidFill>
+          <a:latin typeface="+mj-lt"/>
+          <a:ea typeface="+mj-ea"/>
+          <a:cs typeface="+mj-cs"/>
+        </a:defRPr>
+      </a:lvl6pPr>
+      <a:lvl7pPr marL="2971800" indent="-228600" algn="l" defTabSz="457200" rtl="0" eaLnBrk="1" latinLnBrk="0" hangingPunct="1">
+        <a:spcBef>
+          <a:spcPts val="1000"/>
+        </a:spcBef>
+        <a:spcAft>
+          <a:spcPts val="0"/>
+        </a:spcAft>
+        <a:buClr>
+          <a:schemeClr val="bg2">
+            <a:lumMod val="40000"/>
+            <a:lumOff val="60000"/>
+          </a:schemeClr>
+        </a:buClr>
+        <a:buSzPct val="80000"/>
+        <a:buFont typeface="Wingdings 3" charset="2"/>
+        <a:buChar char=""/>
+        <a:defRPr sz="1400" b="0" i="0" kern="1200">
+          <a:solidFill>
+            <a:schemeClr val="tx1"/>
+          </a:solidFill>
+          <a:latin typeface="+mj-lt"/>
+          <a:ea typeface="+mj-ea"/>
+          <a:cs typeface="+mj-cs"/>
+        </a:defRPr>
+      </a:lvl7pPr>
+      <a:lvl8pPr marL="3429000" indent="-228600" algn="l" defTabSz="457200" rtl="0" eaLnBrk="1" latinLnBrk="0" hangingPunct="1">
+        <a:spcBef>
+          <a:spcPts val="1000"/>
+        </a:spcBef>
+        <a:spcAft>
+          <a:spcPts val="0"/>
+        </a:spcAft>
+        <a:buClr>
+          <a:schemeClr val="bg2">
+            <a:lumMod val="40000"/>
+            <a:lumOff val="60000"/>
+          </a:schemeClr>
+        </a:buClr>
+        <a:buSzPct val="80000"/>
+        <a:buFont typeface="Wingdings 3" charset="2"/>
+        <a:buChar char=""/>
+        <a:defRPr sz="1400" b="0" i="0" kern="1200">
+          <a:solidFill>
+            <a:schemeClr val="tx1"/>
+          </a:solidFill>
+          <a:latin typeface="+mj-lt"/>
+          <a:ea typeface="+mj-ea"/>
+          <a:cs typeface="+mj-cs"/>
+        </a:defRPr>
+      </a:lvl8pPr>
+      <a:lvl9pPr marL="3886200" indent="-228600" algn="l" defTabSz="457200" rtl="0" eaLnBrk="1" latinLnBrk="0" hangingPunct="1">
+        <a:spcBef>
+          <a:spcPts val="1000"/>
+        </a:spcBef>
+        <a:spcAft>
+          <a:spcPts val="0"/>
+        </a:spcAft>
+        <a:buClr>
+          <a:schemeClr val="bg2">
+            <a:lumMod val="40000"/>
+            <a:lumOff val="60000"/>
+          </a:schemeClr>
+        </a:buClr>
+        <a:buSzPct val="80000"/>
+        <a:buFont typeface="Wingdings 3" charset="2"/>
+        <a:buChar char=""/>
+        <a:defRPr sz="1400" b="0" i="0" kern="1200">
+          <a:solidFill>
+            <a:schemeClr val="tx1"/>
+          </a:solidFill>
+          <a:latin typeface="+mj-lt"/>
+          <a:ea typeface="+mj-ea"/>
+          <a:cs typeface="+mj-cs"/>
+        </a:defRPr>
+      </a:lvl9pPr>
+    </p:bodyStyle>
+    <p:otherStyle>
+      <a:defPPr>
+        <a:defRPr lang="en-US"/>
+      </a:defPPr>
+      <a:lvl1pPr marL="0" algn="l" defTabSz="457200" rtl="0" eaLnBrk="1" latinLnBrk="0" hangingPunct="1">
+        <a:defRPr sz="1800" kern="1200">
           <a:solidFill>
             <a:schemeClr val="tx1"/>
           </a:solidFill>
@@ -3064,16 +5994,8 @@
           <a:cs typeface="+mn-cs"/>
         </a:defRPr>
       </a:lvl1pPr>
-      <a:lvl2pPr marL="685800" indent="-228600" algn="l" defTabSz="914400" rtl="0" eaLnBrk="1" latinLnBrk="0" hangingPunct="1">
-        <a:lnSpc>
-          <a:spcPct val="90000"/>
-        </a:lnSpc>
-        <a:spcBef>
-          <a:spcPts val="500"/>
-        </a:spcBef>
-        <a:buFont typeface="Arial" panose="020B0604020202020204" pitchFamily="34" charset="0"/>
-        <a:buChar char="•"/>
-        <a:defRPr sz="2400" kern="1200">
+      <a:lvl2pPr marL="457200" algn="l" defTabSz="457200" rtl="0" eaLnBrk="1" latinLnBrk="0" hangingPunct="1">
+        <a:defRPr sz="1800" kern="1200">
           <a:solidFill>
             <a:schemeClr val="tx1"/>
           </a:solidFill>
@@ -3082,16 +6004,8 @@
           <a:cs typeface="+mn-cs"/>
         </a:defRPr>
       </a:lvl2pPr>
-      <a:lvl3pPr marL="1143000" indent="-228600" algn="l" defTabSz="914400" rtl="0" eaLnBrk="1" latinLnBrk="0" hangingPunct="1">
-        <a:lnSpc>
-          <a:spcPct val="90000"/>
-        </a:lnSpc>
-        <a:spcBef>
-          <a:spcPts val="500"/>
-        </a:spcBef>
-        <a:buFont typeface="Arial" panose="020B0604020202020204" pitchFamily="34" charset="0"/>
-        <a:buChar char="•"/>
-        <a:defRPr sz="2000" kern="1200">
+      <a:lvl3pPr marL="914400" algn="l" defTabSz="457200" rtl="0" eaLnBrk="1" latinLnBrk="0" hangingPunct="1">
+        <a:defRPr sz="1800" kern="1200">
           <a:solidFill>
             <a:schemeClr val="tx1"/>
           </a:solidFill>
@@ -3100,15 +6014,7 @@
           <a:cs typeface="+mn-cs"/>
         </a:defRPr>
       </a:lvl3pPr>
-      <a:lvl4pPr marL="1600200" indent="-228600" algn="l" defTabSz="914400" rtl="0" eaLnBrk="1" latinLnBrk="0" hangingPunct="1">
-        <a:lnSpc>
-          <a:spcPct val="90000"/>
-        </a:lnSpc>
-        <a:spcBef>
-          <a:spcPts val="500"/>
-        </a:spcBef>
-        <a:buFont typeface="Arial" panose="020B0604020202020204" pitchFamily="34" charset="0"/>
-        <a:buChar char="•"/>
+      <a:lvl4pPr marL="1371600" algn="l" defTabSz="457200" rtl="0" eaLnBrk="1" latinLnBrk="0" hangingPunct="1">
         <a:defRPr sz="1800" kern="1200">
           <a:solidFill>
             <a:schemeClr val="tx1"/>
@@ -3118,15 +6024,7 @@
           <a:cs typeface="+mn-cs"/>
         </a:defRPr>
       </a:lvl4pPr>
-      <a:lvl5pPr marL="2057400" indent="-228600" algn="l" defTabSz="914400" rtl="0" eaLnBrk="1" latinLnBrk="0" hangingPunct="1">
-        <a:lnSpc>
-          <a:spcPct val="90000"/>
-        </a:lnSpc>
-        <a:spcBef>
-          <a:spcPts val="500"/>
-        </a:spcBef>
-        <a:buFont typeface="Arial" panose="020B0604020202020204" pitchFamily="34" charset="0"/>
-        <a:buChar char="•"/>
+      <a:lvl5pPr marL="1828800" algn="l" defTabSz="457200" rtl="0" eaLnBrk="1" latinLnBrk="0" hangingPunct="1">
         <a:defRPr sz="1800" kern="1200">
           <a:solidFill>
             <a:schemeClr val="tx1"/>
@@ -3136,15 +6034,7 @@
           <a:cs typeface="+mn-cs"/>
         </a:defRPr>
       </a:lvl5pPr>
-      <a:lvl6pPr marL="2514600" indent="-228600" algn="l" defTabSz="914400" rtl="0" eaLnBrk="1" latinLnBrk="0" hangingPunct="1">
-        <a:lnSpc>
-          <a:spcPct val="90000"/>
-        </a:lnSpc>
-        <a:spcBef>
-          <a:spcPts val="500"/>
-        </a:spcBef>
-        <a:buFont typeface="Arial" panose="020B0604020202020204" pitchFamily="34" charset="0"/>
-        <a:buChar char="•"/>
+      <a:lvl6pPr marL="2286000" algn="l" defTabSz="457200" rtl="0" eaLnBrk="1" latinLnBrk="0" hangingPunct="1">
         <a:defRPr sz="1800" kern="1200">
           <a:solidFill>
             <a:schemeClr val="tx1"/>
@@ -3154,15 +6044,7 @@
           <a:cs typeface="+mn-cs"/>
         </a:defRPr>
       </a:lvl6pPr>
-      <a:lvl7pPr marL="2971800" indent="-228600" algn="l" defTabSz="914400" rtl="0" eaLnBrk="1" latinLnBrk="0" hangingPunct="1">
-        <a:lnSpc>
-          <a:spcPct val="90000"/>
-        </a:lnSpc>
-        <a:spcBef>
-          <a:spcPts val="500"/>
-        </a:spcBef>
-        <a:buFont typeface="Arial" panose="020B0604020202020204" pitchFamily="34" charset="0"/>
-        <a:buChar char="•"/>
+      <a:lvl7pPr marL="2743200" algn="l" defTabSz="457200" rtl="0" eaLnBrk="1" latinLnBrk="0" hangingPunct="1">
         <a:defRPr sz="1800" kern="1200">
           <a:solidFill>
             <a:schemeClr val="tx1"/>
@@ -3172,15 +6054,7 @@
           <a:cs typeface="+mn-cs"/>
         </a:defRPr>
       </a:lvl7pPr>
-      <a:lvl8pPr marL="3429000" indent="-228600" algn="l" defTabSz="914400" rtl="0" eaLnBrk="1" latinLnBrk="0" hangingPunct="1">
-        <a:lnSpc>
-          <a:spcPct val="90000"/>
-        </a:lnSpc>
-        <a:spcBef>
-          <a:spcPts val="500"/>
-        </a:spcBef>
-        <a:buFont typeface="Arial" panose="020B0604020202020204" pitchFamily="34" charset="0"/>
-        <a:buChar char="•"/>
+      <a:lvl8pPr marL="3200400" algn="l" defTabSz="457200" rtl="0" eaLnBrk="1" latinLnBrk="0" hangingPunct="1">
         <a:defRPr sz="1800" kern="1200">
           <a:solidFill>
             <a:schemeClr val="tx1"/>
@@ -3190,110 +6064,7 @@
           <a:cs typeface="+mn-cs"/>
         </a:defRPr>
       </a:lvl8pPr>
-      <a:lvl9pPr marL="3886200" indent="-228600" algn="l" defTabSz="914400" rtl="0" eaLnBrk="1" latinLnBrk="0" hangingPunct="1">
-        <a:lnSpc>
-          <a:spcPct val="90000"/>
-        </a:lnSpc>
-        <a:spcBef>
-          <a:spcPts val="500"/>
-        </a:spcBef>
-        <a:buFont typeface="Arial" panose="020B0604020202020204" pitchFamily="34" charset="0"/>
-        <a:buChar char="•"/>
-        <a:defRPr sz="1800" kern="1200">
-          <a:solidFill>
-            <a:schemeClr val="tx1"/>
-          </a:solidFill>
-          <a:latin typeface="+mn-lt"/>
-          <a:ea typeface="+mn-ea"/>
-          <a:cs typeface="+mn-cs"/>
-        </a:defRPr>
-      </a:lvl9pPr>
-    </p:bodyStyle>
-    <p:otherStyle>
-      <a:defPPr>
-        <a:defRPr lang="de-DE"/>
-      </a:defPPr>
-      <a:lvl1pPr marL="0" algn="l" defTabSz="914400" rtl="0" eaLnBrk="1" latinLnBrk="0" hangingPunct="1">
-        <a:defRPr sz="1800" kern="1200">
-          <a:solidFill>
-            <a:schemeClr val="tx1"/>
-          </a:solidFill>
-          <a:latin typeface="+mn-lt"/>
-          <a:ea typeface="+mn-ea"/>
-          <a:cs typeface="+mn-cs"/>
-        </a:defRPr>
-      </a:lvl1pPr>
-      <a:lvl2pPr marL="457200" algn="l" defTabSz="914400" rtl="0" eaLnBrk="1" latinLnBrk="0" hangingPunct="1">
-        <a:defRPr sz="1800" kern="1200">
-          <a:solidFill>
-            <a:schemeClr val="tx1"/>
-          </a:solidFill>
-          <a:latin typeface="+mn-lt"/>
-          <a:ea typeface="+mn-ea"/>
-          <a:cs typeface="+mn-cs"/>
-        </a:defRPr>
-      </a:lvl2pPr>
-      <a:lvl3pPr marL="914400" algn="l" defTabSz="914400" rtl="0" eaLnBrk="1" latinLnBrk="0" hangingPunct="1">
-        <a:defRPr sz="1800" kern="1200">
-          <a:solidFill>
-            <a:schemeClr val="tx1"/>
-          </a:solidFill>
-          <a:latin typeface="+mn-lt"/>
-          <a:ea typeface="+mn-ea"/>
-          <a:cs typeface="+mn-cs"/>
-        </a:defRPr>
-      </a:lvl3pPr>
-      <a:lvl4pPr marL="1371600" algn="l" defTabSz="914400" rtl="0" eaLnBrk="1" latinLnBrk="0" hangingPunct="1">
-        <a:defRPr sz="1800" kern="1200">
-          <a:solidFill>
-            <a:schemeClr val="tx1"/>
-          </a:solidFill>
-          <a:latin typeface="+mn-lt"/>
-          <a:ea typeface="+mn-ea"/>
-          <a:cs typeface="+mn-cs"/>
-        </a:defRPr>
-      </a:lvl4pPr>
-      <a:lvl5pPr marL="1828800" algn="l" defTabSz="914400" rtl="0" eaLnBrk="1" latinLnBrk="0" hangingPunct="1">
-        <a:defRPr sz="1800" kern="1200">
-          <a:solidFill>
-            <a:schemeClr val="tx1"/>
-          </a:solidFill>
-          <a:latin typeface="+mn-lt"/>
-          <a:ea typeface="+mn-ea"/>
-          <a:cs typeface="+mn-cs"/>
-        </a:defRPr>
-      </a:lvl5pPr>
-      <a:lvl6pPr marL="2286000" algn="l" defTabSz="914400" rtl="0" eaLnBrk="1" latinLnBrk="0" hangingPunct="1">
-        <a:defRPr sz="1800" kern="1200">
-          <a:solidFill>
-            <a:schemeClr val="tx1"/>
-          </a:solidFill>
-          <a:latin typeface="+mn-lt"/>
-          <a:ea typeface="+mn-ea"/>
-          <a:cs typeface="+mn-cs"/>
-        </a:defRPr>
-      </a:lvl6pPr>
-      <a:lvl7pPr marL="2743200" algn="l" defTabSz="914400" rtl="0" eaLnBrk="1" latinLnBrk="0" hangingPunct="1">
-        <a:defRPr sz="1800" kern="1200">
-          <a:solidFill>
-            <a:schemeClr val="tx1"/>
-          </a:solidFill>
-          <a:latin typeface="+mn-lt"/>
-          <a:ea typeface="+mn-ea"/>
-          <a:cs typeface="+mn-cs"/>
-        </a:defRPr>
-      </a:lvl7pPr>
-      <a:lvl8pPr marL="3200400" algn="l" defTabSz="914400" rtl="0" eaLnBrk="1" latinLnBrk="0" hangingPunct="1">
-        <a:defRPr sz="1800" kern="1200">
-          <a:solidFill>
-            <a:schemeClr val="tx1"/>
-          </a:solidFill>
-          <a:latin typeface="+mn-lt"/>
-          <a:ea typeface="+mn-ea"/>
-          <a:cs typeface="+mn-cs"/>
-        </a:defRPr>
-      </a:lvl8pPr>
-      <a:lvl9pPr marL="3657600" algn="l" defTabSz="914400" rtl="0" eaLnBrk="1" latinLnBrk="0" hangingPunct="1">
+      <a:lvl9pPr marL="3657600" algn="l" defTabSz="457200" rtl="0" eaLnBrk="1" latinLnBrk="0" hangingPunct="1">
         <a:defRPr sz="1800" kern="1200">
           <a:solidFill>
             <a:schemeClr val="tx1"/>
@@ -3333,66 +6104,6 @@
           <a:chExt cx="0" cy="0"/>
         </a:xfrm>
       </p:grpSpPr>
-      <p:sp useBgFill="1">
-        <p:nvSpPr>
-          <p:cNvPr id="10" name="Rectangle 9">
-            <a:extLst>
-              <a:ext uri="{FF2B5EF4-FFF2-40B4-BE49-F238E27FC236}">
-                <a16:creationId xmlns:a16="http://schemas.microsoft.com/office/drawing/2014/main" id="{C1DD1A8A-57D5-4A81-AD04-532B043C5611}"/>
-              </a:ext>
-              <a:ext uri="{C183D7F6-B498-43B3-948B-1728B52AA6E4}">
-                <adec:decorative xmlns:adec="http://schemas.microsoft.com/office/drawing/2017/decorative" val="1"/>
-              </a:ext>
-            </a:extLst>
-          </p:cNvPr>
-          <p:cNvSpPr>
-            <a:spLocks noGrp="1" noRot="1" noChangeAspect="1" noMove="1" noResize="1" noEditPoints="1" noAdjustHandles="1" noChangeArrowheads="1" noChangeShapeType="1" noTextEdit="1"/>
-          </p:cNvSpPr>
-          <p:nvPr>
-            <p:extLst>
-              <p:ext uri="{386F3935-93C4-4BCD-93E2-E3B085C9AB24}">
-                <p16:designElem xmlns:p16="http://schemas.microsoft.com/office/powerpoint/2015/main" val="1"/>
-              </p:ext>
-            </p:extLst>
-          </p:nvPr>
-        </p:nvSpPr>
-        <p:spPr>
-          <a:xfrm>
-            <a:off x="-1" y="0"/>
-            <a:ext cx="12188952" cy="6858000"/>
-          </a:xfrm>
-          <a:prstGeom prst="rect">
-            <a:avLst/>
-          </a:prstGeom>
-          <a:ln>
-            <a:noFill/>
-          </a:ln>
-        </p:spPr>
-        <p:style>
-          <a:lnRef idx="2">
-            <a:schemeClr val="accent1">
-              <a:shade val="50000"/>
-            </a:schemeClr>
-          </a:lnRef>
-          <a:fillRef idx="1">
-            <a:schemeClr val="accent1"/>
-          </a:fillRef>
-          <a:effectRef idx="0">
-            <a:schemeClr val="accent1"/>
-          </a:effectRef>
-          <a:fontRef idx="minor">
-            <a:schemeClr val="lt1"/>
-          </a:fontRef>
-        </p:style>
-        <p:txBody>
-          <a:bodyPr rtlCol="0" anchor="ctr"/>
-          <a:lstStyle/>
-          <a:p>
-            <a:pPr algn="ctr"/>
-            <a:endParaRPr lang="en-US"/>
-          </a:p>
-        </p:txBody>
-      </p:sp>
       <p:pic>
         <p:nvPicPr>
           <p:cNvPr id="5" name="Grafik 4" descr="Ein Bild, das Text enthält.&#10;&#10;Automatisch generierte Beschreibung">
@@ -3428,97 +6139,6 @@
           </a:prstGeom>
         </p:spPr>
       </p:pic>
-      <p:sp>
-        <p:nvSpPr>
-          <p:cNvPr id="12" name="Rectangle 11">
-            <a:extLst>
-              <a:ext uri="{FF2B5EF4-FFF2-40B4-BE49-F238E27FC236}">
-                <a16:creationId xmlns:a16="http://schemas.microsoft.com/office/drawing/2014/main" id="{007891EC-4501-44ED-A8C8-B11B6DB767AB}"/>
-              </a:ext>
-              <a:ext uri="{C183D7F6-B498-43B3-948B-1728B52AA6E4}">
-                <adec:decorative xmlns:adec="http://schemas.microsoft.com/office/drawing/2017/decorative" val="1"/>
-              </a:ext>
-            </a:extLst>
-          </p:cNvPr>
-          <p:cNvSpPr>
-            <a:spLocks noGrp="1" noRot="1" noChangeAspect="1" noMove="1" noResize="1" noEditPoints="1" noAdjustHandles="1" noChangeArrowheads="1" noChangeShapeType="1" noTextEdit="1"/>
-          </p:cNvSpPr>
-          <p:nvPr>
-            <p:extLst>
-              <p:ext uri="{386F3935-93C4-4BCD-93E2-E3B085C9AB24}">
-                <p16:designElem xmlns:p16="http://schemas.microsoft.com/office/powerpoint/2015/main" val="1"/>
-              </p:ext>
-            </p:extLst>
-          </p:nvPr>
-        </p:nvSpPr>
-        <p:spPr>
-          <a:xfrm>
-            <a:off x="0" y="2207602"/>
-            <a:ext cx="12191999" cy="3162146"/>
-          </a:xfrm>
-          <a:prstGeom prst="rect">
-            <a:avLst/>
-          </a:prstGeom>
-          <a:gradFill flip="none" rotWithShape="1">
-            <a:gsLst>
-              <a:gs pos="0">
-                <a:srgbClr val="000000">
-                  <a:alpha val="0"/>
-                </a:srgbClr>
-              </a:gs>
-              <a:gs pos="25000">
-                <a:srgbClr val="000000">
-                  <a:alpha val="15000"/>
-                </a:srgbClr>
-              </a:gs>
-              <a:gs pos="75000">
-                <a:srgbClr val="000000">
-                  <a:alpha val="15000"/>
-                </a:srgbClr>
-              </a:gs>
-              <a:gs pos="50000">
-                <a:srgbClr val="000000">
-                  <a:alpha val="30000"/>
-                </a:srgbClr>
-              </a:gs>
-              <a:gs pos="100000">
-                <a:srgbClr val="000000">
-                  <a:alpha val="0"/>
-                </a:srgbClr>
-              </a:gs>
-            </a:gsLst>
-            <a:lin ang="16200000" scaled="1"/>
-            <a:tileRect/>
-          </a:gradFill>
-          <a:ln>
-            <a:noFill/>
-          </a:ln>
-        </p:spPr>
-        <p:style>
-          <a:lnRef idx="2">
-            <a:schemeClr val="accent1">
-              <a:shade val="50000"/>
-            </a:schemeClr>
-          </a:lnRef>
-          <a:fillRef idx="1">
-            <a:schemeClr val="accent1"/>
-          </a:fillRef>
-          <a:effectRef idx="0">
-            <a:schemeClr val="accent1"/>
-          </a:effectRef>
-          <a:fontRef idx="minor">
-            <a:schemeClr val="lt1"/>
-          </a:fontRef>
-        </p:style>
-        <p:txBody>
-          <a:bodyPr rtlCol="0" anchor="ctr"/>
-          <a:lstStyle/>
-          <a:p>
-            <a:pPr algn="ctr"/>
-            <a:endParaRPr lang="en-US"/>
-          </a:p>
-        </p:txBody>
-      </p:sp>
       <p:sp>
         <p:nvSpPr>
           <p:cNvPr id="2" name="Titel 1">
@@ -3875,58 +6495,6 @@
           </a:prstGeom>
         </p:spPr>
       </p:pic>
-      <p:cxnSp>
-        <p:nvCxnSpPr>
-          <p:cNvPr id="30" name="Straight Connector 29">
-            <a:extLst>
-              <a:ext uri="{FF2B5EF4-FFF2-40B4-BE49-F238E27FC236}">
-                <a16:creationId xmlns:a16="http://schemas.microsoft.com/office/drawing/2014/main" id="{EA86583F-F1A7-4F7F-AEED-C1E15104830E}"/>
-              </a:ext>
-              <a:ext uri="{C183D7F6-B498-43B3-948B-1728B52AA6E4}">
-                <adec:decorative xmlns:adec="http://schemas.microsoft.com/office/drawing/2017/decorative" val="1"/>
-              </a:ext>
-            </a:extLst>
-          </p:cNvPr>
-          <p:cNvCxnSpPr>
-            <a:cxnSpLocks noGrp="1" noRot="1" noChangeAspect="1" noMove="1" noResize="1" noEditPoints="1" noAdjustHandles="1" noChangeArrowheads="1" noChangeShapeType="1"/>
-          </p:cNvCxnSpPr>
-          <p:nvPr>
-            <p:extLst>
-              <p:ext uri="{386F3935-93C4-4BCD-93E2-E3B085C9AB24}">
-                <p16:designElem xmlns:p16="http://schemas.microsoft.com/office/powerpoint/2015/main" val="1"/>
-              </p:ext>
-            </p:extLst>
-          </p:nvPr>
-        </p:nvCxnSpPr>
-        <p:spPr>
-          <a:xfrm>
-            <a:off x="7978378" y="4003046"/>
-            <a:ext cx="3383280" cy="0"/>
-          </a:xfrm>
-          <a:prstGeom prst="line">
-            <a:avLst/>
-          </a:prstGeom>
-          <a:ln w="19050">
-            <a:solidFill>
-              <a:srgbClr val="EFAE45"/>
-            </a:solidFill>
-          </a:ln>
-        </p:spPr>
-        <p:style>
-          <a:lnRef idx="1">
-            <a:schemeClr val="accent1"/>
-          </a:lnRef>
-          <a:fillRef idx="0">
-            <a:schemeClr val="accent1"/>
-          </a:fillRef>
-          <a:effectRef idx="0">
-            <a:schemeClr val="accent1"/>
-          </a:effectRef>
-          <a:fontRef idx="minor">
-            <a:schemeClr val="tx1"/>
-          </a:fontRef>
-        </p:style>
-      </p:cxnSp>
     </p:spTree>
     <p:extLst>
       <p:ext uri="{BB962C8B-B14F-4D97-AF65-F5344CB8AC3E}">
@@ -3968,95 +6536,6 @@
           <a:chExt cx="0" cy="0"/>
         </a:xfrm>
       </p:grpSpPr>
-      <p:sp useBgFill="1">
-        <p:nvSpPr>
-          <p:cNvPr id="18" name="Rectangle 11">
-            <a:extLst>
-              <a:ext uri="{FF2B5EF4-FFF2-40B4-BE49-F238E27FC236}">
-                <a16:creationId xmlns:a16="http://schemas.microsoft.com/office/drawing/2014/main" id="{8ABFE404-8D65-4573-A3EF-6DF477936BA3}"/>
-              </a:ext>
-              <a:ext uri="{C183D7F6-B498-43B3-948B-1728B52AA6E4}">
-                <adec:decorative xmlns:adec="http://schemas.microsoft.com/office/drawing/2017/decorative" val="1"/>
-              </a:ext>
-            </a:extLst>
-          </p:cNvPr>
-          <p:cNvSpPr>
-            <a:spLocks noGrp="1" noRot="1" noChangeAspect="1" noMove="1" noResize="1" noEditPoints="1" noAdjustHandles="1" noChangeArrowheads="1" noChangeShapeType="1" noTextEdit="1"/>
-          </p:cNvSpPr>
-          <p:nvPr>
-            <p:extLst>
-              <p:ext uri="{386F3935-93C4-4BCD-93E2-E3B085C9AB24}">
-                <p16:designElem xmlns:p16="http://schemas.microsoft.com/office/powerpoint/2015/main" val="1"/>
-              </p:ext>
-            </p:extLst>
-          </p:nvPr>
-        </p:nvSpPr>
-        <p:spPr>
-          <a:xfrm>
-            <a:off x="0" y="-1"/>
-            <a:ext cx="12192000" cy="6858000"/>
-          </a:xfrm>
-          <a:prstGeom prst="rect">
-            <a:avLst/>
-          </a:prstGeom>
-          <a:ln>
-            <a:noFill/>
-          </a:ln>
-        </p:spPr>
-        <p:style>
-          <a:lnRef idx="2">
-            <a:schemeClr val="accent1">
-              <a:shade val="50000"/>
-            </a:schemeClr>
-          </a:lnRef>
-          <a:fillRef idx="1">
-            <a:schemeClr val="accent1"/>
-          </a:fillRef>
-          <a:effectRef idx="0">
-            <a:schemeClr val="accent1"/>
-          </a:effectRef>
-          <a:fontRef idx="minor">
-            <a:schemeClr val="lt1"/>
-          </a:fontRef>
-        </p:style>
-        <p:txBody>
-          <a:bodyPr rtlCol="0" anchor="ctr"/>
-          <a:lstStyle/>
-          <a:p>
-            <a:pPr marL="0" marR="0" lvl="0" indent="0" algn="ctr" defTabSz="914400" rtl="0" eaLnBrk="1" fontAlgn="auto" latinLnBrk="0" hangingPunct="1">
-              <a:lnSpc>
-                <a:spcPct val="100000"/>
-              </a:lnSpc>
-              <a:spcBef>
-                <a:spcPts val="0"/>
-              </a:spcBef>
-              <a:spcAft>
-                <a:spcPts val="0"/>
-              </a:spcAft>
-              <a:buClrTx/>
-              <a:buSzTx/>
-              <a:buFontTx/>
-              <a:buNone/>
-              <a:tabLst/>
-              <a:defRPr/>
-            </a:pPr>
-            <a:endParaRPr kumimoji="0" lang="en-US" sz="1800" b="0" i="0" u="none" strike="noStrike" kern="1200" cap="none" spc="0" normalizeH="0" baseline="0" noProof="0">
-              <a:ln>
-                <a:noFill/>
-              </a:ln>
-              <a:solidFill>
-                <a:prstClr val="white"/>
-              </a:solidFill>
-              <a:effectLst/>
-              <a:uLnTx/>
-              <a:uFillTx/>
-              <a:latin typeface="Tw Cen MT" panose="020B0602020104020603"/>
-              <a:ea typeface="+mn-ea"/>
-              <a:cs typeface="+mn-cs"/>
-            </a:endParaRPr>
-          </a:p>
-        </p:txBody>
-      </p:sp>
       <p:sp>
         <p:nvSpPr>
           <p:cNvPr id="2" name="Titel 1">
@@ -4090,6 +6569,67 @@
                 <a:latin typeface="Britannic Bold" panose="020B0903060703020204" pitchFamily="34" charset="0"/>
               </a:rPr>
               <a:t>Thema:</a:t>
+            </a:r>
+          </a:p>
+        </p:txBody>
+      </p:sp>
+      <p:sp>
+        <p:nvSpPr>
+          <p:cNvPr id="3" name="Inhaltsplatzhalter 2">
+            <a:extLst>
+              <a:ext uri="{FF2B5EF4-FFF2-40B4-BE49-F238E27FC236}">
+                <a16:creationId xmlns:a16="http://schemas.microsoft.com/office/drawing/2014/main" id="{1C2E484B-AA6D-B4EF-55D0-4CC5F15CEFC2}"/>
+              </a:ext>
+            </a:extLst>
+          </p:cNvPr>
+          <p:cNvSpPr>
+            <a:spLocks noGrp="1"/>
+          </p:cNvSpPr>
+          <p:nvPr>
+            <p:ph idx="1"/>
+          </p:nvPr>
+        </p:nvSpPr>
+        <p:spPr>
+          <a:xfrm>
+            <a:off x="4793019" y="4610244"/>
+            <a:ext cx="6725232" cy="1714500"/>
+          </a:xfrm>
+        </p:spPr>
+        <p:txBody>
+          <a:bodyPr anchor="ctr">
+            <a:normAutofit/>
+          </a:bodyPr>
+          <a:lstStyle/>
+          <a:p>
+            <a:r>
+              <a:rPr lang="de-DE" dirty="0">
+                <a:latin typeface="Berlin Sans FB" panose="020E0602020502020306" pitchFamily="34" charset="0"/>
+              </a:rPr>
+              <a:t>Casino</a:t>
+            </a:r>
+          </a:p>
+          <a:p>
+            <a:pPr>
+              <a:buFont typeface="Wingdings" panose="05000000000000000000" pitchFamily="2" charset="2"/>
+              <a:buChar char="Ø"/>
+            </a:pPr>
+            <a:r>
+              <a:rPr lang="de-DE" sz="1700" dirty="0">
+                <a:latin typeface="Berlin Sans FB" panose="020E0602020502020306" pitchFamily="34" charset="0"/>
+              </a:rPr>
+              <a:t>Viele Glückspiel Elemente</a:t>
+            </a:r>
+          </a:p>
+          <a:p>
+            <a:pPr>
+              <a:buFont typeface="Wingdings" panose="05000000000000000000" pitchFamily="2" charset="2"/>
+              <a:buChar char="Ø"/>
+            </a:pPr>
+            <a:r>
+              <a:rPr lang="de-DE" sz="1700" dirty="0">
+                <a:latin typeface="Berlin Sans FB" panose="020E0602020502020306" pitchFamily="34" charset="0"/>
+              </a:rPr>
+              <a:t>Wetten auf Kugeln wie in einem Casino</a:t>
             </a:r>
           </a:p>
         </p:txBody>
@@ -4164,119 +6704,6 @@
           </a:prstGeom>
         </p:spPr>
       </p:pic>
-      <p:cxnSp>
-        <p:nvCxnSpPr>
-          <p:cNvPr id="19" name="Straight Connector 13">
-            <a:extLst>
-              <a:ext uri="{FF2B5EF4-FFF2-40B4-BE49-F238E27FC236}">
-                <a16:creationId xmlns:a16="http://schemas.microsoft.com/office/drawing/2014/main" id="{AF5191F1-A1C8-4AEE-8007-DF304E42B15E}"/>
-              </a:ext>
-              <a:ext uri="{C183D7F6-B498-43B3-948B-1728B52AA6E4}">
-                <adec:decorative xmlns:adec="http://schemas.microsoft.com/office/drawing/2017/decorative" val="1"/>
-              </a:ext>
-            </a:extLst>
-          </p:cNvPr>
-          <p:cNvCxnSpPr>
-            <a:cxnSpLocks noGrp="1" noRot="1" noChangeAspect="1" noMove="1" noResize="1" noEditPoints="1" noAdjustHandles="1" noChangeArrowheads="1" noChangeShapeType="1"/>
-          </p:cNvCxnSpPr>
-          <p:nvPr>
-            <p:extLst>
-              <p:ext uri="{386F3935-93C4-4BCD-93E2-E3B085C9AB24}">
-                <p16:designElem xmlns:p16="http://schemas.microsoft.com/office/powerpoint/2015/main" val="1"/>
-              </p:ext>
-            </p:extLst>
-          </p:nvPr>
-        </p:nvCxnSpPr>
-        <p:spPr>
-          <a:xfrm>
-            <a:off x="4547363" y="4750763"/>
-            <a:ext cx="0" cy="1371600"/>
-          </a:xfrm>
-          <a:prstGeom prst="line">
-            <a:avLst/>
-          </a:prstGeom>
-          <a:ln w="15875">
-            <a:solidFill>
-              <a:schemeClr val="tx1"/>
-            </a:solidFill>
-          </a:ln>
-        </p:spPr>
-        <p:style>
-          <a:lnRef idx="1">
-            <a:schemeClr val="accent1"/>
-          </a:lnRef>
-          <a:fillRef idx="0">
-            <a:schemeClr val="accent1"/>
-          </a:fillRef>
-          <a:effectRef idx="0">
-            <a:schemeClr val="accent1"/>
-          </a:effectRef>
-          <a:fontRef idx="minor">
-            <a:schemeClr val="tx1"/>
-          </a:fontRef>
-        </p:style>
-      </p:cxnSp>
-      <p:sp>
-        <p:nvSpPr>
-          <p:cNvPr id="3" name="Inhaltsplatzhalter 2">
-            <a:extLst>
-              <a:ext uri="{FF2B5EF4-FFF2-40B4-BE49-F238E27FC236}">
-                <a16:creationId xmlns:a16="http://schemas.microsoft.com/office/drawing/2014/main" id="{1C2E484B-AA6D-B4EF-55D0-4CC5F15CEFC2}"/>
-              </a:ext>
-            </a:extLst>
-          </p:cNvPr>
-          <p:cNvSpPr>
-            <a:spLocks noGrp="1"/>
-          </p:cNvSpPr>
-          <p:nvPr>
-            <p:ph idx="1"/>
-          </p:nvPr>
-        </p:nvSpPr>
-        <p:spPr>
-          <a:xfrm>
-            <a:off x="4793019" y="4610244"/>
-            <a:ext cx="6725232" cy="1714500"/>
-          </a:xfrm>
-        </p:spPr>
-        <p:txBody>
-          <a:bodyPr anchor="ctr">
-            <a:normAutofit/>
-          </a:bodyPr>
-          <a:lstStyle/>
-          <a:p>
-            <a:r>
-              <a:rPr lang="de-DE" dirty="0">
-                <a:latin typeface="Berlin Sans FB" panose="020E0602020502020306" pitchFamily="34" charset="0"/>
-              </a:rPr>
-              <a:t>Casino</a:t>
-            </a:r>
-          </a:p>
-          <a:p>
-            <a:pPr>
-              <a:buFont typeface="Wingdings" panose="05000000000000000000" pitchFamily="2" charset="2"/>
-              <a:buChar char="Ø"/>
-            </a:pPr>
-            <a:r>
-              <a:rPr lang="de-DE" sz="1700" dirty="0">
-                <a:latin typeface="Berlin Sans FB" panose="020E0602020502020306" pitchFamily="34" charset="0"/>
-              </a:rPr>
-              <a:t>Viele Glückspiel Elemente</a:t>
-            </a:r>
-          </a:p>
-          <a:p>
-            <a:pPr>
-              <a:buFont typeface="Wingdings" panose="05000000000000000000" pitchFamily="2" charset="2"/>
-              <a:buChar char="Ø"/>
-            </a:pPr>
-            <a:r>
-              <a:rPr lang="de-DE" sz="1700" dirty="0">
-                <a:latin typeface="Berlin Sans FB" panose="020E0602020502020306" pitchFamily="34" charset="0"/>
-              </a:rPr>
-              <a:t>Wetten auf Kugeln wie in einem Casino</a:t>
-            </a:r>
-          </a:p>
-        </p:txBody>
-      </p:sp>
     </p:spTree>
     <p:extLst>
       <p:ext uri="{BB962C8B-B14F-4D97-AF65-F5344CB8AC3E}">
@@ -4291,6 +6718,677 @@
 </file>
 
 <file path=ppt/slides/slide4.xml><?xml version="1.0" encoding="utf-8"?>
+<p:sld xmlns:a="http://schemas.openxmlformats.org/drawingml/2006/main" xmlns:r="http://schemas.openxmlformats.org/officeDocument/2006/relationships" xmlns:p="http://schemas.openxmlformats.org/presentationml/2006/main">
+  <p:cSld>
+    <p:spTree>
+      <p:nvGrpSpPr>
+        <p:cNvPr id="1" name=""/>
+        <p:cNvGrpSpPr/>
+        <p:nvPr/>
+      </p:nvGrpSpPr>
+      <p:grpSpPr>
+        <a:xfrm>
+          <a:off x="0" y="0"/>
+          <a:ext cx="0" cy="0"/>
+          <a:chOff x="0" y="0"/>
+          <a:chExt cx="0" cy="0"/>
+        </a:xfrm>
+      </p:grpSpPr>
+      <p:sp>
+        <p:nvSpPr>
+          <p:cNvPr id="2" name="Titel 1">
+            <a:extLst>
+              <a:ext uri="{FF2B5EF4-FFF2-40B4-BE49-F238E27FC236}">
+                <a16:creationId xmlns:a16="http://schemas.microsoft.com/office/drawing/2014/main" id="{0A2F063D-32AC-CAD8-AED2-1910B8DE2501}"/>
+              </a:ext>
+            </a:extLst>
+          </p:cNvPr>
+          <p:cNvSpPr>
+            <a:spLocks noGrp="1"/>
+          </p:cNvSpPr>
+          <p:nvPr>
+            <p:ph type="title"/>
+          </p:nvPr>
+        </p:nvSpPr>
+        <p:spPr/>
+        <p:txBody>
+          <a:bodyPr/>
+          <a:lstStyle/>
+          <a:p>
+            <a:r>
+              <a:rPr lang="de-DE" dirty="0"/>
+              <a:t>Rollenverteilung:</a:t>
+            </a:r>
+          </a:p>
+        </p:txBody>
+      </p:sp>
+      <p:graphicFrame>
+        <p:nvGraphicFramePr>
+          <p:cNvPr id="4" name="Tabelle 4">
+            <a:extLst>
+              <a:ext uri="{FF2B5EF4-FFF2-40B4-BE49-F238E27FC236}">
+                <a16:creationId xmlns:a16="http://schemas.microsoft.com/office/drawing/2014/main" id="{7F71C82E-C5BC-9ACD-F19F-F4E4FDBCCCC6}"/>
+              </a:ext>
+            </a:extLst>
+          </p:cNvPr>
+          <p:cNvGraphicFramePr>
+            <a:graphicFrameLocks noGrp="1"/>
+          </p:cNvGraphicFramePr>
+          <p:nvPr>
+            <p:ph idx="1"/>
+            <p:extLst>
+              <p:ext uri="{D42A27DB-BD31-4B8C-83A1-F6EECF244321}">
+                <p14:modId xmlns:p14="http://schemas.microsoft.com/office/powerpoint/2010/main" val="4083222790"/>
+              </p:ext>
+            </p:extLst>
+          </p:nvPr>
+        </p:nvGraphicFramePr>
+        <p:xfrm>
+          <a:off x="932155" y="1887768"/>
+          <a:ext cx="8895425" cy="3708400"/>
+        </p:xfrm>
+        <a:graphic>
+          <a:graphicData uri="http://schemas.openxmlformats.org/drawingml/2006/table">
+            <a:tbl>
+              <a:tblPr firstRow="1" bandRow="1">
+                <a:tableStyleId>{F5AB1C69-6EDB-4FF4-983F-18BD219EF322}</a:tableStyleId>
+              </a:tblPr>
+              <a:tblGrid>
+                <a:gridCol w="3235320">
+                  <a:extLst>
+                    <a:ext uri="{9D8B030D-6E8A-4147-A177-3AD203B41FA5}">
+                      <a16:colId xmlns:a16="http://schemas.microsoft.com/office/drawing/2014/main" val="1558476525"/>
+                    </a:ext>
+                  </a:extLst>
+                </a:gridCol>
+                <a:gridCol w="3235320">
+                  <a:extLst>
+                    <a:ext uri="{9D8B030D-6E8A-4147-A177-3AD203B41FA5}">
+                      <a16:colId xmlns:a16="http://schemas.microsoft.com/office/drawing/2014/main" val="1945787731"/>
+                    </a:ext>
+                  </a:extLst>
+                </a:gridCol>
+                <a:gridCol w="2424785">
+                  <a:extLst>
+                    <a:ext uri="{9D8B030D-6E8A-4147-A177-3AD203B41FA5}">
+                      <a16:colId xmlns:a16="http://schemas.microsoft.com/office/drawing/2014/main" val="3224790577"/>
+                    </a:ext>
+                  </a:extLst>
+                </a:gridCol>
+              </a:tblGrid>
+              <a:tr h="370840">
+                <a:tc>
+                  <a:txBody>
+                    <a:bodyPr/>
+                    <a:lstStyle/>
+                    <a:p>
+                      <a:endParaRPr lang="de-DE" dirty="0"/>
+                    </a:p>
+                  </a:txBody>
+                  <a:tcPr/>
+                </a:tc>
+                <a:tc>
+                  <a:txBody>
+                    <a:bodyPr/>
+                    <a:lstStyle/>
+                    <a:p>
+                      <a:pPr algn="ctr"/>
+                      <a:r>
+                        <a:rPr lang="de-DE" dirty="0"/>
+                        <a:t>Daniel Schweiger</a:t>
+                      </a:r>
+                    </a:p>
+                  </a:txBody>
+                  <a:tcPr/>
+                </a:tc>
+                <a:tc>
+                  <a:txBody>
+                    <a:bodyPr/>
+                    <a:lstStyle/>
+                    <a:p>
+                      <a:pPr algn="ctr"/>
+                      <a:r>
+                        <a:rPr lang="de-DE" dirty="0"/>
+                        <a:t>Benedikt Speh</a:t>
+                      </a:r>
+                    </a:p>
+                  </a:txBody>
+                  <a:tcPr/>
+                </a:tc>
+                <a:extLst>
+                  <a:ext uri="{0D108BD9-81ED-4DB2-BD59-A6C34878D82A}">
+                    <a16:rowId xmlns:a16="http://schemas.microsoft.com/office/drawing/2014/main" val="865174048"/>
+                  </a:ext>
+                </a:extLst>
+              </a:tr>
+              <a:tr h="370840">
+                <a:tc>
+                  <a:txBody>
+                    <a:bodyPr/>
+                    <a:lstStyle/>
+                    <a:p>
+                      <a:r>
+                        <a:rPr lang="de-DE" dirty="0"/>
+                        <a:t>Idee</a:t>
+                      </a:r>
+                    </a:p>
+                  </a:txBody>
+                  <a:tcPr/>
+                </a:tc>
+                <a:tc>
+                  <a:txBody>
+                    <a:bodyPr/>
+                    <a:lstStyle/>
+                    <a:p>
+                      <a:pPr algn="ctr"/>
+                      <a:r>
+                        <a:rPr lang="de-DE" sz="1800" kern="1200" dirty="0">
+                          <a:solidFill>
+                            <a:schemeClr val="dk1"/>
+                          </a:solidFill>
+                          <a:effectLst/>
+                          <a:latin typeface="+mn-lt"/>
+                          <a:ea typeface="+mn-ea"/>
+                          <a:cs typeface="+mn-cs"/>
+                        </a:rPr>
+                        <a:t>✔</a:t>
+                      </a:r>
+                      <a:endParaRPr lang="de-DE" dirty="0"/>
+                    </a:p>
+                  </a:txBody>
+                  <a:tcPr/>
+                </a:tc>
+                <a:tc>
+                  <a:txBody>
+                    <a:bodyPr/>
+                    <a:lstStyle/>
+                    <a:p>
+                      <a:pPr algn="ctr"/>
+                      <a:r>
+                        <a:rPr lang="de-DE" sz="1800" kern="1200" dirty="0">
+                          <a:solidFill>
+                            <a:schemeClr val="dk1"/>
+                          </a:solidFill>
+                          <a:effectLst/>
+                          <a:latin typeface="+mn-lt"/>
+                          <a:ea typeface="+mn-ea"/>
+                          <a:cs typeface="+mn-cs"/>
+                        </a:rPr>
+                        <a:t>✔</a:t>
+                      </a:r>
+                      <a:endParaRPr lang="de-DE" dirty="0"/>
+                    </a:p>
+                  </a:txBody>
+                  <a:tcPr/>
+                </a:tc>
+                <a:extLst>
+                  <a:ext uri="{0D108BD9-81ED-4DB2-BD59-A6C34878D82A}">
+                    <a16:rowId xmlns:a16="http://schemas.microsoft.com/office/drawing/2014/main" val="1907545782"/>
+                  </a:ext>
+                </a:extLst>
+              </a:tr>
+              <a:tr h="370840">
+                <a:tc>
+                  <a:txBody>
+                    <a:bodyPr/>
+                    <a:lstStyle/>
+                    <a:p>
+                      <a:r>
+                        <a:rPr lang="de-DE" dirty="0"/>
+                        <a:t>Modellierung</a:t>
+                      </a:r>
+                    </a:p>
+                  </a:txBody>
+                  <a:tcPr/>
+                </a:tc>
+                <a:tc>
+                  <a:txBody>
+                    <a:bodyPr/>
+                    <a:lstStyle/>
+                    <a:p>
+                      <a:pPr algn="ctr"/>
+                      <a:r>
+                        <a:rPr lang="de-DE" sz="1800" kern="1200" dirty="0">
+                          <a:solidFill>
+                            <a:schemeClr val="dk1"/>
+                          </a:solidFill>
+                          <a:effectLst/>
+                          <a:latin typeface="+mn-lt"/>
+                          <a:ea typeface="+mn-ea"/>
+                          <a:cs typeface="+mn-cs"/>
+                        </a:rPr>
+                        <a:t>✔</a:t>
+                      </a:r>
+                      <a:endParaRPr lang="de-DE" dirty="0"/>
+                    </a:p>
+                  </a:txBody>
+                  <a:tcPr/>
+                </a:tc>
+                <a:tc>
+                  <a:txBody>
+                    <a:bodyPr/>
+                    <a:lstStyle/>
+                    <a:p>
+                      <a:pPr algn="ctr"/>
+                      <a:endParaRPr lang="de-DE"/>
+                    </a:p>
+                  </a:txBody>
+                  <a:tcPr/>
+                </a:tc>
+                <a:extLst>
+                  <a:ext uri="{0D108BD9-81ED-4DB2-BD59-A6C34878D82A}">
+                    <a16:rowId xmlns:a16="http://schemas.microsoft.com/office/drawing/2014/main" val="2213453719"/>
+                  </a:ext>
+                </a:extLst>
+              </a:tr>
+              <a:tr h="370840">
+                <a:tc>
+                  <a:txBody>
+                    <a:bodyPr/>
+                    <a:lstStyle/>
+                    <a:p>
+                      <a:r>
+                        <a:rPr lang="de-DE" dirty="0"/>
+                        <a:t>Programmierung</a:t>
+                      </a:r>
+                    </a:p>
+                  </a:txBody>
+                  <a:tcPr/>
+                </a:tc>
+                <a:tc>
+                  <a:txBody>
+                    <a:bodyPr/>
+                    <a:lstStyle/>
+                    <a:p>
+                      <a:pPr algn="ctr"/>
+                      <a:endParaRPr lang="de-DE" dirty="0"/>
+                    </a:p>
+                  </a:txBody>
+                  <a:tcPr/>
+                </a:tc>
+                <a:tc>
+                  <a:txBody>
+                    <a:bodyPr/>
+                    <a:lstStyle/>
+                    <a:p>
+                      <a:pPr algn="ctr"/>
+                      <a:r>
+                        <a:rPr lang="de-DE" sz="1800" kern="1200" dirty="0">
+                          <a:solidFill>
+                            <a:schemeClr val="dk1"/>
+                          </a:solidFill>
+                          <a:effectLst/>
+                          <a:latin typeface="+mn-lt"/>
+                          <a:ea typeface="+mn-ea"/>
+                          <a:cs typeface="+mn-cs"/>
+                        </a:rPr>
+                        <a:t>✔</a:t>
+                      </a:r>
+                      <a:endParaRPr lang="de-DE" dirty="0"/>
+                    </a:p>
+                  </a:txBody>
+                  <a:tcPr/>
+                </a:tc>
+                <a:extLst>
+                  <a:ext uri="{0D108BD9-81ED-4DB2-BD59-A6C34878D82A}">
+                    <a16:rowId xmlns:a16="http://schemas.microsoft.com/office/drawing/2014/main" val="2969224386"/>
+                  </a:ext>
+                </a:extLst>
+              </a:tr>
+              <a:tr h="370840">
+                <a:tc>
+                  <a:txBody>
+                    <a:bodyPr/>
+                    <a:lstStyle/>
+                    <a:p>
+                      <a:r>
+                        <a:rPr lang="de-DE" dirty="0"/>
+                        <a:t>User Interface</a:t>
+                      </a:r>
+                    </a:p>
+                  </a:txBody>
+                  <a:tcPr/>
+                </a:tc>
+                <a:tc>
+                  <a:txBody>
+                    <a:bodyPr/>
+                    <a:lstStyle/>
+                    <a:p>
+                      <a:pPr algn="ctr"/>
+                      <a:endParaRPr lang="de-DE" dirty="0"/>
+                    </a:p>
+                  </a:txBody>
+                  <a:tcPr/>
+                </a:tc>
+                <a:tc>
+                  <a:txBody>
+                    <a:bodyPr/>
+                    <a:lstStyle/>
+                    <a:p>
+                      <a:pPr algn="ctr"/>
+                      <a:r>
+                        <a:rPr lang="de-DE" sz="1800" kern="1200" dirty="0">
+                          <a:solidFill>
+                            <a:schemeClr val="dk1"/>
+                          </a:solidFill>
+                          <a:effectLst/>
+                          <a:latin typeface="+mn-lt"/>
+                          <a:ea typeface="+mn-ea"/>
+                          <a:cs typeface="+mn-cs"/>
+                        </a:rPr>
+                        <a:t>✔</a:t>
+                      </a:r>
+                      <a:endParaRPr lang="de-DE" dirty="0"/>
+                    </a:p>
+                  </a:txBody>
+                  <a:tcPr/>
+                </a:tc>
+                <a:extLst>
+                  <a:ext uri="{0D108BD9-81ED-4DB2-BD59-A6C34878D82A}">
+                    <a16:rowId xmlns:a16="http://schemas.microsoft.com/office/drawing/2014/main" val="2438467913"/>
+                  </a:ext>
+                </a:extLst>
+              </a:tr>
+              <a:tr h="370840">
+                <a:tc>
+                  <a:txBody>
+                    <a:bodyPr/>
+                    <a:lstStyle/>
+                    <a:p>
+                      <a:r>
+                        <a:rPr lang="de-DE" dirty="0"/>
+                        <a:t>Hintergrund</a:t>
+                      </a:r>
+                    </a:p>
+                  </a:txBody>
+                  <a:tcPr/>
+                </a:tc>
+                <a:tc>
+                  <a:txBody>
+                    <a:bodyPr/>
+                    <a:lstStyle/>
+                    <a:p>
+                      <a:pPr algn="ctr"/>
+                      <a:r>
+                        <a:rPr lang="de-DE" sz="1800" kern="1200" dirty="0">
+                          <a:solidFill>
+                            <a:schemeClr val="dk1"/>
+                          </a:solidFill>
+                          <a:effectLst/>
+                          <a:latin typeface="+mn-lt"/>
+                          <a:ea typeface="+mn-ea"/>
+                          <a:cs typeface="+mn-cs"/>
+                        </a:rPr>
+                        <a:t>✔</a:t>
+                      </a:r>
+                      <a:endParaRPr lang="de-DE" dirty="0"/>
+                    </a:p>
+                  </a:txBody>
+                  <a:tcPr/>
+                </a:tc>
+                <a:tc>
+                  <a:txBody>
+                    <a:bodyPr/>
+                    <a:lstStyle/>
+                    <a:p>
+                      <a:pPr algn="ctr"/>
+                      <a:endParaRPr lang="de-DE" dirty="0"/>
+                    </a:p>
+                  </a:txBody>
+                  <a:tcPr/>
+                </a:tc>
+                <a:extLst>
+                  <a:ext uri="{0D108BD9-81ED-4DB2-BD59-A6C34878D82A}">
+                    <a16:rowId xmlns:a16="http://schemas.microsoft.com/office/drawing/2014/main" val="972060111"/>
+                  </a:ext>
+                </a:extLst>
+              </a:tr>
+              <a:tr h="370840">
+                <a:tc>
+                  <a:txBody>
+                    <a:bodyPr/>
+                    <a:lstStyle/>
+                    <a:p>
+                      <a:r>
+                        <a:rPr lang="de-DE" dirty="0"/>
+                        <a:t>Level 1</a:t>
+                      </a:r>
+                    </a:p>
+                  </a:txBody>
+                  <a:tcPr/>
+                </a:tc>
+                <a:tc>
+                  <a:txBody>
+                    <a:bodyPr/>
+                    <a:lstStyle/>
+                    <a:p>
+                      <a:pPr algn="ctr"/>
+                      <a:r>
+                        <a:rPr lang="de-DE" sz="1800" kern="1200" dirty="0">
+                          <a:solidFill>
+                            <a:schemeClr val="dk1"/>
+                          </a:solidFill>
+                          <a:effectLst/>
+                          <a:latin typeface="+mn-lt"/>
+                          <a:ea typeface="+mn-ea"/>
+                          <a:cs typeface="+mn-cs"/>
+                        </a:rPr>
+                        <a:t>✔</a:t>
+                      </a:r>
+                      <a:endParaRPr lang="de-DE" dirty="0"/>
+                    </a:p>
+                  </a:txBody>
+                  <a:tcPr/>
+                </a:tc>
+                <a:tc>
+                  <a:txBody>
+                    <a:bodyPr/>
+                    <a:lstStyle/>
+                    <a:p>
+                      <a:pPr algn="ctr"/>
+                      <a:r>
+                        <a:rPr lang="de-DE" sz="1800" kern="1200" dirty="0">
+                          <a:solidFill>
+                            <a:schemeClr val="dk1"/>
+                          </a:solidFill>
+                          <a:effectLst/>
+                          <a:latin typeface="+mn-lt"/>
+                          <a:ea typeface="+mn-ea"/>
+                          <a:cs typeface="+mn-cs"/>
+                        </a:rPr>
+                        <a:t>✔</a:t>
+                      </a:r>
+                      <a:endParaRPr lang="de-DE" dirty="0"/>
+                    </a:p>
+                  </a:txBody>
+                  <a:tcPr/>
+                </a:tc>
+                <a:extLst>
+                  <a:ext uri="{0D108BD9-81ED-4DB2-BD59-A6C34878D82A}">
+                    <a16:rowId xmlns:a16="http://schemas.microsoft.com/office/drawing/2014/main" val="2255731740"/>
+                  </a:ext>
+                </a:extLst>
+              </a:tr>
+              <a:tr h="370840">
+                <a:tc>
+                  <a:txBody>
+                    <a:bodyPr/>
+                    <a:lstStyle/>
+                    <a:p>
+                      <a:r>
+                        <a:rPr lang="de-DE" dirty="0"/>
+                        <a:t>Level 2</a:t>
+                      </a:r>
+                    </a:p>
+                  </a:txBody>
+                  <a:tcPr/>
+                </a:tc>
+                <a:tc>
+                  <a:txBody>
+                    <a:bodyPr/>
+                    <a:lstStyle/>
+                    <a:p>
+                      <a:pPr algn="ctr"/>
+                      <a:endParaRPr lang="de-DE" dirty="0"/>
+                    </a:p>
+                  </a:txBody>
+                  <a:tcPr/>
+                </a:tc>
+                <a:tc>
+                  <a:txBody>
+                    <a:bodyPr/>
+                    <a:lstStyle/>
+                    <a:p>
+                      <a:pPr algn="ctr"/>
+                      <a:r>
+                        <a:rPr lang="de-DE" sz="1800" kern="1200" dirty="0">
+                          <a:solidFill>
+                            <a:schemeClr val="dk1"/>
+                          </a:solidFill>
+                          <a:effectLst/>
+                          <a:latin typeface="+mn-lt"/>
+                          <a:ea typeface="+mn-ea"/>
+                          <a:cs typeface="+mn-cs"/>
+                        </a:rPr>
+                        <a:t>✔</a:t>
+                      </a:r>
+                      <a:endParaRPr lang="de-DE" dirty="0"/>
+                    </a:p>
+                  </a:txBody>
+                  <a:tcPr/>
+                </a:tc>
+                <a:extLst>
+                  <a:ext uri="{0D108BD9-81ED-4DB2-BD59-A6C34878D82A}">
+                    <a16:rowId xmlns:a16="http://schemas.microsoft.com/office/drawing/2014/main" val="1131913825"/>
+                  </a:ext>
+                </a:extLst>
+              </a:tr>
+              <a:tr h="370840">
+                <a:tc>
+                  <a:txBody>
+                    <a:bodyPr/>
+                    <a:lstStyle/>
+                    <a:p>
+                      <a:r>
+                        <a:rPr lang="de-DE" dirty="0"/>
+                        <a:t>Level 3</a:t>
+                      </a:r>
+                    </a:p>
+                  </a:txBody>
+                  <a:tcPr/>
+                </a:tc>
+                <a:tc>
+                  <a:txBody>
+                    <a:bodyPr/>
+                    <a:lstStyle/>
+                    <a:p>
+                      <a:pPr algn="ctr"/>
+                      <a:endParaRPr lang="de-DE"/>
+                    </a:p>
+                  </a:txBody>
+                  <a:tcPr/>
+                </a:tc>
+                <a:tc>
+                  <a:txBody>
+                    <a:bodyPr/>
+                    <a:lstStyle/>
+                    <a:p>
+                      <a:pPr algn="ctr"/>
+                      <a:r>
+                        <a:rPr lang="de-DE" sz="1800" kern="1200" dirty="0">
+                          <a:solidFill>
+                            <a:schemeClr val="dk1"/>
+                          </a:solidFill>
+                          <a:effectLst/>
+                          <a:latin typeface="+mn-lt"/>
+                          <a:ea typeface="+mn-ea"/>
+                          <a:cs typeface="+mn-cs"/>
+                        </a:rPr>
+                        <a:t>✔</a:t>
+                      </a:r>
+                      <a:endParaRPr lang="de-DE" dirty="0"/>
+                    </a:p>
+                  </a:txBody>
+                  <a:tcPr/>
+                </a:tc>
+                <a:extLst>
+                  <a:ext uri="{0D108BD9-81ED-4DB2-BD59-A6C34878D82A}">
+                    <a16:rowId xmlns:a16="http://schemas.microsoft.com/office/drawing/2014/main" val="36122920"/>
+                  </a:ext>
+                </a:extLst>
+              </a:tr>
+              <a:tr h="370840">
+                <a:tc>
+                  <a:txBody>
+                    <a:bodyPr/>
+                    <a:lstStyle/>
+                    <a:p>
+                      <a:r>
+                        <a:rPr lang="de-DE" dirty="0"/>
+                        <a:t>Level 4</a:t>
+                      </a:r>
+                    </a:p>
+                  </a:txBody>
+                  <a:tcPr/>
+                </a:tc>
+                <a:tc>
+                  <a:txBody>
+                    <a:bodyPr/>
+                    <a:lstStyle/>
+                    <a:p>
+                      <a:pPr algn="ctr"/>
+                      <a:r>
+                        <a:rPr lang="de-DE" sz="1800" kern="1200" dirty="0">
+                          <a:solidFill>
+                            <a:schemeClr val="dk1"/>
+                          </a:solidFill>
+                          <a:effectLst/>
+                          <a:latin typeface="+mn-lt"/>
+                          <a:ea typeface="+mn-ea"/>
+                          <a:cs typeface="+mn-cs"/>
+                        </a:rPr>
+                        <a:t>✔</a:t>
+                      </a:r>
+                      <a:endParaRPr lang="de-DE" dirty="0"/>
+                    </a:p>
+                  </a:txBody>
+                  <a:tcPr/>
+                </a:tc>
+                <a:tc>
+                  <a:txBody>
+                    <a:bodyPr/>
+                    <a:lstStyle/>
+                    <a:p>
+                      <a:pPr algn="ctr"/>
+                      <a:endParaRPr lang="de-DE" dirty="0"/>
+                    </a:p>
+                  </a:txBody>
+                  <a:tcPr/>
+                </a:tc>
+                <a:extLst>
+                  <a:ext uri="{0D108BD9-81ED-4DB2-BD59-A6C34878D82A}">
+                    <a16:rowId xmlns:a16="http://schemas.microsoft.com/office/drawing/2014/main" val="704317798"/>
+                  </a:ext>
+                </a:extLst>
+              </a:tr>
+            </a:tbl>
+          </a:graphicData>
+        </a:graphic>
+      </p:graphicFrame>
+    </p:spTree>
+    <p:extLst>
+      <p:ext uri="{BB962C8B-B14F-4D97-AF65-F5344CB8AC3E}">
+        <p14:creationId xmlns:p14="http://schemas.microsoft.com/office/powerpoint/2010/main" val="3482585614"/>
+      </p:ext>
+    </p:extLst>
+  </p:cSld>
+  <p:clrMapOvr>
+    <a:masterClrMapping/>
+  </p:clrMapOvr>
+</p:sld>
+</file>
+
+<file path=ppt/slides/slide5.xml><?xml version="1.0" encoding="utf-8"?>
 <p:sld xmlns:a="http://schemas.openxmlformats.org/drawingml/2006/main" xmlns:r="http://schemas.openxmlformats.org/officeDocument/2006/relationships" xmlns:p="http://schemas.openxmlformats.org/presentationml/2006/main">
   <p:cSld>
     <p:bg>
@@ -4366,7 +7464,7 @@
 </p:sld>
 </file>
 
-<file path=ppt/slides/slide5.xml><?xml version="1.0" encoding="utf-8"?>
+<file path=ppt/slides/slide6.xml><?xml version="1.0" encoding="utf-8"?>
 <p:sld xmlns:a="http://schemas.openxmlformats.org/drawingml/2006/main" xmlns:r="http://schemas.openxmlformats.org/officeDocument/2006/relationships" xmlns:p="http://schemas.openxmlformats.org/presentationml/2006/main">
   <p:cSld>
     <p:spTree>
@@ -4935,9 +8033,9 @@
 </file>
 
 <file path=ppt/theme/theme1.xml><?xml version="1.0" encoding="utf-8"?>
-<a:theme xmlns:a="http://schemas.openxmlformats.org/drawingml/2006/main" name="Office">
+<a:theme xmlns:a="http://schemas.openxmlformats.org/drawingml/2006/main" name="Ion">
   <a:themeElements>
-    <a:clrScheme name="Office">
+    <a:clrScheme name="Ion">
       <a:dk1>
         <a:sysClr val="windowText" lastClr="000000"/>
       </a:dk1>
@@ -4945,44 +8043,44 @@
         <a:sysClr val="window" lastClr="FFFFFF"/>
       </a:lt1>
       <a:dk2>
-        <a:srgbClr val="44546A"/>
+        <a:srgbClr val="1E5155"/>
       </a:dk2>
       <a:lt2>
-        <a:srgbClr val="E7E6E6"/>
+        <a:srgbClr val="EBEBEB"/>
       </a:lt2>
       <a:accent1>
-        <a:srgbClr val="4472C4"/>
+        <a:srgbClr val="B01513"/>
       </a:accent1>
       <a:accent2>
-        <a:srgbClr val="ED7D31"/>
+        <a:srgbClr val="EA6312"/>
       </a:accent2>
       <a:accent3>
-        <a:srgbClr val="A5A5A5"/>
+        <a:srgbClr val="E6B729"/>
       </a:accent3>
       <a:accent4>
-        <a:srgbClr val="FFC000"/>
+        <a:srgbClr val="6AAC90"/>
       </a:accent4>
       <a:accent5>
-        <a:srgbClr val="5B9BD5"/>
+        <a:srgbClr val="54849A"/>
       </a:accent5>
       <a:accent6>
-        <a:srgbClr val="70AD47"/>
+        <a:srgbClr val="9E5E9B"/>
       </a:accent6>
       <a:hlink>
-        <a:srgbClr val="0563C1"/>
+        <a:srgbClr val="58C1BA"/>
       </a:hlink>
       <a:folHlink>
-        <a:srgbClr val="954F72"/>
+        <a:srgbClr val="9DFFCB"/>
       </a:folHlink>
     </a:clrScheme>
-    <a:fontScheme name="Office">
+    <a:fontScheme name="Ion">
       <a:majorFont>
-        <a:latin typeface="Calibri Light" panose="020F0302020204030204"/>
+        <a:latin typeface="Century Gothic" panose="020B0502020202020204"/>
         <a:ea typeface=""/>
         <a:cs typeface=""/>
-        <a:font script="Jpan" typeface="游ゴシック Light"/>
+        <a:font script="Jpan" typeface="メイリオ"/>
         <a:font script="Hang" typeface="맑은 고딕"/>
-        <a:font script="Hans" typeface="等线 Light"/>
+        <a:font script="Hans" typeface="宋体"/>
         <a:font script="Hant" typeface="新細明體"/>
         <a:font script="Arab" typeface="Times New Roman"/>
         <a:font script="Hebr" typeface="Times New Roman"/>
@@ -5010,31 +8108,14 @@
         <a:font script="Viet" typeface="Times New Roman"/>
         <a:font script="Uigh" typeface="Microsoft Uighur"/>
         <a:font script="Geor" typeface="Sylfaen"/>
-        <a:font script="Armn" typeface="Arial"/>
-        <a:font script="Bugi" typeface="Leelawadee UI"/>
-        <a:font script="Bopo" typeface="Microsoft JhengHei"/>
-        <a:font script="Java" typeface="Javanese Text"/>
-        <a:font script="Lisu" typeface="Segoe UI"/>
-        <a:font script="Mymr" typeface="Myanmar Text"/>
-        <a:font script="Nkoo" typeface="Ebrima"/>
-        <a:font script="Olck" typeface="Nirmala UI"/>
-        <a:font script="Osma" typeface="Ebrima"/>
-        <a:font script="Phag" typeface="Phagspa"/>
-        <a:font script="Syrn" typeface="Estrangelo Edessa"/>
-        <a:font script="Syrj" typeface="Estrangelo Edessa"/>
-        <a:font script="Syre" typeface="Estrangelo Edessa"/>
-        <a:font script="Sora" typeface="Nirmala UI"/>
-        <a:font script="Tale" typeface="Microsoft Tai Le"/>
-        <a:font script="Talu" typeface="Microsoft New Tai Lue"/>
-        <a:font script="Tfng" typeface="Ebrima"/>
       </a:majorFont>
       <a:minorFont>
-        <a:latin typeface="Calibri" panose="020F0502020204030204"/>
+        <a:latin typeface="Century Gothic" panose="020B0502020202020204"/>
         <a:ea typeface=""/>
         <a:cs typeface=""/>
-        <a:font script="Jpan" typeface="游ゴシック"/>
+        <a:font script="Jpan" typeface="メイリオ"/>
         <a:font script="Hang" typeface="맑은 고딕"/>
-        <a:font script="Hans" typeface="等线"/>
+        <a:font script="Hans" typeface="宋体"/>
         <a:font script="Hant" typeface="新細明體"/>
         <a:font script="Arab" typeface="Arial"/>
         <a:font script="Hebr" typeface="Arial"/>
@@ -5062,26 +8143,9 @@
         <a:font script="Viet" typeface="Arial"/>
         <a:font script="Uigh" typeface="Microsoft Uighur"/>
         <a:font script="Geor" typeface="Sylfaen"/>
-        <a:font script="Armn" typeface="Arial"/>
-        <a:font script="Bugi" typeface="Leelawadee UI"/>
-        <a:font script="Bopo" typeface="Microsoft JhengHei"/>
-        <a:font script="Java" typeface="Javanese Text"/>
-        <a:font script="Lisu" typeface="Segoe UI"/>
-        <a:font script="Mymr" typeface="Myanmar Text"/>
-        <a:font script="Nkoo" typeface="Ebrima"/>
-        <a:font script="Olck" typeface="Nirmala UI"/>
-        <a:font script="Osma" typeface="Ebrima"/>
-        <a:font script="Phag" typeface="Phagspa"/>
-        <a:font script="Syrn" typeface="Estrangelo Edessa"/>
-        <a:font script="Syrj" typeface="Estrangelo Edessa"/>
-        <a:font script="Syre" typeface="Estrangelo Edessa"/>
-        <a:font script="Sora" typeface="Nirmala UI"/>
-        <a:font script="Tale" typeface="Microsoft Tai Le"/>
-        <a:font script="Talu" typeface="Microsoft New Tai Lue"/>
-        <a:font script="Tfng" typeface="Ebrima"/>
       </a:minorFont>
     </a:fontScheme>
-    <a:fmtScheme name="Office">
+    <a:fmtScheme name="Ion">
       <a:fillStyleLst>
         <a:solidFill>
           <a:schemeClr val="phClr"/>
@@ -5090,23 +8154,15 @@
           <a:gsLst>
             <a:gs pos="0">
               <a:schemeClr val="phClr">
-                <a:lumMod val="110000"/>
-                <a:satMod val="105000"/>
-                <a:tint val="67000"/>
-              </a:schemeClr>
-            </a:gs>
-            <a:gs pos="50000">
-              <a:schemeClr val="phClr">
-                <a:lumMod val="105000"/>
-                <a:satMod val="103000"/>
-                <a:tint val="73000"/>
+                <a:tint val="64000"/>
+                <a:lumMod val="118000"/>
               </a:schemeClr>
             </a:gs>
             <a:gs pos="100000">
               <a:schemeClr val="phClr">
-                <a:lumMod val="105000"/>
-                <a:satMod val="109000"/>
-                <a:tint val="81000"/>
+                <a:tint val="92000"/>
+                <a:alpha val="100000"/>
+                <a:lumMod val="110000"/>
               </a:schemeClr>
             </a:gs>
           </a:gsLst>
@@ -5116,23 +8172,14 @@
           <a:gsLst>
             <a:gs pos="0">
               <a:schemeClr val="phClr">
-                <a:satMod val="103000"/>
-                <a:lumMod val="102000"/>
-                <a:tint val="94000"/>
-              </a:schemeClr>
-            </a:gs>
-            <a:gs pos="50000">
-              <a:schemeClr val="phClr">
-                <a:satMod val="110000"/>
-                <a:lumMod val="100000"/>
-                <a:shade val="100000"/>
+                <a:tint val="98000"/>
+                <a:lumMod val="114000"/>
               </a:schemeClr>
             </a:gs>
             <a:gs pos="100000">
               <a:schemeClr val="phClr">
-                <a:lumMod val="99000"/>
-                <a:satMod val="120000"/>
-                <a:shade val="78000"/>
+                <a:shade val="90000"/>
+                <a:lumMod val="84000"/>
               </a:schemeClr>
             </a:gs>
           </a:gsLst>
@@ -5140,26 +8187,23 @@
         </a:gradFill>
       </a:fillStyleLst>
       <a:lnStyleLst>
-        <a:ln w="6350" cap="flat" cmpd="sng" algn="ctr">
+        <a:ln w="9525" cap="rnd" cmpd="sng" algn="ctr">
           <a:solidFill>
             <a:schemeClr val="phClr"/>
           </a:solidFill>
           <a:prstDash val="solid"/>
-          <a:miter lim="800000"/>
         </a:ln>
-        <a:ln w="12700" cap="flat" cmpd="sng" algn="ctr">
+        <a:ln w="19050" cap="rnd" cmpd="sng" algn="ctr">
           <a:solidFill>
             <a:schemeClr val="phClr"/>
           </a:solidFill>
           <a:prstDash val="solid"/>
-          <a:miter lim="800000"/>
         </a:ln>
-        <a:ln w="19050" cap="flat" cmpd="sng" algn="ctr">
+        <a:ln w="28575" cap="rnd" cmpd="sng" algn="ctr">
           <a:solidFill>
             <a:schemeClr val="phClr"/>
           </a:solidFill>
           <a:prstDash val="solid"/>
-          <a:miter lim="800000"/>
         </a:ln>
       </a:lnStyleLst>
       <a:effectStyleLst>
@@ -5167,55 +8211,80 @@
           <a:effectLst/>
         </a:effectStyle>
         <a:effectStyle>
-          <a:effectLst/>
+          <a:effectLst>
+            <a:outerShdw blurRad="38100" dist="25400" dir="5400000" rotWithShape="0">
+              <a:srgbClr val="000000">
+                <a:alpha val="45000"/>
+              </a:srgbClr>
+            </a:outerShdw>
+          </a:effectLst>
         </a:effectStyle>
         <a:effectStyle>
           <a:effectLst>
-            <a:outerShdw blurRad="57150" dist="19050" dir="5400000" algn="ctr" rotWithShape="0">
+            <a:outerShdw blurRad="63500" dist="38100" dir="5400000" rotWithShape="0">
               <a:srgbClr val="000000">
-                <a:alpha val="63000"/>
+                <a:alpha val="60000"/>
               </a:srgbClr>
             </a:outerShdw>
           </a:effectLst>
+          <a:scene3d>
+            <a:camera prst="orthographicFront">
+              <a:rot lat="0" lon="0" rev="0"/>
+            </a:camera>
+            <a:lightRig rig="threePt" dir="tl"/>
+          </a:scene3d>
+          <a:sp3d prstMaterial="plastic">
+            <a:bevelT w="0" h="0"/>
+          </a:sp3d>
         </a:effectStyle>
       </a:effectStyleLst>
       <a:bgFillStyleLst>
         <a:solidFill>
           <a:schemeClr val="phClr"/>
         </a:solidFill>
-        <a:solidFill>
-          <a:schemeClr val="phClr">
-            <a:tint val="95000"/>
-            <a:satMod val="170000"/>
-          </a:schemeClr>
-        </a:solidFill>
         <a:gradFill rotWithShape="1">
           <a:gsLst>
             <a:gs pos="0">
               <a:schemeClr val="phClr">
-                <a:tint val="93000"/>
-                <a:satMod val="150000"/>
-                <a:shade val="98000"/>
-                <a:lumMod val="102000"/>
-              </a:schemeClr>
-            </a:gs>
-            <a:gs pos="50000">
-              <a:schemeClr val="phClr">
-                <a:tint val="98000"/>
+                <a:tint val="97000"/>
+                <a:hueMod val="88000"/>
                 <a:satMod val="130000"/>
-                <a:shade val="90000"/>
-                <a:lumMod val="103000"/>
+                <a:lumMod val="124000"/>
               </a:schemeClr>
             </a:gs>
             <a:gs pos="100000">
               <a:schemeClr val="phClr">
-                <a:shade val="63000"/>
-                <a:satMod val="120000"/>
+                <a:tint val="96000"/>
+                <a:shade val="88000"/>
+                <a:hueMod val="108000"/>
+                <a:satMod val="164000"/>
+                <a:lumMod val="76000"/>
               </a:schemeClr>
             </a:gs>
           </a:gsLst>
-          <a:lin ang="5400000" scaled="0"/>
+          <a:path path="circle">
+            <a:fillToRect l="45000" t="65000" r="125000" b="100000"/>
+          </a:path>
         </a:gradFill>
+        <a:blipFill rotWithShape="1">
+          <a:blip xmlns:r="http://schemas.openxmlformats.org/officeDocument/2006/relationships" r:embed="rId1">
+            <a:duotone>
+              <a:schemeClr val="phClr">
+                <a:shade val="69000"/>
+                <a:hueMod val="108000"/>
+                <a:satMod val="164000"/>
+                <a:lumMod val="74000"/>
+              </a:schemeClr>
+              <a:schemeClr val="phClr">
+                <a:tint val="96000"/>
+                <a:hueMod val="88000"/>
+                <a:satMod val="140000"/>
+                <a:lumMod val="132000"/>
+              </a:schemeClr>
+            </a:duotone>
+          </a:blip>
+          <a:stretch/>
+        </a:blipFill>
       </a:bgFillStyleLst>
     </a:fmtScheme>
   </a:themeElements>
@@ -5223,7 +8292,7 @@
   <a:extraClrSchemeLst/>
   <a:extLst>
     <a:ext uri="{05A4C25C-085E-4340-85A3-A5531E510DB2}">
-      <thm15:themeFamily xmlns:thm15="http://schemas.microsoft.com/office/thememl/2012/main" name="Office Theme" id="{62F939B6-93AF-4DB8-9C6B-D6C7DFDC589F}" vid="{4A3C46E8-61CC-4603-A589-7422A47A8E4A}"/>
+      <thm15:themeFamily xmlns:thm15="http://schemas.microsoft.com/office/thememl/2012/main" name="Ion" id="{B8441ADB-2E43-4AF7-B97A-BD870242C6A8}" vid="{292E63A9-BB86-4E3D-B92A-7223C6510D2E}"/>
     </a:ext>
   </a:extLst>
 </a:theme>

--- a/Casino Murmeln Präsentation Dienstag.pptx
+++ b/Casino Murmeln Präsentation Dienstag.pptx
@@ -7554,36 +7554,15 @@
                 </a:solidFill>
                 <a:effectLst/>
                 <a:latin typeface="Calibri" panose="020F0502020204030204" pitchFamily="34" charset="0"/>
+                <a:hlinkClick r:id="rId2"/>
               </a:rPr>
-              <a:t>https://youtu.be/CuZkB84YVvk  </a:t>
+              <a:t>https://youtu.be/CuZkB84YVvk</a:t>
             </a:r>
             <a:endParaRPr lang="en-US" sz="900" b="0" i="0" dirty="0">
               <a:solidFill>
                 <a:srgbClr val="000000"/>
               </a:solidFill>
               <a:effectLst/>
-              <a:latin typeface="Segoe UI" panose="020B0502040204020203" pitchFamily="34" charset="0"/>
-            </a:endParaRPr>
-          </a:p>
-          <a:p>
-            <a:pPr marL="0" indent="0" algn="l" rtl="0" fontAlgn="base">
-              <a:buNone/>
-            </a:pPr>
-            <a:r>
-              <a:rPr lang="en-US" sz="900" b="0" i="0" u="sng" strike="noStrike" dirty="0">
-                <a:solidFill>
-                  <a:srgbClr val="0563C1"/>
-                </a:solidFill>
-                <a:effectLst/>
-                <a:latin typeface="Calibri" panose="020F0502020204030204" pitchFamily="34" charset="0"/>
-                <a:hlinkClick r:id="rId2"/>
-              </a:rPr>
-              <a:t>https://youtu.be/rudNk-yWEBk</a:t>
-            </a:r>
-            <a:endParaRPr lang="en-US" sz="900" u="sng" strike="noStrike" dirty="0">
-              <a:solidFill>
-                <a:srgbClr val="000000"/>
-              </a:solidFill>
               <a:latin typeface="Calibri" panose="020F0502020204030204" pitchFamily="34" charset="0"/>
             </a:endParaRPr>
           </a:p>
@@ -7600,6 +7579,28 @@
                 <a:latin typeface="Calibri" panose="020F0502020204030204" pitchFamily="34" charset="0"/>
                 <a:hlinkClick r:id="rId3"/>
               </a:rPr>
+              <a:t>https://youtu.be/rudNk-yWEBk</a:t>
+            </a:r>
+            <a:endParaRPr lang="en-US" sz="900" u="sng" strike="noStrike" dirty="0">
+              <a:solidFill>
+                <a:srgbClr val="000000"/>
+              </a:solidFill>
+              <a:latin typeface="Calibri" panose="020F0502020204030204" pitchFamily="34" charset="0"/>
+            </a:endParaRPr>
+          </a:p>
+          <a:p>
+            <a:pPr marL="0" indent="0" algn="l" rtl="0" fontAlgn="base">
+              <a:buNone/>
+            </a:pPr>
+            <a:r>
+              <a:rPr lang="en-US" sz="900" b="0" i="0" u="sng" strike="noStrike" dirty="0">
+                <a:solidFill>
+                  <a:srgbClr val="0563C1"/>
+                </a:solidFill>
+                <a:effectLst/>
+                <a:latin typeface="Calibri" panose="020F0502020204030204" pitchFamily="34" charset="0"/>
+                <a:hlinkClick r:id="rId4"/>
+              </a:rPr>
               <a:t>https://www.google.com/search?q=roulette+wheel&amp;rlz=1C1ONGR_deDE997DE997&amp;sxsrf=ALiCzsafRQjjPDafOzc5UiQ4F21tWpGkGA:1672415469666&amp;source=lnms&amp;tbm=isch&amp;sa=X&amp;ved=2ahUKEwju0_GP2aH8AhVPecAKHW6UATIQ_AUoAXoECAEQAw&amp;biw=2048&amp;bih=1002&amp;dpr=1.25#imgrc=UeLMFLjSnQS5IM</a:t>
             </a:r>
             <a:r>
@@ -7671,7 +7672,7 @@
                 </a:solidFill>
                 <a:effectLst/>
                 <a:latin typeface="Calibri" panose="020F0502020204030204" pitchFamily="34" charset="0"/>
-                <a:hlinkClick r:id="rId4"/>
+                <a:hlinkClick r:id="rId5"/>
               </a:rPr>
               <a:t>https://www.google.com/search?q=poker+chip&amp;rlz=1C1ONGR_deDE997DE997&amp;sxsrf=ALiCzsa8p6yGyV3DMj-4UaEZCVW05HLQ1w:1672415811370&amp;source=lnms&amp;tbm=isch&amp;sa=X&amp;ved=2ahUKEwjHtOmy2qH8AhXRhv0HHTo4CusQ_AUoAXoECAEQAw&amp;biw=2048&amp;bih=1002&amp;dpr=1.25#imgrc=OscHu9m2eZecXM</a:t>
             </a:r>
@@ -7704,7 +7705,7 @@
                 </a:solidFill>
                 <a:effectLst/>
                 <a:latin typeface="Calibri" panose="020F0502020204030204" pitchFamily="34" charset="0"/>
-                <a:hlinkClick r:id="rId5"/>
+                <a:hlinkClick r:id="rId6"/>
               </a:rPr>
               <a:t>https://www.google.com/search?q=win+flag+png+texture&amp;tbm=isch&amp;ved=2ahUKEwjy_5fOy7X8AhVgricCHWTGD2QQ2-cCegQIABAA&amp;oq=win+flag+png+texture&amp;gs_lcp=CgNpbWcQAzoECCMQJzoECAAQHlCQB1jmG2CFHWgAcAB4AIABqAGIAeQFkgEDOC4xmAEAoAEBqgELZ3dzLXdpei1pbWfAAQE&amp;sclient=img&amp;ei=HHe5Y_KBPODcnsEP5Iy_oAY&amp;bih=1769&amp;biw=1080&amp;rlz=1C1ONGR_deDE997DE997#imgrc=yF_Br-n1BpHnlM</a:t>
             </a:r>
@@ -7737,7 +7738,7 @@
                 </a:solidFill>
                 <a:effectLst/>
                 <a:latin typeface="Calibri" panose="020F0502020204030204" pitchFamily="34" charset="0"/>
-                <a:hlinkClick r:id="rId6"/>
+                <a:hlinkClick r:id="rId7"/>
               </a:rPr>
               <a:t>https://freesound.org/people/milton./sounds/69130/</a:t>
             </a:r>
@@ -7763,7 +7764,7 @@
                 </a:solidFill>
                 <a:effectLst/>
                 <a:latin typeface="Calibri" panose="020F0502020204030204" pitchFamily="34" charset="0"/>
-                <a:hlinkClick r:id="rId7"/>
+                <a:hlinkClick r:id="rId8"/>
               </a:rPr>
               <a:t>https://freesound.org/people/xtrgamr/sounds/243644/</a:t>
             </a:r>
@@ -7789,7 +7790,7 @@
                 </a:solidFill>
                 <a:effectLst/>
                 <a:latin typeface="Calibri" panose="020F0502020204030204" pitchFamily="34" charset="0"/>
-                <a:hlinkClick r:id="rId8"/>
+                <a:hlinkClick r:id="rId9"/>
               </a:rPr>
               <a:t>https://freesound.org/people/Joao_Janz/sounds/482653/</a:t>
             </a:r>
@@ -7815,7 +7816,7 @@
                 </a:solidFill>
                 <a:effectLst/>
                 <a:latin typeface="Calibri" panose="020F0502020204030204" pitchFamily="34" charset="0"/>
-                <a:hlinkClick r:id="rId9"/>
+                <a:hlinkClick r:id="rId10"/>
               </a:rPr>
               <a:t>https://freesound.org/people/rhodesmas/sounds/320672/</a:t>
             </a:r>
@@ -7841,7 +7842,7 @@
                 </a:solidFill>
                 <a:effectLst/>
                 <a:latin typeface="Calibri" panose="020F0502020204030204" pitchFamily="34" charset="0"/>
-                <a:hlinkClick r:id="rId10"/>
+                <a:hlinkClick r:id="rId11"/>
               </a:rPr>
               <a:t>https://freesound.org/people/steel2008/sounds/231277/</a:t>
             </a:r>
@@ -7861,15 +7862,59 @@
               <a:buNone/>
             </a:pPr>
             <a:r>
+              <a:rPr lang="en-US" sz="900" u="sng" dirty="0">
+                <a:solidFill>
+                  <a:srgbClr val="0563C1"/>
+                </a:solidFill>
+                <a:latin typeface="Calibri" panose="020F0502020204030204" pitchFamily="34" charset="0"/>
+                <a:hlinkClick r:id="rId12"/>
+              </a:rPr>
+              <a:t>https://freesound.org/people/gis_sweden/sounds/651797/</a:t>
+            </a:r>
+            <a:endParaRPr lang="en-US" sz="900" b="0" i="0" dirty="0">
+              <a:solidFill>
+                <a:srgbClr val="000000"/>
+              </a:solidFill>
+              <a:effectLst/>
+              <a:latin typeface="Calibri" panose="020F0502020204030204" pitchFamily="34" charset="0"/>
+            </a:endParaRPr>
+          </a:p>
+          <a:p>
+            <a:pPr marL="0" indent="0" algn="l" rtl="0" fontAlgn="base">
+              <a:buNone/>
+            </a:pPr>
+            <a:r>
+              <a:rPr lang="en-US" sz="900" i="1" dirty="0">
+                <a:solidFill>
+                  <a:srgbClr val="0070C0"/>
+                </a:solidFill>
+                <a:latin typeface="Calibri" panose="020F0502020204030204" pitchFamily="34" charset="0"/>
+                <a:hlinkClick r:id="rId13"/>
+              </a:rPr>
+              <a:t>https://mixkit.co/free-sound-effects/lose/</a:t>
+            </a:r>
+            <a:endParaRPr lang="en-US" sz="900" b="0" i="0" dirty="0">
+              <a:solidFill>
+                <a:srgbClr val="0070C0"/>
+              </a:solidFill>
+              <a:effectLst/>
+              <a:latin typeface="Segoe UI" panose="020B0502040204020203" pitchFamily="34" charset="0"/>
+            </a:endParaRPr>
+          </a:p>
+          <a:p>
+            <a:pPr marL="0" indent="0" algn="l" rtl="0" fontAlgn="base">
+              <a:buNone/>
+            </a:pPr>
+            <a:r>
               <a:rPr lang="en-US" sz="900" b="0" i="0" u="sng" strike="noStrike" dirty="0">
                 <a:solidFill>
                   <a:srgbClr val="0563C1"/>
                 </a:solidFill>
                 <a:effectLst/>
                 <a:latin typeface="Calibri" panose="020F0502020204030204" pitchFamily="34" charset="0"/>
-                <a:hlinkClick r:id="rId11"/>
+                <a:hlinkClick r:id="rId14"/>
               </a:rPr>
-              <a:t>https://freesound.org/people/gis_sweden/sounds/651797/</a:t>
+              <a:t>https://www.fernsehserien.de/murmel-mania</a:t>
             </a:r>
             <a:r>
               <a:rPr lang="en-US" sz="900" b="0" i="0" dirty="0">
@@ -7881,21 +7926,6 @@
               </a:rPr>
               <a:t> </a:t>
             </a:r>
-          </a:p>
-          <a:p>
-            <a:pPr marL="0" indent="0" algn="l" rtl="0" fontAlgn="base">
-              <a:buNone/>
-            </a:pPr>
-            <a:r>
-              <a:rPr lang="en-US" sz="900" b="0" i="0" dirty="0">
-                <a:solidFill>
-                  <a:srgbClr val="000000"/>
-                </a:solidFill>
-                <a:effectLst/>
-                <a:latin typeface="Calibri" panose="020F0502020204030204" pitchFamily="34" charset="0"/>
-              </a:rPr>
-              <a:t>  </a:t>
-            </a:r>
             <a:endParaRPr lang="en-US" sz="900" b="0" i="0" dirty="0">
               <a:solidFill>
                 <a:srgbClr val="000000"/>
@@ -7915,9 +7945,9 @@
                 </a:solidFill>
                 <a:effectLst/>
                 <a:latin typeface="Calibri" panose="020F0502020204030204" pitchFamily="34" charset="0"/>
-                <a:hlinkClick r:id="rId12"/>
+                <a:hlinkClick r:id="rId15"/>
               </a:rPr>
-              <a:t>https://www.fernsehserien.de/murmel-mania</a:t>
+              <a:t>https://www.google.com/search?q=murmel+mania&amp;rlz=1C1ONGR_deDE997DE997&amp;sxsrf=AJOqlzWT1d13u-byG6w7xhfCZpb-U41ESQ:1673812445454&amp;source=lnms&amp;tbm=isch&amp;sa=X&amp;ved=2ahUKEwjFi-2hrcr8AhUAQPEDHYj0BQoQ_AUoA3oECAMQBQ&amp;biw=2048&amp;bih=1002&amp;dpr=1.25#imgrc=0tUJqG2asnMFlM</a:t>
             </a:r>
             <a:r>
               <a:rPr lang="en-US" sz="900" b="0" i="0" dirty="0">
@@ -7942,48 +7972,28 @@
               <a:buNone/>
             </a:pPr>
             <a:r>
-              <a:rPr lang="en-US" sz="900" b="0" i="0" u="sng" strike="noStrike" dirty="0">
-                <a:solidFill>
-                  <a:srgbClr val="0563C1"/>
-                </a:solidFill>
-                <a:effectLst/>
-                <a:latin typeface="Calibri" panose="020F0502020204030204" pitchFamily="34" charset="0"/>
-                <a:hlinkClick r:id="rId13"/>
-              </a:rPr>
-              <a:t>https://www.google.com/search?q=murmel+mania&amp;rlz=1C1ONGR_deDE997DE997&amp;sxsrf=AJOqlzWT1d13u-byG6w7xhfCZpb-U41ESQ:1673812445454&amp;source=lnms&amp;tbm=isch&amp;sa=X&amp;ved=2ahUKEwjFi-2hrcr8AhUAQPEDHYj0BQoQ_AUoA3oECAMQBQ&amp;biw=2048&amp;bih=1002&amp;dpr=1.25#imgrc=0tUJqG2asnMFlM</a:t>
-            </a:r>
-            <a:r>
               <a:rPr lang="en-US" sz="900" b="0" i="0" dirty="0">
                 <a:solidFill>
                   <a:srgbClr val="000000"/>
                 </a:solidFill>
                 <a:effectLst/>
                 <a:latin typeface="Calibri" panose="020F0502020204030204" pitchFamily="34" charset="0"/>
+                <a:hlinkClick r:id="rId16"/>
               </a:rPr>
-              <a:t> </a:t>
+              <a:t>https://content1.promiflash.de/article-images/video_1080/chris-tall-julius-brink-sabrina-mockenhaupt-und-pascal-hens-bei-murmel-mania.jpg</a:t>
             </a:r>
             <a:endParaRPr lang="en-US" sz="900" b="0" i="0" dirty="0">
               <a:solidFill>
                 <a:srgbClr val="000000"/>
               </a:solidFill>
               <a:effectLst/>
-              <a:latin typeface="Segoe UI" panose="020B0502040204020203" pitchFamily="34" charset="0"/>
+              <a:latin typeface="Calibri" panose="020F0502020204030204" pitchFamily="34" charset="0"/>
             </a:endParaRPr>
           </a:p>
           <a:p>
             <a:pPr marL="0" indent="0" algn="l" rtl="0" fontAlgn="base">
               <a:buNone/>
             </a:pPr>
-            <a:r>
-              <a:rPr lang="en-US" sz="900" b="0" i="0" dirty="0">
-                <a:solidFill>
-                  <a:srgbClr val="000000"/>
-                </a:solidFill>
-                <a:effectLst/>
-                <a:latin typeface="Calibri" panose="020F0502020204030204" pitchFamily="34" charset="0"/>
-              </a:rPr>
-              <a:t>https://content1.promiflash.de/article-images/video_1080/chris-tall-julius-brink-sabrina-mockenhaupt-und-pascal-hens-bei-murmel-mania.jpg </a:t>
-            </a:r>
             <a:endParaRPr lang="en-US" sz="900" b="0" i="0" dirty="0">
               <a:solidFill>
                 <a:srgbClr val="000000"/>

--- a/Casino Murmeln Präsentation Dienstag.pptx
+++ b/Casino Murmeln Präsentation Dienstag.pptx
@@ -7540,15 +7540,18 @@
         </p:spPr>
         <p:txBody>
           <a:bodyPr>
-            <a:normAutofit/>
+            <a:normAutofit fontScale="40000" lnSpcReduction="20000"/>
           </a:bodyPr>
           <a:lstStyle/>
           <a:p>
             <a:pPr marL="0" indent="0" algn="l" rtl="0" fontAlgn="base">
+              <a:lnSpc>
+                <a:spcPct val="120000"/>
+              </a:lnSpc>
               <a:buNone/>
             </a:pPr>
             <a:r>
-              <a:rPr lang="en-US" sz="900" b="0" i="0" dirty="0">
+              <a:rPr lang="en-US" sz="1700" b="0" i="0" dirty="0">
                 <a:solidFill>
                   <a:srgbClr val="000000"/>
                 </a:solidFill>
@@ -7558,7 +7561,7 @@
               </a:rPr>
               <a:t>https://youtu.be/CuZkB84YVvk</a:t>
             </a:r>
-            <a:endParaRPr lang="en-US" sz="900" b="0" i="0" dirty="0">
+            <a:endParaRPr lang="en-US" sz="1700" b="0" i="0" dirty="0">
               <a:solidFill>
                 <a:srgbClr val="000000"/>
               </a:solidFill>
@@ -7568,10 +7571,13 @@
           </a:p>
           <a:p>
             <a:pPr marL="0" indent="0" algn="l" rtl="0" fontAlgn="base">
+              <a:lnSpc>
+                <a:spcPct val="120000"/>
+              </a:lnSpc>
               <a:buNone/>
             </a:pPr>
             <a:r>
-              <a:rPr lang="en-US" sz="900" b="0" i="0" u="sng" strike="noStrike" dirty="0">
+              <a:rPr lang="en-US" sz="1700" b="0" i="0" u="sng" strike="noStrike" dirty="0">
                 <a:solidFill>
                   <a:srgbClr val="0563C1"/>
                 </a:solidFill>
@@ -7581,7 +7587,7 @@
               </a:rPr>
               <a:t>https://youtu.be/rudNk-yWEBk</a:t>
             </a:r>
-            <a:endParaRPr lang="en-US" sz="900" u="sng" strike="noStrike" dirty="0">
+            <a:endParaRPr lang="en-US" sz="1700" u="sng" strike="noStrike" dirty="0">
               <a:solidFill>
                 <a:srgbClr val="000000"/>
               </a:solidFill>
@@ -7590,10 +7596,13 @@
           </a:p>
           <a:p>
             <a:pPr marL="0" indent="0" algn="l" rtl="0" fontAlgn="base">
+              <a:lnSpc>
+                <a:spcPct val="120000"/>
+              </a:lnSpc>
               <a:buNone/>
             </a:pPr>
             <a:r>
-              <a:rPr lang="en-US" sz="900" b="0" i="0" u="sng" strike="noStrike" dirty="0">
+              <a:rPr lang="en-US" sz="1700" b="0" i="0" u="sng" strike="noStrike" dirty="0">
                 <a:solidFill>
                   <a:srgbClr val="0563C1"/>
                 </a:solidFill>
@@ -7604,7 +7613,7 @@
               <a:t>https://www.google.com/search?q=roulette+wheel&amp;rlz=1C1ONGR_deDE997DE997&amp;sxsrf=ALiCzsafRQjjPDafOzc5UiQ4F21tWpGkGA:1672415469666&amp;source=lnms&amp;tbm=isch&amp;sa=X&amp;ved=2ahUKEwju0_GP2aH8AhVPecAKHW6UATIQ_AUoAXoECAEQAw&amp;biw=2048&amp;bih=1002&amp;dpr=1.25#imgrc=UeLMFLjSnQS5IM</a:t>
             </a:r>
             <a:r>
-              <a:rPr lang="en-US" sz="900" b="0" i="0" dirty="0">
+              <a:rPr lang="en-US" sz="1700" b="0" i="0" dirty="0">
                 <a:solidFill>
                   <a:srgbClr val="000000"/>
                 </a:solidFill>
@@ -7614,7 +7623,7 @@
               <a:t> ( </a:t>
             </a:r>
             <a:r>
-              <a:rPr lang="en-US" sz="900" b="0" i="0" dirty="0" err="1">
+              <a:rPr lang="en-US" sz="1700" b="0" i="0" dirty="0" err="1">
                 <a:solidFill>
                   <a:srgbClr val="000000"/>
                 </a:solidFill>
@@ -7624,7 +7633,7 @@
               <a:t>als</a:t>
             </a:r>
             <a:r>
-              <a:rPr lang="en-US" sz="900" b="0" i="0" dirty="0">
+              <a:rPr lang="en-US" sz="1700" b="0" i="0" dirty="0">
                 <a:solidFill>
                   <a:srgbClr val="000000"/>
                 </a:solidFill>
@@ -7634,7 +7643,7 @@
               <a:t> </a:t>
             </a:r>
             <a:r>
-              <a:rPr lang="en-US" sz="900" b="0" i="0" dirty="0" err="1">
+              <a:rPr lang="en-US" sz="1700" b="0" i="0" dirty="0" err="1">
                 <a:solidFill>
                   <a:srgbClr val="000000"/>
                 </a:solidFill>
@@ -7644,7 +7653,7 @@
               <a:t>Referenz</a:t>
             </a:r>
             <a:r>
-              <a:rPr lang="en-US" sz="900" b="0" i="0" dirty="0">
+              <a:rPr lang="en-US" sz="1700" b="0" i="0" dirty="0">
                 <a:solidFill>
                   <a:srgbClr val="000000"/>
                 </a:solidFill>
@@ -7653,7 +7662,7 @@
               </a:rPr>
               <a:t>) </a:t>
             </a:r>
-            <a:endParaRPr lang="en-US" sz="900" b="0" i="0" dirty="0">
+            <a:endParaRPr lang="en-US" sz="1700" b="0" i="0" dirty="0">
               <a:solidFill>
                 <a:srgbClr val="000000"/>
               </a:solidFill>
@@ -7663,10 +7672,13 @@
           </a:p>
           <a:p>
             <a:pPr marL="0" indent="0" algn="l" rtl="0" fontAlgn="base">
+              <a:lnSpc>
+                <a:spcPct val="120000"/>
+              </a:lnSpc>
               <a:buNone/>
             </a:pPr>
             <a:r>
-              <a:rPr lang="en-US" sz="900" b="0" i="0" u="sng" strike="noStrike" dirty="0">
+              <a:rPr lang="en-US" sz="1700" b="0" i="0" u="sng" strike="noStrike" dirty="0">
                 <a:solidFill>
                   <a:srgbClr val="0563C1"/>
                 </a:solidFill>
@@ -7677,7 +7689,7 @@
               <a:t>https://www.google.com/search?q=poker+chip&amp;rlz=1C1ONGR_deDE997DE997&amp;sxsrf=ALiCzsa8p6yGyV3DMj-4UaEZCVW05HLQ1w:1672415811370&amp;source=lnms&amp;tbm=isch&amp;sa=X&amp;ved=2ahUKEwjHtOmy2qH8AhXRhv0HHTo4CusQ_AUoAXoECAEQAw&amp;biw=2048&amp;bih=1002&amp;dpr=1.25#imgrc=OscHu9m2eZecXM</a:t>
             </a:r>
             <a:r>
-              <a:rPr lang="en-US" sz="900" b="0" i="0" dirty="0">
+              <a:rPr lang="en-US" sz="1700" b="0" i="0" dirty="0">
                 <a:solidFill>
                   <a:srgbClr val="000000"/>
                 </a:solidFill>
@@ -7686,7 +7698,7 @@
               </a:rPr>
               <a:t> </a:t>
             </a:r>
-            <a:endParaRPr lang="en-US" sz="900" b="0" i="0" dirty="0">
+            <a:endParaRPr lang="en-US" sz="1700" b="0" i="0" dirty="0">
               <a:solidFill>
                 <a:srgbClr val="000000"/>
               </a:solidFill>
@@ -7696,10 +7708,13 @@
           </a:p>
           <a:p>
             <a:pPr marL="0" indent="0" algn="l" rtl="0" fontAlgn="base">
+              <a:lnSpc>
+                <a:spcPct val="120000"/>
+              </a:lnSpc>
               <a:buNone/>
             </a:pPr>
             <a:r>
-              <a:rPr lang="en-US" sz="900" b="0" i="0" u="sng" strike="noStrike" dirty="0">
+              <a:rPr lang="en-US" sz="1700" b="0" i="0" u="sng" strike="noStrike" dirty="0">
                 <a:solidFill>
                   <a:srgbClr val="0563C1"/>
                 </a:solidFill>
@@ -7710,7 +7725,7 @@
               <a:t>https://www.google.com/search?q=win+flag+png+texture&amp;tbm=isch&amp;ved=2ahUKEwjy_5fOy7X8AhVgricCHWTGD2QQ2-cCegQIABAA&amp;oq=win+flag+png+texture&amp;gs_lcp=CgNpbWcQAzoECCMQJzoECAAQHlCQB1jmG2CFHWgAcAB4AIABqAGIAeQFkgEDOC4xmAEAoAEBqgELZ3dzLXdpei1pbWfAAQE&amp;sclient=img&amp;ei=HHe5Y_KBPODcnsEP5Iy_oAY&amp;bih=1769&amp;biw=1080&amp;rlz=1C1ONGR_deDE997DE997#imgrc=yF_Br-n1BpHnlM</a:t>
             </a:r>
             <a:r>
-              <a:rPr lang="en-US" sz="900" b="0" i="0" dirty="0">
+              <a:rPr lang="en-US" sz="1700" b="0" i="0" dirty="0">
                 <a:solidFill>
                   <a:srgbClr val="000000"/>
                 </a:solidFill>
@@ -7719,7 +7734,7 @@
               </a:rPr>
               <a:t>   </a:t>
             </a:r>
-            <a:endParaRPr lang="en-US" sz="900" b="0" i="0" dirty="0">
+            <a:endParaRPr lang="en-US" sz="1700" b="0" i="0" dirty="0">
               <a:solidFill>
                 <a:srgbClr val="000000"/>
               </a:solidFill>
@@ -7729,10 +7744,13 @@
           </a:p>
           <a:p>
             <a:pPr marL="0" indent="0" algn="l" rtl="0" fontAlgn="base">
+              <a:lnSpc>
+                <a:spcPct val="120000"/>
+              </a:lnSpc>
               <a:buNone/>
             </a:pPr>
             <a:r>
-              <a:rPr lang="en-US" sz="900" b="0" i="0" u="sng" strike="noStrike" dirty="0">
+              <a:rPr lang="en-US" sz="1700" b="0" i="0" u="sng" strike="noStrike" dirty="0">
                 <a:solidFill>
                   <a:srgbClr val="0563C1"/>
                 </a:solidFill>
@@ -7743,7 +7761,7 @@
               <a:t>https://freesound.org/people/milton./sounds/69130/</a:t>
             </a:r>
             <a:r>
-              <a:rPr lang="en-US" sz="900" b="0" i="0" dirty="0">
+              <a:rPr lang="en-US" sz="1700" b="0" i="0" dirty="0">
                 <a:solidFill>
                   <a:srgbClr val="000000"/>
                 </a:solidFill>
@@ -7755,10 +7773,13 @@
           </a:p>
           <a:p>
             <a:pPr marL="0" indent="0" algn="l" rtl="0" fontAlgn="base">
+              <a:lnSpc>
+                <a:spcPct val="120000"/>
+              </a:lnSpc>
               <a:buNone/>
             </a:pPr>
             <a:r>
-              <a:rPr lang="en-US" sz="900" b="0" i="0" u="sng" strike="noStrike" dirty="0">
+              <a:rPr lang="en-US" sz="1700" b="0" i="0" u="sng" strike="noStrike" dirty="0">
                 <a:solidFill>
                   <a:srgbClr val="0563C1"/>
                 </a:solidFill>
@@ -7769,7 +7790,7 @@
               <a:t>https://freesound.org/people/xtrgamr/sounds/243644/</a:t>
             </a:r>
             <a:r>
-              <a:rPr lang="en-US" sz="900" b="0" i="0" dirty="0">
+              <a:rPr lang="en-US" sz="1700" b="0" i="0" dirty="0">
                 <a:solidFill>
                   <a:srgbClr val="000000"/>
                 </a:solidFill>
@@ -7781,10 +7802,13 @@
           </a:p>
           <a:p>
             <a:pPr marL="0" indent="0" algn="l" rtl="0" fontAlgn="base">
+              <a:lnSpc>
+                <a:spcPct val="120000"/>
+              </a:lnSpc>
               <a:buNone/>
             </a:pPr>
             <a:r>
-              <a:rPr lang="en-US" sz="900" b="0" i="0" u="sng" strike="noStrike" dirty="0">
+              <a:rPr lang="en-US" sz="1700" b="0" i="0" u="sng" strike="noStrike" dirty="0">
                 <a:solidFill>
                   <a:srgbClr val="0563C1"/>
                 </a:solidFill>
@@ -7795,7 +7819,7 @@
               <a:t>https://freesound.org/people/Joao_Janz/sounds/482653/</a:t>
             </a:r>
             <a:r>
-              <a:rPr lang="en-US" sz="900" b="0" i="0" dirty="0">
+              <a:rPr lang="en-US" sz="1700" b="0" i="0" dirty="0">
                 <a:solidFill>
                   <a:srgbClr val="000000"/>
                 </a:solidFill>
@@ -7807,10 +7831,13 @@
           </a:p>
           <a:p>
             <a:pPr marL="0" indent="0" algn="l" rtl="0" fontAlgn="base">
+              <a:lnSpc>
+                <a:spcPct val="120000"/>
+              </a:lnSpc>
               <a:buNone/>
             </a:pPr>
             <a:r>
-              <a:rPr lang="en-US" sz="900" b="0" i="0" u="sng" strike="noStrike" dirty="0">
+              <a:rPr lang="en-US" sz="1700" b="0" i="0" u="sng" strike="noStrike" dirty="0">
                 <a:solidFill>
                   <a:srgbClr val="0563C1"/>
                 </a:solidFill>
@@ -7821,7 +7848,7 @@
               <a:t>https://freesound.org/people/rhodesmas/sounds/320672/</a:t>
             </a:r>
             <a:r>
-              <a:rPr lang="en-US" sz="900" b="0" i="0" dirty="0">
+              <a:rPr lang="en-US" sz="1700" b="0" i="0" dirty="0">
                 <a:solidFill>
                   <a:srgbClr val="000000"/>
                 </a:solidFill>
@@ -7833,10 +7860,13 @@
           </a:p>
           <a:p>
             <a:pPr marL="0" indent="0" algn="l" rtl="0" fontAlgn="base">
+              <a:lnSpc>
+                <a:spcPct val="120000"/>
+              </a:lnSpc>
               <a:buNone/>
             </a:pPr>
             <a:r>
-              <a:rPr lang="en-US" sz="900" b="0" i="0" u="sng" strike="noStrike" dirty="0">
+              <a:rPr lang="en-US" sz="1700" b="0" i="0" u="sng" strike="noStrike" dirty="0">
                 <a:solidFill>
                   <a:srgbClr val="0563C1"/>
                 </a:solidFill>
@@ -7847,7 +7877,7 @@
               <a:t>https://freesound.org/people/steel2008/sounds/231277/</a:t>
             </a:r>
             <a:r>
-              <a:rPr lang="en-US" sz="900" b="0" i="0" dirty="0">
+              <a:rPr lang="en-US" sz="1700" b="0" i="0" dirty="0">
                 <a:solidFill>
                   <a:srgbClr val="000000"/>
                 </a:solidFill>
@@ -7859,10 +7889,13 @@
           </a:p>
           <a:p>
             <a:pPr marL="0" indent="0" algn="l" rtl="0" fontAlgn="base">
+              <a:lnSpc>
+                <a:spcPct val="120000"/>
+              </a:lnSpc>
               <a:buNone/>
             </a:pPr>
             <a:r>
-              <a:rPr lang="en-US" sz="900" u="sng" dirty="0">
+              <a:rPr lang="en-US" sz="1700" u="sng" dirty="0">
                 <a:solidFill>
                   <a:srgbClr val="0563C1"/>
                 </a:solidFill>
@@ -7871,7 +7904,7 @@
               </a:rPr>
               <a:t>https://freesound.org/people/gis_sweden/sounds/651797/</a:t>
             </a:r>
-            <a:endParaRPr lang="en-US" sz="900" b="0" i="0" dirty="0">
+            <a:endParaRPr lang="en-US" sz="1700" b="0" i="0" dirty="0">
               <a:solidFill>
                 <a:srgbClr val="000000"/>
               </a:solidFill>
@@ -7881,10 +7914,13 @@
           </a:p>
           <a:p>
             <a:pPr marL="0" indent="0" algn="l" rtl="0" fontAlgn="base">
+              <a:lnSpc>
+                <a:spcPct val="120000"/>
+              </a:lnSpc>
               <a:buNone/>
             </a:pPr>
             <a:r>
-              <a:rPr lang="en-US" sz="900" i="1" dirty="0">
+              <a:rPr lang="en-US" sz="1700" i="1" dirty="0">
                 <a:solidFill>
                   <a:srgbClr val="0070C0"/>
                 </a:solidFill>
@@ -7893,7 +7929,7 @@
               </a:rPr>
               <a:t>https://mixkit.co/free-sound-effects/lose/</a:t>
             </a:r>
-            <a:endParaRPr lang="en-US" sz="900" b="0" i="0" dirty="0">
+            <a:endParaRPr lang="en-US" sz="1700" b="0" i="0" dirty="0">
               <a:solidFill>
                 <a:srgbClr val="0070C0"/>
               </a:solidFill>
@@ -7903,10 +7939,13 @@
           </a:p>
           <a:p>
             <a:pPr marL="0" indent="0" algn="l" rtl="0" fontAlgn="base">
+              <a:lnSpc>
+                <a:spcPct val="120000"/>
+              </a:lnSpc>
               <a:buNone/>
             </a:pPr>
             <a:r>
-              <a:rPr lang="en-US" sz="900" b="0" i="0" u="sng" strike="noStrike" dirty="0">
+              <a:rPr lang="en-US" sz="1700" b="0" i="0" u="sng" strike="noStrike" dirty="0">
                 <a:solidFill>
                   <a:srgbClr val="0563C1"/>
                 </a:solidFill>
@@ -7917,7 +7956,7 @@
               <a:t>https://www.fernsehserien.de/murmel-mania</a:t>
             </a:r>
             <a:r>
-              <a:rPr lang="en-US" sz="900" b="0" i="0" dirty="0">
+              <a:rPr lang="en-US" sz="1700" b="0" i="0" dirty="0">
                 <a:solidFill>
                   <a:srgbClr val="000000"/>
                 </a:solidFill>
@@ -7926,7 +7965,7 @@
               </a:rPr>
               <a:t> </a:t>
             </a:r>
-            <a:endParaRPr lang="en-US" sz="900" b="0" i="0" dirty="0">
+            <a:endParaRPr lang="en-US" sz="1700" b="0" i="0" dirty="0">
               <a:solidFill>
                 <a:srgbClr val="000000"/>
               </a:solidFill>
@@ -7936,10 +7975,13 @@
           </a:p>
           <a:p>
             <a:pPr marL="0" indent="0" algn="l" rtl="0" fontAlgn="base">
+              <a:lnSpc>
+                <a:spcPct val="120000"/>
+              </a:lnSpc>
               <a:buNone/>
             </a:pPr>
             <a:r>
-              <a:rPr lang="en-US" sz="900" b="0" i="0" u="sng" strike="noStrike" dirty="0">
+              <a:rPr lang="en-US" sz="1700" b="0" i="0" u="sng" strike="noStrike" dirty="0">
                 <a:solidFill>
                   <a:srgbClr val="0563C1"/>
                 </a:solidFill>
@@ -7950,7 +7992,7 @@
               <a:t>https://www.google.com/search?q=murmel+mania&amp;rlz=1C1ONGR_deDE997DE997&amp;sxsrf=AJOqlzWT1d13u-byG6w7xhfCZpb-U41ESQ:1673812445454&amp;source=lnms&amp;tbm=isch&amp;sa=X&amp;ved=2ahUKEwjFi-2hrcr8AhUAQPEDHYj0BQoQ_AUoA3oECAMQBQ&amp;biw=2048&amp;bih=1002&amp;dpr=1.25#imgrc=0tUJqG2asnMFlM</a:t>
             </a:r>
             <a:r>
-              <a:rPr lang="en-US" sz="900" b="0" i="0" dirty="0">
+              <a:rPr lang="en-US" sz="1700" b="0" i="0" dirty="0">
                 <a:solidFill>
                   <a:srgbClr val="000000"/>
                 </a:solidFill>
@@ -7959,7 +8001,7 @@
               </a:rPr>
               <a:t> </a:t>
             </a:r>
-            <a:endParaRPr lang="en-US" sz="900" b="0" i="0" dirty="0">
+            <a:endParaRPr lang="en-US" sz="1700" b="0" i="0" dirty="0">
               <a:solidFill>
                 <a:srgbClr val="000000"/>
               </a:solidFill>
@@ -7969,10 +8011,13 @@
           </a:p>
           <a:p>
             <a:pPr marL="0" indent="0" algn="l" rtl="0" fontAlgn="base">
+              <a:lnSpc>
+                <a:spcPct val="120000"/>
+              </a:lnSpc>
               <a:buNone/>
             </a:pPr>
             <a:r>
-              <a:rPr lang="en-US" sz="900" b="0" i="0" dirty="0">
+              <a:rPr lang="en-US" sz="1700" b="0" i="0" dirty="0">
                 <a:solidFill>
                   <a:srgbClr val="000000"/>
                 </a:solidFill>
@@ -7982,6 +8027,120 @@
               </a:rPr>
               <a:t>https://content1.promiflash.de/article-images/video_1080/chris-tall-julius-brink-sabrina-mockenhaupt-und-pascal-hens-bei-murmel-mania.jpg</a:t>
             </a:r>
+            <a:endParaRPr lang="en-US" sz="1700" b="0" i="0" dirty="0">
+              <a:solidFill>
+                <a:srgbClr val="000000"/>
+              </a:solidFill>
+              <a:effectLst/>
+              <a:latin typeface="Calibri" panose="020F0502020204030204" pitchFamily="34" charset="0"/>
+            </a:endParaRPr>
+          </a:p>
+          <a:p>
+            <a:pPr marL="0" indent="0">
+              <a:lnSpc>
+                <a:spcPct val="120000"/>
+              </a:lnSpc>
+              <a:spcAft>
+                <a:spcPts val="800"/>
+              </a:spcAft>
+              <a:buNone/>
+            </a:pPr>
+            <a:r>
+              <a:rPr lang="de-DE" sz="1700" u="sng" dirty="0">
+                <a:solidFill>
+                  <a:srgbClr val="0563C1"/>
+                </a:solidFill>
+                <a:effectLst/>
+                <a:latin typeface="Calibri" panose="020F0502020204030204" pitchFamily="34" charset="0"/>
+                <a:ea typeface="Calibri" panose="020F0502020204030204" pitchFamily="34" charset="0"/>
+                <a:cs typeface="Times New Roman" panose="02020603050405020304" pitchFamily="18" charset="0"/>
+                <a:hlinkClick r:id="rId17"/>
+              </a:rPr>
+              <a:t>https://www.sueddeutsche.de/image/sz.1.4502474/704x396?v=1561640938</a:t>
+            </a:r>
+            <a:endParaRPr lang="de-DE" sz="1700" dirty="0">
+              <a:effectLst/>
+              <a:latin typeface="Calibri" panose="020F0502020204030204" pitchFamily="34" charset="0"/>
+              <a:ea typeface="Calibri" panose="020F0502020204030204" pitchFamily="34" charset="0"/>
+              <a:cs typeface="Times New Roman" panose="02020603050405020304" pitchFamily="18" charset="0"/>
+            </a:endParaRPr>
+          </a:p>
+          <a:p>
+            <a:pPr marL="0" indent="0">
+              <a:lnSpc>
+                <a:spcPct val="120000"/>
+              </a:lnSpc>
+              <a:spcAft>
+                <a:spcPts val="800"/>
+              </a:spcAft>
+              <a:buNone/>
+            </a:pPr>
+            <a:r>
+              <a:rPr lang="de-DE" sz="1700" u="sng" dirty="0">
+                <a:solidFill>
+                  <a:srgbClr val="0563C1"/>
+                </a:solidFill>
+                <a:effectLst/>
+                <a:latin typeface="Calibri" panose="020F0502020204030204" pitchFamily="34" charset="0"/>
+                <a:ea typeface="Calibri" panose="020F0502020204030204" pitchFamily="34" charset="0"/>
+                <a:cs typeface="Times New Roman" panose="02020603050405020304" pitchFamily="18" charset="0"/>
+                <a:hlinkClick r:id="rId18"/>
+              </a:rPr>
+              <a:t>https://live.staticflickr.com/8464/8364280903_ccec556511_b.jpg</a:t>
+            </a:r>
+            <a:endParaRPr lang="de-DE" sz="1700" u="sng" dirty="0">
+              <a:solidFill>
+                <a:srgbClr val="0563C1"/>
+              </a:solidFill>
+              <a:effectLst/>
+              <a:latin typeface="Calibri" panose="020F0502020204030204" pitchFamily="34" charset="0"/>
+              <a:ea typeface="Calibri" panose="020F0502020204030204" pitchFamily="34" charset="0"/>
+              <a:cs typeface="Times New Roman" panose="02020603050405020304" pitchFamily="18" charset="0"/>
+            </a:endParaRPr>
+          </a:p>
+          <a:p>
+            <a:pPr marL="0" indent="0">
+              <a:lnSpc>
+                <a:spcPct val="120000"/>
+              </a:lnSpc>
+              <a:spcAft>
+                <a:spcPts val="800"/>
+              </a:spcAft>
+              <a:buNone/>
+            </a:pPr>
+            <a:r>
+              <a:rPr lang="de-DE" sz="1700" dirty="0">
+                <a:effectLst/>
+                <a:latin typeface="Calibri" panose="020F0502020204030204" pitchFamily="34" charset="0"/>
+                <a:ea typeface="Calibri" panose="020F0502020204030204" pitchFamily="34" charset="0"/>
+                <a:cs typeface="Times New Roman" panose="02020603050405020304" pitchFamily="18" charset="0"/>
+              </a:rPr>
+              <a:t>kostenlose Hintergrundfotos von </a:t>
+            </a:r>
+            <a:r>
+              <a:rPr lang="de-DE" sz="1700" u="sng" dirty="0">
+                <a:solidFill>
+                  <a:srgbClr val="0563C1"/>
+                </a:solidFill>
+                <a:effectLst/>
+                <a:latin typeface="Calibri" panose="020F0502020204030204" pitchFamily="34" charset="0"/>
+                <a:ea typeface="Calibri" panose="020F0502020204030204" pitchFamily="34" charset="0"/>
+                <a:cs typeface="Times New Roman" panose="02020603050405020304" pitchFamily="18" charset="0"/>
+                <a:hlinkClick r:id="rId19"/>
+              </a:rPr>
+              <a:t>https://de.pngtree.com/freebackground/red-and-casino-card-illustration-background-design_1491728.html?sol=downref&amp;id=bef</a:t>
+            </a:r>
+            <a:endParaRPr lang="de-DE" sz="1700" dirty="0">
+              <a:effectLst/>
+              <a:latin typeface="Calibri" panose="020F0502020204030204" pitchFamily="34" charset="0"/>
+              <a:ea typeface="Calibri" panose="020F0502020204030204" pitchFamily="34" charset="0"/>
+              <a:cs typeface="Times New Roman" panose="02020603050405020304" pitchFamily="18" charset="0"/>
+            </a:endParaRPr>
+          </a:p>
+          <a:p>
+            <a:pPr marL="0" indent="0" algn="l" rtl="0" fontAlgn="base">
+              <a:buNone/>
+            </a:pPr>
             <a:endParaRPr lang="en-US" sz="900" b="0" i="0" dirty="0">
               <a:solidFill>
                 <a:srgbClr val="000000"/>

--- a/Casino Murmeln Präsentation Dienstag.pptx
+++ b/Casino Murmeln Präsentation Dienstag.pptx
@@ -303,7 +303,7 @@
           <a:p>
             <a:fld id="{D689E641-CA97-4319-9345-929272670F97}" type="datetimeFigureOut">
               <a:rPr lang="de-DE" smtClean="0"/>
-              <a:t>16.01.2023</a:t>
+              <a:t>20.01.2023</a:t>
             </a:fld>
             <a:endParaRPr lang="de-DE"/>
           </a:p>
@@ -578,7 +578,7 @@
           <a:p>
             <a:fld id="{D689E641-CA97-4319-9345-929272670F97}" type="datetimeFigureOut">
               <a:rPr lang="de-DE" smtClean="0"/>
-              <a:t>16.01.2023</a:t>
+              <a:t>20.01.2023</a:t>
             </a:fld>
             <a:endParaRPr lang="de-DE"/>
           </a:p>
@@ -772,7 +772,7 @@
           <a:p>
             <a:fld id="{D689E641-CA97-4319-9345-929272670F97}" type="datetimeFigureOut">
               <a:rPr lang="de-DE" smtClean="0"/>
-              <a:t>16.01.2023</a:t>
+              <a:t>20.01.2023</a:t>
             </a:fld>
             <a:endParaRPr lang="de-DE"/>
           </a:p>
@@ -1045,7 +1045,7 @@
           <a:p>
             <a:fld id="{D689E641-CA97-4319-9345-929272670F97}" type="datetimeFigureOut">
               <a:rPr lang="de-DE" smtClean="0"/>
-              <a:t>16.01.2023</a:t>
+              <a:t>20.01.2023</a:t>
             </a:fld>
             <a:endParaRPr lang="de-DE"/>
           </a:p>
@@ -1386,7 +1386,7 @@
           <a:p>
             <a:fld id="{D689E641-CA97-4319-9345-929272670F97}" type="datetimeFigureOut">
               <a:rPr lang="de-DE" smtClean="0"/>
-              <a:t>16.01.2023</a:t>
+              <a:t>20.01.2023</a:t>
             </a:fld>
             <a:endParaRPr lang="de-DE"/>
           </a:p>
@@ -2009,7 +2009,7 @@
           <a:p>
             <a:fld id="{D689E641-CA97-4319-9345-929272670F97}" type="datetimeFigureOut">
               <a:rPr lang="de-DE" smtClean="0"/>
-              <a:t>16.01.2023</a:t>
+              <a:t>20.01.2023</a:t>
             </a:fld>
             <a:endParaRPr lang="de-DE"/>
           </a:p>
@@ -2869,7 +2869,7 @@
           <a:p>
             <a:fld id="{D689E641-CA97-4319-9345-929272670F97}" type="datetimeFigureOut">
               <a:rPr lang="de-DE" smtClean="0"/>
-              <a:t>16.01.2023</a:t>
+              <a:t>20.01.2023</a:t>
             </a:fld>
             <a:endParaRPr lang="de-DE"/>
           </a:p>
@@ -3039,7 +3039,7 @@
           <a:p>
             <a:fld id="{D689E641-CA97-4319-9345-929272670F97}" type="datetimeFigureOut">
               <a:rPr lang="de-DE" smtClean="0"/>
-              <a:t>16.01.2023</a:t>
+              <a:t>20.01.2023</a:t>
             </a:fld>
             <a:endParaRPr lang="de-DE"/>
           </a:p>
@@ -3219,7 +3219,7 @@
           <a:p>
             <a:fld id="{D689E641-CA97-4319-9345-929272670F97}" type="datetimeFigureOut">
               <a:rPr lang="de-DE" smtClean="0"/>
-              <a:t>16.01.2023</a:t>
+              <a:t>20.01.2023</a:t>
             </a:fld>
             <a:endParaRPr lang="de-DE"/>
           </a:p>
@@ -3389,7 +3389,7 @@
           <a:p>
             <a:fld id="{D689E641-CA97-4319-9345-929272670F97}" type="datetimeFigureOut">
               <a:rPr lang="de-DE" smtClean="0"/>
-              <a:t>16.01.2023</a:t>
+              <a:t>20.01.2023</a:t>
             </a:fld>
             <a:endParaRPr lang="de-DE"/>
           </a:p>
@@ -3636,7 +3636,7 @@
           <a:p>
             <a:fld id="{D689E641-CA97-4319-9345-929272670F97}" type="datetimeFigureOut">
               <a:rPr lang="de-DE" smtClean="0"/>
-              <a:t>16.01.2023</a:t>
+              <a:t>20.01.2023</a:t>
             </a:fld>
             <a:endParaRPr lang="de-DE"/>
           </a:p>
@@ -3928,7 +3928,7 @@
           <a:p>
             <a:fld id="{D689E641-CA97-4319-9345-929272670F97}" type="datetimeFigureOut">
               <a:rPr lang="de-DE" smtClean="0"/>
-              <a:t>16.01.2023</a:t>
+              <a:t>20.01.2023</a:t>
             </a:fld>
             <a:endParaRPr lang="de-DE"/>
           </a:p>
@@ -4372,7 +4372,7 @@
           <a:p>
             <a:fld id="{D689E641-CA97-4319-9345-929272670F97}" type="datetimeFigureOut">
               <a:rPr lang="de-DE" smtClean="0"/>
-              <a:t>16.01.2023</a:t>
+              <a:t>20.01.2023</a:t>
             </a:fld>
             <a:endParaRPr lang="de-DE"/>
           </a:p>
@@ -4490,7 +4490,7 @@
           <a:p>
             <a:fld id="{D689E641-CA97-4319-9345-929272670F97}" type="datetimeFigureOut">
               <a:rPr lang="de-DE" smtClean="0"/>
-              <a:t>16.01.2023</a:t>
+              <a:t>20.01.2023</a:t>
             </a:fld>
             <a:endParaRPr lang="de-DE"/>
           </a:p>
@@ -4585,7 +4585,7 @@
           <a:p>
             <a:fld id="{D689E641-CA97-4319-9345-929272670F97}" type="datetimeFigureOut">
               <a:rPr lang="de-DE" smtClean="0"/>
-              <a:t>16.01.2023</a:t>
+              <a:t>20.01.2023</a:t>
             </a:fld>
             <a:endParaRPr lang="de-DE"/>
           </a:p>
@@ -4864,7 +4864,7 @@
           <a:p>
             <a:fld id="{D689E641-CA97-4319-9345-929272670F97}" type="datetimeFigureOut">
               <a:rPr lang="de-DE" smtClean="0"/>
-              <a:t>16.01.2023</a:t>
+              <a:t>20.01.2023</a:t>
             </a:fld>
             <a:endParaRPr lang="de-DE"/>
           </a:p>
@@ -5139,7 +5139,7 @@
           <a:p>
             <a:fld id="{D689E641-CA97-4319-9345-929272670F97}" type="datetimeFigureOut">
               <a:rPr lang="de-DE" smtClean="0"/>
-              <a:t>16.01.2023</a:t>
+              <a:t>20.01.2023</a:t>
             </a:fld>
             <a:endParaRPr lang="de-DE"/>
           </a:p>
@@ -5568,7 +5568,7 @@
           <a:p>
             <a:fld id="{D689E641-CA97-4319-9345-929272670F97}" type="datetimeFigureOut">
               <a:rPr lang="de-DE" smtClean="0"/>
-              <a:t>16.01.2023</a:t>
+              <a:t>20.01.2023</a:t>
             </a:fld>
             <a:endParaRPr lang="de-DE"/>
           </a:p>
@@ -7540,7 +7540,7 @@
         </p:spPr>
         <p:txBody>
           <a:bodyPr>
-            <a:normAutofit fontScale="40000" lnSpcReduction="20000"/>
+            <a:normAutofit fontScale="32500" lnSpcReduction="20000"/>
           </a:bodyPr>
           <a:lstStyle/>
           <a:p>
@@ -8130,6 +8130,53 @@
               </a:rPr>
               <a:t>https://de.pngtree.com/freebackground/red-and-casino-card-illustration-background-design_1491728.html?sol=downref&amp;id=bef</a:t>
             </a:r>
+            <a:endParaRPr lang="de-DE" sz="1700" u="sng" dirty="0">
+              <a:solidFill>
+                <a:srgbClr val="0563C1"/>
+              </a:solidFill>
+              <a:effectLst/>
+              <a:latin typeface="Calibri" panose="020F0502020204030204" pitchFamily="34" charset="0"/>
+              <a:ea typeface="Calibri" panose="020F0502020204030204" pitchFamily="34" charset="0"/>
+              <a:cs typeface="Times New Roman" panose="02020603050405020304" pitchFamily="18" charset="0"/>
+            </a:endParaRPr>
+          </a:p>
+          <a:p>
+            <a:pPr marL="0" indent="0">
+              <a:lnSpc>
+                <a:spcPct val="120000"/>
+              </a:lnSpc>
+              <a:spcAft>
+                <a:spcPts val="800"/>
+              </a:spcAft>
+              <a:buNone/>
+            </a:pPr>
+            <a:r>
+              <a:rPr lang="de-DE" sz="1700">
+                <a:effectLst/>
+                <a:latin typeface="Calibri" panose="020F0502020204030204" pitchFamily="34" charset="0"/>
+                <a:ea typeface="Calibri" panose="020F0502020204030204" pitchFamily="34" charset="0"/>
+                <a:cs typeface="Times New Roman" panose="02020603050405020304" pitchFamily="18" charset="0"/>
+                <a:hlinkClick r:id="rId20"/>
+              </a:rPr>
+              <a:t>https://www.kenney.nl/assets/kenney-fonts</a:t>
+            </a:r>
+            <a:endParaRPr lang="de-DE" sz="1700">
+              <a:effectLst/>
+              <a:latin typeface="Calibri" panose="020F0502020204030204" pitchFamily="34" charset="0"/>
+              <a:ea typeface="Calibri" panose="020F0502020204030204" pitchFamily="34" charset="0"/>
+              <a:cs typeface="Times New Roman" panose="02020603050405020304" pitchFamily="18" charset="0"/>
+            </a:endParaRPr>
+          </a:p>
+          <a:p>
+            <a:pPr marL="0" indent="0">
+              <a:lnSpc>
+                <a:spcPct val="120000"/>
+              </a:lnSpc>
+              <a:spcAft>
+                <a:spcPts val="800"/>
+              </a:spcAft>
+              <a:buNone/>
+            </a:pPr>
             <a:endParaRPr lang="de-DE" sz="1700" dirty="0">
               <a:effectLst/>
               <a:latin typeface="Calibri" panose="020F0502020204030204" pitchFamily="34" charset="0"/>

--- a/Casino Murmeln Präsentation Dienstag.pptx
+++ b/Casino Murmeln Präsentation Dienstag.pptx
@@ -303,7 +303,7 @@
           <a:p>
             <a:fld id="{D689E641-CA97-4319-9345-929272670F97}" type="datetimeFigureOut">
               <a:rPr lang="de-DE" smtClean="0"/>
-              <a:t>20.01.2023</a:t>
+              <a:t>21.01.2023</a:t>
             </a:fld>
             <a:endParaRPr lang="de-DE"/>
           </a:p>
@@ -578,7 +578,7 @@
           <a:p>
             <a:fld id="{D689E641-CA97-4319-9345-929272670F97}" type="datetimeFigureOut">
               <a:rPr lang="de-DE" smtClean="0"/>
-              <a:t>20.01.2023</a:t>
+              <a:t>21.01.2023</a:t>
             </a:fld>
             <a:endParaRPr lang="de-DE"/>
           </a:p>
@@ -772,7 +772,7 @@
           <a:p>
             <a:fld id="{D689E641-CA97-4319-9345-929272670F97}" type="datetimeFigureOut">
               <a:rPr lang="de-DE" smtClean="0"/>
-              <a:t>20.01.2023</a:t>
+              <a:t>21.01.2023</a:t>
             </a:fld>
             <a:endParaRPr lang="de-DE"/>
           </a:p>
@@ -1045,7 +1045,7 @@
           <a:p>
             <a:fld id="{D689E641-CA97-4319-9345-929272670F97}" type="datetimeFigureOut">
               <a:rPr lang="de-DE" smtClean="0"/>
-              <a:t>20.01.2023</a:t>
+              <a:t>21.01.2023</a:t>
             </a:fld>
             <a:endParaRPr lang="de-DE"/>
           </a:p>
@@ -1386,7 +1386,7 @@
           <a:p>
             <a:fld id="{D689E641-CA97-4319-9345-929272670F97}" type="datetimeFigureOut">
               <a:rPr lang="de-DE" smtClean="0"/>
-              <a:t>20.01.2023</a:t>
+              <a:t>21.01.2023</a:t>
             </a:fld>
             <a:endParaRPr lang="de-DE"/>
           </a:p>
@@ -2009,7 +2009,7 @@
           <a:p>
             <a:fld id="{D689E641-CA97-4319-9345-929272670F97}" type="datetimeFigureOut">
               <a:rPr lang="de-DE" smtClean="0"/>
-              <a:t>20.01.2023</a:t>
+              <a:t>21.01.2023</a:t>
             </a:fld>
             <a:endParaRPr lang="de-DE"/>
           </a:p>
@@ -2869,7 +2869,7 @@
           <a:p>
             <a:fld id="{D689E641-CA97-4319-9345-929272670F97}" type="datetimeFigureOut">
               <a:rPr lang="de-DE" smtClean="0"/>
-              <a:t>20.01.2023</a:t>
+              <a:t>21.01.2023</a:t>
             </a:fld>
             <a:endParaRPr lang="de-DE"/>
           </a:p>
@@ -3039,7 +3039,7 @@
           <a:p>
             <a:fld id="{D689E641-CA97-4319-9345-929272670F97}" type="datetimeFigureOut">
               <a:rPr lang="de-DE" smtClean="0"/>
-              <a:t>20.01.2023</a:t>
+              <a:t>21.01.2023</a:t>
             </a:fld>
             <a:endParaRPr lang="de-DE"/>
           </a:p>
@@ -3219,7 +3219,7 @@
           <a:p>
             <a:fld id="{D689E641-CA97-4319-9345-929272670F97}" type="datetimeFigureOut">
               <a:rPr lang="de-DE" smtClean="0"/>
-              <a:t>20.01.2023</a:t>
+              <a:t>21.01.2023</a:t>
             </a:fld>
             <a:endParaRPr lang="de-DE"/>
           </a:p>
@@ -3389,7 +3389,7 @@
           <a:p>
             <a:fld id="{D689E641-CA97-4319-9345-929272670F97}" type="datetimeFigureOut">
               <a:rPr lang="de-DE" smtClean="0"/>
-              <a:t>20.01.2023</a:t>
+              <a:t>21.01.2023</a:t>
             </a:fld>
             <a:endParaRPr lang="de-DE"/>
           </a:p>
@@ -3636,7 +3636,7 @@
           <a:p>
             <a:fld id="{D689E641-CA97-4319-9345-929272670F97}" type="datetimeFigureOut">
               <a:rPr lang="de-DE" smtClean="0"/>
-              <a:t>20.01.2023</a:t>
+              <a:t>21.01.2023</a:t>
             </a:fld>
             <a:endParaRPr lang="de-DE"/>
           </a:p>
@@ -3928,7 +3928,7 @@
           <a:p>
             <a:fld id="{D689E641-CA97-4319-9345-929272670F97}" type="datetimeFigureOut">
               <a:rPr lang="de-DE" smtClean="0"/>
-              <a:t>20.01.2023</a:t>
+              <a:t>21.01.2023</a:t>
             </a:fld>
             <a:endParaRPr lang="de-DE"/>
           </a:p>
@@ -4372,7 +4372,7 @@
           <a:p>
             <a:fld id="{D689E641-CA97-4319-9345-929272670F97}" type="datetimeFigureOut">
               <a:rPr lang="de-DE" smtClean="0"/>
-              <a:t>20.01.2023</a:t>
+              <a:t>21.01.2023</a:t>
             </a:fld>
             <a:endParaRPr lang="de-DE"/>
           </a:p>
@@ -4490,7 +4490,7 @@
           <a:p>
             <a:fld id="{D689E641-CA97-4319-9345-929272670F97}" type="datetimeFigureOut">
               <a:rPr lang="de-DE" smtClean="0"/>
-              <a:t>20.01.2023</a:t>
+              <a:t>21.01.2023</a:t>
             </a:fld>
             <a:endParaRPr lang="de-DE"/>
           </a:p>
@@ -4585,7 +4585,7 @@
           <a:p>
             <a:fld id="{D689E641-CA97-4319-9345-929272670F97}" type="datetimeFigureOut">
               <a:rPr lang="de-DE" smtClean="0"/>
-              <a:t>20.01.2023</a:t>
+              <a:t>21.01.2023</a:t>
             </a:fld>
             <a:endParaRPr lang="de-DE"/>
           </a:p>
@@ -4864,7 +4864,7 @@
           <a:p>
             <a:fld id="{D689E641-CA97-4319-9345-929272670F97}" type="datetimeFigureOut">
               <a:rPr lang="de-DE" smtClean="0"/>
-              <a:t>20.01.2023</a:t>
+              <a:t>21.01.2023</a:t>
             </a:fld>
             <a:endParaRPr lang="de-DE"/>
           </a:p>
@@ -5139,7 +5139,7 @@
           <a:p>
             <a:fld id="{D689E641-CA97-4319-9345-929272670F97}" type="datetimeFigureOut">
               <a:rPr lang="de-DE" smtClean="0"/>
-              <a:t>20.01.2023</a:t>
+              <a:t>21.01.2023</a:t>
             </a:fld>
             <a:endParaRPr lang="de-DE"/>
           </a:p>
@@ -5568,7 +5568,7 @@
           <a:p>
             <a:fld id="{D689E641-CA97-4319-9345-929272670F97}" type="datetimeFigureOut">
               <a:rPr lang="de-DE" smtClean="0"/>
-              <a:t>20.01.2023</a:t>
+              <a:t>21.01.2023</a:t>
             </a:fld>
             <a:endParaRPr lang="de-DE"/>
           </a:p>
@@ -7671,75 +7671,77 @@
             </a:endParaRPr>
           </a:p>
           <a:p>
-            <a:pPr marL="0" indent="0" algn="l" rtl="0" fontAlgn="base">
+            <a:pPr marL="0" indent="0" fontAlgn="base">
               <a:lnSpc>
                 <a:spcPct val="120000"/>
               </a:lnSpc>
               <a:buNone/>
             </a:pPr>
             <a:r>
-              <a:rPr lang="en-US" sz="1700" b="0" i="0" u="sng" strike="noStrike" dirty="0">
+              <a:rPr lang="de-DE" sz="1800" dirty="0">
+                <a:effectLst/>
+                <a:latin typeface="Calibri" panose="020F0502020204030204" pitchFamily="34" charset="0"/>
+                <a:ea typeface="Calibri" panose="020F0502020204030204" pitchFamily="34" charset="0"/>
+                <a:cs typeface="Times New Roman" panose="02020603050405020304" pitchFamily="18" charset="0"/>
+              </a:rPr>
+              <a:t>Pokerchip Textur: </a:t>
+            </a:r>
+            <a:r>
+              <a:rPr lang="de-DE" sz="1800" u="sng" dirty="0">
                 <a:solidFill>
                   <a:srgbClr val="0563C1"/>
                 </a:solidFill>
                 <a:effectLst/>
                 <a:latin typeface="Calibri" panose="020F0502020204030204" pitchFamily="34" charset="0"/>
+                <a:ea typeface="Calibri" panose="020F0502020204030204" pitchFamily="34" charset="0"/>
+                <a:cs typeface="Times New Roman" panose="02020603050405020304" pitchFamily="18" charset="0"/>
                 <a:hlinkClick r:id="rId5"/>
               </a:rPr>
-              <a:t>https://www.google.com/search?q=poker+chip&amp;rlz=1C1ONGR_deDE997DE997&amp;sxsrf=ALiCzsa8p6yGyV3DMj-4UaEZCVW05HLQ1w:1672415811370&amp;source=lnms&amp;tbm=isch&amp;sa=X&amp;ved=2ahUKEwjHtOmy2qH8AhXRhv0HHTo4CusQ_AUoAXoECAEQAw&amp;biw=2048&amp;bih=1002&amp;dpr=1.25#imgrc=OscHu9m2eZecXM</a:t>
-            </a:r>
-            <a:r>
-              <a:rPr lang="en-US" sz="1700" b="0" i="0" dirty="0">
-                <a:solidFill>
-                  <a:srgbClr val="000000"/>
-                </a:solidFill>
-                <a:effectLst/>
-                <a:latin typeface="Calibri" panose="020F0502020204030204" pitchFamily="34" charset="0"/>
-              </a:rPr>
-              <a:t> </a:t>
-            </a:r>
-            <a:endParaRPr lang="en-US" sz="1700" b="0" i="0" dirty="0">
-              <a:solidFill>
-                <a:srgbClr val="000000"/>
-              </a:solidFill>
+              <a:t>pokerchip-dice-rot.jpg (520×520) (pokershop.de)</a:t>
+            </a:r>
+            <a:endParaRPr lang="de-DE" sz="1800" dirty="0">
               <a:effectLst/>
-              <a:latin typeface="Segoe UI" panose="020B0502040204020203" pitchFamily="34" charset="0"/>
+              <a:latin typeface="Calibri" panose="020F0502020204030204" pitchFamily="34" charset="0"/>
+              <a:ea typeface="Calibri" panose="020F0502020204030204" pitchFamily="34" charset="0"/>
+              <a:cs typeface="Times New Roman" panose="02020603050405020304" pitchFamily="18" charset="0"/>
             </a:endParaRPr>
           </a:p>
           <a:p>
-            <a:pPr marL="0" indent="0" algn="l" rtl="0" fontAlgn="base">
+            <a:pPr marL="0" indent="0" fontAlgn="base">
               <a:lnSpc>
                 <a:spcPct val="120000"/>
               </a:lnSpc>
               <a:buNone/>
             </a:pPr>
             <a:r>
-              <a:rPr lang="en-US" sz="1700" b="0" i="0" u="sng" strike="noStrike" dirty="0">
+              <a:rPr lang="de-DE" sz="1800" dirty="0">
+                <a:effectLst/>
+                <a:latin typeface="Calibri" panose="020F0502020204030204" pitchFamily="34" charset="0"/>
+                <a:ea typeface="Calibri" panose="020F0502020204030204" pitchFamily="34" charset="0"/>
+                <a:cs typeface="Times New Roman" panose="02020603050405020304" pitchFamily="18" charset="0"/>
+              </a:rPr>
+              <a:t>Zielfahne Textur: </a:t>
+            </a:r>
+            <a:r>
+              <a:rPr lang="de-DE" sz="1800" u="sng" dirty="0">
                 <a:solidFill>
                   <a:srgbClr val="0563C1"/>
                 </a:solidFill>
                 <a:effectLst/>
                 <a:latin typeface="Calibri" panose="020F0502020204030204" pitchFamily="34" charset="0"/>
+                <a:ea typeface="Calibri" panose="020F0502020204030204" pitchFamily="34" charset="0"/>
+                <a:cs typeface="Times New Roman" panose="02020603050405020304" pitchFamily="18" charset="0"/>
                 <a:hlinkClick r:id="rId6"/>
               </a:rPr>
-              <a:t>https://www.google.com/search?q=win+flag+png+texture&amp;tbm=isch&amp;ved=2ahUKEwjy_5fOy7X8AhVgricCHWTGD2QQ2-cCegQIABAA&amp;oq=win+flag+png+texture&amp;gs_lcp=CgNpbWcQAzoECCMQJzoECAAQHlCQB1jmG2CFHWgAcAB4AIABqAGIAeQFkgEDOC4xmAEAoAEBqgELZ3dzLXdpei1pbWfAAQE&amp;sclient=img&amp;ei=HHe5Y_KBPODcnsEP5Iy_oAY&amp;bih=1769&amp;biw=1080&amp;rlz=1C1ONGR_deDE997DE997#imgrc=yF_Br-n1BpHnlM</a:t>
-            </a:r>
-            <a:r>
-              <a:rPr lang="en-US" sz="1700" b="0" i="0" dirty="0">
-                <a:solidFill>
-                  <a:srgbClr val="000000"/>
-                </a:solidFill>
-                <a:effectLst/>
-                <a:latin typeface="Calibri" panose="020F0502020204030204" pitchFamily="34" charset="0"/>
-              </a:rPr>
-              <a:t>   </a:t>
-            </a:r>
-            <a:endParaRPr lang="en-US" sz="1700" b="0" i="0" dirty="0">
+              <a:t>race-flag-finish-flag-vector-isolated-illustration-race-flag-icon-stock-vector.jpg (612×245) (istockphoto.com)</a:t>
+            </a:r>
+            <a:endParaRPr lang="en-US" sz="1700" b="0" i="0" u="sng" strike="noStrike" dirty="0">
               <a:solidFill>
-                <a:srgbClr val="000000"/>
+                <a:srgbClr val="0563C1"/>
               </a:solidFill>
               <a:effectLst/>
-              <a:latin typeface="Segoe UI" panose="020B0502040204020203" pitchFamily="34" charset="0"/>
+              <a:latin typeface="Calibri" panose="020F0502020204030204" pitchFamily="34" charset="0"/>
+              <a:hlinkClick r:id="rId7"/>
             </a:endParaRPr>
           </a:p>
           <a:p>
@@ -8151,7 +8153,7 @@
               <a:buNone/>
             </a:pPr>
             <a:r>
-              <a:rPr lang="de-DE" sz="1700">
+              <a:rPr lang="de-DE" sz="1700" dirty="0">
                 <a:effectLst/>
                 <a:latin typeface="Calibri" panose="020F0502020204030204" pitchFamily="34" charset="0"/>
                 <a:ea typeface="Calibri" panose="020F0502020204030204" pitchFamily="34" charset="0"/>
@@ -8160,7 +8162,7 @@
               </a:rPr>
               <a:t>https://www.kenney.nl/assets/kenney-fonts</a:t>
             </a:r>
-            <a:endParaRPr lang="de-DE" sz="1700">
+            <a:endParaRPr lang="de-DE" sz="1700" dirty="0">
               <a:effectLst/>
               <a:latin typeface="Calibri" panose="020F0502020204030204" pitchFamily="34" charset="0"/>
               <a:ea typeface="Calibri" panose="020F0502020204030204" pitchFamily="34" charset="0"/>

--- a/Casino Murmeln Präsentation Dienstag.pptx
+++ b/Casino Murmeln Präsentation Dienstag.pptx
@@ -10,7 +10,9 @@
     <p:sldId id="258" r:id="rId4"/>
     <p:sldId id="261" r:id="rId5"/>
     <p:sldId id="259" r:id="rId6"/>
-    <p:sldId id="260" r:id="rId7"/>
+    <p:sldId id="262" r:id="rId7"/>
+    <p:sldId id="263" r:id="rId8"/>
+    <p:sldId id="264" r:id="rId9"/>
   </p:sldIdLst>
   <p:sldSz cx="12192000" cy="6858000"/>
   <p:notesSz cx="6858000" cy="9144000"/>
@@ -7486,7 +7488,7 @@
           <p:cNvPr id="2" name="Titel 1">
             <a:extLst>
               <a:ext uri="{FF2B5EF4-FFF2-40B4-BE49-F238E27FC236}">
-                <a16:creationId xmlns:a16="http://schemas.microsoft.com/office/drawing/2014/main" id="{91A7FFF3-0D0B-5641-982A-8EEB20967102}"/>
+                <a16:creationId xmlns:a16="http://schemas.microsoft.com/office/drawing/2014/main" id="{9FEE3A2D-A7CE-48E7-EFE1-E657634111BB}"/>
               </a:ext>
             </a:extLst>
           </p:cNvPr>
@@ -7499,18 +7501,16 @@
         </p:nvSpPr>
         <p:spPr>
           <a:xfrm>
-            <a:off x="527473" y="805392"/>
-            <a:ext cx="8082280" cy="315912"/>
+            <a:off x="646111" y="452718"/>
+            <a:ext cx="9404723" cy="725842"/>
           </a:xfrm>
         </p:spPr>
         <p:txBody>
-          <a:bodyPr>
-            <a:noAutofit/>
-          </a:bodyPr>
+          <a:bodyPr/>
           <a:lstStyle/>
           <a:p>
             <a:r>
-              <a:rPr lang="de-DE" sz="3200" dirty="0"/>
+              <a:rPr lang="de-DE" dirty="0"/>
               <a:t>Quellen:</a:t>
             </a:r>
           </a:p>
@@ -7521,7 +7521,7 @@
           <p:cNvPr id="3" name="Inhaltsplatzhalter 2">
             <a:extLst>
               <a:ext uri="{FF2B5EF4-FFF2-40B4-BE49-F238E27FC236}">
-                <a16:creationId xmlns:a16="http://schemas.microsoft.com/office/drawing/2014/main" id="{130265FC-2F87-3E66-13FA-AD9BB551A46E}"/>
+                <a16:creationId xmlns:a16="http://schemas.microsoft.com/office/drawing/2014/main" id="{3B30E1C1-C273-5C41-B2A8-8CC1416F242B}"/>
               </a:ext>
             </a:extLst>
           </p:cNvPr>
@@ -7534,151 +7534,195 @@
         </p:nvSpPr>
         <p:spPr>
           <a:xfrm>
-            <a:off x="527473" y="1388744"/>
-            <a:ext cx="11137053" cy="5469256"/>
+            <a:off x="1103312" y="1290320"/>
+            <a:ext cx="8946541" cy="4958079"/>
           </a:xfrm>
         </p:spPr>
         <p:txBody>
           <a:bodyPr>
-            <a:normAutofit fontScale="32500" lnSpcReduction="20000"/>
+            <a:normAutofit/>
           </a:bodyPr>
           <a:lstStyle/>
           <a:p>
-            <a:pPr marL="0" indent="0" algn="l" rtl="0" fontAlgn="base">
+            <a:pPr>
               <a:lnSpc>
-                <a:spcPct val="120000"/>
+                <a:spcPct val="130000"/>
               </a:lnSpc>
-              <a:buNone/>
+              <a:spcAft>
+                <a:spcPts val="800"/>
+              </a:spcAft>
             </a:pPr>
             <a:r>
-              <a:rPr lang="en-US" sz="1700" b="0" i="0" dirty="0">
-                <a:solidFill>
-                  <a:srgbClr val="000000"/>
-                </a:solidFill>
+              <a:rPr lang="de-DE" sz="1900" dirty="0">
+                <a:latin typeface="Calibri" panose="020F0502020204030204" pitchFamily="34" charset="0"/>
+                <a:ea typeface="Calibri" panose="020F0502020204030204" pitchFamily="34" charset="0"/>
+                <a:cs typeface="Times New Roman" panose="02020603050405020304" pitchFamily="18" charset="0"/>
+              </a:rPr>
+              <a:t>Bilder:</a:t>
+            </a:r>
+          </a:p>
+          <a:p>
+            <a:pPr marL="0" indent="0" algn="just">
+              <a:lnSpc>
+                <a:spcPct val="130000"/>
+              </a:lnSpc>
+              <a:spcAft>
+                <a:spcPts val="800"/>
+              </a:spcAft>
+              <a:buNone/>
+            </a:pPr>
+            <a:r>
+              <a:rPr lang="de-DE" sz="1200" dirty="0">
                 <a:effectLst/>
                 <a:latin typeface="Calibri" panose="020F0502020204030204" pitchFamily="34" charset="0"/>
-                <a:hlinkClick r:id="rId2"/>
+                <a:ea typeface="Calibri" panose="020F0502020204030204" pitchFamily="34" charset="0"/>
+                <a:cs typeface="Times New Roman" panose="02020603050405020304" pitchFamily="18" charset="0"/>
               </a:rPr>
-              <a:t>https://youtu.be/CuZkB84YVvk</a:t>
-            </a:r>
-            <a:endParaRPr lang="en-US" sz="1700" b="0" i="0" dirty="0">
-              <a:solidFill>
-                <a:srgbClr val="000000"/>
-              </a:solidFill>
-              <a:effectLst/>
-              <a:latin typeface="Calibri" panose="020F0502020204030204" pitchFamily="34" charset="0"/>
-            </a:endParaRPr>
-          </a:p>
-          <a:p>
-            <a:pPr marL="0" indent="0" algn="l" rtl="0" fontAlgn="base">
+              <a:t>Stand der Weblinks: 16.01.2023 </a:t>
+            </a:r>
+          </a:p>
+          <a:p>
+            <a:pPr marL="342900" lvl="0" indent="-342900" algn="l">
               <a:lnSpc>
-                <a:spcPct val="120000"/>
+                <a:spcPct val="130000"/>
               </a:lnSpc>
-              <a:buNone/>
+              <a:spcAft>
+                <a:spcPts val="800"/>
+              </a:spcAft>
+              <a:buFont typeface="Symbol" panose="05050102010706020507" pitchFamily="18" charset="2"/>
+              <a:buChar char=""/>
             </a:pPr>
             <a:r>
-              <a:rPr lang="en-US" sz="1700" b="0" i="0" u="sng" strike="noStrike" dirty="0">
+              <a:rPr lang="de-DE" sz="1100" dirty="0">
+                <a:effectLst/>
+                <a:latin typeface="Calibri" panose="020F0502020204030204" pitchFamily="34" charset="0"/>
+                <a:ea typeface="Calibri" panose="020F0502020204030204" pitchFamily="34" charset="0"/>
+                <a:cs typeface="Times New Roman" panose="02020603050405020304" pitchFamily="18" charset="0"/>
+              </a:rPr>
+              <a:t>Levelscreen Hintergrund: kostenlose Hintergrundfotos von </a:t>
+            </a:r>
+            <a:r>
+              <a:rPr lang="de-DE" sz="1100" i="1" u="sng" dirty="0">
                 <a:solidFill>
                   <a:srgbClr val="0563C1"/>
                 </a:solidFill>
                 <a:effectLst/>
                 <a:latin typeface="Calibri" panose="020F0502020204030204" pitchFamily="34" charset="0"/>
-                <a:hlinkClick r:id="rId3"/>
+                <a:ea typeface="Calibri" panose="020F0502020204030204" pitchFamily="34" charset="0"/>
+                <a:cs typeface="Times New Roman" panose="02020603050405020304" pitchFamily="18" charset="0"/>
+                <a:hlinkClick r:id="rId2"/>
               </a:rPr>
-              <a:t>https://youtu.be/rudNk-yWEBk</a:t>
-            </a:r>
-            <a:endParaRPr lang="en-US" sz="1700" u="sng" strike="noStrike" dirty="0">
-              <a:solidFill>
-                <a:srgbClr val="000000"/>
-              </a:solidFill>
+              <a:t>https://de.pngtree.com/freebackground/red-and-casino-card-illustration-background-design_1491728.html?sol=downref&amp;id=bef</a:t>
+            </a:r>
+            <a:endParaRPr lang="de-DE" sz="1100" dirty="0">
+              <a:effectLst/>
               <a:latin typeface="Calibri" panose="020F0502020204030204" pitchFamily="34" charset="0"/>
+              <a:ea typeface="Calibri" panose="020F0502020204030204" pitchFamily="34" charset="0"/>
+              <a:cs typeface="Times New Roman" panose="02020603050405020304" pitchFamily="18" charset="0"/>
             </a:endParaRPr>
           </a:p>
           <a:p>
-            <a:pPr marL="0" indent="0" algn="l" rtl="0" fontAlgn="base">
+            <a:pPr marL="342900" lvl="0" indent="-342900" algn="l">
               <a:lnSpc>
-                <a:spcPct val="120000"/>
+                <a:spcPct val="130000"/>
               </a:lnSpc>
-              <a:buNone/>
+              <a:spcAft>
+                <a:spcPts val="800"/>
+              </a:spcAft>
+              <a:buFont typeface="Symbol" panose="05050102010706020507" pitchFamily="18" charset="2"/>
+              <a:buChar char=""/>
             </a:pPr>
             <a:r>
-              <a:rPr lang="en-US" sz="1700" b="0" i="0" u="sng" strike="noStrike" dirty="0">
+              <a:rPr lang="de-DE" sz="1100" dirty="0">
+                <a:effectLst/>
+                <a:latin typeface="Calibri" panose="020F0502020204030204" pitchFamily="34" charset="0"/>
+                <a:ea typeface="Calibri" panose="020F0502020204030204" pitchFamily="34" charset="0"/>
+                <a:cs typeface="Times New Roman" panose="02020603050405020304" pitchFamily="18" charset="0"/>
+              </a:rPr>
+              <a:t>Startscreen</a:t>
+            </a:r>
+            <a:r>
+              <a:rPr lang="de-DE" sz="1100" i="1" dirty="0">
+                <a:effectLst/>
+                <a:latin typeface="Calibri" panose="020F0502020204030204" pitchFamily="34" charset="0"/>
+                <a:ea typeface="Calibri" panose="020F0502020204030204" pitchFamily="34" charset="0"/>
+                <a:cs typeface="Times New Roman" panose="02020603050405020304" pitchFamily="18" charset="0"/>
+              </a:rPr>
+              <a:t> </a:t>
+            </a:r>
+            <a:r>
+              <a:rPr lang="de-DE" sz="1100" i="1" u="sng" dirty="0">
                 <a:solidFill>
                   <a:srgbClr val="0563C1"/>
                 </a:solidFill>
                 <a:effectLst/>
                 <a:latin typeface="Calibri" panose="020F0502020204030204" pitchFamily="34" charset="0"/>
-                <a:hlinkClick r:id="rId4"/>
+                <a:ea typeface="Calibri" panose="020F0502020204030204" pitchFamily="34" charset="0"/>
+                <a:cs typeface="Times New Roman" panose="02020603050405020304" pitchFamily="18" charset="0"/>
+                <a:hlinkClick r:id="rId3"/>
               </a:rPr>
-              <a:t>https://www.google.com/search?q=roulette+wheel&amp;rlz=1C1ONGR_deDE997DE997&amp;sxsrf=ALiCzsafRQjjPDafOzc5UiQ4F21tWpGkGA:1672415469666&amp;source=lnms&amp;tbm=isch&amp;sa=X&amp;ved=2ahUKEwju0_GP2aH8AhVPecAKHW6UATIQ_AUoAXoECAEQAw&amp;biw=2048&amp;bih=1002&amp;dpr=1.25#imgrc=UeLMFLjSnQS5IM</a:t>
-            </a:r>
-            <a:r>
-              <a:rPr lang="en-US" sz="1700" b="0" i="0" dirty="0">
+              <a:t>https://live.staticflickr.com/8464/8364280903_ccec556511_b.jpg</a:t>
+            </a:r>
+            <a:endParaRPr lang="de-DE" sz="1100" dirty="0">
+              <a:effectLst/>
+              <a:latin typeface="Calibri" panose="020F0502020204030204" pitchFamily="34" charset="0"/>
+              <a:ea typeface="Calibri" panose="020F0502020204030204" pitchFamily="34" charset="0"/>
+              <a:cs typeface="Times New Roman" panose="02020603050405020304" pitchFamily="18" charset="0"/>
+            </a:endParaRPr>
+          </a:p>
+          <a:p>
+            <a:pPr marL="342900" lvl="0" indent="-342900" algn="l">
+              <a:lnSpc>
+                <a:spcPct val="130000"/>
+              </a:lnSpc>
+              <a:spcAft>
+                <a:spcPts val="800"/>
+              </a:spcAft>
+              <a:buFont typeface="Symbol" panose="05050102010706020507" pitchFamily="18" charset="2"/>
+              <a:buChar char=""/>
+            </a:pPr>
+            <a:r>
+              <a:rPr lang="de-DE" sz="1100" dirty="0">
+                <a:effectLst/>
+                <a:latin typeface="Calibri" panose="020F0502020204030204" pitchFamily="34" charset="0"/>
+                <a:ea typeface="Calibri" panose="020F0502020204030204" pitchFamily="34" charset="0"/>
+                <a:cs typeface="Times New Roman" panose="02020603050405020304" pitchFamily="18" charset="0"/>
+              </a:rPr>
+              <a:t>Zielfahne Textur: </a:t>
+            </a:r>
+            <a:r>
+              <a:rPr lang="de-DE" sz="1100" i="1" u="sng" dirty="0">
                 <a:solidFill>
-                  <a:srgbClr val="000000"/>
+                  <a:srgbClr val="0563C1"/>
                 </a:solidFill>
                 <a:effectLst/>
                 <a:latin typeface="Calibri" panose="020F0502020204030204" pitchFamily="34" charset="0"/>
+                <a:ea typeface="Calibri" panose="020F0502020204030204" pitchFamily="34" charset="0"/>
+                <a:cs typeface="Times New Roman" panose="02020603050405020304" pitchFamily="18" charset="0"/>
+                <a:hlinkClick r:id="rId4"/>
               </a:rPr>
-              <a:t> ( </a:t>
-            </a:r>
-            <a:r>
-              <a:rPr lang="en-US" sz="1700" b="0" i="0" dirty="0" err="1">
-                <a:solidFill>
-                  <a:srgbClr val="000000"/>
-                </a:solidFill>
-                <a:effectLst/>
-                <a:latin typeface="Calibri" panose="020F0502020204030204" pitchFamily="34" charset="0"/>
-              </a:rPr>
-              <a:t>als</a:t>
-            </a:r>
-            <a:r>
-              <a:rPr lang="en-US" sz="1700" b="0" i="0" dirty="0">
-                <a:solidFill>
-                  <a:srgbClr val="000000"/>
-                </a:solidFill>
-                <a:effectLst/>
-                <a:latin typeface="Calibri" panose="020F0502020204030204" pitchFamily="34" charset="0"/>
-              </a:rPr>
-              <a:t> </a:t>
-            </a:r>
-            <a:r>
-              <a:rPr lang="en-US" sz="1700" b="0" i="0" dirty="0" err="1">
-                <a:solidFill>
-                  <a:srgbClr val="000000"/>
-                </a:solidFill>
-                <a:effectLst/>
-                <a:latin typeface="Calibri" panose="020F0502020204030204" pitchFamily="34" charset="0"/>
-              </a:rPr>
-              <a:t>Referenz</a:t>
-            </a:r>
-            <a:r>
-              <a:rPr lang="en-US" sz="1700" b="0" i="0" dirty="0">
-                <a:solidFill>
-                  <a:srgbClr val="000000"/>
-                </a:solidFill>
-                <a:effectLst/>
-                <a:latin typeface="Calibri" panose="020F0502020204030204" pitchFamily="34" charset="0"/>
-              </a:rPr>
-              <a:t>) </a:t>
-            </a:r>
-            <a:endParaRPr lang="en-US" sz="1700" b="0" i="0" dirty="0">
-              <a:solidFill>
-                <a:srgbClr val="000000"/>
-              </a:solidFill>
+              <a:t>race-flag-finish-flag-vector-isolated-illustration-race-flag-icon-stock-vector.jpg (612×245) (istockphoto.com)</a:t>
+            </a:r>
+            <a:endParaRPr lang="de-DE" sz="1100" dirty="0">
               <a:effectLst/>
-              <a:latin typeface="Segoe UI" panose="020B0502040204020203" pitchFamily="34" charset="0"/>
+              <a:latin typeface="Calibri" panose="020F0502020204030204" pitchFamily="34" charset="0"/>
+              <a:ea typeface="Calibri" panose="020F0502020204030204" pitchFamily="34" charset="0"/>
+              <a:cs typeface="Times New Roman" panose="02020603050405020304" pitchFamily="18" charset="0"/>
             </a:endParaRPr>
           </a:p>
           <a:p>
-            <a:pPr marL="0" indent="0" fontAlgn="base">
+            <a:pPr marL="342900" lvl="0" indent="-342900" algn="l">
               <a:lnSpc>
-                <a:spcPct val="120000"/>
+                <a:spcPct val="130000"/>
               </a:lnSpc>
-              <a:buNone/>
+              <a:spcAft>
+                <a:spcPts val="800"/>
+              </a:spcAft>
+              <a:buFont typeface="Symbol" panose="05050102010706020507" pitchFamily="18" charset="2"/>
+              <a:buChar char=""/>
             </a:pPr>
             <a:r>
-              <a:rPr lang="de-DE" sz="1800" dirty="0">
+              <a:rPr lang="de-DE" sz="1100" dirty="0">
                 <a:effectLst/>
                 <a:latin typeface="Calibri" panose="020F0502020204030204" pitchFamily="34" charset="0"/>
                 <a:ea typeface="Calibri" panose="020F0502020204030204" pitchFamily="34" charset="0"/>
@@ -7687,7 +7731,7 @@
               <a:t>Pokerchip Textur: </a:t>
             </a:r>
             <a:r>
-              <a:rPr lang="de-DE" sz="1800" u="sng" dirty="0">
+              <a:rPr lang="de-DE" sz="1100" i="1" u="sng" dirty="0">
                 <a:solidFill>
                   <a:srgbClr val="0563C1"/>
                 </a:solidFill>
@@ -7699,7 +7743,7 @@
               </a:rPr>
               <a:t>pokerchip-dice-rot.jpg (520×520) (pokershop.de)</a:t>
             </a:r>
-            <a:endParaRPr lang="de-DE" sz="1800" dirty="0">
+            <a:endParaRPr lang="de-DE" sz="1100" dirty="0">
               <a:effectLst/>
               <a:latin typeface="Calibri" panose="020F0502020204030204" pitchFamily="34" charset="0"/>
               <a:ea typeface="Calibri" panose="020F0502020204030204" pitchFamily="34" charset="0"/>
@@ -7707,23 +7751,42 @@
             </a:endParaRPr>
           </a:p>
           <a:p>
-            <a:pPr marL="0" indent="0" fontAlgn="base">
+            <a:pPr marL="342900" lvl="0" indent="-342900" algn="l">
               <a:lnSpc>
-                <a:spcPct val="120000"/>
+                <a:spcPct val="130000"/>
               </a:lnSpc>
-              <a:buNone/>
+              <a:spcAft>
+                <a:spcPts val="800"/>
+              </a:spcAft>
+              <a:buFont typeface="Symbol" panose="05050102010706020507" pitchFamily="18" charset="2"/>
+              <a:buChar char=""/>
             </a:pPr>
             <a:r>
-              <a:rPr lang="de-DE" sz="1800" dirty="0">
+              <a:rPr lang="de-DE" sz="1100" u="sng" dirty="0">
+                <a:solidFill>
+                  <a:srgbClr val="0563C1"/>
+                </a:solidFill>
                 <a:effectLst/>
                 <a:latin typeface="Calibri" panose="020F0502020204030204" pitchFamily="34" charset="0"/>
                 <a:ea typeface="Calibri" panose="020F0502020204030204" pitchFamily="34" charset="0"/>
                 <a:cs typeface="Times New Roman" panose="02020603050405020304" pitchFamily="18" charset="0"/>
               </a:rPr>
-              <a:t>Zielfahne Textur: </a:t>
-            </a:r>
-            <a:r>
-              <a:rPr lang="de-DE" sz="1800" u="sng" dirty="0">
+              <a:t>Abbildung 1:</a:t>
+            </a:r>
+            <a:r>
+              <a:rPr lang="de-DE" sz="1100" i="1" u="sng" dirty="0">
+                <a:solidFill>
+                  <a:srgbClr val="0563C1"/>
+                </a:solidFill>
+                <a:effectLst/>
+                <a:latin typeface="Calibri" panose="020F0502020204030204" pitchFamily="34" charset="0"/>
+                <a:ea typeface="Calibri" panose="020F0502020204030204" pitchFamily="34" charset="0"/>
+                <a:cs typeface="Times New Roman" panose="02020603050405020304" pitchFamily="18" charset="0"/>
+              </a:rPr>
+              <a:t> </a:t>
+            </a:r>
+            <a:r>
+              <a:rPr lang="de-DE" sz="1100" i="1" u="sng" dirty="0">
                 <a:solidFill>
                   <a:srgbClr val="0563C1"/>
                 </a:solidFill>
@@ -7733,322 +7796,56 @@
                 <a:cs typeface="Times New Roman" panose="02020603050405020304" pitchFamily="18" charset="0"/>
                 <a:hlinkClick r:id="rId6"/>
               </a:rPr>
-              <a:t>race-flag-finish-flag-vector-isolated-illustration-race-flag-icon-stock-vector.jpg (612×245) (istockphoto.com)</a:t>
-            </a:r>
-            <a:endParaRPr lang="en-US" sz="1700" b="0" i="0" u="sng" strike="noStrike" dirty="0">
-              <a:solidFill>
-                <a:srgbClr val="0563C1"/>
-              </a:solidFill>
+              <a:t>1818764-scaled.jpg (2560×1707) (smago.de)</a:t>
+            </a:r>
+            <a:endParaRPr lang="de-DE" sz="1100" dirty="0">
               <a:effectLst/>
               <a:latin typeface="Calibri" panose="020F0502020204030204" pitchFamily="34" charset="0"/>
-              <a:hlinkClick r:id="rId7"/>
+              <a:ea typeface="Calibri" panose="020F0502020204030204" pitchFamily="34" charset="0"/>
+              <a:cs typeface="Times New Roman" panose="02020603050405020304" pitchFamily="18" charset="0"/>
             </a:endParaRPr>
           </a:p>
           <a:p>
-            <a:pPr marL="0" indent="0" algn="l" rtl="0" fontAlgn="base">
+            <a:pPr marL="342900" lvl="0" indent="-342900" algn="l">
               <a:lnSpc>
-                <a:spcPct val="120000"/>
-              </a:lnSpc>
-              <a:buNone/>
-            </a:pPr>
-            <a:r>
-              <a:rPr lang="en-US" sz="1700" b="0" i="0" u="sng" strike="noStrike" dirty="0">
-                <a:solidFill>
-                  <a:srgbClr val="0563C1"/>
-                </a:solidFill>
-                <a:effectLst/>
-                <a:latin typeface="Calibri" panose="020F0502020204030204" pitchFamily="34" charset="0"/>
-                <a:hlinkClick r:id="rId7"/>
-              </a:rPr>
-              <a:t>https://freesound.org/people/milton./sounds/69130/</a:t>
-            </a:r>
-            <a:r>
-              <a:rPr lang="en-US" sz="1700" b="0" i="0" dirty="0">
-                <a:solidFill>
-                  <a:srgbClr val="000000"/>
-                </a:solidFill>
-                <a:effectLst/>
-                <a:latin typeface="Calibri" panose="020F0502020204030204" pitchFamily="34" charset="0"/>
-              </a:rPr>
-              <a:t> </a:t>
-            </a:r>
-          </a:p>
-          <a:p>
-            <a:pPr marL="0" indent="0" algn="l" rtl="0" fontAlgn="base">
-              <a:lnSpc>
-                <a:spcPct val="120000"/>
-              </a:lnSpc>
-              <a:buNone/>
-            </a:pPr>
-            <a:r>
-              <a:rPr lang="en-US" sz="1700" b="0" i="0" u="sng" strike="noStrike" dirty="0">
-                <a:solidFill>
-                  <a:srgbClr val="0563C1"/>
-                </a:solidFill>
-                <a:effectLst/>
-                <a:latin typeface="Calibri" panose="020F0502020204030204" pitchFamily="34" charset="0"/>
-                <a:hlinkClick r:id="rId8"/>
-              </a:rPr>
-              <a:t>https://freesound.org/people/xtrgamr/sounds/243644/</a:t>
-            </a:r>
-            <a:r>
-              <a:rPr lang="en-US" sz="1700" b="0" i="0" dirty="0">
-                <a:solidFill>
-                  <a:srgbClr val="000000"/>
-                </a:solidFill>
-                <a:effectLst/>
-                <a:latin typeface="Calibri" panose="020F0502020204030204" pitchFamily="34" charset="0"/>
-              </a:rPr>
-              <a:t> </a:t>
-            </a:r>
-          </a:p>
-          <a:p>
-            <a:pPr marL="0" indent="0" algn="l" rtl="0" fontAlgn="base">
-              <a:lnSpc>
-                <a:spcPct val="120000"/>
-              </a:lnSpc>
-              <a:buNone/>
-            </a:pPr>
-            <a:r>
-              <a:rPr lang="en-US" sz="1700" b="0" i="0" u="sng" strike="noStrike" dirty="0">
-                <a:solidFill>
-                  <a:srgbClr val="0563C1"/>
-                </a:solidFill>
-                <a:effectLst/>
-                <a:latin typeface="Calibri" panose="020F0502020204030204" pitchFamily="34" charset="0"/>
-                <a:hlinkClick r:id="rId9"/>
-              </a:rPr>
-              <a:t>https://freesound.org/people/Joao_Janz/sounds/482653/</a:t>
-            </a:r>
-            <a:r>
-              <a:rPr lang="en-US" sz="1700" b="0" i="0" dirty="0">
-                <a:solidFill>
-                  <a:srgbClr val="000000"/>
-                </a:solidFill>
-                <a:effectLst/>
-                <a:latin typeface="Calibri" panose="020F0502020204030204" pitchFamily="34" charset="0"/>
-              </a:rPr>
-              <a:t> </a:t>
-            </a:r>
-          </a:p>
-          <a:p>
-            <a:pPr marL="0" indent="0" algn="l" rtl="0" fontAlgn="base">
-              <a:lnSpc>
-                <a:spcPct val="120000"/>
-              </a:lnSpc>
-              <a:buNone/>
-            </a:pPr>
-            <a:r>
-              <a:rPr lang="en-US" sz="1700" b="0" i="0" u="sng" strike="noStrike" dirty="0">
-                <a:solidFill>
-                  <a:srgbClr val="0563C1"/>
-                </a:solidFill>
-                <a:effectLst/>
-                <a:latin typeface="Calibri" panose="020F0502020204030204" pitchFamily="34" charset="0"/>
-                <a:hlinkClick r:id="rId10"/>
-              </a:rPr>
-              <a:t>https://freesound.org/people/rhodesmas/sounds/320672/</a:t>
-            </a:r>
-            <a:r>
-              <a:rPr lang="en-US" sz="1700" b="0" i="0" dirty="0">
-                <a:solidFill>
-                  <a:srgbClr val="000000"/>
-                </a:solidFill>
-                <a:effectLst/>
-                <a:latin typeface="Calibri" panose="020F0502020204030204" pitchFamily="34" charset="0"/>
-              </a:rPr>
-              <a:t>  </a:t>
-            </a:r>
-          </a:p>
-          <a:p>
-            <a:pPr marL="0" indent="0" algn="l" rtl="0" fontAlgn="base">
-              <a:lnSpc>
-                <a:spcPct val="120000"/>
-              </a:lnSpc>
-              <a:buNone/>
-            </a:pPr>
-            <a:r>
-              <a:rPr lang="en-US" sz="1700" b="0" i="0" u="sng" strike="noStrike" dirty="0">
-                <a:solidFill>
-                  <a:srgbClr val="0563C1"/>
-                </a:solidFill>
-                <a:effectLst/>
-                <a:latin typeface="Calibri" panose="020F0502020204030204" pitchFamily="34" charset="0"/>
-                <a:hlinkClick r:id="rId11"/>
-              </a:rPr>
-              <a:t>https://freesound.org/people/steel2008/sounds/231277/</a:t>
-            </a:r>
-            <a:r>
-              <a:rPr lang="en-US" sz="1700" b="0" i="0" dirty="0">
-                <a:solidFill>
-                  <a:srgbClr val="000000"/>
-                </a:solidFill>
-                <a:effectLst/>
-                <a:latin typeface="Calibri" panose="020F0502020204030204" pitchFamily="34" charset="0"/>
-              </a:rPr>
-              <a:t> </a:t>
-            </a:r>
-          </a:p>
-          <a:p>
-            <a:pPr marL="0" indent="0" algn="l" rtl="0" fontAlgn="base">
-              <a:lnSpc>
-                <a:spcPct val="120000"/>
-              </a:lnSpc>
-              <a:buNone/>
-            </a:pPr>
-            <a:r>
-              <a:rPr lang="en-US" sz="1700" u="sng" dirty="0">
-                <a:solidFill>
-                  <a:srgbClr val="0563C1"/>
-                </a:solidFill>
-                <a:latin typeface="Calibri" panose="020F0502020204030204" pitchFamily="34" charset="0"/>
-                <a:hlinkClick r:id="rId12"/>
-              </a:rPr>
-              <a:t>https://freesound.org/people/gis_sweden/sounds/651797/</a:t>
-            </a:r>
-            <a:endParaRPr lang="en-US" sz="1700" b="0" i="0" dirty="0">
-              <a:solidFill>
-                <a:srgbClr val="000000"/>
-              </a:solidFill>
-              <a:effectLst/>
-              <a:latin typeface="Calibri" panose="020F0502020204030204" pitchFamily="34" charset="0"/>
-            </a:endParaRPr>
-          </a:p>
-          <a:p>
-            <a:pPr marL="0" indent="0" algn="l" rtl="0" fontAlgn="base">
-              <a:lnSpc>
-                <a:spcPct val="120000"/>
-              </a:lnSpc>
-              <a:buNone/>
-            </a:pPr>
-            <a:r>
-              <a:rPr lang="en-US" sz="1700" i="1" dirty="0">
-                <a:solidFill>
-                  <a:srgbClr val="0070C0"/>
-                </a:solidFill>
-                <a:latin typeface="Calibri" panose="020F0502020204030204" pitchFamily="34" charset="0"/>
-                <a:hlinkClick r:id="rId13"/>
-              </a:rPr>
-              <a:t>https://mixkit.co/free-sound-effects/lose/</a:t>
-            </a:r>
-            <a:endParaRPr lang="en-US" sz="1700" b="0" i="0" dirty="0">
-              <a:solidFill>
-                <a:srgbClr val="0070C0"/>
-              </a:solidFill>
-              <a:effectLst/>
-              <a:latin typeface="Segoe UI" panose="020B0502040204020203" pitchFamily="34" charset="0"/>
-            </a:endParaRPr>
-          </a:p>
-          <a:p>
-            <a:pPr marL="0" indent="0" algn="l" rtl="0" fontAlgn="base">
-              <a:lnSpc>
-                <a:spcPct val="120000"/>
-              </a:lnSpc>
-              <a:buNone/>
-            </a:pPr>
-            <a:r>
-              <a:rPr lang="en-US" sz="1700" b="0" i="0" u="sng" strike="noStrike" dirty="0">
-                <a:solidFill>
-                  <a:srgbClr val="0563C1"/>
-                </a:solidFill>
-                <a:effectLst/>
-                <a:latin typeface="Calibri" panose="020F0502020204030204" pitchFamily="34" charset="0"/>
-                <a:hlinkClick r:id="rId14"/>
-              </a:rPr>
-              <a:t>https://www.fernsehserien.de/murmel-mania</a:t>
-            </a:r>
-            <a:r>
-              <a:rPr lang="en-US" sz="1700" b="0" i="0" dirty="0">
-                <a:solidFill>
-                  <a:srgbClr val="000000"/>
-                </a:solidFill>
-                <a:effectLst/>
-                <a:latin typeface="Calibri" panose="020F0502020204030204" pitchFamily="34" charset="0"/>
-              </a:rPr>
-              <a:t> </a:t>
-            </a:r>
-            <a:endParaRPr lang="en-US" sz="1700" b="0" i="0" dirty="0">
-              <a:solidFill>
-                <a:srgbClr val="000000"/>
-              </a:solidFill>
-              <a:effectLst/>
-              <a:latin typeface="Segoe UI" panose="020B0502040204020203" pitchFamily="34" charset="0"/>
-            </a:endParaRPr>
-          </a:p>
-          <a:p>
-            <a:pPr marL="0" indent="0" algn="l" rtl="0" fontAlgn="base">
-              <a:lnSpc>
-                <a:spcPct val="120000"/>
-              </a:lnSpc>
-              <a:buNone/>
-            </a:pPr>
-            <a:r>
-              <a:rPr lang="en-US" sz="1700" b="0" i="0" u="sng" strike="noStrike" dirty="0">
-                <a:solidFill>
-                  <a:srgbClr val="0563C1"/>
-                </a:solidFill>
-                <a:effectLst/>
-                <a:latin typeface="Calibri" panose="020F0502020204030204" pitchFamily="34" charset="0"/>
-                <a:hlinkClick r:id="rId15"/>
-              </a:rPr>
-              <a:t>https://www.google.com/search?q=murmel+mania&amp;rlz=1C1ONGR_deDE997DE997&amp;sxsrf=AJOqlzWT1d13u-byG6w7xhfCZpb-U41ESQ:1673812445454&amp;source=lnms&amp;tbm=isch&amp;sa=X&amp;ved=2ahUKEwjFi-2hrcr8AhUAQPEDHYj0BQoQ_AUoA3oECAMQBQ&amp;biw=2048&amp;bih=1002&amp;dpr=1.25#imgrc=0tUJqG2asnMFlM</a:t>
-            </a:r>
-            <a:r>
-              <a:rPr lang="en-US" sz="1700" b="0" i="0" dirty="0">
-                <a:solidFill>
-                  <a:srgbClr val="000000"/>
-                </a:solidFill>
-                <a:effectLst/>
-                <a:latin typeface="Calibri" panose="020F0502020204030204" pitchFamily="34" charset="0"/>
-              </a:rPr>
-              <a:t> </a:t>
-            </a:r>
-            <a:endParaRPr lang="en-US" sz="1700" b="0" i="0" dirty="0">
-              <a:solidFill>
-                <a:srgbClr val="000000"/>
-              </a:solidFill>
-              <a:effectLst/>
-              <a:latin typeface="Segoe UI" panose="020B0502040204020203" pitchFamily="34" charset="0"/>
-            </a:endParaRPr>
-          </a:p>
-          <a:p>
-            <a:pPr marL="0" indent="0" algn="l" rtl="0" fontAlgn="base">
-              <a:lnSpc>
-                <a:spcPct val="120000"/>
-              </a:lnSpc>
-              <a:buNone/>
-            </a:pPr>
-            <a:r>
-              <a:rPr lang="en-US" sz="1700" b="0" i="0" dirty="0">
-                <a:solidFill>
-                  <a:srgbClr val="000000"/>
-                </a:solidFill>
-                <a:effectLst/>
-                <a:latin typeface="Calibri" panose="020F0502020204030204" pitchFamily="34" charset="0"/>
-                <a:hlinkClick r:id="rId16"/>
-              </a:rPr>
-              <a:t>https://content1.promiflash.de/article-images/video_1080/chris-tall-julius-brink-sabrina-mockenhaupt-und-pascal-hens-bei-murmel-mania.jpg</a:t>
-            </a:r>
-            <a:endParaRPr lang="en-US" sz="1700" b="0" i="0" dirty="0">
-              <a:solidFill>
-                <a:srgbClr val="000000"/>
-              </a:solidFill>
-              <a:effectLst/>
-              <a:latin typeface="Calibri" panose="020F0502020204030204" pitchFamily="34" charset="0"/>
-            </a:endParaRPr>
-          </a:p>
-          <a:p>
-            <a:pPr marL="0" indent="0">
-              <a:lnSpc>
-                <a:spcPct val="120000"/>
+                <a:spcPct val="130000"/>
               </a:lnSpc>
               <a:spcAft>
                 <a:spcPts val="800"/>
               </a:spcAft>
-              <a:buNone/>
+              <a:buFont typeface="Symbol" panose="05050102010706020507" pitchFamily="18" charset="2"/>
+              <a:buChar char=""/>
             </a:pPr>
             <a:r>
-              <a:rPr lang="de-DE" sz="1700" u="sng" dirty="0">
+              <a:rPr lang="de-DE" sz="1100" dirty="0">
+                <a:effectLst/>
+                <a:latin typeface="Calibri" panose="020F0502020204030204" pitchFamily="34" charset="0"/>
+                <a:ea typeface="Calibri" panose="020F0502020204030204" pitchFamily="34" charset="0"/>
+                <a:cs typeface="Times New Roman" panose="02020603050405020304" pitchFamily="18" charset="0"/>
+              </a:rPr>
+              <a:t>Weitere Bilder: </a:t>
+            </a:r>
+          </a:p>
+          <a:p>
+            <a:pPr marL="457200" algn="l">
+              <a:lnSpc>
+                <a:spcPct val="130000"/>
+              </a:lnSpc>
+              <a:spcAft>
+                <a:spcPts val="800"/>
+              </a:spcAft>
+            </a:pPr>
+            <a:r>
+              <a:rPr lang="de-DE" sz="1100" i="1" dirty="0">
+                <a:effectLst/>
+                <a:latin typeface="Calibri" panose="020F0502020204030204" pitchFamily="34" charset="0"/>
+                <a:ea typeface="Calibri" panose="020F0502020204030204" pitchFamily="34" charset="0"/>
+                <a:cs typeface="Times New Roman" panose="02020603050405020304" pitchFamily="18" charset="0"/>
+              </a:rPr>
+              <a:t>- </a:t>
+            </a:r>
+            <a:r>
+              <a:rPr lang="de-DE" sz="1100" i="1" u="sng" dirty="0">
                 <a:solidFill>
                   <a:srgbClr val="0563C1"/>
                 </a:solidFill>
@@ -8056,11 +7853,11 @@
                 <a:latin typeface="Calibri" panose="020F0502020204030204" pitchFamily="34" charset="0"/>
                 <a:ea typeface="Calibri" panose="020F0502020204030204" pitchFamily="34" charset="0"/>
                 <a:cs typeface="Times New Roman" panose="02020603050405020304" pitchFamily="18" charset="0"/>
-                <a:hlinkClick r:id="rId17"/>
+                <a:hlinkClick r:id="rId7"/>
               </a:rPr>
-              <a:t>https://www.sueddeutsche.de/image/sz.1.4502474/704x396?v=1561640938</a:t>
-            </a:r>
-            <a:endParaRPr lang="de-DE" sz="1700" dirty="0">
+              <a:t>chris-tall-julius-brink-sabrina-mockenhaupt-und-pascal-hens-bei-murmel-mania.jpg (1920×1080) (promiflash.de)</a:t>
+            </a:r>
+            <a:endParaRPr lang="de-DE" sz="1100" dirty="0">
               <a:effectLst/>
               <a:latin typeface="Calibri" panose="020F0502020204030204" pitchFamily="34" charset="0"/>
               <a:ea typeface="Calibri" panose="020F0502020204030204" pitchFamily="34" charset="0"/>
@@ -8068,17 +7865,25 @@
             </a:endParaRPr>
           </a:p>
           <a:p>
-            <a:pPr marL="0" indent="0">
+            <a:pPr marL="457200" algn="l">
               <a:lnSpc>
-                <a:spcPct val="120000"/>
+                <a:spcPct val="130000"/>
               </a:lnSpc>
               <a:spcAft>
                 <a:spcPts val="800"/>
               </a:spcAft>
-              <a:buNone/>
             </a:pPr>
             <a:r>
-              <a:rPr lang="de-DE" sz="1700" u="sng" dirty="0">
+              <a:rPr lang="de-DE" sz="1100" i="1" dirty="0">
+                <a:effectLst/>
+                <a:latin typeface="Calibri" panose="020F0502020204030204" pitchFamily="34" charset="0"/>
+                <a:ea typeface="Calibri" panose="020F0502020204030204" pitchFamily="34" charset="0"/>
+                <a:cs typeface="Times New Roman" panose="02020603050405020304" pitchFamily="18" charset="0"/>
+              </a:rPr>
+              <a:t>- </a:t>
+            </a:r>
+            <a:r>
+              <a:rPr lang="de-DE" sz="1100" i="1" u="sng" dirty="0">
                 <a:solidFill>
                   <a:srgbClr val="0563C1"/>
                 </a:solidFill>
@@ -8086,14 +7891,11 @@
                 <a:latin typeface="Calibri" panose="020F0502020204030204" pitchFamily="34" charset="0"/>
                 <a:ea typeface="Calibri" panose="020F0502020204030204" pitchFamily="34" charset="0"/>
                 <a:cs typeface="Times New Roman" panose="02020603050405020304" pitchFamily="18" charset="0"/>
-                <a:hlinkClick r:id="rId18"/>
+                <a:hlinkClick r:id="rId8"/>
               </a:rPr>
-              <a:t>https://live.staticflickr.com/8464/8364280903_ccec556511_b.jpg</a:t>
-            </a:r>
-            <a:endParaRPr lang="de-DE" sz="1700" u="sng" dirty="0">
-              <a:solidFill>
-                <a:srgbClr val="0563C1"/>
-              </a:solidFill>
+              <a:t>704x396 (704×396) (sueddeutsche.de)</a:t>
+            </a:r>
+            <a:endParaRPr lang="de-DE" sz="1100" dirty="0">
               <a:effectLst/>
               <a:latin typeface="Calibri" panose="020F0502020204030204" pitchFamily="34" charset="0"/>
               <a:ea typeface="Calibri" panose="020F0502020204030204" pitchFamily="34" charset="0"/>
@@ -8101,26 +7903,169 @@
             </a:endParaRPr>
           </a:p>
           <a:p>
-            <a:pPr marL="0" indent="0">
+            <a:endParaRPr lang="de-DE" dirty="0"/>
+          </a:p>
+        </p:txBody>
+      </p:sp>
+    </p:spTree>
+    <p:extLst>
+      <p:ext uri="{BB962C8B-B14F-4D97-AF65-F5344CB8AC3E}">
+        <p14:creationId xmlns:p14="http://schemas.microsoft.com/office/powerpoint/2010/main" val="1836081328"/>
+      </p:ext>
+    </p:extLst>
+  </p:cSld>
+  <p:clrMapOvr>
+    <a:masterClrMapping/>
+  </p:clrMapOvr>
+</p:sld>
+</file>
+
+<file path=ppt/slides/slide7.xml><?xml version="1.0" encoding="utf-8"?>
+<p:sld xmlns:a="http://schemas.openxmlformats.org/drawingml/2006/main" xmlns:r="http://schemas.openxmlformats.org/officeDocument/2006/relationships" xmlns:p="http://schemas.openxmlformats.org/presentationml/2006/main">
+  <p:cSld>
+    <p:spTree>
+      <p:nvGrpSpPr>
+        <p:cNvPr id="1" name=""/>
+        <p:cNvGrpSpPr/>
+        <p:nvPr/>
+      </p:nvGrpSpPr>
+      <p:grpSpPr>
+        <a:xfrm>
+          <a:off x="0" y="0"/>
+          <a:ext cx="0" cy="0"/>
+          <a:chOff x="0" y="0"/>
+          <a:chExt cx="0" cy="0"/>
+        </a:xfrm>
+      </p:grpSpPr>
+      <p:sp>
+        <p:nvSpPr>
+          <p:cNvPr id="2" name="Titel 1">
+            <a:extLst>
+              <a:ext uri="{FF2B5EF4-FFF2-40B4-BE49-F238E27FC236}">
+                <a16:creationId xmlns:a16="http://schemas.microsoft.com/office/drawing/2014/main" id="{0FE0C73D-8A38-3027-03CE-214C2BB4DE5F}"/>
+              </a:ext>
+            </a:extLst>
+          </p:cNvPr>
+          <p:cNvSpPr>
+            <a:spLocks noGrp="1"/>
+          </p:cNvSpPr>
+          <p:nvPr>
+            <p:ph type="title"/>
+          </p:nvPr>
+        </p:nvSpPr>
+        <p:spPr>
+          <a:xfrm>
+            <a:off x="646111" y="452718"/>
+            <a:ext cx="9404723" cy="918882"/>
+          </a:xfrm>
+        </p:spPr>
+        <p:txBody>
+          <a:bodyPr/>
+          <a:lstStyle/>
+          <a:p>
+            <a:r>
+              <a:rPr lang="de-DE" dirty="0"/>
+              <a:t>Quellen:</a:t>
+            </a:r>
+          </a:p>
+        </p:txBody>
+      </p:sp>
+      <p:sp>
+        <p:nvSpPr>
+          <p:cNvPr id="3" name="Inhaltsplatzhalter 2">
+            <a:extLst>
+              <a:ext uri="{FF2B5EF4-FFF2-40B4-BE49-F238E27FC236}">
+                <a16:creationId xmlns:a16="http://schemas.microsoft.com/office/drawing/2014/main" id="{3311D9F3-0A9C-CE88-03EB-4E5833638E59}"/>
+              </a:ext>
+            </a:extLst>
+          </p:cNvPr>
+          <p:cNvSpPr>
+            <a:spLocks noGrp="1"/>
+          </p:cNvSpPr>
+          <p:nvPr>
+            <p:ph idx="1"/>
+          </p:nvPr>
+        </p:nvSpPr>
+        <p:spPr>
+          <a:xfrm>
+            <a:off x="1103312" y="1574800"/>
+            <a:ext cx="8946541" cy="4673599"/>
+          </a:xfrm>
+        </p:spPr>
+        <p:txBody>
+          <a:bodyPr>
+            <a:normAutofit fontScale="77500" lnSpcReduction="20000"/>
+          </a:bodyPr>
+          <a:lstStyle/>
+          <a:p>
+            <a:pPr>
               <a:lnSpc>
-                <a:spcPct val="120000"/>
+                <a:spcPct val="130000"/>
               </a:lnSpc>
               <a:spcAft>
                 <a:spcPts val="800"/>
               </a:spcAft>
-              <a:buNone/>
             </a:pPr>
             <a:r>
-              <a:rPr lang="de-DE" sz="1700" dirty="0">
+              <a:rPr lang="de-DE" sz="2400" dirty="0"/>
+              <a:t>Assets und Inhalte</a:t>
+            </a:r>
+            <a:endParaRPr lang="de-DE" sz="1100" dirty="0">
+              <a:effectLst/>
+              <a:latin typeface="Calibri" panose="020F0502020204030204" pitchFamily="34" charset="0"/>
+              <a:ea typeface="Calibri" panose="020F0502020204030204" pitchFamily="34" charset="0"/>
+              <a:cs typeface="Times New Roman" panose="02020603050405020304" pitchFamily="18" charset="0"/>
+            </a:endParaRPr>
+          </a:p>
+          <a:p>
+            <a:pPr marL="342900" lvl="0" indent="-342900" algn="l">
+              <a:lnSpc>
+                <a:spcPct val="130000"/>
+              </a:lnSpc>
+              <a:spcAft>
+                <a:spcPts val="800"/>
+              </a:spcAft>
+              <a:buFont typeface="Symbol" panose="05050102010706020507" pitchFamily="18" charset="2"/>
+              <a:buChar char=""/>
+            </a:pPr>
+            <a:r>
+              <a:rPr lang="de-DE" sz="1100" dirty="0">
                 <a:effectLst/>
                 <a:latin typeface="Calibri" panose="020F0502020204030204" pitchFamily="34" charset="0"/>
                 <a:ea typeface="Calibri" panose="020F0502020204030204" pitchFamily="34" charset="0"/>
                 <a:cs typeface="Times New Roman" panose="02020603050405020304" pitchFamily="18" charset="0"/>
               </a:rPr>
-              <a:t>kostenlose Hintergrundfotos von </a:t>
-            </a:r>
-            <a:r>
-              <a:rPr lang="de-DE" sz="1700" u="sng" dirty="0">
+              <a:t>Unity </a:t>
+            </a:r>
+            <a:r>
+              <a:rPr lang="de-DE" sz="1100" dirty="0" err="1">
+                <a:effectLst/>
+                <a:latin typeface="Calibri" panose="020F0502020204030204" pitchFamily="34" charset="0"/>
+                <a:ea typeface="Calibri" panose="020F0502020204030204" pitchFamily="34" charset="0"/>
+                <a:cs typeface="Times New Roman" panose="02020603050405020304" pitchFamily="18" charset="0"/>
+              </a:rPr>
+              <a:t>Cinemachine</a:t>
+            </a:r>
+            <a:r>
+              <a:rPr lang="de-DE" sz="1100" dirty="0">
+                <a:effectLst/>
+                <a:latin typeface="Calibri" panose="020F0502020204030204" pitchFamily="34" charset="0"/>
+                <a:ea typeface="Calibri" panose="020F0502020204030204" pitchFamily="34" charset="0"/>
+                <a:cs typeface="Times New Roman" panose="02020603050405020304" pitchFamily="18" charset="0"/>
+              </a:rPr>
+              <a:t>,</a:t>
+            </a:r>
+            <a:r>
+              <a:rPr lang="de-DE" sz="1100" i="1" dirty="0">
+                <a:effectLst/>
+                <a:latin typeface="Calibri" panose="020F0502020204030204" pitchFamily="34" charset="0"/>
+                <a:ea typeface="Calibri" panose="020F0502020204030204" pitchFamily="34" charset="0"/>
+                <a:cs typeface="Times New Roman" panose="02020603050405020304" pitchFamily="18" charset="0"/>
+              </a:rPr>
+              <a:t> </a:t>
+            </a:r>
+            <a:r>
+              <a:rPr lang="de-DE" sz="1100" i="1" u="sng" dirty="0">
                 <a:solidFill>
                   <a:srgbClr val="0563C1"/>
                 </a:solidFill>
@@ -8128,14 +8073,11 @@
                 <a:latin typeface="Calibri" panose="020F0502020204030204" pitchFamily="34" charset="0"/>
                 <a:ea typeface="Calibri" panose="020F0502020204030204" pitchFamily="34" charset="0"/>
                 <a:cs typeface="Times New Roman" panose="02020603050405020304" pitchFamily="18" charset="0"/>
-                <a:hlinkClick r:id="rId19"/>
+                <a:hlinkClick r:id="rId2"/>
               </a:rPr>
-              <a:t>https://de.pngtree.com/freebackground/red-and-casino-card-illustration-background-design_1491728.html?sol=downref&amp;id=bef</a:t>
-            </a:r>
-            <a:endParaRPr lang="de-DE" sz="1700" u="sng" dirty="0">
-              <a:solidFill>
-                <a:srgbClr val="0563C1"/>
-              </a:solidFill>
+              <a:t>https://unity.com/de/unity/features/editor/art-and-design/cinemachine</a:t>
+            </a:r>
+            <a:endParaRPr lang="de-DE" sz="1100" dirty="0">
               <a:effectLst/>
               <a:latin typeface="Calibri" panose="020F0502020204030204" pitchFamily="34" charset="0"/>
               <a:ea typeface="Calibri" panose="020F0502020204030204" pitchFamily="34" charset="0"/>
@@ -8143,26 +8085,57 @@
             </a:endParaRPr>
           </a:p>
           <a:p>
-            <a:pPr marL="0" indent="0">
+            <a:pPr marL="342900" lvl="0" indent="-342900" algn="l">
               <a:lnSpc>
-                <a:spcPct val="120000"/>
+                <a:spcPct val="130000"/>
               </a:lnSpc>
               <a:spcAft>
                 <a:spcPts val="800"/>
               </a:spcAft>
-              <a:buNone/>
+              <a:buFont typeface="Symbol" panose="05050102010706020507" pitchFamily="18" charset="2"/>
+              <a:buChar char=""/>
             </a:pPr>
             <a:r>
-              <a:rPr lang="de-DE" sz="1700" dirty="0">
+              <a:rPr lang="de-DE" sz="1100" dirty="0">
                 <a:effectLst/>
                 <a:latin typeface="Calibri" panose="020F0502020204030204" pitchFamily="34" charset="0"/>
                 <a:ea typeface="Calibri" panose="020F0502020204030204" pitchFamily="34" charset="0"/>
                 <a:cs typeface="Times New Roman" panose="02020603050405020304" pitchFamily="18" charset="0"/>
-                <a:hlinkClick r:id="rId20"/>
+              </a:rPr>
+              <a:t>Schriftart: </a:t>
+            </a:r>
+            <a:r>
+              <a:rPr lang="de-DE" sz="1100" dirty="0" err="1">
+                <a:effectLst/>
+                <a:latin typeface="Calibri" panose="020F0502020204030204" pitchFamily="34" charset="0"/>
+                <a:ea typeface="Calibri" panose="020F0502020204030204" pitchFamily="34" charset="0"/>
+                <a:cs typeface="Times New Roman" panose="02020603050405020304" pitchFamily="18" charset="0"/>
+              </a:rPr>
+              <a:t>Kenney</a:t>
+            </a:r>
+            <a:r>
+              <a:rPr lang="de-DE" sz="1100" dirty="0">
+                <a:effectLst/>
+                <a:latin typeface="Calibri" panose="020F0502020204030204" pitchFamily="34" charset="0"/>
+                <a:ea typeface="Calibri" panose="020F0502020204030204" pitchFamily="34" charset="0"/>
+                <a:cs typeface="Times New Roman" panose="02020603050405020304" pitchFamily="18" charset="0"/>
+              </a:rPr>
+              <a:t> Future Narrow, </a:t>
+            </a:r>
+            <a:r>
+              <a:rPr lang="de-DE" sz="1100" i="1" u="sng" dirty="0">
+                <a:solidFill>
+                  <a:srgbClr val="0563C1"/>
+                </a:solidFill>
+                <a:effectLst/>
+                <a:latin typeface="Calibri" panose="020F0502020204030204" pitchFamily="34" charset="0"/>
+                <a:ea typeface="Calibri" panose="020F0502020204030204" pitchFamily="34" charset="0"/>
+                <a:cs typeface="Times New Roman" panose="02020603050405020304" pitchFamily="18" charset="0"/>
+                <a:hlinkClick r:id="rId3"/>
               </a:rPr>
               <a:t>https://www.kenney.nl/assets/kenney-fonts</a:t>
             </a:r>
-            <a:endParaRPr lang="de-DE" sz="1700" dirty="0">
+            <a:endParaRPr lang="de-DE" sz="1100" dirty="0">
               <a:effectLst/>
               <a:latin typeface="Calibri" panose="020F0502020204030204" pitchFamily="34" charset="0"/>
               <a:ea typeface="Calibri" panose="020F0502020204030204" pitchFamily="34" charset="0"/>
@@ -8170,16 +8143,45 @@
             </a:endParaRPr>
           </a:p>
           <a:p>
-            <a:pPr marL="0" indent="0">
+            <a:r>
+              <a:rPr lang="de-DE" dirty="0"/>
+              <a:t>Sounds</a:t>
+            </a:r>
+          </a:p>
+          <a:p>
+            <a:pPr marL="342900" lvl="0" indent="-342900" algn="l">
               <a:lnSpc>
-                <a:spcPct val="120000"/>
+                <a:spcPct val="130000"/>
               </a:lnSpc>
               <a:spcAft>
                 <a:spcPts val="800"/>
               </a:spcAft>
-              <a:buNone/>
+              <a:buFont typeface="Symbol" panose="05050102010706020507" pitchFamily="18" charset="2"/>
+              <a:buChar char=""/>
             </a:pPr>
-            <a:endParaRPr lang="de-DE" sz="1700" dirty="0">
+            <a:r>
+              <a:rPr lang="en-US" sz="1600" i="1" u="sng" dirty="0">
+                <a:solidFill>
+                  <a:srgbClr val="0563C1"/>
+                </a:solidFill>
+                <a:effectLst/>
+                <a:latin typeface="Calibri" panose="020F0502020204030204" pitchFamily="34" charset="0"/>
+                <a:ea typeface="Calibri" panose="020F0502020204030204" pitchFamily="34" charset="0"/>
+                <a:cs typeface="Times New Roman" panose="02020603050405020304" pitchFamily="18" charset="0"/>
+                <a:hlinkClick r:id="rId4"/>
+              </a:rPr>
+              <a:t>https://freesound.org/people/milton./sounds/69130/</a:t>
+            </a:r>
+            <a:r>
+              <a:rPr lang="en-US" sz="1600" i="1" dirty="0">
+                <a:effectLst/>
+                <a:latin typeface="Calibri" panose="020F0502020204030204" pitchFamily="34" charset="0"/>
+                <a:ea typeface="Calibri" panose="020F0502020204030204" pitchFamily="34" charset="0"/>
+                <a:cs typeface="Times New Roman" panose="02020603050405020304" pitchFamily="18" charset="0"/>
+              </a:rPr>
+              <a:t> </a:t>
+            </a:r>
+            <a:endParaRPr lang="de-DE" sz="1600" dirty="0">
               <a:effectLst/>
               <a:latin typeface="Calibri" panose="020F0502020204030204" pitchFamily="34" charset="0"/>
               <a:ea typeface="Calibri" panose="020F0502020204030204" pitchFamily="34" charset="0"/>
@@ -8187,60 +8189,619 @@
             </a:endParaRPr>
           </a:p>
           <a:p>
-            <a:pPr marL="0" indent="0" algn="l" rtl="0" fontAlgn="base">
-              <a:buNone/>
+            <a:pPr marL="342900" lvl="0" indent="-342900" algn="l">
+              <a:lnSpc>
+                <a:spcPct val="130000"/>
+              </a:lnSpc>
+              <a:spcAft>
+                <a:spcPts val="800"/>
+              </a:spcAft>
+              <a:buFont typeface="Symbol" panose="05050102010706020507" pitchFamily="18" charset="2"/>
+              <a:buChar char=""/>
             </a:pPr>
-            <a:endParaRPr lang="en-US" sz="900" b="0" i="0" dirty="0">
-              <a:solidFill>
-                <a:srgbClr val="000000"/>
-              </a:solidFill>
-              <a:effectLst/>
-              <a:latin typeface="Calibri" panose="020F0502020204030204" pitchFamily="34" charset="0"/>
-            </a:endParaRPr>
-          </a:p>
-          <a:p>
-            <a:pPr marL="0" indent="0" algn="l" rtl="0" fontAlgn="base">
-              <a:buNone/>
-            </a:pPr>
-            <a:endParaRPr lang="en-US" sz="900" b="0" i="0" dirty="0">
-              <a:solidFill>
-                <a:srgbClr val="000000"/>
-              </a:solidFill>
-              <a:effectLst/>
-              <a:latin typeface="Segoe UI" panose="020B0502040204020203" pitchFamily="34" charset="0"/>
-            </a:endParaRPr>
-          </a:p>
-          <a:p>
-            <a:pPr marL="0" indent="0" algn="l" rtl="0" fontAlgn="base">
-              <a:buNone/>
-            </a:pPr>
-            <a:r>
-              <a:rPr lang="en-US" sz="1400" b="0" i="0" dirty="0">
+            <a:r>
+              <a:rPr lang="en-US" sz="1600" i="1" u="sng" dirty="0">
                 <a:solidFill>
-                  <a:srgbClr val="000000"/>
+                  <a:srgbClr val="0563C1"/>
                 </a:solidFill>
                 <a:effectLst/>
                 <a:latin typeface="Calibri" panose="020F0502020204030204" pitchFamily="34" charset="0"/>
+                <a:ea typeface="Calibri" panose="020F0502020204030204" pitchFamily="34" charset="0"/>
+                <a:cs typeface="Times New Roman" panose="02020603050405020304" pitchFamily="18" charset="0"/>
+                <a:hlinkClick r:id="rId5"/>
+              </a:rPr>
+              <a:t>https://freesound.org/people/xtrgamr/sounds/243644/</a:t>
+            </a:r>
+            <a:r>
+              <a:rPr lang="en-US" sz="1600" i="1" dirty="0">
+                <a:effectLst/>
+                <a:latin typeface="Calibri" panose="020F0502020204030204" pitchFamily="34" charset="0"/>
+                <a:ea typeface="Calibri" panose="020F0502020204030204" pitchFamily="34" charset="0"/>
+                <a:cs typeface="Times New Roman" panose="02020603050405020304" pitchFamily="18" charset="0"/>
               </a:rPr>
               <a:t> </a:t>
             </a:r>
-            <a:endParaRPr lang="en-US" sz="1400" b="0" i="0" dirty="0">
-              <a:solidFill>
-                <a:srgbClr val="000000"/>
-              </a:solidFill>
+            <a:endParaRPr lang="de-DE" sz="1600" dirty="0">
               <a:effectLst/>
-              <a:latin typeface="Segoe UI" panose="020B0502040204020203" pitchFamily="34" charset="0"/>
+              <a:latin typeface="Calibri" panose="020F0502020204030204" pitchFamily="34" charset="0"/>
+              <a:ea typeface="Calibri" panose="020F0502020204030204" pitchFamily="34" charset="0"/>
+              <a:cs typeface="Times New Roman" panose="02020603050405020304" pitchFamily="18" charset="0"/>
             </a:endParaRPr>
           </a:p>
           <a:p>
-            <a:endParaRPr lang="de-DE" sz="1000" dirty="0"/>
+            <a:pPr marL="342900" lvl="0" indent="-342900" algn="l">
+              <a:lnSpc>
+                <a:spcPct val="130000"/>
+              </a:lnSpc>
+              <a:spcAft>
+                <a:spcPts val="800"/>
+              </a:spcAft>
+              <a:buFont typeface="Symbol" panose="05050102010706020507" pitchFamily="18" charset="2"/>
+              <a:buChar char=""/>
+            </a:pPr>
+            <a:r>
+              <a:rPr lang="en-US" sz="1600" i="1" u="sng" dirty="0">
+                <a:solidFill>
+                  <a:srgbClr val="0563C1"/>
+                </a:solidFill>
+                <a:effectLst/>
+                <a:latin typeface="Calibri" panose="020F0502020204030204" pitchFamily="34" charset="0"/>
+                <a:ea typeface="Calibri" panose="020F0502020204030204" pitchFamily="34" charset="0"/>
+                <a:cs typeface="Times New Roman" panose="02020603050405020304" pitchFamily="18" charset="0"/>
+                <a:hlinkClick r:id="rId6"/>
+              </a:rPr>
+              <a:t>https://freesound.org/people/Joao_Janz/sounds/482653/</a:t>
+            </a:r>
+            <a:r>
+              <a:rPr lang="en-US" sz="1600" i="1" dirty="0">
+                <a:effectLst/>
+                <a:latin typeface="Calibri" panose="020F0502020204030204" pitchFamily="34" charset="0"/>
+                <a:ea typeface="Calibri" panose="020F0502020204030204" pitchFamily="34" charset="0"/>
+                <a:cs typeface="Times New Roman" panose="02020603050405020304" pitchFamily="18" charset="0"/>
+              </a:rPr>
+              <a:t> </a:t>
+            </a:r>
+            <a:endParaRPr lang="de-DE" sz="1600" dirty="0">
+              <a:effectLst/>
+              <a:latin typeface="Calibri" panose="020F0502020204030204" pitchFamily="34" charset="0"/>
+              <a:ea typeface="Calibri" panose="020F0502020204030204" pitchFamily="34" charset="0"/>
+              <a:cs typeface="Times New Roman" panose="02020603050405020304" pitchFamily="18" charset="0"/>
+            </a:endParaRPr>
+          </a:p>
+          <a:p>
+            <a:pPr marL="342900" lvl="0" indent="-342900" algn="l">
+              <a:lnSpc>
+                <a:spcPct val="130000"/>
+              </a:lnSpc>
+              <a:spcAft>
+                <a:spcPts val="800"/>
+              </a:spcAft>
+              <a:buFont typeface="Symbol" panose="05050102010706020507" pitchFamily="18" charset="2"/>
+              <a:buChar char=""/>
+            </a:pPr>
+            <a:r>
+              <a:rPr lang="en-US" sz="1600" i="1" u="sng" dirty="0">
+                <a:solidFill>
+                  <a:srgbClr val="0563C1"/>
+                </a:solidFill>
+                <a:effectLst/>
+                <a:latin typeface="Calibri" panose="020F0502020204030204" pitchFamily="34" charset="0"/>
+                <a:ea typeface="Calibri" panose="020F0502020204030204" pitchFamily="34" charset="0"/>
+                <a:cs typeface="Times New Roman" panose="02020603050405020304" pitchFamily="18" charset="0"/>
+                <a:hlinkClick r:id="rId7"/>
+              </a:rPr>
+              <a:t>https://freesound.org/people/rhodesmas/sounds/320672/</a:t>
+            </a:r>
+            <a:r>
+              <a:rPr lang="en-US" sz="1600" i="1" dirty="0">
+                <a:effectLst/>
+                <a:latin typeface="Calibri" panose="020F0502020204030204" pitchFamily="34" charset="0"/>
+                <a:ea typeface="Calibri" panose="020F0502020204030204" pitchFamily="34" charset="0"/>
+                <a:cs typeface="Times New Roman" panose="02020603050405020304" pitchFamily="18" charset="0"/>
+              </a:rPr>
+              <a:t>  </a:t>
+            </a:r>
+            <a:endParaRPr lang="de-DE" sz="1600" dirty="0">
+              <a:effectLst/>
+              <a:latin typeface="Calibri" panose="020F0502020204030204" pitchFamily="34" charset="0"/>
+              <a:ea typeface="Calibri" panose="020F0502020204030204" pitchFamily="34" charset="0"/>
+              <a:cs typeface="Times New Roman" panose="02020603050405020304" pitchFamily="18" charset="0"/>
+            </a:endParaRPr>
+          </a:p>
+          <a:p>
+            <a:pPr marL="342900" lvl="0" indent="-342900" algn="l">
+              <a:lnSpc>
+                <a:spcPct val="130000"/>
+              </a:lnSpc>
+              <a:spcAft>
+                <a:spcPts val="800"/>
+              </a:spcAft>
+              <a:buFont typeface="Symbol" panose="05050102010706020507" pitchFamily="18" charset="2"/>
+              <a:buChar char=""/>
+            </a:pPr>
+            <a:r>
+              <a:rPr lang="en-US" sz="1600" i="1" u="sng" dirty="0">
+                <a:solidFill>
+                  <a:srgbClr val="0563C1"/>
+                </a:solidFill>
+                <a:effectLst/>
+                <a:latin typeface="Calibri" panose="020F0502020204030204" pitchFamily="34" charset="0"/>
+                <a:ea typeface="Calibri" panose="020F0502020204030204" pitchFamily="34" charset="0"/>
+                <a:cs typeface="Times New Roman" panose="02020603050405020304" pitchFamily="18" charset="0"/>
+                <a:hlinkClick r:id="rId8"/>
+              </a:rPr>
+              <a:t>https://freesound.org/people/steel2008/sounds/231277/</a:t>
+            </a:r>
+            <a:r>
+              <a:rPr lang="en-US" sz="1600" i="1" dirty="0">
+                <a:effectLst/>
+                <a:latin typeface="Calibri" panose="020F0502020204030204" pitchFamily="34" charset="0"/>
+                <a:ea typeface="Calibri" panose="020F0502020204030204" pitchFamily="34" charset="0"/>
+                <a:cs typeface="Times New Roman" panose="02020603050405020304" pitchFamily="18" charset="0"/>
+              </a:rPr>
+              <a:t> </a:t>
+            </a:r>
+            <a:endParaRPr lang="de-DE" sz="1600" dirty="0">
+              <a:effectLst/>
+              <a:latin typeface="Calibri" panose="020F0502020204030204" pitchFamily="34" charset="0"/>
+              <a:ea typeface="Calibri" panose="020F0502020204030204" pitchFamily="34" charset="0"/>
+              <a:cs typeface="Times New Roman" panose="02020603050405020304" pitchFamily="18" charset="0"/>
+            </a:endParaRPr>
+          </a:p>
+          <a:p>
+            <a:pPr marL="342900" lvl="0" indent="-342900" algn="l">
+              <a:lnSpc>
+                <a:spcPct val="130000"/>
+              </a:lnSpc>
+              <a:spcAft>
+                <a:spcPts val="800"/>
+              </a:spcAft>
+              <a:buFont typeface="Symbol" panose="05050102010706020507" pitchFamily="18" charset="2"/>
+              <a:buChar char=""/>
+            </a:pPr>
+            <a:r>
+              <a:rPr lang="en-US" sz="1600" i="1" u="sng" dirty="0">
+                <a:solidFill>
+                  <a:srgbClr val="0563C1"/>
+                </a:solidFill>
+                <a:effectLst/>
+                <a:latin typeface="Calibri" panose="020F0502020204030204" pitchFamily="34" charset="0"/>
+                <a:ea typeface="Calibri" panose="020F0502020204030204" pitchFamily="34" charset="0"/>
+                <a:cs typeface="Times New Roman" panose="02020603050405020304" pitchFamily="18" charset="0"/>
+                <a:hlinkClick r:id="rId9"/>
+              </a:rPr>
+              <a:t>https://freesound.org/people/gis_sweden/sounds/651797/</a:t>
+            </a:r>
+            <a:endParaRPr lang="de-DE" sz="1600" dirty="0">
+              <a:effectLst/>
+              <a:latin typeface="Calibri" panose="020F0502020204030204" pitchFamily="34" charset="0"/>
+              <a:ea typeface="Calibri" panose="020F0502020204030204" pitchFamily="34" charset="0"/>
+              <a:cs typeface="Times New Roman" panose="02020603050405020304" pitchFamily="18" charset="0"/>
+            </a:endParaRPr>
+          </a:p>
+          <a:p>
+            <a:pPr marL="342900" lvl="0" indent="-342900" algn="l">
+              <a:lnSpc>
+                <a:spcPct val="130000"/>
+              </a:lnSpc>
+              <a:spcAft>
+                <a:spcPts val="800"/>
+              </a:spcAft>
+              <a:buFont typeface="Symbol" panose="05050102010706020507" pitchFamily="18" charset="2"/>
+              <a:buChar char=""/>
+            </a:pPr>
+            <a:r>
+              <a:rPr lang="en-US" sz="1600" i="1" u="sng" dirty="0">
+                <a:solidFill>
+                  <a:srgbClr val="0563C1"/>
+                </a:solidFill>
+                <a:effectLst/>
+                <a:latin typeface="Calibri" panose="020F0502020204030204" pitchFamily="34" charset="0"/>
+                <a:ea typeface="Calibri" panose="020F0502020204030204" pitchFamily="34" charset="0"/>
+                <a:cs typeface="Times New Roman" panose="02020603050405020304" pitchFamily="18" charset="0"/>
+                <a:hlinkClick r:id="rId10"/>
+              </a:rPr>
+              <a:t>https://mixkit.co/free-sound-effects/lose/</a:t>
+            </a:r>
+            <a:endParaRPr lang="de-DE" sz="1600" dirty="0">
+              <a:effectLst/>
+              <a:latin typeface="Calibri" panose="020F0502020204030204" pitchFamily="34" charset="0"/>
+              <a:ea typeface="Calibri" panose="020F0502020204030204" pitchFamily="34" charset="0"/>
+              <a:cs typeface="Times New Roman" panose="02020603050405020304" pitchFamily="18" charset="0"/>
+            </a:endParaRPr>
+          </a:p>
+          <a:p>
+            <a:pPr marL="0" indent="0">
+              <a:buNone/>
+            </a:pPr>
+            <a:endParaRPr lang="de-DE" dirty="0"/>
           </a:p>
         </p:txBody>
       </p:sp>
     </p:spTree>
     <p:extLst>
       <p:ext uri="{BB962C8B-B14F-4D97-AF65-F5344CB8AC3E}">
-        <p14:creationId xmlns:p14="http://schemas.microsoft.com/office/powerpoint/2010/main" val="3984358898"/>
+        <p14:creationId xmlns:p14="http://schemas.microsoft.com/office/powerpoint/2010/main" val="1275504391"/>
+      </p:ext>
+    </p:extLst>
+  </p:cSld>
+  <p:clrMapOvr>
+    <a:masterClrMapping/>
+  </p:clrMapOvr>
+</p:sld>
+</file>
+
+<file path=ppt/slides/slide8.xml><?xml version="1.0" encoding="utf-8"?>
+<p:sld xmlns:a="http://schemas.openxmlformats.org/drawingml/2006/main" xmlns:r="http://schemas.openxmlformats.org/officeDocument/2006/relationships" xmlns:p="http://schemas.openxmlformats.org/presentationml/2006/main">
+  <p:cSld>
+    <p:spTree>
+      <p:nvGrpSpPr>
+        <p:cNvPr id="1" name=""/>
+        <p:cNvGrpSpPr/>
+        <p:nvPr/>
+      </p:nvGrpSpPr>
+      <p:grpSpPr>
+        <a:xfrm>
+          <a:off x="0" y="0"/>
+          <a:ext cx="0" cy="0"/>
+          <a:chOff x="0" y="0"/>
+          <a:chExt cx="0" cy="0"/>
+        </a:xfrm>
+      </p:grpSpPr>
+      <p:sp>
+        <p:nvSpPr>
+          <p:cNvPr id="2" name="Titel 1">
+            <a:extLst>
+              <a:ext uri="{FF2B5EF4-FFF2-40B4-BE49-F238E27FC236}">
+                <a16:creationId xmlns:a16="http://schemas.microsoft.com/office/drawing/2014/main" id="{C51740B4-C7CB-57F1-94BB-BAD07E640924}"/>
+              </a:ext>
+            </a:extLst>
+          </p:cNvPr>
+          <p:cNvSpPr>
+            <a:spLocks noGrp="1"/>
+          </p:cNvSpPr>
+          <p:nvPr>
+            <p:ph type="title"/>
+          </p:nvPr>
+        </p:nvSpPr>
+        <p:spPr>
+          <a:xfrm>
+            <a:off x="646111" y="452718"/>
+            <a:ext cx="9404723" cy="847762"/>
+          </a:xfrm>
+        </p:spPr>
+        <p:txBody>
+          <a:bodyPr/>
+          <a:lstStyle/>
+          <a:p>
+            <a:r>
+              <a:rPr lang="de-DE" dirty="0"/>
+              <a:t>Quellen:</a:t>
+            </a:r>
+          </a:p>
+        </p:txBody>
+      </p:sp>
+      <p:sp>
+        <p:nvSpPr>
+          <p:cNvPr id="3" name="Inhaltsplatzhalter 2">
+            <a:extLst>
+              <a:ext uri="{FF2B5EF4-FFF2-40B4-BE49-F238E27FC236}">
+                <a16:creationId xmlns:a16="http://schemas.microsoft.com/office/drawing/2014/main" id="{A587BF3A-E8C7-8D42-B7FC-BDD796DE9DB1}"/>
+              </a:ext>
+            </a:extLst>
+          </p:cNvPr>
+          <p:cNvSpPr>
+            <a:spLocks noGrp="1"/>
+          </p:cNvSpPr>
+          <p:nvPr>
+            <p:ph idx="1"/>
+          </p:nvPr>
+        </p:nvSpPr>
+        <p:spPr>
+          <a:xfrm>
+            <a:off x="1103312" y="1645920"/>
+            <a:ext cx="8946541" cy="4602479"/>
+          </a:xfrm>
+        </p:spPr>
+        <p:txBody>
+          <a:bodyPr>
+            <a:normAutofit/>
+          </a:bodyPr>
+          <a:lstStyle/>
+          <a:p>
+            <a:r>
+              <a:rPr lang="de-DE" dirty="0"/>
+              <a:t>Inspiration und Tutorials</a:t>
+            </a:r>
+          </a:p>
+          <a:p>
+            <a:pPr marL="342900" lvl="0" indent="-342900" algn="l">
+              <a:lnSpc>
+                <a:spcPct val="130000"/>
+              </a:lnSpc>
+              <a:spcAft>
+                <a:spcPts val="800"/>
+              </a:spcAft>
+              <a:buFont typeface="Symbol" panose="05050102010706020507" pitchFamily="18" charset="2"/>
+              <a:buChar char=""/>
+            </a:pPr>
+            <a:r>
+              <a:rPr lang="de-DE" sz="1200" i="1" dirty="0">
+                <a:effectLst/>
+                <a:latin typeface="Calibri" panose="020F0502020204030204" pitchFamily="34" charset="0"/>
+                <a:ea typeface="Calibri" panose="020F0502020204030204" pitchFamily="34" charset="0"/>
+                <a:cs typeface="Times New Roman" panose="02020603050405020304" pitchFamily="18" charset="0"/>
+              </a:rPr>
+              <a:t>Spiel entwickeln mit Unity: </a:t>
+            </a:r>
+            <a:r>
+              <a:rPr lang="de-DE" sz="1200" i="1" u="sng" dirty="0">
+                <a:solidFill>
+                  <a:srgbClr val="0563C1"/>
+                </a:solidFill>
+                <a:effectLst/>
+                <a:latin typeface="Calibri" panose="020F0502020204030204" pitchFamily="34" charset="0"/>
+                <a:ea typeface="Calibri" panose="020F0502020204030204" pitchFamily="34" charset="0"/>
+                <a:cs typeface="Times New Roman" panose="02020603050405020304" pitchFamily="18" charset="0"/>
+                <a:hlinkClick r:id="rId2"/>
+              </a:rPr>
+              <a:t>https://www.youtube.com/watch?v=Ii-scMenaOQ&amp;list=PLrnPJCHvNZuCVTz6lvhR81nnaf1a-b67U&amp;ab_channel=CodinginFlow</a:t>
+            </a:r>
+            <a:endParaRPr lang="de-DE" sz="1200" dirty="0">
+              <a:effectLst/>
+              <a:latin typeface="Calibri" panose="020F0502020204030204" pitchFamily="34" charset="0"/>
+              <a:ea typeface="Calibri" panose="020F0502020204030204" pitchFamily="34" charset="0"/>
+              <a:cs typeface="Times New Roman" panose="02020603050405020304" pitchFamily="18" charset="0"/>
+            </a:endParaRPr>
+          </a:p>
+          <a:p>
+            <a:pPr marL="342900" lvl="0" indent="-342900" algn="l">
+              <a:lnSpc>
+                <a:spcPct val="130000"/>
+              </a:lnSpc>
+              <a:spcAft>
+                <a:spcPts val="800"/>
+              </a:spcAft>
+              <a:buFont typeface="Symbol" panose="05050102010706020507" pitchFamily="18" charset="2"/>
+              <a:buChar char=""/>
+            </a:pPr>
+            <a:r>
+              <a:rPr lang="de-DE" sz="1200" i="1" dirty="0">
+                <a:effectLst/>
+                <a:latin typeface="Calibri" panose="020F0502020204030204" pitchFamily="34" charset="0"/>
+                <a:ea typeface="Calibri" panose="020F0502020204030204" pitchFamily="34" charset="0"/>
+                <a:cs typeface="Times New Roman" panose="02020603050405020304" pitchFamily="18" charset="0"/>
+              </a:rPr>
+              <a:t>Unity Beginner Tutorial: </a:t>
+            </a:r>
+            <a:r>
+              <a:rPr lang="de-DE" sz="1200" i="1" u="sng" dirty="0">
+                <a:solidFill>
+                  <a:srgbClr val="0563C1"/>
+                </a:solidFill>
+                <a:effectLst/>
+                <a:latin typeface="Calibri" panose="020F0502020204030204" pitchFamily="34" charset="0"/>
+                <a:ea typeface="Calibri" panose="020F0502020204030204" pitchFamily="34" charset="0"/>
+                <a:cs typeface="Times New Roman" panose="02020603050405020304" pitchFamily="18" charset="0"/>
+                <a:hlinkClick r:id="rId3"/>
+              </a:rPr>
+              <a:t>https://www.youtube.com/playlist?list=PLPV2KyIb3jR5QFsefuO2RlAgWEz6EvVi6</a:t>
+            </a:r>
+            <a:endParaRPr lang="de-DE" sz="1200" dirty="0">
+              <a:effectLst/>
+              <a:latin typeface="Calibri" panose="020F0502020204030204" pitchFamily="34" charset="0"/>
+              <a:ea typeface="Calibri" panose="020F0502020204030204" pitchFamily="34" charset="0"/>
+              <a:cs typeface="Times New Roman" panose="02020603050405020304" pitchFamily="18" charset="0"/>
+            </a:endParaRPr>
+          </a:p>
+          <a:p>
+            <a:pPr marL="342900" lvl="0" indent="-342900" algn="l">
+              <a:lnSpc>
+                <a:spcPct val="130000"/>
+              </a:lnSpc>
+              <a:spcAft>
+                <a:spcPts val="800"/>
+              </a:spcAft>
+              <a:buFont typeface="Symbol" panose="05050102010706020507" pitchFamily="18" charset="2"/>
+              <a:buChar char=""/>
+            </a:pPr>
+            <a:r>
+              <a:rPr lang="de-DE" sz="1200" dirty="0">
+                <a:effectLst/>
+                <a:latin typeface="Calibri" panose="020F0502020204030204" pitchFamily="34" charset="0"/>
+                <a:ea typeface="Calibri" panose="020F0502020204030204" pitchFamily="34" charset="0"/>
+                <a:cs typeface="Times New Roman" panose="02020603050405020304" pitchFamily="18" charset="0"/>
+              </a:rPr>
+              <a:t>RTL-Show „Murmel Mania“ </a:t>
+            </a:r>
+            <a:r>
+              <a:rPr lang="en-US" sz="1200" u="sng" dirty="0">
+                <a:solidFill>
+                  <a:srgbClr val="0563C1"/>
+                </a:solidFill>
+                <a:effectLst/>
+                <a:latin typeface="Calibri" panose="020F0502020204030204" pitchFamily="34" charset="0"/>
+                <a:ea typeface="Calibri" panose="020F0502020204030204" pitchFamily="34" charset="0"/>
+                <a:cs typeface="Times New Roman" panose="02020603050405020304" pitchFamily="18" charset="0"/>
+                <a:hlinkClick r:id="rId4"/>
+              </a:rPr>
+              <a:t>https://www.fernsehserien.de/murmel-mania</a:t>
+            </a:r>
+            <a:r>
+              <a:rPr lang="en-US" sz="1200" dirty="0">
+                <a:effectLst/>
+                <a:latin typeface="Calibri" panose="020F0502020204030204" pitchFamily="34" charset="0"/>
+                <a:ea typeface="Calibri" panose="020F0502020204030204" pitchFamily="34" charset="0"/>
+                <a:cs typeface="Times New Roman" panose="02020603050405020304" pitchFamily="18" charset="0"/>
+              </a:rPr>
+              <a:t> </a:t>
+            </a:r>
+            <a:endParaRPr lang="de-DE" sz="1200" dirty="0">
+              <a:effectLst/>
+              <a:latin typeface="Calibri" panose="020F0502020204030204" pitchFamily="34" charset="0"/>
+              <a:ea typeface="Calibri" panose="020F0502020204030204" pitchFamily="34" charset="0"/>
+              <a:cs typeface="Times New Roman" panose="02020603050405020304" pitchFamily="18" charset="0"/>
+            </a:endParaRPr>
+          </a:p>
+          <a:p>
+            <a:pPr marL="342900" lvl="0" indent="-342900" algn="l">
+              <a:lnSpc>
+                <a:spcPct val="130000"/>
+              </a:lnSpc>
+              <a:spcAft>
+                <a:spcPts val="800"/>
+              </a:spcAft>
+              <a:buFont typeface="Symbol" panose="05050102010706020507" pitchFamily="18" charset="2"/>
+              <a:buChar char=""/>
+            </a:pPr>
+            <a:r>
+              <a:rPr lang="de-DE" sz="1200" dirty="0">
+                <a:effectLst/>
+                <a:latin typeface="Calibri" panose="020F0502020204030204" pitchFamily="34" charset="0"/>
+                <a:ea typeface="Calibri" panose="020F0502020204030204" pitchFamily="34" charset="0"/>
+                <a:cs typeface="Times New Roman" panose="02020603050405020304" pitchFamily="18" charset="0"/>
+              </a:rPr>
+              <a:t>Casino-Roulette:</a:t>
+            </a:r>
+            <a:r>
+              <a:rPr lang="de-DE" sz="1200" i="1" dirty="0">
+                <a:effectLst/>
+                <a:latin typeface="Calibri" panose="020F0502020204030204" pitchFamily="34" charset="0"/>
+                <a:ea typeface="Calibri" panose="020F0502020204030204" pitchFamily="34" charset="0"/>
+                <a:cs typeface="Times New Roman" panose="02020603050405020304" pitchFamily="18" charset="0"/>
+              </a:rPr>
+              <a:t> </a:t>
+            </a:r>
+            <a:r>
+              <a:rPr lang="de-DE" sz="1200" i="1" u="sng" dirty="0">
+                <a:solidFill>
+                  <a:srgbClr val="0563C1"/>
+                </a:solidFill>
+                <a:effectLst/>
+                <a:latin typeface="Calibri" panose="020F0502020204030204" pitchFamily="34" charset="0"/>
+                <a:ea typeface="Calibri" panose="020F0502020204030204" pitchFamily="34" charset="0"/>
+                <a:cs typeface="Times New Roman" panose="02020603050405020304" pitchFamily="18" charset="0"/>
+                <a:hlinkClick r:id="rId5"/>
+              </a:rPr>
+              <a:t>Making a Casino Roulette in Blender 2.79 - YouTube</a:t>
+            </a:r>
+            <a:endParaRPr lang="de-DE" sz="1200" dirty="0">
+              <a:effectLst/>
+              <a:latin typeface="Calibri" panose="020F0502020204030204" pitchFamily="34" charset="0"/>
+              <a:ea typeface="Calibri" panose="020F0502020204030204" pitchFamily="34" charset="0"/>
+              <a:cs typeface="Times New Roman" panose="02020603050405020304" pitchFamily="18" charset="0"/>
+            </a:endParaRPr>
+          </a:p>
+          <a:p>
+            <a:pPr indent="449580" algn="l">
+              <a:lnSpc>
+                <a:spcPct val="130000"/>
+              </a:lnSpc>
+              <a:spcAft>
+                <a:spcPts val="800"/>
+              </a:spcAft>
+            </a:pPr>
+            <a:r>
+              <a:rPr lang="de-DE" sz="1200" i="1" dirty="0">
+                <a:effectLst/>
+                <a:latin typeface="Calibri" panose="020F0502020204030204" pitchFamily="34" charset="0"/>
+                <a:ea typeface="Calibri" panose="020F0502020204030204" pitchFamily="34" charset="0"/>
+                <a:cs typeface="Times New Roman" panose="02020603050405020304" pitchFamily="18" charset="0"/>
+              </a:rPr>
+              <a:t>Inspiration: </a:t>
+            </a:r>
+            <a:r>
+              <a:rPr lang="de-DE" sz="1200" i="1" u="sng" dirty="0">
+                <a:solidFill>
+                  <a:srgbClr val="0563C1"/>
+                </a:solidFill>
+                <a:effectLst/>
+                <a:latin typeface="Calibri" panose="020F0502020204030204" pitchFamily="34" charset="0"/>
+                <a:ea typeface="Calibri" panose="020F0502020204030204" pitchFamily="34" charset="0"/>
+                <a:cs typeface="Times New Roman" panose="02020603050405020304" pitchFamily="18" charset="0"/>
+                <a:hlinkClick r:id="rId6"/>
+              </a:rPr>
+              <a:t>1000_F_158486556_3f1vUzdTXKRfDcAUTnItuYeQZSul0Pjt.jpg (1000×667) (ftcdn.net)</a:t>
+            </a:r>
+            <a:endParaRPr lang="de-DE" sz="1200" dirty="0">
+              <a:effectLst/>
+              <a:latin typeface="Calibri" panose="020F0502020204030204" pitchFamily="34" charset="0"/>
+              <a:ea typeface="Calibri" panose="020F0502020204030204" pitchFamily="34" charset="0"/>
+              <a:cs typeface="Times New Roman" panose="02020603050405020304" pitchFamily="18" charset="0"/>
+            </a:endParaRPr>
+          </a:p>
+          <a:p>
+            <a:pPr marL="342900" lvl="0" indent="-342900" algn="l">
+              <a:lnSpc>
+                <a:spcPct val="130000"/>
+              </a:lnSpc>
+              <a:spcAft>
+                <a:spcPts val="800"/>
+              </a:spcAft>
+              <a:buFont typeface="Symbol" panose="05050102010706020507" pitchFamily="18" charset="2"/>
+              <a:buChar char=""/>
+            </a:pPr>
+            <a:r>
+              <a:rPr lang="de-DE" sz="1200" dirty="0">
+                <a:effectLst/>
+                <a:latin typeface="Calibri" panose="020F0502020204030204" pitchFamily="34" charset="0"/>
+                <a:ea typeface="Calibri" panose="020F0502020204030204" pitchFamily="34" charset="0"/>
+                <a:cs typeface="Times New Roman" panose="02020603050405020304" pitchFamily="18" charset="0"/>
+              </a:rPr>
+              <a:t>Casino-Objekte: </a:t>
+            </a:r>
+            <a:r>
+              <a:rPr lang="de-DE" sz="1200" i="1" u="sng" dirty="0">
+                <a:solidFill>
+                  <a:srgbClr val="0563C1"/>
+                </a:solidFill>
+                <a:effectLst/>
+                <a:latin typeface="Calibri" panose="020F0502020204030204" pitchFamily="34" charset="0"/>
+                <a:ea typeface="Calibri" panose="020F0502020204030204" pitchFamily="34" charset="0"/>
+                <a:cs typeface="Times New Roman" panose="02020603050405020304" pitchFamily="18" charset="0"/>
+                <a:hlinkClick r:id="rId7"/>
+              </a:rPr>
+              <a:t>Create a </a:t>
+            </a:r>
+            <a:r>
+              <a:rPr lang="de-DE" sz="1200" i="1" u="sng" dirty="0" err="1">
+                <a:solidFill>
+                  <a:srgbClr val="0563C1"/>
+                </a:solidFill>
+                <a:effectLst/>
+                <a:latin typeface="Calibri" panose="020F0502020204030204" pitchFamily="34" charset="0"/>
+                <a:ea typeface="Calibri" panose="020F0502020204030204" pitchFamily="34" charset="0"/>
+                <a:cs typeface="Times New Roman" panose="02020603050405020304" pitchFamily="18" charset="0"/>
+                <a:hlinkClick r:id="rId7"/>
+              </a:rPr>
+              <a:t>Cinematic</a:t>
+            </a:r>
+            <a:r>
+              <a:rPr lang="de-DE" sz="1200" i="1" u="sng" dirty="0">
+                <a:solidFill>
+                  <a:srgbClr val="0563C1"/>
+                </a:solidFill>
+                <a:effectLst/>
+                <a:latin typeface="Calibri" panose="020F0502020204030204" pitchFamily="34" charset="0"/>
+                <a:ea typeface="Calibri" panose="020F0502020204030204" pitchFamily="34" charset="0"/>
+                <a:cs typeface="Times New Roman" panose="02020603050405020304" pitchFamily="18" charset="0"/>
+                <a:hlinkClick r:id="rId7"/>
+              </a:rPr>
+              <a:t> Casino in Blender - Tutorial Breakdown - YouTube</a:t>
+            </a:r>
+            <a:endParaRPr lang="de-DE" sz="1200" dirty="0">
+              <a:effectLst/>
+              <a:latin typeface="Calibri" panose="020F0502020204030204" pitchFamily="34" charset="0"/>
+              <a:ea typeface="Calibri" panose="020F0502020204030204" pitchFamily="34" charset="0"/>
+              <a:cs typeface="Times New Roman" panose="02020603050405020304" pitchFamily="18" charset="0"/>
+            </a:endParaRPr>
+          </a:p>
+        </p:txBody>
+      </p:sp>
+    </p:spTree>
+    <p:extLst>
+      <p:ext uri="{BB962C8B-B14F-4D97-AF65-F5344CB8AC3E}">
+        <p14:creationId xmlns:p14="http://schemas.microsoft.com/office/powerpoint/2010/main" val="2177023935"/>
       </p:ext>
     </p:extLst>
   </p:cSld>
